--- a/Document/PresentazioneProgetto.pptx
+++ b/Document/PresentazioneProgetto.pptx
@@ -11,7 +11,6 @@
     <p:sldId id="259" r:id="rId5"/>
     <p:sldId id="260" r:id="rId6"/>
     <p:sldId id="262" r:id="rId7"/>
-    <p:sldId id="261" r:id="rId8"/>
   </p:sldIdLst>
   <p:sldSz cx="12192000" cy="6858000"/>
   <p:notesSz cx="6858000" cy="9144000"/>
@@ -21876,7 +21875,7 @@
           <a:p>
             <a:r>
               <a:rPr lang="it-IT" dirty="0"/>
-              <a:t>Tempi negativi corrispondono a un decremento successivo in quanto si annulla.</a:t>
+              <a:t>per ogni tempo negativo esiste un tempo positivo uguale in modulo che, al sommare i tempi delle stesse attività, si annullano a vicenda.</a:t>
             </a:r>
           </a:p>
           <a:p>
@@ -21939,12 +21938,8 @@
           <a:lstStyle/>
           <a:p>
             <a:r>
-              <a:rPr lang="it-IT" dirty="0"/>
-              <a:t>Esecuzione </a:t>
-            </a:r>
-            <a:r>
               <a:rPr lang="it-IT"/>
-              <a:t>degli scostamenti</a:t>
+              <a:t>Esecuzione degli scostamenti</a:t>
             </a:r>
           </a:p>
         </p:txBody>
@@ -21965,14 +21960,14 @@
             <p:ph idx="1"/>
             <p:extLst>
               <p:ext uri="{D42A27DB-BD31-4B8C-83A1-F6EECF244321}">
-                <p14:modId xmlns:p14="http://schemas.microsoft.com/office/powerpoint/2010/main" val="2216293827"/>
+                <p14:modId xmlns:p14="http://schemas.microsoft.com/office/powerpoint/2010/main" val="1036798793"/>
               </p:ext>
             </p:extLst>
           </p:nvPr>
         </p:nvGraphicFramePr>
         <p:xfrm>
-          <a:off x="1023938" y="2286000"/>
-          <a:ext cx="9720260" cy="741680"/>
+          <a:off x="200721" y="2084832"/>
+          <a:ext cx="11809141" cy="3802730"/>
         </p:xfrm>
         <a:graphic>
           <a:graphicData uri="http://schemas.openxmlformats.org/drawingml/2006/table">
@@ -21981,41 +21976,88 @@
                 <a:tableStyleId>{5C22544A-7EE6-4342-B048-85BDC9FD1C3A}</a:tableStyleId>
               </a:tblPr>
               <a:tblGrid>
-                <a:gridCol w="2430065">
+                <a:gridCol w="1312127">
+                  <a:extLst>
+                    <a:ext uri="{9D8B030D-6E8A-4147-A177-3AD203B41FA5}">
+                      <a16:colId xmlns:a16="http://schemas.microsoft.com/office/drawing/2014/main" val="3039533413"/>
+                    </a:ext>
+                  </a:extLst>
+                </a:gridCol>
+                <a:gridCol w="1364167">
                   <a:extLst>
                     <a:ext uri="{9D8B030D-6E8A-4147-A177-3AD203B41FA5}">
                       <a16:colId xmlns:a16="http://schemas.microsoft.com/office/drawing/2014/main" val="1628745461"/>
                     </a:ext>
                   </a:extLst>
                 </a:gridCol>
-                <a:gridCol w="2430065">
+                <a:gridCol w="1260085">
+                  <a:extLst>
+                    <a:ext uri="{9D8B030D-6E8A-4147-A177-3AD203B41FA5}">
+                      <a16:colId xmlns:a16="http://schemas.microsoft.com/office/drawing/2014/main" val="3012836848"/>
+                    </a:ext>
+                  </a:extLst>
+                </a:gridCol>
+                <a:gridCol w="1315846">
                   <a:extLst>
                     <a:ext uri="{9D8B030D-6E8A-4147-A177-3AD203B41FA5}">
                       <a16:colId xmlns:a16="http://schemas.microsoft.com/office/drawing/2014/main" val="3335112797"/>
                     </a:ext>
                   </a:extLst>
                 </a:gridCol>
-                <a:gridCol w="2430065">
+                <a:gridCol w="1308408">
+                  <a:extLst>
+                    <a:ext uri="{9D8B030D-6E8A-4147-A177-3AD203B41FA5}">
+                      <a16:colId xmlns:a16="http://schemas.microsoft.com/office/drawing/2014/main" val="3262263587"/>
+                    </a:ext>
+                  </a:extLst>
+                </a:gridCol>
+                <a:gridCol w="1367885">
                   <a:extLst>
                     <a:ext uri="{9D8B030D-6E8A-4147-A177-3AD203B41FA5}">
                       <a16:colId xmlns:a16="http://schemas.microsoft.com/office/drawing/2014/main" val="3015288968"/>
                     </a:ext>
                   </a:extLst>
                 </a:gridCol>
-                <a:gridCol w="2430065">
+                <a:gridCol w="1315844">
+                  <a:extLst>
+                    <a:ext uri="{9D8B030D-6E8A-4147-A177-3AD203B41FA5}">
+                      <a16:colId xmlns:a16="http://schemas.microsoft.com/office/drawing/2014/main" val="3807841347"/>
+                    </a:ext>
+                  </a:extLst>
+                </a:gridCol>
+                <a:gridCol w="1252652">
                   <a:extLst>
                     <a:ext uri="{9D8B030D-6E8A-4147-A177-3AD203B41FA5}">
                       <a16:colId xmlns:a16="http://schemas.microsoft.com/office/drawing/2014/main" val="3378513636"/>
                     </a:ext>
                   </a:extLst>
                 </a:gridCol>
+                <a:gridCol w="1312127">
+                  <a:extLst>
+                    <a:ext uri="{9D8B030D-6E8A-4147-A177-3AD203B41FA5}">
+                      <a16:colId xmlns:a16="http://schemas.microsoft.com/office/drawing/2014/main" val="1681983959"/>
+                    </a:ext>
+                  </a:extLst>
+                </a:gridCol>
               </a:tblGrid>
-              <a:tr h="370840">
+              <a:tr h="1149022">
                 <a:tc>
                   <a:txBody>
                     <a:bodyPr/>
                     <a:lstStyle/>
                     <a:p>
+                      <a:pPr algn="l"/>
+                      <a:endParaRPr lang="it-IT" dirty="0"/>
+                    </a:p>
+                  </a:txBody>
+                  <a:tcPr/>
+                </a:tc>
+                <a:tc>
+                  <a:txBody>
+                    <a:bodyPr/>
+                    <a:lstStyle/>
+                    <a:p>
+                      <a:pPr algn="l"/>
                       <a:r>
                         <a:rPr lang="it-IT" dirty="0"/>
                         <a:t>Budget</a:t>
@@ -22029,6 +22071,21 @@
                     <a:bodyPr/>
                     <a:lstStyle/>
                     <a:p>
+                      <a:pPr algn="l"/>
+                      <a:r>
+                        <a:rPr lang="it-IT" dirty="0"/>
+                        <a:t>Scostamento di volume</a:t>
+                      </a:r>
+                    </a:p>
+                  </a:txBody>
+                  <a:tcPr/>
+                </a:tc>
+                <a:tc>
+                  <a:txBody>
+                    <a:bodyPr/>
+                    <a:lstStyle/>
+                    <a:p>
+                      <a:pPr algn="l"/>
                       <a:r>
                         <a:rPr lang="it-IT" dirty="0"/>
                         <a:t>Standard</a:t>
@@ -22042,6 +22099,21 @@
                     <a:bodyPr/>
                     <a:lstStyle/>
                     <a:p>
+                      <a:pPr algn="l"/>
+                      <a:r>
+                        <a:rPr lang="it-IT" dirty="0"/>
+                        <a:t>Scostamento di impiego</a:t>
+                      </a:r>
+                    </a:p>
+                  </a:txBody>
+                  <a:tcPr/>
+                </a:tc>
+                <a:tc>
+                  <a:txBody>
+                    <a:bodyPr/>
+                    <a:lstStyle/>
+                    <a:p>
+                      <a:pPr algn="l"/>
                       <a:r>
                         <a:rPr lang="it-IT" dirty="0"/>
                         <a:t>Effettivo</a:t>
@@ -22055,10 +22127,40 @@
                     <a:bodyPr/>
                     <a:lstStyle/>
                     <a:p>
+                      <a:pPr algn="l"/>
+                      <a:r>
+                        <a:rPr lang="it-IT" dirty="0"/>
+                        <a:t>Scostamento di prezzo</a:t>
+                      </a:r>
+                    </a:p>
+                  </a:txBody>
+                  <a:tcPr/>
+                </a:tc>
+                <a:tc>
+                  <a:txBody>
+                    <a:bodyPr/>
+                    <a:lstStyle/>
+                    <a:p>
+                      <a:pPr algn="l"/>
                       <a:r>
                         <a:rPr lang="it-IT" dirty="0"/>
                         <a:t>Consuntivo</a:t>
                       </a:r>
+                    </a:p>
+                  </a:txBody>
+                  <a:tcPr/>
+                </a:tc>
+                <a:tc>
+                  <a:txBody>
+                    <a:bodyPr/>
+                    <a:lstStyle/>
+                    <a:p>
+                      <a:pPr algn="l"/>
+                      <a:r>
+                        <a:rPr lang="it-IT"/>
+                        <a:t>Scostamento consuntivo- budget</a:t>
+                      </a:r>
+                      <a:endParaRPr lang="it-IT" dirty="0"/>
                     </a:p>
                   </a:txBody>
                   <a:tcPr/>
@@ -22069,12 +22171,75 @@
                   </a:ext>
                 </a:extLst>
               </a:tr>
-              <a:tr h="370840">
+              <a:tr h="730300">
                 <a:tc>
                   <a:txBody>
                     <a:bodyPr/>
                     <a:lstStyle/>
                     <a:p>
+                      <a:pPr algn="l"/>
+                      <a:r>
+                        <a:rPr lang="it-IT"/>
+                        <a:t>Vendite</a:t>
+                      </a:r>
+                      <a:endParaRPr lang="it-IT" dirty="0"/>
+                    </a:p>
+                  </a:txBody>
+                  <a:tcPr/>
+                </a:tc>
+                <a:tc>
+                  <a:txBody>
+                    <a:bodyPr/>
+                    <a:lstStyle/>
+                    <a:p>
+                      <a:pPr algn="l"/>
+                      <a:r>
+                        <a:rPr lang="it-IT" dirty="0"/>
+                        <a:t>395.335,89</a:t>
+                      </a:r>
+                    </a:p>
+                  </a:txBody>
+                  <a:tcPr/>
+                </a:tc>
+                <a:tc>
+                  <a:txBody>
+                    <a:bodyPr/>
+                    <a:lstStyle/>
+                    <a:p>
+                      <a:pPr algn="l"/>
+                      <a:endParaRPr lang="it-IT" dirty="0"/>
+                    </a:p>
+                  </a:txBody>
+                  <a:tcPr/>
+                </a:tc>
+                <a:tc>
+                  <a:txBody>
+                    <a:bodyPr/>
+                    <a:lstStyle/>
+                    <a:p>
+                      <a:pPr algn="l"/>
+                      <a:endParaRPr lang="it-IT" dirty="0"/>
+                    </a:p>
+                  </a:txBody>
+                  <a:tcPr/>
+                </a:tc>
+                <a:tc>
+                  <a:txBody>
+                    <a:bodyPr/>
+                    <a:lstStyle/>
+                    <a:p>
+                      <a:pPr algn="l"/>
+                      <a:endParaRPr lang="it-IT" dirty="0"/>
+                    </a:p>
+                  </a:txBody>
+                  <a:tcPr/>
+                </a:tc>
+                <a:tc>
+                  <a:txBody>
+                    <a:bodyPr/>
+                    <a:lstStyle/>
+                    <a:p>
+                      <a:pPr algn="l"/>
                       <a:endParaRPr lang="it-IT"/>
                     </a:p>
                   </a:txBody>
@@ -22085,6 +22250,128 @@
                     <a:bodyPr/>
                     <a:lstStyle/>
                     <a:p>
+                      <a:pPr algn="l"/>
+                      <a:endParaRPr lang="it-IT" dirty="0"/>
+                    </a:p>
+                  </a:txBody>
+                  <a:tcPr/>
+                </a:tc>
+                <a:tc>
+                  <a:txBody>
+                    <a:bodyPr/>
+                    <a:lstStyle/>
+                    <a:p>
+                      <a:pPr algn="l"/>
+                      <a:r>
+                        <a:rPr lang="it-IT" dirty="0"/>
+                        <a:t>507.842,85</a:t>
+                      </a:r>
+                    </a:p>
+                  </a:txBody>
+                  <a:tcPr/>
+                </a:tc>
+                <a:tc>
+                  <a:txBody>
+                    <a:bodyPr/>
+                    <a:lstStyle/>
+                    <a:p>
+                      <a:pPr algn="l"/>
+                      <a:r>
+                        <a:rPr lang="it-IT" dirty="0"/>
+                        <a:t>112.506,96</a:t>
+                      </a:r>
+                    </a:p>
+                  </a:txBody>
+                  <a:tcPr/>
+                </a:tc>
+                <a:extLst>
+                  <a:ext uri="{0D108BD9-81ED-4DB2-BD59-A6C34878D82A}">
+                    <a16:rowId xmlns:a16="http://schemas.microsoft.com/office/drawing/2014/main" val="1242067950"/>
+                  </a:ext>
+                </a:extLst>
+              </a:tr>
+              <a:tr h="423110">
+                <a:tc>
+                  <a:txBody>
+                    <a:bodyPr/>
+                    <a:lstStyle/>
+                    <a:p>
+                      <a:pPr marL="0" marR="0" lvl="0" indent="0" algn="l" defTabSz="914400" rtl="0" eaLnBrk="1" fontAlgn="auto" latinLnBrk="0" hangingPunct="1">
+                        <a:lnSpc>
+                          <a:spcPct val="100000"/>
+                        </a:lnSpc>
+                        <a:spcBef>
+                          <a:spcPts val="0"/>
+                        </a:spcBef>
+                        <a:spcAft>
+                          <a:spcPts val="0"/>
+                        </a:spcAft>
+                        <a:buClrTx/>
+                        <a:buSzTx/>
+                        <a:buFontTx/>
+                        <a:buNone/>
+                        <a:tabLst/>
+                        <a:defRPr/>
+                      </a:pPr>
+                      <a:r>
+                        <a:rPr lang="it-IT" u="sng"/>
+                        <a:t>Costi</a:t>
+                      </a:r>
+                      <a:endParaRPr lang="it-IT" u="sng" dirty="0"/>
+                    </a:p>
+                  </a:txBody>
+                  <a:tcPr/>
+                </a:tc>
+                <a:tc>
+                  <a:txBody>
+                    <a:bodyPr/>
+                    <a:lstStyle/>
+                    <a:p>
+                      <a:pPr algn="l"/>
+                      <a:endParaRPr lang="it-IT" dirty="0"/>
+                    </a:p>
+                  </a:txBody>
+                  <a:tcPr/>
+                </a:tc>
+                <a:tc>
+                  <a:txBody>
+                    <a:bodyPr/>
+                    <a:lstStyle/>
+                    <a:p>
+                      <a:pPr algn="l"/>
+                      <a:endParaRPr lang="it-IT" dirty="0"/>
+                    </a:p>
+                  </a:txBody>
+                  <a:tcPr/>
+                </a:tc>
+                <a:tc>
+                  <a:txBody>
+                    <a:bodyPr/>
+                    <a:lstStyle/>
+                    <a:p>
+                      <a:pPr algn="l"/>
+                      <a:endParaRPr lang="it-IT" dirty="0"/>
+                    </a:p>
+                  </a:txBody>
+                  <a:tcPr/>
+                </a:tc>
+                <a:tc>
+                  <a:txBody>
+                    <a:bodyPr/>
+                    <a:lstStyle/>
+                    <a:p>
+                      <a:pPr algn="l"/>
+                      <a:endParaRPr lang="it-IT" dirty="0"/>
+                    </a:p>
+                  </a:txBody>
+                  <a:tcPr/>
+                </a:tc>
+                <a:tc>
+                  <a:txBody>
+                    <a:bodyPr/>
+                    <a:lstStyle/>
+                    <a:p>
+                      <a:pPr algn="l"/>
                       <a:endParaRPr lang="it-IT"/>
                     </a:p>
                   </a:txBody>
@@ -22095,6 +22382,7 @@
                     <a:bodyPr/>
                     <a:lstStyle/>
                     <a:p>
+                      <a:pPr algn="l"/>
                       <a:endParaRPr lang="it-IT"/>
                     </a:p>
                   </a:txBody>
@@ -22105,6 +22393,18 @@
                     <a:bodyPr/>
                     <a:lstStyle/>
                     <a:p>
+                      <a:pPr algn="l"/>
+                      <a:endParaRPr lang="it-IT" dirty="0"/>
+                    </a:p>
+                  </a:txBody>
+                  <a:tcPr/>
+                </a:tc>
+                <a:tc>
+                  <a:txBody>
+                    <a:bodyPr/>
+                    <a:lstStyle/>
+                    <a:p>
+                      <a:pPr algn="l"/>
                       <a:endParaRPr lang="it-IT" dirty="0"/>
                     </a:p>
                   </a:txBody>
@@ -22112,7 +22412,257 @@
                 </a:tc>
                 <a:extLst>
                   <a:ext uri="{0D108BD9-81ED-4DB2-BD59-A6C34878D82A}">
-                    <a16:rowId xmlns:a16="http://schemas.microsoft.com/office/drawing/2014/main" val="1242067950"/>
+                    <a16:rowId xmlns:a16="http://schemas.microsoft.com/office/drawing/2014/main" val="3637592334"/>
+                  </a:ext>
+                </a:extLst>
+              </a:tr>
+              <a:tr h="730300">
+                <a:tc>
+                  <a:txBody>
+                    <a:bodyPr/>
+                    <a:lstStyle/>
+                    <a:p>
+                      <a:pPr algn="l"/>
+                      <a:r>
+                        <a:rPr lang="it-IT"/>
+                        <a:t>Materie prime</a:t>
+                      </a:r>
+                      <a:endParaRPr lang="it-IT" dirty="0"/>
+                    </a:p>
+                  </a:txBody>
+                  <a:tcPr/>
+                </a:tc>
+                <a:tc>
+                  <a:txBody>
+                    <a:bodyPr/>
+                    <a:lstStyle/>
+                    <a:p>
+                      <a:pPr algn="l"/>
+                      <a:r>
+                        <a:rPr lang="it-IT" dirty="0"/>
+                        <a:t>192,206,47</a:t>
+                      </a:r>
+                    </a:p>
+                  </a:txBody>
+                  <a:tcPr/>
+                </a:tc>
+                <a:tc>
+                  <a:txBody>
+                    <a:bodyPr/>
+                    <a:lstStyle/>
+                    <a:p>
+                      <a:pPr algn="l"/>
+                      <a:endParaRPr lang="it-IT" dirty="0"/>
+                    </a:p>
+                  </a:txBody>
+                  <a:tcPr/>
+                </a:tc>
+                <a:tc>
+                  <a:txBody>
+                    <a:bodyPr/>
+                    <a:lstStyle/>
+                    <a:p>
+                      <a:pPr algn="l"/>
+                      <a:r>
+                        <a:rPr lang="it-IT" dirty="0"/>
+                        <a:t>192.906,47</a:t>
+                      </a:r>
+                    </a:p>
+                  </a:txBody>
+                  <a:tcPr/>
+                </a:tc>
+                <a:tc>
+                  <a:txBody>
+                    <a:bodyPr/>
+                    <a:lstStyle/>
+                    <a:p>
+                      <a:pPr algn="l"/>
+                      <a:endParaRPr lang="it-IT" dirty="0"/>
+                    </a:p>
+                  </a:txBody>
+                  <a:tcPr/>
+                </a:tc>
+                <a:tc>
+                  <a:txBody>
+                    <a:bodyPr/>
+                    <a:lstStyle/>
+                    <a:p>
+                      <a:pPr algn="l"/>
+                      <a:r>
+                        <a:rPr lang="it-IT" dirty="0"/>
+                        <a:t>273.100,72</a:t>
+                      </a:r>
+                    </a:p>
+                  </a:txBody>
+                  <a:tcPr/>
+                </a:tc>
+                <a:tc>
+                  <a:txBody>
+                    <a:bodyPr/>
+                    <a:lstStyle/>
+                    <a:p>
+                      <a:pPr algn="l"/>
+                      <a:endParaRPr lang="it-IT" dirty="0"/>
+                    </a:p>
+                  </a:txBody>
+                  <a:tcPr/>
+                </a:tc>
+                <a:tc>
+                  <a:txBody>
+                    <a:bodyPr/>
+                    <a:lstStyle/>
+                    <a:p>
+                      <a:pPr algn="l"/>
+                      <a:r>
+                        <a:rPr lang="it-IT" dirty="0"/>
+                        <a:t>289.639,50</a:t>
+                      </a:r>
+                    </a:p>
+                  </a:txBody>
+                  <a:tcPr/>
+                </a:tc>
+                <a:tc>
+                  <a:txBody>
+                    <a:bodyPr/>
+                    <a:lstStyle/>
+                    <a:p>
+                      <a:pPr algn="l"/>
+                      <a:r>
+                        <a:rPr lang="it-IT" dirty="0"/>
+                        <a:t>96.733,03</a:t>
+                      </a:r>
+                    </a:p>
+                  </a:txBody>
+                  <a:tcPr/>
+                </a:tc>
+                <a:extLst>
+                  <a:ext uri="{0D108BD9-81ED-4DB2-BD59-A6C34878D82A}">
+                    <a16:rowId xmlns:a16="http://schemas.microsoft.com/office/drawing/2014/main" val="4251870908"/>
+                  </a:ext>
+                </a:extLst>
+              </a:tr>
+              <a:tr h="730300">
+                <a:tc>
+                  <a:txBody>
+                    <a:bodyPr/>
+                    <a:lstStyle/>
+                    <a:p>
+                      <a:pPr algn="l"/>
+                      <a:r>
+                        <a:rPr lang="it-IT"/>
+                        <a:t>Lavorazioni interne </a:t>
+                      </a:r>
+                      <a:endParaRPr lang="it-IT" dirty="0"/>
+                    </a:p>
+                  </a:txBody>
+                  <a:tcPr/>
+                </a:tc>
+                <a:tc>
+                  <a:txBody>
+                    <a:bodyPr/>
+                    <a:lstStyle/>
+                    <a:p>
+                      <a:pPr algn="l"/>
+                      <a:r>
+                        <a:rPr lang="it-IT" dirty="0"/>
+                        <a:t>194521.50</a:t>
+                      </a:r>
+                    </a:p>
+                  </a:txBody>
+                  <a:tcPr/>
+                </a:tc>
+                <a:tc>
+                  <a:txBody>
+                    <a:bodyPr/>
+                    <a:lstStyle/>
+                    <a:p>
+                      <a:pPr algn="l"/>
+                      <a:endParaRPr lang="it-IT" dirty="0"/>
+                    </a:p>
+                  </a:txBody>
+                  <a:tcPr/>
+                </a:tc>
+                <a:tc>
+                  <a:txBody>
+                    <a:bodyPr/>
+                    <a:lstStyle/>
+                    <a:p>
+                      <a:pPr algn="l"/>
+                      <a:r>
+                        <a:rPr lang="it-IT" dirty="0"/>
+                        <a:t>310.199,34 (?)</a:t>
+                      </a:r>
+                    </a:p>
+                  </a:txBody>
+                  <a:tcPr/>
+                </a:tc>
+                <a:tc>
+                  <a:txBody>
+                    <a:bodyPr/>
+                    <a:lstStyle/>
+                    <a:p>
+                      <a:pPr algn="l"/>
+                      <a:endParaRPr lang="it-IT" dirty="0"/>
+                    </a:p>
+                  </a:txBody>
+                  <a:tcPr/>
+                </a:tc>
+                <a:tc>
+                  <a:txBody>
+                    <a:bodyPr/>
+                    <a:lstStyle/>
+                    <a:p>
+                      <a:pPr algn="l"/>
+                      <a:r>
+                        <a:rPr lang="it-IT" dirty="0"/>
+                        <a:t>281.289,91 (?)</a:t>
+                      </a:r>
+                    </a:p>
+                  </a:txBody>
+                  <a:tcPr/>
+                </a:tc>
+                <a:tc>
+                  <a:txBody>
+                    <a:bodyPr/>
+                    <a:lstStyle/>
+                    <a:p>
+                      <a:pPr algn="l"/>
+                      <a:endParaRPr lang="it-IT" dirty="0"/>
+                    </a:p>
+                  </a:txBody>
+                  <a:tcPr/>
+                </a:tc>
+                <a:tc>
+                  <a:txBody>
+                    <a:bodyPr/>
+                    <a:lstStyle/>
+                    <a:p>
+                      <a:pPr algn="l"/>
+                      <a:r>
+                        <a:rPr lang="it-IT" dirty="0"/>
+                        <a:t>359238.30</a:t>
+                      </a:r>
+                    </a:p>
+                  </a:txBody>
+                  <a:tcPr/>
+                </a:tc>
+                <a:tc>
+                  <a:txBody>
+                    <a:bodyPr/>
+                    <a:lstStyle/>
+                    <a:p>
+                      <a:pPr algn="l"/>
+                      <a:r>
+                        <a:rPr lang="it-IT" dirty="0"/>
+                        <a:t>164.716,79</a:t>
+                      </a:r>
+                    </a:p>
+                  </a:txBody>
+                  <a:tcPr/>
+                </a:tc>
+                <a:extLst>
+                  <a:ext uri="{0D108BD9-81ED-4DB2-BD59-A6C34878D82A}">
+                    <a16:rowId xmlns:a16="http://schemas.microsoft.com/office/drawing/2014/main" val="1378050463"/>
                   </a:ext>
                 </a:extLst>
               </a:tr>
@@ -22124,90 +22674,6 @@
     <p:extLst>
       <p:ext uri="{BB962C8B-B14F-4D97-AF65-F5344CB8AC3E}">
         <p14:creationId xmlns:p14="http://schemas.microsoft.com/office/powerpoint/2010/main" val="2234865979"/>
-      </p:ext>
-    </p:extLst>
-  </p:cSld>
-  <p:clrMapOvr>
-    <a:masterClrMapping/>
-  </p:clrMapOvr>
-</p:sld>
-</file>
-
-<file path=ppt/slides/slide7.xml><?xml version="1.0" encoding="utf-8"?>
-<p:sld xmlns:a="http://schemas.openxmlformats.org/drawingml/2006/main" xmlns:r="http://schemas.openxmlformats.org/officeDocument/2006/relationships" xmlns:p="http://schemas.openxmlformats.org/presentationml/2006/main">
-  <p:cSld>
-    <p:spTree>
-      <p:nvGrpSpPr>
-        <p:cNvPr id="1" name=""/>
-        <p:cNvGrpSpPr/>
-        <p:nvPr/>
-      </p:nvGrpSpPr>
-      <p:grpSpPr>
-        <a:xfrm>
-          <a:off x="0" y="0"/>
-          <a:ext cx="0" cy="0"/>
-          <a:chOff x="0" y="0"/>
-          <a:chExt cx="0" cy="0"/>
-        </a:xfrm>
-      </p:grpSpPr>
-      <p:sp>
-        <p:nvSpPr>
-          <p:cNvPr id="2" name="Titolo 1">
-            <a:extLst>
-              <a:ext uri="{FF2B5EF4-FFF2-40B4-BE49-F238E27FC236}">
-                <a16:creationId xmlns:a16="http://schemas.microsoft.com/office/drawing/2014/main" id="{52DD8312-69FC-4D49-BFF9-B46ED17BB864}"/>
-              </a:ext>
-            </a:extLst>
-          </p:cNvPr>
-          <p:cNvSpPr>
-            <a:spLocks noGrp="1"/>
-          </p:cNvSpPr>
-          <p:nvPr>
-            <p:ph type="title"/>
-          </p:nvPr>
-        </p:nvSpPr>
-        <p:spPr/>
-        <p:txBody>
-          <a:bodyPr/>
-          <a:lstStyle/>
-          <a:p>
-            <a:r>
-              <a:rPr lang="it-IT" dirty="0" err="1"/>
-              <a:t>RIsultati</a:t>
-            </a:r>
-            <a:endParaRPr lang="it-IT" dirty="0"/>
-          </a:p>
-        </p:txBody>
-      </p:sp>
-      <p:sp>
-        <p:nvSpPr>
-          <p:cNvPr id="3" name="Segnaposto contenuto 2">
-            <a:extLst>
-              <a:ext uri="{FF2B5EF4-FFF2-40B4-BE49-F238E27FC236}">
-                <a16:creationId xmlns:a16="http://schemas.microsoft.com/office/drawing/2014/main" id="{6AA589C1-061A-704C-AFD2-A039E382B9DC}"/>
-              </a:ext>
-            </a:extLst>
-          </p:cNvPr>
-          <p:cNvSpPr>
-            <a:spLocks noGrp="1"/>
-          </p:cNvSpPr>
-          <p:nvPr>
-            <p:ph idx="1"/>
-          </p:nvPr>
-        </p:nvSpPr>
-        <p:spPr/>
-        <p:txBody>
-          <a:bodyPr/>
-          <a:lstStyle/>
-          <a:p>
-            <a:endParaRPr lang="it-IT"/>
-          </a:p>
-        </p:txBody>
-      </p:sp>
-    </p:spTree>
-    <p:extLst>
-      <p:ext uri="{BB962C8B-B14F-4D97-AF65-F5344CB8AC3E}">
-        <p14:creationId xmlns:p14="http://schemas.microsoft.com/office/powerpoint/2010/main" val="2983763974"/>
       </p:ext>
     </p:extLst>
   </p:cSld>

--- a/Document/PresentazioneProgetto.pptx
+++ b/Document/PresentazioneProgetto.pptx
@@ -11,6 +11,7 @@
     <p:sldId id="259" r:id="rId5"/>
     <p:sldId id="260" r:id="rId6"/>
     <p:sldId id="262" r:id="rId7"/>
+    <p:sldId id="263" r:id="rId8"/>
   </p:sldIdLst>
   <p:sldSz cx="12192000" cy="6858000"/>
   <p:notesSz cx="6858000" cy="9144000"/>
@@ -8910,7 +8911,7 @@
           <a:p>
             <a:fld id="{E73BCDAA-43D9-6A49-A153-143FD6FEACF2}" type="datetimeFigureOut">
               <a:rPr lang="it-IT" smtClean="0"/>
-              <a:t>21/12/21</a:t>
+              <a:t>22/12/21</a:t>
             </a:fld>
             <a:endParaRPr lang="it-IT"/>
           </a:p>
@@ -9117,7 +9118,7 @@
           <a:p>
             <a:fld id="{E73BCDAA-43D9-6A49-A153-143FD6FEACF2}" type="datetimeFigureOut">
               <a:rPr lang="it-IT" smtClean="0"/>
-              <a:t>21/12/21</a:t>
+              <a:t>22/12/21</a:t>
             </a:fld>
             <a:endParaRPr lang="it-IT"/>
           </a:p>
@@ -9297,7 +9298,7 @@
           <a:p>
             <a:fld id="{E73BCDAA-43D9-6A49-A153-143FD6FEACF2}" type="datetimeFigureOut">
               <a:rPr lang="it-IT" smtClean="0"/>
-              <a:t>21/12/21</a:t>
+              <a:t>22/12/21</a:t>
             </a:fld>
             <a:endParaRPr lang="it-IT"/>
           </a:p>
@@ -9502,7 +9503,7 @@
           <a:p>
             <a:fld id="{E73BCDAA-43D9-6A49-A153-143FD6FEACF2}" type="datetimeFigureOut">
               <a:rPr lang="it-IT" smtClean="0"/>
-              <a:t>21/12/21</a:t>
+              <a:t>22/12/21</a:t>
             </a:fld>
             <a:endParaRPr lang="it-IT"/>
           </a:p>
@@ -18400,7 +18401,7 @@
           <a:p>
             <a:fld id="{E73BCDAA-43D9-6A49-A153-143FD6FEACF2}" type="datetimeFigureOut">
               <a:rPr lang="it-IT" smtClean="0"/>
-              <a:t>21/12/21</a:t>
+              <a:t>22/12/21</a:t>
             </a:fld>
             <a:endParaRPr lang="it-IT"/>
           </a:p>
@@ -18674,7 +18675,7 @@
           <a:p>
             <a:fld id="{E73BCDAA-43D9-6A49-A153-143FD6FEACF2}" type="datetimeFigureOut">
               <a:rPr lang="it-IT" smtClean="0"/>
-              <a:t>21/12/21</a:t>
+              <a:t>22/12/21</a:t>
             </a:fld>
             <a:endParaRPr lang="it-IT"/>
           </a:p>
@@ -19077,7 +19078,7 @@
           <a:p>
             <a:fld id="{E73BCDAA-43D9-6A49-A153-143FD6FEACF2}" type="datetimeFigureOut">
               <a:rPr lang="it-IT" smtClean="0"/>
-              <a:t>21/12/21</a:t>
+              <a:t>22/12/21</a:t>
             </a:fld>
             <a:endParaRPr lang="it-IT"/>
           </a:p>
@@ -19200,7 +19201,7 @@
           <a:p>
             <a:fld id="{E73BCDAA-43D9-6A49-A153-143FD6FEACF2}" type="datetimeFigureOut">
               <a:rPr lang="it-IT" smtClean="0"/>
-              <a:t>21/12/21</a:t>
+              <a:t>22/12/21</a:t>
             </a:fld>
             <a:endParaRPr lang="it-IT"/>
           </a:p>
@@ -19295,7 +19296,7 @@
           <a:p>
             <a:fld id="{E73BCDAA-43D9-6A49-A153-143FD6FEACF2}" type="datetimeFigureOut">
               <a:rPr lang="it-IT" smtClean="0"/>
-              <a:t>21/12/21</a:t>
+              <a:t>22/12/21</a:t>
             </a:fld>
             <a:endParaRPr lang="it-IT"/>
           </a:p>
@@ -19585,7 +19586,7 @@
           <a:p>
             <a:fld id="{E73BCDAA-43D9-6A49-A153-143FD6FEACF2}" type="datetimeFigureOut">
               <a:rPr lang="it-IT" smtClean="0"/>
-              <a:t>21/12/21</a:t>
+              <a:t>22/12/21</a:t>
             </a:fld>
             <a:endParaRPr lang="it-IT"/>
           </a:p>
@@ -19870,7 +19871,7 @@
           <a:p>
             <a:fld id="{E73BCDAA-43D9-6A49-A153-143FD6FEACF2}" type="datetimeFigureOut">
               <a:rPr lang="it-IT" smtClean="0"/>
-              <a:t>21/12/21</a:t>
+              <a:t>22/12/21</a:t>
             </a:fld>
             <a:endParaRPr lang="it-IT"/>
           </a:p>
@@ -20120,7 +20121,7 @@
           <a:p>
             <a:fld id="{E73BCDAA-43D9-6A49-A153-143FD6FEACF2}" type="datetimeFigureOut">
               <a:rPr lang="it-IT" smtClean="0"/>
-              <a:t>21/12/21</a:t>
+              <a:t>22/12/21</a:t>
             </a:fld>
             <a:endParaRPr lang="it-IT"/>
           </a:p>
@@ -21858,7 +21859,9 @@
         </p:nvSpPr>
         <p:spPr/>
         <p:txBody>
-          <a:bodyPr/>
+          <a:bodyPr>
+            <a:normAutofit lnSpcReduction="10000"/>
+          </a:bodyPr>
           <a:lstStyle/>
           <a:p>
             <a:r>
@@ -21882,6 +21885,12 @@
             <a:r>
               <a:rPr lang="it-IT" dirty="0"/>
               <a:t>Articoli in produzione a budget che non sono a consuntivo fanno parte di un assieme (insieme di oggetti semplici costituiscono un oggetto composto)</a:t>
+            </a:r>
+          </a:p>
+          <a:p>
+            <a:r>
+              <a:rPr lang="it-IT" dirty="0"/>
+              <a:t>Esistono prodotti intermedi che vengono utilizzati per la creazione di altri prodotti, tuttavia il loro costo è incluso nel costo dell’articolo finale (fatto tramite un controllo veloce). NON SAPPIAMO SE SONO INCLUSI O MENO NEL CONSUNTIVO O MENO(?)-&gt; noi abbiamo deciso di no</a:t>
             </a:r>
           </a:p>
         </p:txBody>
@@ -21960,14 +21969,14 @@
             <p:ph idx="1"/>
             <p:extLst>
               <p:ext uri="{D42A27DB-BD31-4B8C-83A1-F6EECF244321}">
-                <p14:modId xmlns:p14="http://schemas.microsoft.com/office/powerpoint/2010/main" val="1036798793"/>
+                <p14:modId xmlns:p14="http://schemas.microsoft.com/office/powerpoint/2010/main" val="628559778"/>
               </p:ext>
             </p:extLst>
           </p:nvPr>
         </p:nvGraphicFramePr>
         <p:xfrm>
-          <a:off x="200721" y="2084832"/>
-          <a:ext cx="11809141" cy="3802730"/>
+          <a:off x="95714" y="1555654"/>
+          <a:ext cx="12000571" cy="4717130"/>
         </p:xfrm>
         <a:graphic>
           <a:graphicData uri="http://schemas.openxmlformats.org/drawingml/2006/table">
@@ -21976,63 +21985,63 @@
                 <a:tableStyleId>{5C22544A-7EE6-4342-B048-85BDC9FD1C3A}</a:tableStyleId>
               </a:tblPr>
               <a:tblGrid>
-                <a:gridCol w="1312127">
+                <a:gridCol w="1333397">
                   <a:extLst>
                     <a:ext uri="{9D8B030D-6E8A-4147-A177-3AD203B41FA5}">
                       <a16:colId xmlns:a16="http://schemas.microsoft.com/office/drawing/2014/main" val="3039533413"/>
                     </a:ext>
                   </a:extLst>
                 </a:gridCol>
-                <a:gridCol w="1364167">
+                <a:gridCol w="1386281">
                   <a:extLst>
                     <a:ext uri="{9D8B030D-6E8A-4147-A177-3AD203B41FA5}">
                       <a16:colId xmlns:a16="http://schemas.microsoft.com/office/drawing/2014/main" val="1628745461"/>
                     </a:ext>
                   </a:extLst>
                 </a:gridCol>
-                <a:gridCol w="1260085">
+                <a:gridCol w="1280511">
                   <a:extLst>
                     <a:ext uri="{9D8B030D-6E8A-4147-A177-3AD203B41FA5}">
                       <a16:colId xmlns:a16="http://schemas.microsoft.com/office/drawing/2014/main" val="3012836848"/>
                     </a:ext>
                   </a:extLst>
                 </a:gridCol>
-                <a:gridCol w="1315846">
+                <a:gridCol w="1337176">
                   <a:extLst>
                     <a:ext uri="{9D8B030D-6E8A-4147-A177-3AD203B41FA5}">
                       <a16:colId xmlns:a16="http://schemas.microsoft.com/office/drawing/2014/main" val="3335112797"/>
                     </a:ext>
                   </a:extLst>
                 </a:gridCol>
-                <a:gridCol w="1308408">
+                <a:gridCol w="1329618">
                   <a:extLst>
                     <a:ext uri="{9D8B030D-6E8A-4147-A177-3AD203B41FA5}">
                       <a16:colId xmlns:a16="http://schemas.microsoft.com/office/drawing/2014/main" val="3262263587"/>
                     </a:ext>
                   </a:extLst>
                 </a:gridCol>
-                <a:gridCol w="1367885">
+                <a:gridCol w="1390059">
                   <a:extLst>
                     <a:ext uri="{9D8B030D-6E8A-4147-A177-3AD203B41FA5}">
                       <a16:colId xmlns:a16="http://schemas.microsoft.com/office/drawing/2014/main" val="3015288968"/>
                     </a:ext>
                   </a:extLst>
                 </a:gridCol>
-                <a:gridCol w="1315844">
+                <a:gridCol w="1337174">
                   <a:extLst>
                     <a:ext uri="{9D8B030D-6E8A-4147-A177-3AD203B41FA5}">
                       <a16:colId xmlns:a16="http://schemas.microsoft.com/office/drawing/2014/main" val="3807841347"/>
                     </a:ext>
                   </a:extLst>
                 </a:gridCol>
-                <a:gridCol w="1252652">
+                <a:gridCol w="1272958">
                   <a:extLst>
                     <a:ext uri="{9D8B030D-6E8A-4147-A177-3AD203B41FA5}">
                       <a16:colId xmlns:a16="http://schemas.microsoft.com/office/drawing/2014/main" val="3378513636"/>
                     </a:ext>
                   </a:extLst>
                 </a:gridCol>
-                <a:gridCol w="1312127">
+                <a:gridCol w="1333397">
                   <a:extLst>
                     <a:ext uri="{9D8B030D-6E8A-4147-A177-3AD203B41FA5}">
                       <a16:colId xmlns:a16="http://schemas.microsoft.com/office/drawing/2014/main" val="1681983959"/>
@@ -22102,7 +22111,7 @@
                       <a:pPr algn="l"/>
                       <a:r>
                         <a:rPr lang="it-IT" dirty="0"/>
-                        <a:t>Scostamento di impiego</a:t>
+                        <a:t>Scostamento di impiego/MIX</a:t>
                       </a:r>
                     </a:p>
                   </a:txBody>
@@ -22207,7 +22216,10 @@
                     <a:lstStyle/>
                     <a:p>
                       <a:pPr algn="l"/>
-                      <a:endParaRPr lang="it-IT" dirty="0"/>
+                      <a:r>
+                        <a:rPr lang="it-IT" dirty="0"/>
+                        <a:t>115.196,85</a:t>
+                      </a:r>
                     </a:p>
                   </a:txBody>
                   <a:tcPr/>
@@ -22218,7 +22230,10 @@
                     <a:lstStyle/>
                     <a:p>
                       <a:pPr algn="l"/>
-                      <a:endParaRPr lang="it-IT" dirty="0"/>
+                      <a:r>
+                        <a:rPr lang="it-IT" dirty="0"/>
+                        <a:t>510.532, 74</a:t>
+                      </a:r>
                     </a:p>
                   </a:txBody>
                   <a:tcPr/>
@@ -22229,7 +22244,10 @@
                     <a:lstStyle/>
                     <a:p>
                       <a:pPr algn="l"/>
-                      <a:endParaRPr lang="it-IT" dirty="0"/>
+                      <a:r>
+                        <a:rPr lang="it-IT" dirty="0"/>
+                        <a:t>28.579,68</a:t>
+                      </a:r>
                     </a:p>
                   </a:txBody>
                   <a:tcPr/>
@@ -22240,7 +22258,10 @@
                     <a:lstStyle/>
                     <a:p>
                       <a:pPr algn="l"/>
-                      <a:endParaRPr lang="it-IT"/>
+                      <a:r>
+                        <a:rPr lang="it-IT" dirty="0"/>
+                        <a:t>539.112,42</a:t>
+                      </a:r>
                     </a:p>
                   </a:txBody>
                   <a:tcPr/>
@@ -22251,7 +22272,10 @@
                     <a:lstStyle/>
                     <a:p>
                       <a:pPr algn="l"/>
-                      <a:endParaRPr lang="it-IT" dirty="0"/>
+                      <a:r>
+                        <a:rPr lang="it-IT" dirty="0"/>
+                        <a:t>-31.269,58</a:t>
+                      </a:r>
                     </a:p>
                   </a:txBody>
                   <a:tcPr/>
@@ -22440,7 +22464,7 @@
                       <a:pPr algn="l"/>
                       <a:r>
                         <a:rPr lang="it-IT" dirty="0"/>
-                        <a:t>192,206,47</a:t>
+                        <a:t>192.206,47</a:t>
                       </a:r>
                     </a:p>
                   </a:txBody>
@@ -22452,7 +22476,10 @@
                     <a:lstStyle/>
                     <a:p>
                       <a:pPr algn="l"/>
-                      <a:endParaRPr lang="it-IT" dirty="0"/>
+                      <a:r>
+                        <a:rPr lang="it-IT" dirty="0"/>
+                        <a:t>700</a:t>
+                      </a:r>
                     </a:p>
                   </a:txBody>
                   <a:tcPr/>
@@ -22477,7 +22504,10 @@
                     <a:lstStyle/>
                     <a:p>
                       <a:pPr algn="l"/>
-                      <a:endParaRPr lang="it-IT" dirty="0"/>
+                      <a:r>
+                        <a:rPr lang="it-IT" dirty="0"/>
+                        <a:t>80.194,25</a:t>
+                      </a:r>
                     </a:p>
                   </a:txBody>
                   <a:tcPr/>
@@ -22502,6 +22532,10 @@
                     <a:lstStyle/>
                     <a:p>
                       <a:pPr algn="l"/>
+                      <a:r>
+                        <a:rPr lang="it-IT"/>
+                        <a:t> </a:t>
+                      </a:r>
                       <a:endParaRPr lang="it-IT" dirty="0"/>
                     </a:p>
                   </a:txBody>
@@ -22549,10 +22583,9 @@
                     <a:p>
                       <a:pPr algn="l"/>
                       <a:r>
-                        <a:rPr lang="it-IT"/>
+                        <a:rPr lang="it-IT" dirty="0"/>
                         <a:t>Lavorazioni interne </a:t>
                       </a:r>
-                      <a:endParaRPr lang="it-IT" dirty="0"/>
                     </a:p>
                   </a:txBody>
                   <a:tcPr/>
@@ -22565,7 +22598,7 @@
                       <a:pPr algn="l"/>
                       <a:r>
                         <a:rPr lang="it-IT" dirty="0"/>
-                        <a:t>194521.50</a:t>
+                        <a:t>194.521,50</a:t>
                       </a:r>
                     </a:p>
                   </a:txBody>
@@ -22639,9 +22672,10 @@
                     <a:p>
                       <a:pPr algn="l"/>
                       <a:r>
-                        <a:rPr lang="it-IT" dirty="0"/>
-                        <a:t>359238.30</a:t>
+                        <a:rPr lang="it-IT"/>
+                        <a:t>359.238,30</a:t>
                       </a:r>
+                      <a:endParaRPr lang="it-IT" dirty="0"/>
                     </a:p>
                   </a:txBody>
                   <a:tcPr/>
@@ -22666,6 +22700,124 @@
                   </a:ext>
                 </a:extLst>
               </a:tr>
+              <a:tr h="730300">
+                <a:tc>
+                  <a:txBody>
+                    <a:bodyPr/>
+                    <a:lstStyle/>
+                    <a:p>
+                      <a:pPr algn="l"/>
+                      <a:r>
+                        <a:rPr lang="it-IT" dirty="0"/>
+                        <a:t>MOL </a:t>
+                      </a:r>
+                    </a:p>
+                  </a:txBody>
+                  <a:tcPr/>
+                </a:tc>
+                <a:tc>
+                  <a:txBody>
+                    <a:bodyPr/>
+                    <a:lstStyle/>
+                    <a:p>
+                      <a:pPr algn="l"/>
+                      <a:r>
+                        <a:rPr lang="it-IT" dirty="0"/>
+                        <a:t>7.907,92</a:t>
+                      </a:r>
+                    </a:p>
+                  </a:txBody>
+                  <a:tcPr/>
+                </a:tc>
+                <a:tc>
+                  <a:txBody>
+                    <a:bodyPr/>
+                    <a:lstStyle/>
+                    <a:p>
+                      <a:pPr algn="l"/>
+                      <a:endParaRPr lang="it-IT" dirty="0"/>
+                    </a:p>
+                  </a:txBody>
+                  <a:tcPr/>
+                </a:tc>
+                <a:tc>
+                  <a:txBody>
+                    <a:bodyPr/>
+                    <a:lstStyle/>
+                    <a:p>
+                      <a:pPr algn="l"/>
+                      <a:endParaRPr lang="it-IT" dirty="0"/>
+                    </a:p>
+                  </a:txBody>
+                  <a:tcPr/>
+                </a:tc>
+                <a:tc>
+                  <a:txBody>
+                    <a:bodyPr/>
+                    <a:lstStyle/>
+                    <a:p>
+                      <a:pPr algn="l"/>
+                      <a:endParaRPr lang="it-IT" dirty="0"/>
+                    </a:p>
+                  </a:txBody>
+                  <a:tcPr/>
+                </a:tc>
+                <a:tc>
+                  <a:txBody>
+                    <a:bodyPr/>
+                    <a:lstStyle/>
+                    <a:p>
+                      <a:pPr algn="l"/>
+                      <a:endParaRPr lang="it-IT" dirty="0"/>
+                    </a:p>
+                  </a:txBody>
+                  <a:tcPr/>
+                </a:tc>
+                <a:tc>
+                  <a:txBody>
+                    <a:bodyPr/>
+                    <a:lstStyle/>
+                    <a:p>
+                      <a:pPr algn="l"/>
+                      <a:endParaRPr lang="it-IT" dirty="0"/>
+                    </a:p>
+                  </a:txBody>
+                  <a:tcPr/>
+                </a:tc>
+                <a:tc>
+                  <a:txBody>
+                    <a:bodyPr/>
+                    <a:lstStyle/>
+                    <a:p>
+                      <a:pPr algn="l"/>
+                      <a:r>
+                        <a:rPr lang="it-IT" dirty="0"/>
+                        <a:t>-141.012,55</a:t>
+                      </a:r>
+                    </a:p>
+                  </a:txBody>
+                  <a:tcPr/>
+                </a:tc>
+                <a:tc>
+                  <a:txBody>
+                    <a:bodyPr/>
+                    <a:lstStyle/>
+                    <a:p>
+                      <a:pPr algn="l"/>
+                      <a:r>
+                        <a:rPr lang="it-IT" dirty="0"/>
+                        <a:t>-148.920,36</a:t>
+                      </a:r>
+                    </a:p>
+                  </a:txBody>
+                  <a:tcPr/>
+                </a:tc>
+                <a:extLst>
+                  <a:ext uri="{0D108BD9-81ED-4DB2-BD59-A6C34878D82A}">
+                    <a16:rowId xmlns:a16="http://schemas.microsoft.com/office/drawing/2014/main" val="746106469"/>
+                  </a:ext>
+                </a:extLst>
+              </a:tr>
             </a:tbl>
           </a:graphicData>
         </a:graphic>
@@ -22674,6 +22826,89 @@
     <p:extLst>
       <p:ext uri="{BB962C8B-B14F-4D97-AF65-F5344CB8AC3E}">
         <p14:creationId xmlns:p14="http://schemas.microsoft.com/office/powerpoint/2010/main" val="2234865979"/>
+      </p:ext>
+    </p:extLst>
+  </p:cSld>
+  <p:clrMapOvr>
+    <a:masterClrMapping/>
+  </p:clrMapOvr>
+</p:sld>
+</file>
+
+<file path=ppt/slides/slide7.xml><?xml version="1.0" encoding="utf-8"?>
+<p:sld xmlns:a="http://schemas.openxmlformats.org/drawingml/2006/main" xmlns:r="http://schemas.openxmlformats.org/officeDocument/2006/relationships" xmlns:p="http://schemas.openxmlformats.org/presentationml/2006/main">
+  <p:cSld>
+    <p:spTree>
+      <p:nvGrpSpPr>
+        <p:cNvPr id="1" name=""/>
+        <p:cNvGrpSpPr/>
+        <p:nvPr/>
+      </p:nvGrpSpPr>
+      <p:grpSpPr>
+        <a:xfrm>
+          <a:off x="0" y="0"/>
+          <a:ext cx="0" cy="0"/>
+          <a:chOff x="0" y="0"/>
+          <a:chExt cx="0" cy="0"/>
+        </a:xfrm>
+      </p:grpSpPr>
+      <p:sp>
+        <p:nvSpPr>
+          <p:cNvPr id="2" name="Titolo 1">
+            <a:extLst>
+              <a:ext uri="{FF2B5EF4-FFF2-40B4-BE49-F238E27FC236}">
+                <a16:creationId xmlns:a16="http://schemas.microsoft.com/office/drawing/2014/main" id="{E57A1EED-342D-C841-807B-6612B7AA446E}"/>
+              </a:ext>
+            </a:extLst>
+          </p:cNvPr>
+          <p:cNvSpPr>
+            <a:spLocks noGrp="1"/>
+          </p:cNvSpPr>
+          <p:nvPr>
+            <p:ph type="title"/>
+          </p:nvPr>
+        </p:nvSpPr>
+        <p:spPr/>
+        <p:txBody>
+          <a:bodyPr/>
+          <a:lstStyle/>
+          <a:p>
+            <a:r>
+              <a:rPr lang="it-IT" dirty="0"/>
+              <a:t>Possibili ipotesi agli scostamenti</a:t>
+            </a:r>
+          </a:p>
+        </p:txBody>
+      </p:sp>
+      <p:sp>
+        <p:nvSpPr>
+          <p:cNvPr id="3" name="Segnaposto contenuto 2">
+            <a:extLst>
+              <a:ext uri="{FF2B5EF4-FFF2-40B4-BE49-F238E27FC236}">
+                <a16:creationId xmlns:a16="http://schemas.microsoft.com/office/drawing/2014/main" id="{FEDCDABA-5BDD-D144-88D7-03B11168C6C2}"/>
+              </a:ext>
+            </a:extLst>
+          </p:cNvPr>
+          <p:cNvSpPr>
+            <a:spLocks noGrp="1"/>
+          </p:cNvSpPr>
+          <p:nvPr>
+            <p:ph idx="1"/>
+          </p:nvPr>
+        </p:nvSpPr>
+        <p:spPr/>
+        <p:txBody>
+          <a:bodyPr/>
+          <a:lstStyle/>
+          <a:p>
+            <a:endParaRPr lang="it-IT"/>
+          </a:p>
+        </p:txBody>
+      </p:sp>
+    </p:spTree>
+    <p:extLst>
+      <p:ext uri="{BB962C8B-B14F-4D97-AF65-F5344CB8AC3E}">
+        <p14:creationId xmlns:p14="http://schemas.microsoft.com/office/powerpoint/2010/main" val="351383718"/>
       </p:ext>
     </p:extLst>
   </p:cSld>

--- a/Document/PresentazioneProgetto.pptx
+++ b/Document/PresentazioneProgetto.pptx
@@ -21701,19 +21701,11 @@
             </a:r>
             <a:r>
               <a:rPr lang="it-IT" dirty="0" err="1"/>
-              <a:t>qualitàà</a:t>
+              <a:t>qualit̀à</a:t>
             </a:r>
             <a:r>
               <a:rPr lang="it-IT" dirty="0"/>
-              <a:t> ha sempre tempo di risorsa nullo. Fresatura ha </a:t>
-            </a:r>
-            <a:r>
-              <a:rPr lang="it-IT"/>
-              <a:t>quantitàz </a:t>
-            </a:r>
-            <a:r>
-              <a:rPr lang="it-IT" dirty="0"/>
-              <a:t>di output = 0. </a:t>
+              <a:t> ha sempre tempo di risorsa nullo. Fresatura ha quantità di output = 0. </a:t>
             </a:r>
           </a:p>
           <a:p>
@@ -21860,7 +21852,7 @@
         <p:spPr/>
         <p:txBody>
           <a:bodyPr>
-            <a:normAutofit lnSpcReduction="10000"/>
+            <a:normAutofit/>
           </a:bodyPr>
           <a:lstStyle/>
           <a:p>
@@ -21890,7 +21882,7 @@
           <a:p>
             <a:r>
               <a:rPr lang="it-IT" dirty="0"/>
-              <a:t>Esistono prodotti intermedi che vengono utilizzati per la creazione di altri prodotti, tuttavia il loro costo è incluso nel costo dell’articolo finale (fatto tramite un controllo veloce). NON SAPPIAMO SE SONO INCLUSI O MENO NEL CONSUNTIVO O MENO(?)-&gt; noi abbiamo deciso di no</a:t>
+              <a:t>Esistono prodotti intermedi che vengono utilizzati per la creazione di altri prodotti, tuttavia il loro costo è incluso nel costo dell’articolo finale (fatto tramite un controllo veloce). Non vengono considerati come causa maggiore dello scostamento</a:t>
             </a:r>
           </a:p>
         </p:txBody>

--- a/Document/PresentazioneProgetto.pptx
+++ b/Document/PresentazioneProgetto.pptx
@@ -10,8 +10,9 @@
     <p:sldId id="258" r:id="rId4"/>
     <p:sldId id="259" r:id="rId5"/>
     <p:sldId id="260" r:id="rId6"/>
-    <p:sldId id="262" r:id="rId7"/>
-    <p:sldId id="263" r:id="rId8"/>
+    <p:sldId id="264" r:id="rId7"/>
+    <p:sldId id="262" r:id="rId8"/>
+    <p:sldId id="263" r:id="rId9"/>
   </p:sldIdLst>
   <p:sldSz cx="12192000" cy="6858000"/>
   <p:notesSz cx="6858000" cy="9144000"/>
@@ -8911,7 +8912,7 @@
           <a:p>
             <a:fld id="{E73BCDAA-43D9-6A49-A153-143FD6FEACF2}" type="datetimeFigureOut">
               <a:rPr lang="it-IT" smtClean="0"/>
-              <a:t>22/12/21</a:t>
+              <a:t>29/12/21</a:t>
             </a:fld>
             <a:endParaRPr lang="it-IT"/>
           </a:p>
@@ -9118,7 +9119,7 @@
           <a:p>
             <a:fld id="{E73BCDAA-43D9-6A49-A153-143FD6FEACF2}" type="datetimeFigureOut">
               <a:rPr lang="it-IT" smtClean="0"/>
-              <a:t>22/12/21</a:t>
+              <a:t>29/12/21</a:t>
             </a:fld>
             <a:endParaRPr lang="it-IT"/>
           </a:p>
@@ -9298,7 +9299,7 @@
           <a:p>
             <a:fld id="{E73BCDAA-43D9-6A49-A153-143FD6FEACF2}" type="datetimeFigureOut">
               <a:rPr lang="it-IT" smtClean="0"/>
-              <a:t>22/12/21</a:t>
+              <a:t>29/12/21</a:t>
             </a:fld>
             <a:endParaRPr lang="it-IT"/>
           </a:p>
@@ -9503,7 +9504,7 @@
           <a:p>
             <a:fld id="{E73BCDAA-43D9-6A49-A153-143FD6FEACF2}" type="datetimeFigureOut">
               <a:rPr lang="it-IT" smtClean="0"/>
-              <a:t>22/12/21</a:t>
+              <a:t>29/12/21</a:t>
             </a:fld>
             <a:endParaRPr lang="it-IT"/>
           </a:p>
@@ -18401,7 +18402,7 @@
           <a:p>
             <a:fld id="{E73BCDAA-43D9-6A49-A153-143FD6FEACF2}" type="datetimeFigureOut">
               <a:rPr lang="it-IT" smtClean="0"/>
-              <a:t>22/12/21</a:t>
+              <a:t>29/12/21</a:t>
             </a:fld>
             <a:endParaRPr lang="it-IT"/>
           </a:p>
@@ -18675,7 +18676,7 @@
           <a:p>
             <a:fld id="{E73BCDAA-43D9-6A49-A153-143FD6FEACF2}" type="datetimeFigureOut">
               <a:rPr lang="it-IT" smtClean="0"/>
-              <a:t>22/12/21</a:t>
+              <a:t>29/12/21</a:t>
             </a:fld>
             <a:endParaRPr lang="it-IT"/>
           </a:p>
@@ -19078,7 +19079,7 @@
           <a:p>
             <a:fld id="{E73BCDAA-43D9-6A49-A153-143FD6FEACF2}" type="datetimeFigureOut">
               <a:rPr lang="it-IT" smtClean="0"/>
-              <a:t>22/12/21</a:t>
+              <a:t>29/12/21</a:t>
             </a:fld>
             <a:endParaRPr lang="it-IT"/>
           </a:p>
@@ -19201,7 +19202,7 @@
           <a:p>
             <a:fld id="{E73BCDAA-43D9-6A49-A153-143FD6FEACF2}" type="datetimeFigureOut">
               <a:rPr lang="it-IT" smtClean="0"/>
-              <a:t>22/12/21</a:t>
+              <a:t>29/12/21</a:t>
             </a:fld>
             <a:endParaRPr lang="it-IT"/>
           </a:p>
@@ -19296,7 +19297,7 @@
           <a:p>
             <a:fld id="{E73BCDAA-43D9-6A49-A153-143FD6FEACF2}" type="datetimeFigureOut">
               <a:rPr lang="it-IT" smtClean="0"/>
-              <a:t>22/12/21</a:t>
+              <a:t>29/12/21</a:t>
             </a:fld>
             <a:endParaRPr lang="it-IT"/>
           </a:p>
@@ -19586,7 +19587,7 @@
           <a:p>
             <a:fld id="{E73BCDAA-43D9-6A49-A153-143FD6FEACF2}" type="datetimeFigureOut">
               <a:rPr lang="it-IT" smtClean="0"/>
-              <a:t>22/12/21</a:t>
+              <a:t>29/12/21</a:t>
             </a:fld>
             <a:endParaRPr lang="it-IT"/>
           </a:p>
@@ -19871,7 +19872,7 @@
           <a:p>
             <a:fld id="{E73BCDAA-43D9-6A49-A153-143FD6FEACF2}" type="datetimeFigureOut">
               <a:rPr lang="it-IT" smtClean="0"/>
-              <a:t>22/12/21</a:t>
+              <a:t>29/12/21</a:t>
             </a:fld>
             <a:endParaRPr lang="it-IT"/>
           </a:p>
@@ -20121,7 +20122,7 @@
           <a:p>
             <a:fld id="{E73BCDAA-43D9-6A49-A153-143FD6FEACF2}" type="datetimeFigureOut">
               <a:rPr lang="it-IT" smtClean="0"/>
-              <a:t>22/12/21</a:t>
+              <a:t>29/12/21</a:t>
             </a:fld>
             <a:endParaRPr lang="it-IT"/>
           </a:p>
@@ -21828,7 +21829,7 @@
           <a:p>
             <a:r>
               <a:rPr lang="it-IT" dirty="0"/>
-              <a:t>Assunzioni fatte</a:t>
+              <a:t>Assunzioni fatte 1</a:t>
             </a:r>
           </a:p>
         </p:txBody>
@@ -21852,37 +21853,48 @@
         <p:spPr/>
         <p:txBody>
           <a:bodyPr>
-            <a:normAutofit/>
+            <a:normAutofit fontScale="77500" lnSpcReduction="20000"/>
           </a:bodyPr>
           <a:lstStyle/>
           <a:p>
             <a:r>
               <a:rPr lang="it-IT" dirty="0"/>
-              <a:t>Il tempo impiego orario per risorsa uguale a 0 significa che è un processo iniziato il precedentemente e terminato successivamente</a:t>
+              <a:t>Il tempo impiego orario per risorsa uguale a 0 significa che è un processo iniziato il precedentemente e terminato in un periodo successivo</a:t>
             </a:r>
           </a:p>
           <a:p>
             <a:r>
               <a:rPr lang="it-IT" dirty="0"/>
-              <a:t>Per il controllo qualità il tempo è nullo</a:t>
+              <a:t>Per il controllo qualità il tempo è sempre nullo (tempo molto breve e non viene contato)</a:t>
             </a:r>
           </a:p>
           <a:p>
             <a:r>
               <a:rPr lang="it-IT" dirty="0"/>
-              <a:t>per ogni tempo negativo esiste un tempo positivo uguale in modulo che, al sommare i tempi delle stesse attività, si annullano a vicenda.</a:t>
+              <a:t>per ogni tempo negativo esiste un tempo positivo uguale in modulo che, al sommare i tempi delle stesse attività, si annullano a vicenda perché si suppone …..</a:t>
             </a:r>
           </a:p>
           <a:p>
             <a:r>
               <a:rPr lang="it-IT" dirty="0"/>
-              <a:t>Articoli in produzione a budget che non sono a consuntivo fanno parte di un assieme (insieme di oggetti semplici costituiscono un oggetto composto)</a:t>
+              <a:t>Articoli in produzione a budget che non sono a consuntivo fanno parte di un assieme (insieme di oggetti semplici costituiscono un oggetto composto) e il loro prezzo è inglobato</a:t>
             </a:r>
           </a:p>
           <a:p>
             <a:r>
               <a:rPr lang="it-IT" dirty="0"/>
-              <a:t>Esistono prodotti intermedi che vengono utilizzati per la creazione di altri prodotti, tuttavia il loro costo è incluso nel costo dell’articolo finale (fatto tramite un controllo veloce). Non vengono considerati come causa maggiore dello scostamento</a:t>
+              <a:t>Esistono prodotti intermedi che vengono utilizzati per la creazione di altri prodotti, tuttavia il loro costo è incluso nel costo dell’articolo finale (fatto tramite un controllo veloce). Non vengono considerati come causa maggiore dello scostamento e non vengono considerati come costo di materie prime ma vengono considerati solo i costi di produzione. Ci sono solo 3 prodotti intermedi che vengono venduti ma non impatta più di tanto il loro costo (circa 290 </a:t>
+            </a:r>
+            <a:r>
+              <a:rPr lang="it-IT"/>
+              <a:t>in totale).</a:t>
+            </a:r>
+            <a:endParaRPr lang="it-IT" dirty="0"/>
+          </a:p>
+          <a:p>
+            <a:r>
+              <a:rPr lang="it-IT" dirty="0"/>
+              <a:t>Altra assunzione: consideriamo un prodotto finito pronto per la vendita quei prodotti che hanno superato il controllo qualità, di conseguenza come volume di prodotto finito consideriamo come prodotto finito la quantità di output la quantità di output del controllo di qualità</a:t>
             </a:r>
           </a:p>
         </p:txBody>
@@ -21901,6 +21913,92 @@
 </file>
 
 <file path=ppt/slides/slide6.xml><?xml version="1.0" encoding="utf-8"?>
+<p:sld xmlns:a="http://schemas.openxmlformats.org/drawingml/2006/main" xmlns:r="http://schemas.openxmlformats.org/officeDocument/2006/relationships" xmlns:p="http://schemas.openxmlformats.org/presentationml/2006/main">
+  <p:cSld>
+    <p:spTree>
+      <p:nvGrpSpPr>
+        <p:cNvPr id="1" name=""/>
+        <p:cNvGrpSpPr/>
+        <p:nvPr/>
+      </p:nvGrpSpPr>
+      <p:grpSpPr>
+        <a:xfrm>
+          <a:off x="0" y="0"/>
+          <a:ext cx="0" cy="0"/>
+          <a:chOff x="0" y="0"/>
+          <a:chExt cx="0" cy="0"/>
+        </a:xfrm>
+      </p:grpSpPr>
+      <p:sp>
+        <p:nvSpPr>
+          <p:cNvPr id="2" name="Titolo 1">
+            <a:extLst>
+              <a:ext uri="{FF2B5EF4-FFF2-40B4-BE49-F238E27FC236}">
+                <a16:creationId xmlns:a16="http://schemas.microsoft.com/office/drawing/2014/main" id="{3A485898-5862-2C4C-810A-A07BDECD1D63}"/>
+              </a:ext>
+            </a:extLst>
+          </p:cNvPr>
+          <p:cNvSpPr>
+            <a:spLocks noGrp="1"/>
+          </p:cNvSpPr>
+          <p:nvPr>
+            <p:ph type="title"/>
+          </p:nvPr>
+        </p:nvSpPr>
+        <p:spPr/>
+        <p:txBody>
+          <a:bodyPr/>
+          <a:lstStyle/>
+          <a:p>
+            <a:r>
+              <a:rPr lang="it-IT" dirty="0"/>
+              <a:t>Assunzioni fatte 2</a:t>
+            </a:r>
+          </a:p>
+        </p:txBody>
+      </p:sp>
+      <p:sp>
+        <p:nvSpPr>
+          <p:cNvPr id="3" name="Segnaposto contenuto 2">
+            <a:extLst>
+              <a:ext uri="{FF2B5EF4-FFF2-40B4-BE49-F238E27FC236}">
+                <a16:creationId xmlns:a16="http://schemas.microsoft.com/office/drawing/2014/main" id="{147AD4D8-85F2-C04B-80F4-6F2EB5A99CC3}"/>
+              </a:ext>
+            </a:extLst>
+          </p:cNvPr>
+          <p:cNvSpPr>
+            <a:spLocks noGrp="1"/>
+          </p:cNvSpPr>
+          <p:nvPr>
+            <p:ph idx="1"/>
+          </p:nvPr>
+        </p:nvSpPr>
+        <p:spPr/>
+        <p:txBody>
+          <a:bodyPr/>
+          <a:lstStyle/>
+          <a:p>
+            <a:r>
+              <a:rPr lang="it-IT" dirty="0"/>
+              <a:t>Se vengono vendute più risorse di quelle prodotte si assume che c’è stato l’uso di un magazzino e si considera come costo quello della vendita.</a:t>
+            </a:r>
+          </a:p>
+        </p:txBody>
+      </p:sp>
+    </p:spTree>
+    <p:extLst>
+      <p:ext uri="{BB962C8B-B14F-4D97-AF65-F5344CB8AC3E}">
+        <p14:creationId xmlns:p14="http://schemas.microsoft.com/office/powerpoint/2010/main" val="2840913240"/>
+      </p:ext>
+    </p:extLst>
+  </p:cSld>
+  <p:clrMapOvr>
+    <a:masterClrMapping/>
+  </p:clrMapOvr>
+</p:sld>
+</file>
+
+<file path=ppt/slides/slide7.xml><?xml version="1.0" encoding="utf-8"?>
 <p:sld xmlns:a="http://schemas.openxmlformats.org/drawingml/2006/main" xmlns:r="http://schemas.openxmlformats.org/officeDocument/2006/relationships" xmlns:p="http://schemas.openxmlformats.org/presentationml/2006/main">
   <p:cSld>
     <p:spTree>
@@ -22827,7 +22925,7 @@
 </p:sld>
 </file>
 
-<file path=ppt/slides/slide7.xml><?xml version="1.0" encoding="utf-8"?>
+<file path=ppt/slides/slide8.xml><?xml version="1.0" encoding="utf-8"?>
 <p:sld xmlns:a="http://schemas.openxmlformats.org/drawingml/2006/main" xmlns:r="http://schemas.openxmlformats.org/officeDocument/2006/relationships" xmlns:p="http://schemas.openxmlformats.org/presentationml/2006/main">
   <p:cSld>
     <p:spTree>

--- a/Document/PresentazioneProgetto.pptx
+++ b/Document/PresentazioneProgetto.pptx
@@ -21983,6 +21983,20 @@
               <a:t>Se vengono vendute più risorse di quelle prodotte si assume che c’è stato l’uso di un magazzino e si considera come costo quello della vendita.</a:t>
             </a:r>
           </a:p>
+          <a:p>
+            <a:r>
+              <a:rPr lang="it-IT" dirty="0"/>
+              <a:t>Abbiamo individuato delle lavorazioni con quantità di output 0, il costo delle quali è considerato nel totale delle lavorazioni ma l’abbiamo tolto da la tabella con l’informazione al dettaglio per ogni fase per riuscire a proseguire con l’individuazione del tempo risorsa per una quantità dell’articolo. COMMENTO PER NOI: vogliamo individuare il costo totale per ogni fase per giustificare lo scostamento </a:t>
+            </a:r>
+            <a:r>
+              <a:rPr lang="it-IT"/>
+              <a:t>dell’impiego risorse</a:t>
+            </a:r>
+            <a:endParaRPr lang="it-IT" dirty="0"/>
+          </a:p>
+          <a:p>
+            <a:endParaRPr lang="it-IT" dirty="0"/>
+          </a:p>
         </p:txBody>
       </p:sp>
     </p:spTree>

--- a/Document/PresentazioneProgetto.pptx
+++ b/Document/PresentazioneProgetto.pptx
@@ -11,8 +11,9 @@
     <p:sldId id="259" r:id="rId5"/>
     <p:sldId id="260" r:id="rId6"/>
     <p:sldId id="264" r:id="rId7"/>
-    <p:sldId id="262" r:id="rId8"/>
-    <p:sldId id="263" r:id="rId9"/>
+    <p:sldId id="265" r:id="rId8"/>
+    <p:sldId id="262" r:id="rId9"/>
+    <p:sldId id="263" r:id="rId10"/>
   </p:sldIdLst>
   <p:sldSz cx="12192000" cy="6858000"/>
   <p:notesSz cx="6858000" cy="9144000"/>
@@ -8912,7 +8913,7 @@
           <a:p>
             <a:fld id="{E73BCDAA-43D9-6A49-A153-143FD6FEACF2}" type="datetimeFigureOut">
               <a:rPr lang="it-IT" smtClean="0"/>
-              <a:t>29/12/21</a:t>
+              <a:t>30/12/21</a:t>
             </a:fld>
             <a:endParaRPr lang="it-IT"/>
           </a:p>
@@ -9119,7 +9120,7 @@
           <a:p>
             <a:fld id="{E73BCDAA-43D9-6A49-A153-143FD6FEACF2}" type="datetimeFigureOut">
               <a:rPr lang="it-IT" smtClean="0"/>
-              <a:t>29/12/21</a:t>
+              <a:t>30/12/21</a:t>
             </a:fld>
             <a:endParaRPr lang="it-IT"/>
           </a:p>
@@ -9299,7 +9300,7 @@
           <a:p>
             <a:fld id="{E73BCDAA-43D9-6A49-A153-143FD6FEACF2}" type="datetimeFigureOut">
               <a:rPr lang="it-IT" smtClean="0"/>
-              <a:t>29/12/21</a:t>
+              <a:t>30/12/21</a:t>
             </a:fld>
             <a:endParaRPr lang="it-IT"/>
           </a:p>
@@ -9504,7 +9505,7 @@
           <a:p>
             <a:fld id="{E73BCDAA-43D9-6A49-A153-143FD6FEACF2}" type="datetimeFigureOut">
               <a:rPr lang="it-IT" smtClean="0"/>
-              <a:t>29/12/21</a:t>
+              <a:t>30/12/21</a:t>
             </a:fld>
             <a:endParaRPr lang="it-IT"/>
           </a:p>
@@ -18402,7 +18403,7 @@
           <a:p>
             <a:fld id="{E73BCDAA-43D9-6A49-A153-143FD6FEACF2}" type="datetimeFigureOut">
               <a:rPr lang="it-IT" smtClean="0"/>
-              <a:t>29/12/21</a:t>
+              <a:t>30/12/21</a:t>
             </a:fld>
             <a:endParaRPr lang="it-IT"/>
           </a:p>
@@ -18676,7 +18677,7 @@
           <a:p>
             <a:fld id="{E73BCDAA-43D9-6A49-A153-143FD6FEACF2}" type="datetimeFigureOut">
               <a:rPr lang="it-IT" smtClean="0"/>
-              <a:t>29/12/21</a:t>
+              <a:t>30/12/21</a:t>
             </a:fld>
             <a:endParaRPr lang="it-IT"/>
           </a:p>
@@ -19079,7 +19080,7 @@
           <a:p>
             <a:fld id="{E73BCDAA-43D9-6A49-A153-143FD6FEACF2}" type="datetimeFigureOut">
               <a:rPr lang="it-IT" smtClean="0"/>
-              <a:t>29/12/21</a:t>
+              <a:t>30/12/21</a:t>
             </a:fld>
             <a:endParaRPr lang="it-IT"/>
           </a:p>
@@ -19202,7 +19203,7 @@
           <a:p>
             <a:fld id="{E73BCDAA-43D9-6A49-A153-143FD6FEACF2}" type="datetimeFigureOut">
               <a:rPr lang="it-IT" smtClean="0"/>
-              <a:t>29/12/21</a:t>
+              <a:t>30/12/21</a:t>
             </a:fld>
             <a:endParaRPr lang="it-IT"/>
           </a:p>
@@ -19297,7 +19298,7 @@
           <a:p>
             <a:fld id="{E73BCDAA-43D9-6A49-A153-143FD6FEACF2}" type="datetimeFigureOut">
               <a:rPr lang="it-IT" smtClean="0"/>
-              <a:t>29/12/21</a:t>
+              <a:t>30/12/21</a:t>
             </a:fld>
             <a:endParaRPr lang="it-IT"/>
           </a:p>
@@ -19587,7 +19588,7 @@
           <a:p>
             <a:fld id="{E73BCDAA-43D9-6A49-A153-143FD6FEACF2}" type="datetimeFigureOut">
               <a:rPr lang="it-IT" smtClean="0"/>
-              <a:t>29/12/21</a:t>
+              <a:t>30/12/21</a:t>
             </a:fld>
             <a:endParaRPr lang="it-IT"/>
           </a:p>
@@ -19872,7 +19873,7 @@
           <a:p>
             <a:fld id="{E73BCDAA-43D9-6A49-A153-143FD6FEACF2}" type="datetimeFigureOut">
               <a:rPr lang="it-IT" smtClean="0"/>
-              <a:t>29/12/21</a:t>
+              <a:t>30/12/21</a:t>
             </a:fld>
             <a:endParaRPr lang="it-IT"/>
           </a:p>
@@ -20122,7 +20123,7 @@
           <a:p>
             <a:fld id="{E73BCDAA-43D9-6A49-A153-143FD6FEACF2}" type="datetimeFigureOut">
               <a:rPr lang="it-IT" smtClean="0"/>
-              <a:t>29/12/21</a:t>
+              <a:t>30/12/21</a:t>
             </a:fld>
             <a:endParaRPr lang="it-IT"/>
           </a:p>
@@ -21853,7 +21854,7 @@
         <p:spPr/>
         <p:txBody>
           <a:bodyPr>
-            <a:normAutofit fontScale="77500" lnSpcReduction="20000"/>
+            <a:normAutofit/>
           </a:bodyPr>
           <a:lstStyle/>
           <a:p>
@@ -21873,23 +21874,6 @@
               <a:rPr lang="it-IT" dirty="0"/>
               <a:t>per ogni tempo negativo esiste un tempo positivo uguale in modulo che, al sommare i tempi delle stesse attività, si annullano a vicenda perché si suppone …..</a:t>
             </a:r>
-          </a:p>
-          <a:p>
-            <a:r>
-              <a:rPr lang="it-IT" dirty="0"/>
-              <a:t>Articoli in produzione a budget che non sono a consuntivo fanno parte di un assieme (insieme di oggetti semplici costituiscono un oggetto composto) e il loro prezzo è inglobato</a:t>
-            </a:r>
-          </a:p>
-          <a:p>
-            <a:r>
-              <a:rPr lang="it-IT" dirty="0"/>
-              <a:t>Esistono prodotti intermedi che vengono utilizzati per la creazione di altri prodotti, tuttavia il loro costo è incluso nel costo dell’articolo finale (fatto tramite un controllo veloce). Non vengono considerati come causa maggiore dello scostamento e non vengono considerati come costo di materie prime ma vengono considerati solo i costi di produzione. Ci sono solo 3 prodotti intermedi che vengono venduti ma non impatta più di tanto il loro costo (circa 290 </a:t>
-            </a:r>
-            <a:r>
-              <a:rPr lang="it-IT"/>
-              <a:t>in totale).</a:t>
-            </a:r>
-            <a:endParaRPr lang="it-IT" dirty="0"/>
           </a:p>
           <a:p>
             <a:r>
@@ -22013,6 +21997,106 @@
 </file>
 
 <file path=ppt/slides/slide7.xml><?xml version="1.0" encoding="utf-8"?>
+<p:sld xmlns:a="http://schemas.openxmlformats.org/drawingml/2006/main" xmlns:r="http://schemas.openxmlformats.org/officeDocument/2006/relationships" xmlns:p="http://schemas.openxmlformats.org/presentationml/2006/main">
+  <p:cSld>
+    <p:spTree>
+      <p:nvGrpSpPr>
+        <p:cNvPr id="1" name=""/>
+        <p:cNvGrpSpPr/>
+        <p:nvPr/>
+      </p:nvGrpSpPr>
+      <p:grpSpPr>
+        <a:xfrm>
+          <a:off x="0" y="0"/>
+          <a:ext cx="0" cy="0"/>
+          <a:chOff x="0" y="0"/>
+          <a:chExt cx="0" cy="0"/>
+        </a:xfrm>
+      </p:grpSpPr>
+      <p:sp>
+        <p:nvSpPr>
+          <p:cNvPr id="2" name="Titolo 1">
+            <a:extLst>
+              <a:ext uri="{FF2B5EF4-FFF2-40B4-BE49-F238E27FC236}">
+                <a16:creationId xmlns:a16="http://schemas.microsoft.com/office/drawing/2014/main" id="{147624F4-BD22-C94B-AD95-870BBD37A948}"/>
+              </a:ext>
+            </a:extLst>
+          </p:cNvPr>
+          <p:cNvSpPr>
+            <a:spLocks noGrp="1"/>
+          </p:cNvSpPr>
+          <p:nvPr>
+            <p:ph type="title"/>
+          </p:nvPr>
+        </p:nvSpPr>
+        <p:spPr/>
+        <p:txBody>
+          <a:bodyPr/>
+          <a:lstStyle/>
+          <a:p>
+            <a:r>
+              <a:rPr lang="it-IT" dirty="0"/>
+              <a:t>Assunzioni fatte 3</a:t>
+            </a:r>
+          </a:p>
+        </p:txBody>
+      </p:sp>
+      <p:sp>
+        <p:nvSpPr>
+          <p:cNvPr id="3" name="Segnaposto contenuto 2">
+            <a:extLst>
+              <a:ext uri="{FF2B5EF4-FFF2-40B4-BE49-F238E27FC236}">
+                <a16:creationId xmlns:a16="http://schemas.microsoft.com/office/drawing/2014/main" id="{1673C8E5-4694-BA45-A113-8252C40AD81A}"/>
+              </a:ext>
+            </a:extLst>
+          </p:cNvPr>
+          <p:cNvSpPr>
+            <a:spLocks noGrp="1"/>
+          </p:cNvSpPr>
+          <p:nvPr>
+            <p:ph idx="1"/>
+          </p:nvPr>
+        </p:nvSpPr>
+        <p:spPr/>
+        <p:txBody>
+          <a:bodyPr/>
+          <a:lstStyle/>
+          <a:p>
+            <a:r>
+              <a:rPr lang="it-IT" dirty="0"/>
+              <a:t>Articoli in produzione a budget che non sono a consuntivo fanno parte di un assieme (insieme di oggetti semplici costituiscono un oggetto composto) e il loro prezzo è inglobato all’interno del prezzo totale del prodotto finito.</a:t>
+            </a:r>
+          </a:p>
+          <a:p>
+            <a:r>
+              <a:rPr lang="it-IT" dirty="0"/>
+              <a:t>Esistono prodotti intermedi che vengono utilizzati per la creazione di altri prodotti, tuttavia il loro costo è incluso nel costo dell’articolo finale (fatto tramite un controllo veloce). Non vengono considerati come causa maggiore dello scostamento e non vengono considerati come costo di materie prime ma vengono considerati solo i costi di produzione. Sono 86 prodotti intermedi a consuntivo e 84 prodotti intermedi a budget. Ci sono solo 3 prodotti intermedi che vengono venduti ma non impatta più di tanto il loro costo (circa 290 in totale </a:t>
+            </a:r>
+            <a:r>
+              <a:rPr lang="it-IT"/>
+              <a:t>i costi).</a:t>
+            </a:r>
+            <a:endParaRPr lang="it-IT" dirty="0"/>
+          </a:p>
+          <a:p>
+            <a:endParaRPr lang="it-IT" dirty="0"/>
+          </a:p>
+        </p:txBody>
+      </p:sp>
+    </p:spTree>
+    <p:extLst>
+      <p:ext uri="{BB962C8B-B14F-4D97-AF65-F5344CB8AC3E}">
+        <p14:creationId xmlns:p14="http://schemas.microsoft.com/office/powerpoint/2010/main" val="3519091126"/>
+      </p:ext>
+    </p:extLst>
+  </p:cSld>
+  <p:clrMapOvr>
+    <a:masterClrMapping/>
+  </p:clrMapOvr>
+</p:sld>
+</file>
+
+<file path=ppt/slides/slide8.xml><?xml version="1.0" encoding="utf-8"?>
 <p:sld xmlns:a="http://schemas.openxmlformats.org/drawingml/2006/main" xmlns:r="http://schemas.openxmlformats.org/officeDocument/2006/relationships" xmlns:p="http://schemas.openxmlformats.org/presentationml/2006/main">
   <p:cSld>
     <p:spTree>
@@ -22939,7 +23023,7 @@
 </p:sld>
 </file>
 
-<file path=ppt/slides/slide8.xml><?xml version="1.0" encoding="utf-8"?>
+<file path=ppt/slides/slide9.xml><?xml version="1.0" encoding="utf-8"?>
 <p:sld xmlns:a="http://schemas.openxmlformats.org/drawingml/2006/main" xmlns:r="http://schemas.openxmlformats.org/officeDocument/2006/relationships" xmlns:p="http://schemas.openxmlformats.org/presentationml/2006/main">
   <p:cSld>
     <p:spTree>

--- a/Document/PresentazioneProgetto.pptx
+++ b/Document/PresentazioneProgetto.pptx
@@ -12,8 +12,9 @@
     <p:sldId id="260" r:id="rId6"/>
     <p:sldId id="264" r:id="rId7"/>
     <p:sldId id="265" r:id="rId8"/>
-    <p:sldId id="262" r:id="rId9"/>
-    <p:sldId id="263" r:id="rId10"/>
+    <p:sldId id="266" r:id="rId9"/>
+    <p:sldId id="262" r:id="rId10"/>
+    <p:sldId id="263" r:id="rId11"/>
   </p:sldIdLst>
   <p:sldSz cx="12192000" cy="6858000"/>
   <p:notesSz cx="6858000" cy="9144000"/>
@@ -20829,6 +20830,89 @@
 </p:sld>
 </file>
 
+<file path=ppt/slides/slide10.xml><?xml version="1.0" encoding="utf-8"?>
+<p:sld xmlns:a="http://schemas.openxmlformats.org/drawingml/2006/main" xmlns:r="http://schemas.openxmlformats.org/officeDocument/2006/relationships" xmlns:p="http://schemas.openxmlformats.org/presentationml/2006/main">
+  <p:cSld>
+    <p:spTree>
+      <p:nvGrpSpPr>
+        <p:cNvPr id="1" name=""/>
+        <p:cNvGrpSpPr/>
+        <p:nvPr/>
+      </p:nvGrpSpPr>
+      <p:grpSpPr>
+        <a:xfrm>
+          <a:off x="0" y="0"/>
+          <a:ext cx="0" cy="0"/>
+          <a:chOff x="0" y="0"/>
+          <a:chExt cx="0" cy="0"/>
+        </a:xfrm>
+      </p:grpSpPr>
+      <p:sp>
+        <p:nvSpPr>
+          <p:cNvPr id="2" name="Titolo 1">
+            <a:extLst>
+              <a:ext uri="{FF2B5EF4-FFF2-40B4-BE49-F238E27FC236}">
+                <a16:creationId xmlns:a16="http://schemas.microsoft.com/office/drawing/2014/main" id="{E57A1EED-342D-C841-807B-6612B7AA446E}"/>
+              </a:ext>
+            </a:extLst>
+          </p:cNvPr>
+          <p:cNvSpPr>
+            <a:spLocks noGrp="1"/>
+          </p:cNvSpPr>
+          <p:nvPr>
+            <p:ph type="title"/>
+          </p:nvPr>
+        </p:nvSpPr>
+        <p:spPr/>
+        <p:txBody>
+          <a:bodyPr/>
+          <a:lstStyle/>
+          <a:p>
+            <a:r>
+              <a:rPr lang="it-IT" dirty="0"/>
+              <a:t>Possibili ipotesi agli scostamenti</a:t>
+            </a:r>
+          </a:p>
+        </p:txBody>
+      </p:sp>
+      <p:sp>
+        <p:nvSpPr>
+          <p:cNvPr id="3" name="Segnaposto contenuto 2">
+            <a:extLst>
+              <a:ext uri="{FF2B5EF4-FFF2-40B4-BE49-F238E27FC236}">
+                <a16:creationId xmlns:a16="http://schemas.microsoft.com/office/drawing/2014/main" id="{FEDCDABA-5BDD-D144-88D7-03B11168C6C2}"/>
+              </a:ext>
+            </a:extLst>
+          </p:cNvPr>
+          <p:cNvSpPr>
+            <a:spLocks noGrp="1"/>
+          </p:cNvSpPr>
+          <p:nvPr>
+            <p:ph idx="1"/>
+          </p:nvPr>
+        </p:nvSpPr>
+        <p:spPr/>
+        <p:txBody>
+          <a:bodyPr/>
+          <a:lstStyle/>
+          <a:p>
+            <a:endParaRPr lang="it-IT"/>
+          </a:p>
+        </p:txBody>
+      </p:sp>
+    </p:spTree>
+    <p:extLst>
+      <p:ext uri="{BB962C8B-B14F-4D97-AF65-F5344CB8AC3E}">
+        <p14:creationId xmlns:p14="http://schemas.microsoft.com/office/powerpoint/2010/main" val="351383718"/>
+      </p:ext>
+    </p:extLst>
+  </p:cSld>
+  <p:clrMapOvr>
+    <a:masterClrMapping/>
+  </p:clrMapOvr>
+</p:sld>
+</file>
+
 <file path=ppt/slides/slide2.xml><?xml version="1.0" encoding="utf-8"?>
 <p:sld xmlns:a="http://schemas.openxmlformats.org/drawingml/2006/main" xmlns:r="http://schemas.openxmlformats.org/officeDocument/2006/relationships" xmlns:p="http://schemas.openxmlformats.org/presentationml/2006/main">
   <p:cSld>
@@ -22118,6 +22202,115 @@
           <p:cNvPr id="2" name="Titolo 1">
             <a:extLst>
               <a:ext uri="{FF2B5EF4-FFF2-40B4-BE49-F238E27FC236}">
+                <a16:creationId xmlns:a16="http://schemas.microsoft.com/office/drawing/2014/main" id="{C78AC4AC-88F8-4747-9F0D-D322C5D35F24}"/>
+              </a:ext>
+            </a:extLst>
+          </p:cNvPr>
+          <p:cNvSpPr>
+            <a:spLocks noGrp="1"/>
+          </p:cNvSpPr>
+          <p:nvPr>
+            <p:ph type="title"/>
+          </p:nvPr>
+        </p:nvSpPr>
+        <p:spPr/>
+        <p:txBody>
+          <a:bodyPr/>
+          <a:lstStyle/>
+          <a:p>
+            <a:r>
+              <a:rPr lang="it-IT" dirty="0"/>
+              <a:t>Considerazione su processi lavorativi</a:t>
+            </a:r>
+          </a:p>
+        </p:txBody>
+      </p:sp>
+      <p:sp>
+        <p:nvSpPr>
+          <p:cNvPr id="3" name="Segnaposto contenuto 2">
+            <a:extLst>
+              <a:ext uri="{FF2B5EF4-FFF2-40B4-BE49-F238E27FC236}">
+                <a16:creationId xmlns:a16="http://schemas.microsoft.com/office/drawing/2014/main" id="{900E4943-1233-A84A-943A-B916658A7D4A}"/>
+              </a:ext>
+            </a:extLst>
+          </p:cNvPr>
+          <p:cNvSpPr>
+            <a:spLocks noGrp="1"/>
+          </p:cNvSpPr>
+          <p:nvPr>
+            <p:ph idx="1"/>
+          </p:nvPr>
+        </p:nvSpPr>
+        <p:spPr/>
+        <p:txBody>
+          <a:bodyPr/>
+          <a:lstStyle/>
+          <a:p>
+            <a:r>
+              <a:rPr lang="it-IT" dirty="0"/>
+              <a:t>Viene preso il massimo dei pezzi per il calcolo dei costi di manodopera in output per ogni articolo con un determinato ODP perché non ci sono sempre i controlli qualità associati alla coppia articolo-ODP. SCRIVERE L’ESEMPIO CHE SPIEGA LA SITUAZIONE.</a:t>
+            </a:r>
+          </a:p>
+          <a:p>
+            <a:endParaRPr lang="it-IT" dirty="0"/>
+          </a:p>
+          <a:p>
+            <a:r>
+              <a:rPr lang="it-IT" dirty="0"/>
+              <a:t>Costo orario-&gt; vengono i tempi orari associati alla coppia articolo-ODP per </a:t>
+            </a:r>
+            <a:r>
+              <a:rPr lang="it-IT"/>
+              <a:t>una determinata fase</a:t>
+            </a:r>
+            <a:endParaRPr lang="it-IT" dirty="0"/>
+          </a:p>
+          <a:p>
+            <a:endParaRPr lang="it-IT" dirty="0"/>
+          </a:p>
+          <a:p>
+            <a:r>
+              <a:rPr lang="it-IT" dirty="0"/>
+              <a:t>Parlare anche del tempo risorsa uguale a 0.</a:t>
+            </a:r>
+          </a:p>
+        </p:txBody>
+      </p:sp>
+    </p:spTree>
+    <p:extLst>
+      <p:ext uri="{BB962C8B-B14F-4D97-AF65-F5344CB8AC3E}">
+        <p14:creationId xmlns:p14="http://schemas.microsoft.com/office/powerpoint/2010/main" val="3938998553"/>
+      </p:ext>
+    </p:extLst>
+  </p:cSld>
+  <p:clrMapOvr>
+    <a:masterClrMapping/>
+  </p:clrMapOvr>
+</p:sld>
+</file>
+
+<file path=ppt/slides/slide9.xml><?xml version="1.0" encoding="utf-8"?>
+<p:sld xmlns:a="http://schemas.openxmlformats.org/drawingml/2006/main" xmlns:r="http://schemas.openxmlformats.org/officeDocument/2006/relationships" xmlns:p="http://schemas.openxmlformats.org/presentationml/2006/main">
+  <p:cSld>
+    <p:spTree>
+      <p:nvGrpSpPr>
+        <p:cNvPr id="1" name=""/>
+        <p:cNvGrpSpPr/>
+        <p:nvPr/>
+      </p:nvGrpSpPr>
+      <p:grpSpPr>
+        <a:xfrm>
+          <a:off x="0" y="0"/>
+          <a:ext cx="0" cy="0"/>
+          <a:chOff x="0" y="0"/>
+          <a:chExt cx="0" cy="0"/>
+        </a:xfrm>
+      </p:grpSpPr>
+      <p:sp>
+        <p:nvSpPr>
+          <p:cNvPr id="2" name="Titolo 1">
+            <a:extLst>
+              <a:ext uri="{FF2B5EF4-FFF2-40B4-BE49-F238E27FC236}">
                 <a16:creationId xmlns:a16="http://schemas.microsoft.com/office/drawing/2014/main" id="{E73A98B8-1F47-2447-8BE2-E9DF0B1A16D0}"/>
               </a:ext>
             </a:extLst>
@@ -23023,89 +23216,6 @@
 </p:sld>
 </file>
 
-<file path=ppt/slides/slide9.xml><?xml version="1.0" encoding="utf-8"?>
-<p:sld xmlns:a="http://schemas.openxmlformats.org/drawingml/2006/main" xmlns:r="http://schemas.openxmlformats.org/officeDocument/2006/relationships" xmlns:p="http://schemas.openxmlformats.org/presentationml/2006/main">
-  <p:cSld>
-    <p:spTree>
-      <p:nvGrpSpPr>
-        <p:cNvPr id="1" name=""/>
-        <p:cNvGrpSpPr/>
-        <p:nvPr/>
-      </p:nvGrpSpPr>
-      <p:grpSpPr>
-        <a:xfrm>
-          <a:off x="0" y="0"/>
-          <a:ext cx="0" cy="0"/>
-          <a:chOff x="0" y="0"/>
-          <a:chExt cx="0" cy="0"/>
-        </a:xfrm>
-      </p:grpSpPr>
-      <p:sp>
-        <p:nvSpPr>
-          <p:cNvPr id="2" name="Titolo 1">
-            <a:extLst>
-              <a:ext uri="{FF2B5EF4-FFF2-40B4-BE49-F238E27FC236}">
-                <a16:creationId xmlns:a16="http://schemas.microsoft.com/office/drawing/2014/main" id="{E57A1EED-342D-C841-807B-6612B7AA446E}"/>
-              </a:ext>
-            </a:extLst>
-          </p:cNvPr>
-          <p:cNvSpPr>
-            <a:spLocks noGrp="1"/>
-          </p:cNvSpPr>
-          <p:nvPr>
-            <p:ph type="title"/>
-          </p:nvPr>
-        </p:nvSpPr>
-        <p:spPr/>
-        <p:txBody>
-          <a:bodyPr/>
-          <a:lstStyle/>
-          <a:p>
-            <a:r>
-              <a:rPr lang="it-IT" dirty="0"/>
-              <a:t>Possibili ipotesi agli scostamenti</a:t>
-            </a:r>
-          </a:p>
-        </p:txBody>
-      </p:sp>
-      <p:sp>
-        <p:nvSpPr>
-          <p:cNvPr id="3" name="Segnaposto contenuto 2">
-            <a:extLst>
-              <a:ext uri="{FF2B5EF4-FFF2-40B4-BE49-F238E27FC236}">
-                <a16:creationId xmlns:a16="http://schemas.microsoft.com/office/drawing/2014/main" id="{FEDCDABA-5BDD-D144-88D7-03B11168C6C2}"/>
-              </a:ext>
-            </a:extLst>
-          </p:cNvPr>
-          <p:cNvSpPr>
-            <a:spLocks noGrp="1"/>
-          </p:cNvSpPr>
-          <p:nvPr>
-            <p:ph idx="1"/>
-          </p:nvPr>
-        </p:nvSpPr>
-        <p:spPr/>
-        <p:txBody>
-          <a:bodyPr/>
-          <a:lstStyle/>
-          <a:p>
-            <a:endParaRPr lang="it-IT"/>
-          </a:p>
-        </p:txBody>
-      </p:sp>
-    </p:spTree>
-    <p:extLst>
-      <p:ext uri="{BB962C8B-B14F-4D97-AF65-F5344CB8AC3E}">
-        <p14:creationId xmlns:p14="http://schemas.microsoft.com/office/powerpoint/2010/main" val="351383718"/>
-      </p:ext>
-    </p:extLst>
-  </p:cSld>
-  <p:clrMapOvr>
-    <a:masterClrMapping/>
-  </p:clrMapOvr>
-</p:sld>
-</file>
-
 <file path=ppt/theme/theme1.xml><?xml version="1.0" encoding="utf-8"?>
 <a:theme xmlns:a="http://schemas.openxmlformats.org/drawingml/2006/main" name="Integrale">
   <a:themeElements>

--- a/Document/PresentazioneProgetto.pptx
+++ b/Document/PresentazioneProgetto.pptx
@@ -12,9 +12,10 @@
     <p:sldId id="260" r:id="rId6"/>
     <p:sldId id="264" r:id="rId7"/>
     <p:sldId id="265" r:id="rId8"/>
-    <p:sldId id="266" r:id="rId9"/>
-    <p:sldId id="262" r:id="rId10"/>
-    <p:sldId id="263" r:id="rId11"/>
+    <p:sldId id="267" r:id="rId9"/>
+    <p:sldId id="266" r:id="rId10"/>
+    <p:sldId id="262" r:id="rId11"/>
+    <p:sldId id="263" r:id="rId12"/>
   </p:sldIdLst>
   <p:sldSz cx="12192000" cy="6858000"/>
   <p:notesSz cx="6858000" cy="9144000"/>
@@ -20852,6 +20853,933 @@
           <p:cNvPr id="2" name="Titolo 1">
             <a:extLst>
               <a:ext uri="{FF2B5EF4-FFF2-40B4-BE49-F238E27FC236}">
+                <a16:creationId xmlns:a16="http://schemas.microsoft.com/office/drawing/2014/main" id="{E73A98B8-1F47-2447-8BE2-E9DF0B1A16D0}"/>
+              </a:ext>
+            </a:extLst>
+          </p:cNvPr>
+          <p:cNvSpPr>
+            <a:spLocks noGrp="1"/>
+          </p:cNvSpPr>
+          <p:nvPr>
+            <p:ph type="title"/>
+          </p:nvPr>
+        </p:nvSpPr>
+        <p:spPr/>
+        <p:txBody>
+          <a:bodyPr/>
+          <a:lstStyle/>
+          <a:p>
+            <a:r>
+              <a:rPr lang="it-IT"/>
+              <a:t>Esecuzione degli scostamenti</a:t>
+            </a:r>
+          </a:p>
+        </p:txBody>
+      </p:sp>
+      <p:graphicFrame>
+        <p:nvGraphicFramePr>
+          <p:cNvPr id="4" name="Tabella 4">
+            <a:extLst>
+              <a:ext uri="{FF2B5EF4-FFF2-40B4-BE49-F238E27FC236}">
+                <a16:creationId xmlns:a16="http://schemas.microsoft.com/office/drawing/2014/main" id="{CB59760C-95C5-0B4C-AD26-423EC055CB2F}"/>
+              </a:ext>
+            </a:extLst>
+          </p:cNvPr>
+          <p:cNvGraphicFramePr>
+            <a:graphicFrameLocks noGrp="1"/>
+          </p:cNvGraphicFramePr>
+          <p:nvPr>
+            <p:ph idx="1"/>
+            <p:extLst>
+              <p:ext uri="{D42A27DB-BD31-4B8C-83A1-F6EECF244321}">
+                <p14:modId xmlns:p14="http://schemas.microsoft.com/office/powerpoint/2010/main" val="628559778"/>
+              </p:ext>
+            </p:extLst>
+          </p:nvPr>
+        </p:nvGraphicFramePr>
+        <p:xfrm>
+          <a:off x="95714" y="1555654"/>
+          <a:ext cx="12000571" cy="4717130"/>
+        </p:xfrm>
+        <a:graphic>
+          <a:graphicData uri="http://schemas.openxmlformats.org/drawingml/2006/table">
+            <a:tbl>
+              <a:tblPr firstRow="1" bandRow="1">
+                <a:tableStyleId>{5C22544A-7EE6-4342-B048-85BDC9FD1C3A}</a:tableStyleId>
+              </a:tblPr>
+              <a:tblGrid>
+                <a:gridCol w="1333397">
+                  <a:extLst>
+                    <a:ext uri="{9D8B030D-6E8A-4147-A177-3AD203B41FA5}">
+                      <a16:colId xmlns:a16="http://schemas.microsoft.com/office/drawing/2014/main" val="3039533413"/>
+                    </a:ext>
+                  </a:extLst>
+                </a:gridCol>
+                <a:gridCol w="1386281">
+                  <a:extLst>
+                    <a:ext uri="{9D8B030D-6E8A-4147-A177-3AD203B41FA5}">
+                      <a16:colId xmlns:a16="http://schemas.microsoft.com/office/drawing/2014/main" val="1628745461"/>
+                    </a:ext>
+                  </a:extLst>
+                </a:gridCol>
+                <a:gridCol w="1280511">
+                  <a:extLst>
+                    <a:ext uri="{9D8B030D-6E8A-4147-A177-3AD203B41FA5}">
+                      <a16:colId xmlns:a16="http://schemas.microsoft.com/office/drawing/2014/main" val="3012836848"/>
+                    </a:ext>
+                  </a:extLst>
+                </a:gridCol>
+                <a:gridCol w="1337176">
+                  <a:extLst>
+                    <a:ext uri="{9D8B030D-6E8A-4147-A177-3AD203B41FA5}">
+                      <a16:colId xmlns:a16="http://schemas.microsoft.com/office/drawing/2014/main" val="3335112797"/>
+                    </a:ext>
+                  </a:extLst>
+                </a:gridCol>
+                <a:gridCol w="1329618">
+                  <a:extLst>
+                    <a:ext uri="{9D8B030D-6E8A-4147-A177-3AD203B41FA5}">
+                      <a16:colId xmlns:a16="http://schemas.microsoft.com/office/drawing/2014/main" val="3262263587"/>
+                    </a:ext>
+                  </a:extLst>
+                </a:gridCol>
+                <a:gridCol w="1390059">
+                  <a:extLst>
+                    <a:ext uri="{9D8B030D-6E8A-4147-A177-3AD203B41FA5}">
+                      <a16:colId xmlns:a16="http://schemas.microsoft.com/office/drawing/2014/main" val="3015288968"/>
+                    </a:ext>
+                  </a:extLst>
+                </a:gridCol>
+                <a:gridCol w="1337174">
+                  <a:extLst>
+                    <a:ext uri="{9D8B030D-6E8A-4147-A177-3AD203B41FA5}">
+                      <a16:colId xmlns:a16="http://schemas.microsoft.com/office/drawing/2014/main" val="3807841347"/>
+                    </a:ext>
+                  </a:extLst>
+                </a:gridCol>
+                <a:gridCol w="1272958">
+                  <a:extLst>
+                    <a:ext uri="{9D8B030D-6E8A-4147-A177-3AD203B41FA5}">
+                      <a16:colId xmlns:a16="http://schemas.microsoft.com/office/drawing/2014/main" val="3378513636"/>
+                    </a:ext>
+                  </a:extLst>
+                </a:gridCol>
+                <a:gridCol w="1333397">
+                  <a:extLst>
+                    <a:ext uri="{9D8B030D-6E8A-4147-A177-3AD203B41FA5}">
+                      <a16:colId xmlns:a16="http://schemas.microsoft.com/office/drawing/2014/main" val="1681983959"/>
+                    </a:ext>
+                  </a:extLst>
+                </a:gridCol>
+              </a:tblGrid>
+              <a:tr h="1149022">
+                <a:tc>
+                  <a:txBody>
+                    <a:bodyPr/>
+                    <a:lstStyle/>
+                    <a:p>
+                      <a:pPr algn="l"/>
+                      <a:endParaRPr lang="it-IT" dirty="0"/>
+                    </a:p>
+                  </a:txBody>
+                  <a:tcPr/>
+                </a:tc>
+                <a:tc>
+                  <a:txBody>
+                    <a:bodyPr/>
+                    <a:lstStyle/>
+                    <a:p>
+                      <a:pPr algn="l"/>
+                      <a:r>
+                        <a:rPr lang="it-IT" dirty="0"/>
+                        <a:t>Budget</a:t>
+                      </a:r>
+                    </a:p>
+                  </a:txBody>
+                  <a:tcPr/>
+                </a:tc>
+                <a:tc>
+                  <a:txBody>
+                    <a:bodyPr/>
+                    <a:lstStyle/>
+                    <a:p>
+                      <a:pPr algn="l"/>
+                      <a:r>
+                        <a:rPr lang="it-IT" dirty="0"/>
+                        <a:t>Scostamento di volume</a:t>
+                      </a:r>
+                    </a:p>
+                  </a:txBody>
+                  <a:tcPr/>
+                </a:tc>
+                <a:tc>
+                  <a:txBody>
+                    <a:bodyPr/>
+                    <a:lstStyle/>
+                    <a:p>
+                      <a:pPr algn="l"/>
+                      <a:r>
+                        <a:rPr lang="it-IT" dirty="0"/>
+                        <a:t>Standard</a:t>
+                      </a:r>
+                    </a:p>
+                  </a:txBody>
+                  <a:tcPr/>
+                </a:tc>
+                <a:tc>
+                  <a:txBody>
+                    <a:bodyPr/>
+                    <a:lstStyle/>
+                    <a:p>
+                      <a:pPr algn="l"/>
+                      <a:r>
+                        <a:rPr lang="it-IT" dirty="0"/>
+                        <a:t>Scostamento di impiego/MIX</a:t>
+                      </a:r>
+                    </a:p>
+                  </a:txBody>
+                  <a:tcPr/>
+                </a:tc>
+                <a:tc>
+                  <a:txBody>
+                    <a:bodyPr/>
+                    <a:lstStyle/>
+                    <a:p>
+                      <a:pPr algn="l"/>
+                      <a:r>
+                        <a:rPr lang="it-IT" dirty="0"/>
+                        <a:t>Effettivo</a:t>
+                      </a:r>
+                    </a:p>
+                  </a:txBody>
+                  <a:tcPr/>
+                </a:tc>
+                <a:tc>
+                  <a:txBody>
+                    <a:bodyPr/>
+                    <a:lstStyle/>
+                    <a:p>
+                      <a:pPr algn="l"/>
+                      <a:r>
+                        <a:rPr lang="it-IT" dirty="0"/>
+                        <a:t>Scostamento di prezzo</a:t>
+                      </a:r>
+                    </a:p>
+                  </a:txBody>
+                  <a:tcPr/>
+                </a:tc>
+                <a:tc>
+                  <a:txBody>
+                    <a:bodyPr/>
+                    <a:lstStyle/>
+                    <a:p>
+                      <a:pPr algn="l"/>
+                      <a:r>
+                        <a:rPr lang="it-IT" dirty="0"/>
+                        <a:t>Consuntivo</a:t>
+                      </a:r>
+                    </a:p>
+                  </a:txBody>
+                  <a:tcPr/>
+                </a:tc>
+                <a:tc>
+                  <a:txBody>
+                    <a:bodyPr/>
+                    <a:lstStyle/>
+                    <a:p>
+                      <a:pPr algn="l"/>
+                      <a:r>
+                        <a:rPr lang="it-IT"/>
+                        <a:t>Scostamento consuntivo- budget</a:t>
+                      </a:r>
+                      <a:endParaRPr lang="it-IT" dirty="0"/>
+                    </a:p>
+                  </a:txBody>
+                  <a:tcPr/>
+                </a:tc>
+                <a:extLst>
+                  <a:ext uri="{0D108BD9-81ED-4DB2-BD59-A6C34878D82A}">
+                    <a16:rowId xmlns:a16="http://schemas.microsoft.com/office/drawing/2014/main" val="3282615153"/>
+                  </a:ext>
+                </a:extLst>
+              </a:tr>
+              <a:tr h="730300">
+                <a:tc>
+                  <a:txBody>
+                    <a:bodyPr/>
+                    <a:lstStyle/>
+                    <a:p>
+                      <a:pPr algn="l"/>
+                      <a:r>
+                        <a:rPr lang="it-IT"/>
+                        <a:t>Vendite</a:t>
+                      </a:r>
+                      <a:endParaRPr lang="it-IT" dirty="0"/>
+                    </a:p>
+                  </a:txBody>
+                  <a:tcPr/>
+                </a:tc>
+                <a:tc>
+                  <a:txBody>
+                    <a:bodyPr/>
+                    <a:lstStyle/>
+                    <a:p>
+                      <a:pPr algn="l"/>
+                      <a:r>
+                        <a:rPr lang="it-IT" dirty="0"/>
+                        <a:t>395.335,89</a:t>
+                      </a:r>
+                    </a:p>
+                  </a:txBody>
+                  <a:tcPr/>
+                </a:tc>
+                <a:tc>
+                  <a:txBody>
+                    <a:bodyPr/>
+                    <a:lstStyle/>
+                    <a:p>
+                      <a:pPr algn="l"/>
+                      <a:r>
+                        <a:rPr lang="it-IT" dirty="0"/>
+                        <a:t>115.196,85</a:t>
+                      </a:r>
+                    </a:p>
+                  </a:txBody>
+                  <a:tcPr/>
+                </a:tc>
+                <a:tc>
+                  <a:txBody>
+                    <a:bodyPr/>
+                    <a:lstStyle/>
+                    <a:p>
+                      <a:pPr algn="l"/>
+                      <a:r>
+                        <a:rPr lang="it-IT" dirty="0"/>
+                        <a:t>510.532, 74</a:t>
+                      </a:r>
+                    </a:p>
+                  </a:txBody>
+                  <a:tcPr/>
+                </a:tc>
+                <a:tc>
+                  <a:txBody>
+                    <a:bodyPr/>
+                    <a:lstStyle/>
+                    <a:p>
+                      <a:pPr algn="l"/>
+                      <a:r>
+                        <a:rPr lang="it-IT" dirty="0"/>
+                        <a:t>28.579,68</a:t>
+                      </a:r>
+                    </a:p>
+                  </a:txBody>
+                  <a:tcPr/>
+                </a:tc>
+                <a:tc>
+                  <a:txBody>
+                    <a:bodyPr/>
+                    <a:lstStyle/>
+                    <a:p>
+                      <a:pPr algn="l"/>
+                      <a:r>
+                        <a:rPr lang="it-IT" dirty="0"/>
+                        <a:t>539.112,42</a:t>
+                      </a:r>
+                    </a:p>
+                  </a:txBody>
+                  <a:tcPr/>
+                </a:tc>
+                <a:tc>
+                  <a:txBody>
+                    <a:bodyPr/>
+                    <a:lstStyle/>
+                    <a:p>
+                      <a:pPr algn="l"/>
+                      <a:r>
+                        <a:rPr lang="it-IT" dirty="0"/>
+                        <a:t>-31.269,58</a:t>
+                      </a:r>
+                    </a:p>
+                  </a:txBody>
+                  <a:tcPr/>
+                </a:tc>
+                <a:tc>
+                  <a:txBody>
+                    <a:bodyPr/>
+                    <a:lstStyle/>
+                    <a:p>
+                      <a:pPr algn="l"/>
+                      <a:r>
+                        <a:rPr lang="it-IT" dirty="0"/>
+                        <a:t>507.842,85</a:t>
+                      </a:r>
+                    </a:p>
+                  </a:txBody>
+                  <a:tcPr/>
+                </a:tc>
+                <a:tc>
+                  <a:txBody>
+                    <a:bodyPr/>
+                    <a:lstStyle/>
+                    <a:p>
+                      <a:pPr algn="l"/>
+                      <a:r>
+                        <a:rPr lang="it-IT" dirty="0"/>
+                        <a:t>112.506,96</a:t>
+                      </a:r>
+                    </a:p>
+                  </a:txBody>
+                  <a:tcPr/>
+                </a:tc>
+                <a:extLst>
+                  <a:ext uri="{0D108BD9-81ED-4DB2-BD59-A6C34878D82A}">
+                    <a16:rowId xmlns:a16="http://schemas.microsoft.com/office/drawing/2014/main" val="1242067950"/>
+                  </a:ext>
+                </a:extLst>
+              </a:tr>
+              <a:tr h="423110">
+                <a:tc>
+                  <a:txBody>
+                    <a:bodyPr/>
+                    <a:lstStyle/>
+                    <a:p>
+                      <a:pPr marL="0" marR="0" lvl="0" indent="0" algn="l" defTabSz="914400" rtl="0" eaLnBrk="1" fontAlgn="auto" latinLnBrk="0" hangingPunct="1">
+                        <a:lnSpc>
+                          <a:spcPct val="100000"/>
+                        </a:lnSpc>
+                        <a:spcBef>
+                          <a:spcPts val="0"/>
+                        </a:spcBef>
+                        <a:spcAft>
+                          <a:spcPts val="0"/>
+                        </a:spcAft>
+                        <a:buClrTx/>
+                        <a:buSzTx/>
+                        <a:buFontTx/>
+                        <a:buNone/>
+                        <a:tabLst/>
+                        <a:defRPr/>
+                      </a:pPr>
+                      <a:r>
+                        <a:rPr lang="it-IT" u="sng"/>
+                        <a:t>Costi</a:t>
+                      </a:r>
+                      <a:endParaRPr lang="it-IT" u="sng" dirty="0"/>
+                    </a:p>
+                  </a:txBody>
+                  <a:tcPr/>
+                </a:tc>
+                <a:tc>
+                  <a:txBody>
+                    <a:bodyPr/>
+                    <a:lstStyle/>
+                    <a:p>
+                      <a:pPr algn="l"/>
+                      <a:endParaRPr lang="it-IT" dirty="0"/>
+                    </a:p>
+                  </a:txBody>
+                  <a:tcPr/>
+                </a:tc>
+                <a:tc>
+                  <a:txBody>
+                    <a:bodyPr/>
+                    <a:lstStyle/>
+                    <a:p>
+                      <a:pPr algn="l"/>
+                      <a:endParaRPr lang="it-IT" dirty="0"/>
+                    </a:p>
+                  </a:txBody>
+                  <a:tcPr/>
+                </a:tc>
+                <a:tc>
+                  <a:txBody>
+                    <a:bodyPr/>
+                    <a:lstStyle/>
+                    <a:p>
+                      <a:pPr algn="l"/>
+                      <a:endParaRPr lang="it-IT" dirty="0"/>
+                    </a:p>
+                  </a:txBody>
+                  <a:tcPr/>
+                </a:tc>
+                <a:tc>
+                  <a:txBody>
+                    <a:bodyPr/>
+                    <a:lstStyle/>
+                    <a:p>
+                      <a:pPr algn="l"/>
+                      <a:endParaRPr lang="it-IT" dirty="0"/>
+                    </a:p>
+                  </a:txBody>
+                  <a:tcPr/>
+                </a:tc>
+                <a:tc>
+                  <a:txBody>
+                    <a:bodyPr/>
+                    <a:lstStyle/>
+                    <a:p>
+                      <a:pPr algn="l"/>
+                      <a:endParaRPr lang="it-IT"/>
+                    </a:p>
+                  </a:txBody>
+                  <a:tcPr/>
+                </a:tc>
+                <a:tc>
+                  <a:txBody>
+                    <a:bodyPr/>
+                    <a:lstStyle/>
+                    <a:p>
+                      <a:pPr algn="l"/>
+                      <a:endParaRPr lang="it-IT"/>
+                    </a:p>
+                  </a:txBody>
+                  <a:tcPr/>
+                </a:tc>
+                <a:tc>
+                  <a:txBody>
+                    <a:bodyPr/>
+                    <a:lstStyle/>
+                    <a:p>
+                      <a:pPr algn="l"/>
+                      <a:endParaRPr lang="it-IT" dirty="0"/>
+                    </a:p>
+                  </a:txBody>
+                  <a:tcPr/>
+                </a:tc>
+                <a:tc>
+                  <a:txBody>
+                    <a:bodyPr/>
+                    <a:lstStyle/>
+                    <a:p>
+                      <a:pPr algn="l"/>
+                      <a:endParaRPr lang="it-IT" dirty="0"/>
+                    </a:p>
+                  </a:txBody>
+                  <a:tcPr/>
+                </a:tc>
+                <a:extLst>
+                  <a:ext uri="{0D108BD9-81ED-4DB2-BD59-A6C34878D82A}">
+                    <a16:rowId xmlns:a16="http://schemas.microsoft.com/office/drawing/2014/main" val="3637592334"/>
+                  </a:ext>
+                </a:extLst>
+              </a:tr>
+              <a:tr h="730300">
+                <a:tc>
+                  <a:txBody>
+                    <a:bodyPr/>
+                    <a:lstStyle/>
+                    <a:p>
+                      <a:pPr algn="l"/>
+                      <a:r>
+                        <a:rPr lang="it-IT"/>
+                        <a:t>Materie prime</a:t>
+                      </a:r>
+                      <a:endParaRPr lang="it-IT" dirty="0"/>
+                    </a:p>
+                  </a:txBody>
+                  <a:tcPr/>
+                </a:tc>
+                <a:tc>
+                  <a:txBody>
+                    <a:bodyPr/>
+                    <a:lstStyle/>
+                    <a:p>
+                      <a:pPr algn="l"/>
+                      <a:r>
+                        <a:rPr lang="it-IT" dirty="0"/>
+                        <a:t>192.206,47</a:t>
+                      </a:r>
+                    </a:p>
+                  </a:txBody>
+                  <a:tcPr/>
+                </a:tc>
+                <a:tc>
+                  <a:txBody>
+                    <a:bodyPr/>
+                    <a:lstStyle/>
+                    <a:p>
+                      <a:pPr algn="l"/>
+                      <a:r>
+                        <a:rPr lang="it-IT" dirty="0"/>
+                        <a:t>700</a:t>
+                      </a:r>
+                    </a:p>
+                  </a:txBody>
+                  <a:tcPr/>
+                </a:tc>
+                <a:tc>
+                  <a:txBody>
+                    <a:bodyPr/>
+                    <a:lstStyle/>
+                    <a:p>
+                      <a:pPr algn="l"/>
+                      <a:r>
+                        <a:rPr lang="it-IT" dirty="0"/>
+                        <a:t>192.906,47</a:t>
+                      </a:r>
+                    </a:p>
+                  </a:txBody>
+                  <a:tcPr/>
+                </a:tc>
+                <a:tc>
+                  <a:txBody>
+                    <a:bodyPr/>
+                    <a:lstStyle/>
+                    <a:p>
+                      <a:pPr algn="l"/>
+                      <a:r>
+                        <a:rPr lang="it-IT" dirty="0"/>
+                        <a:t>80.194,25</a:t>
+                      </a:r>
+                    </a:p>
+                  </a:txBody>
+                  <a:tcPr/>
+                </a:tc>
+                <a:tc>
+                  <a:txBody>
+                    <a:bodyPr/>
+                    <a:lstStyle/>
+                    <a:p>
+                      <a:pPr algn="l"/>
+                      <a:r>
+                        <a:rPr lang="it-IT" dirty="0"/>
+                        <a:t>273.100,72</a:t>
+                      </a:r>
+                    </a:p>
+                  </a:txBody>
+                  <a:tcPr/>
+                </a:tc>
+                <a:tc>
+                  <a:txBody>
+                    <a:bodyPr/>
+                    <a:lstStyle/>
+                    <a:p>
+                      <a:pPr algn="l"/>
+                      <a:r>
+                        <a:rPr lang="it-IT"/>
+                        <a:t> </a:t>
+                      </a:r>
+                      <a:endParaRPr lang="it-IT" dirty="0"/>
+                    </a:p>
+                  </a:txBody>
+                  <a:tcPr/>
+                </a:tc>
+                <a:tc>
+                  <a:txBody>
+                    <a:bodyPr/>
+                    <a:lstStyle/>
+                    <a:p>
+                      <a:pPr algn="l"/>
+                      <a:r>
+                        <a:rPr lang="it-IT" dirty="0"/>
+                        <a:t>289.639,50</a:t>
+                      </a:r>
+                    </a:p>
+                  </a:txBody>
+                  <a:tcPr/>
+                </a:tc>
+                <a:tc>
+                  <a:txBody>
+                    <a:bodyPr/>
+                    <a:lstStyle/>
+                    <a:p>
+                      <a:pPr algn="l"/>
+                      <a:r>
+                        <a:rPr lang="it-IT" dirty="0"/>
+                        <a:t>96.733,03</a:t>
+                      </a:r>
+                    </a:p>
+                  </a:txBody>
+                  <a:tcPr/>
+                </a:tc>
+                <a:extLst>
+                  <a:ext uri="{0D108BD9-81ED-4DB2-BD59-A6C34878D82A}">
+                    <a16:rowId xmlns:a16="http://schemas.microsoft.com/office/drawing/2014/main" val="4251870908"/>
+                  </a:ext>
+                </a:extLst>
+              </a:tr>
+              <a:tr h="730300">
+                <a:tc>
+                  <a:txBody>
+                    <a:bodyPr/>
+                    <a:lstStyle/>
+                    <a:p>
+                      <a:pPr algn="l"/>
+                      <a:r>
+                        <a:rPr lang="it-IT" dirty="0"/>
+                        <a:t>Lavorazioni interne </a:t>
+                      </a:r>
+                    </a:p>
+                  </a:txBody>
+                  <a:tcPr/>
+                </a:tc>
+                <a:tc>
+                  <a:txBody>
+                    <a:bodyPr/>
+                    <a:lstStyle/>
+                    <a:p>
+                      <a:pPr algn="l"/>
+                      <a:r>
+                        <a:rPr lang="it-IT" dirty="0"/>
+                        <a:t>194.521,50</a:t>
+                      </a:r>
+                    </a:p>
+                  </a:txBody>
+                  <a:tcPr/>
+                </a:tc>
+                <a:tc>
+                  <a:txBody>
+                    <a:bodyPr/>
+                    <a:lstStyle/>
+                    <a:p>
+                      <a:pPr algn="l"/>
+                      <a:endParaRPr lang="it-IT" dirty="0"/>
+                    </a:p>
+                  </a:txBody>
+                  <a:tcPr/>
+                </a:tc>
+                <a:tc>
+                  <a:txBody>
+                    <a:bodyPr/>
+                    <a:lstStyle/>
+                    <a:p>
+                      <a:pPr algn="l"/>
+                      <a:r>
+                        <a:rPr lang="it-IT" dirty="0"/>
+                        <a:t>310.199,34 (?)</a:t>
+                      </a:r>
+                    </a:p>
+                  </a:txBody>
+                  <a:tcPr/>
+                </a:tc>
+                <a:tc>
+                  <a:txBody>
+                    <a:bodyPr/>
+                    <a:lstStyle/>
+                    <a:p>
+                      <a:pPr algn="l"/>
+                      <a:endParaRPr lang="it-IT" dirty="0"/>
+                    </a:p>
+                  </a:txBody>
+                  <a:tcPr/>
+                </a:tc>
+                <a:tc>
+                  <a:txBody>
+                    <a:bodyPr/>
+                    <a:lstStyle/>
+                    <a:p>
+                      <a:pPr algn="l"/>
+                      <a:r>
+                        <a:rPr lang="it-IT" dirty="0"/>
+                        <a:t>281.289,91 (?)</a:t>
+                      </a:r>
+                    </a:p>
+                  </a:txBody>
+                  <a:tcPr/>
+                </a:tc>
+                <a:tc>
+                  <a:txBody>
+                    <a:bodyPr/>
+                    <a:lstStyle/>
+                    <a:p>
+                      <a:pPr algn="l"/>
+                      <a:endParaRPr lang="it-IT" dirty="0"/>
+                    </a:p>
+                  </a:txBody>
+                  <a:tcPr/>
+                </a:tc>
+                <a:tc>
+                  <a:txBody>
+                    <a:bodyPr/>
+                    <a:lstStyle/>
+                    <a:p>
+                      <a:pPr algn="l"/>
+                      <a:r>
+                        <a:rPr lang="it-IT"/>
+                        <a:t>359.238,30</a:t>
+                      </a:r>
+                      <a:endParaRPr lang="it-IT" dirty="0"/>
+                    </a:p>
+                  </a:txBody>
+                  <a:tcPr/>
+                </a:tc>
+                <a:tc>
+                  <a:txBody>
+                    <a:bodyPr/>
+                    <a:lstStyle/>
+                    <a:p>
+                      <a:pPr algn="l"/>
+                      <a:r>
+                        <a:rPr lang="it-IT" dirty="0"/>
+                        <a:t>164.716,79</a:t>
+                      </a:r>
+                    </a:p>
+                  </a:txBody>
+                  <a:tcPr/>
+                </a:tc>
+                <a:extLst>
+                  <a:ext uri="{0D108BD9-81ED-4DB2-BD59-A6C34878D82A}">
+                    <a16:rowId xmlns:a16="http://schemas.microsoft.com/office/drawing/2014/main" val="1378050463"/>
+                  </a:ext>
+                </a:extLst>
+              </a:tr>
+              <a:tr h="730300">
+                <a:tc>
+                  <a:txBody>
+                    <a:bodyPr/>
+                    <a:lstStyle/>
+                    <a:p>
+                      <a:pPr algn="l"/>
+                      <a:r>
+                        <a:rPr lang="it-IT" dirty="0"/>
+                        <a:t>MOL </a:t>
+                      </a:r>
+                    </a:p>
+                  </a:txBody>
+                  <a:tcPr/>
+                </a:tc>
+                <a:tc>
+                  <a:txBody>
+                    <a:bodyPr/>
+                    <a:lstStyle/>
+                    <a:p>
+                      <a:pPr algn="l"/>
+                      <a:r>
+                        <a:rPr lang="it-IT" dirty="0"/>
+                        <a:t>7.907,92</a:t>
+                      </a:r>
+                    </a:p>
+                  </a:txBody>
+                  <a:tcPr/>
+                </a:tc>
+                <a:tc>
+                  <a:txBody>
+                    <a:bodyPr/>
+                    <a:lstStyle/>
+                    <a:p>
+                      <a:pPr algn="l"/>
+                      <a:endParaRPr lang="it-IT" dirty="0"/>
+                    </a:p>
+                  </a:txBody>
+                  <a:tcPr/>
+                </a:tc>
+                <a:tc>
+                  <a:txBody>
+                    <a:bodyPr/>
+                    <a:lstStyle/>
+                    <a:p>
+                      <a:pPr algn="l"/>
+                      <a:endParaRPr lang="it-IT" dirty="0"/>
+                    </a:p>
+                  </a:txBody>
+                  <a:tcPr/>
+                </a:tc>
+                <a:tc>
+                  <a:txBody>
+                    <a:bodyPr/>
+                    <a:lstStyle/>
+                    <a:p>
+                      <a:pPr algn="l"/>
+                      <a:endParaRPr lang="it-IT" dirty="0"/>
+                    </a:p>
+                  </a:txBody>
+                  <a:tcPr/>
+                </a:tc>
+                <a:tc>
+                  <a:txBody>
+                    <a:bodyPr/>
+                    <a:lstStyle/>
+                    <a:p>
+                      <a:pPr algn="l"/>
+                      <a:endParaRPr lang="it-IT" dirty="0"/>
+                    </a:p>
+                  </a:txBody>
+                  <a:tcPr/>
+                </a:tc>
+                <a:tc>
+                  <a:txBody>
+                    <a:bodyPr/>
+                    <a:lstStyle/>
+                    <a:p>
+                      <a:pPr algn="l"/>
+                      <a:endParaRPr lang="it-IT" dirty="0"/>
+                    </a:p>
+                  </a:txBody>
+                  <a:tcPr/>
+                </a:tc>
+                <a:tc>
+                  <a:txBody>
+                    <a:bodyPr/>
+                    <a:lstStyle/>
+                    <a:p>
+                      <a:pPr algn="l"/>
+                      <a:r>
+                        <a:rPr lang="it-IT" dirty="0"/>
+                        <a:t>-141.012,55</a:t>
+                      </a:r>
+                    </a:p>
+                  </a:txBody>
+                  <a:tcPr/>
+                </a:tc>
+                <a:tc>
+                  <a:txBody>
+                    <a:bodyPr/>
+                    <a:lstStyle/>
+                    <a:p>
+                      <a:pPr algn="l"/>
+                      <a:r>
+                        <a:rPr lang="it-IT" dirty="0"/>
+                        <a:t>-148.920,36</a:t>
+                      </a:r>
+                    </a:p>
+                  </a:txBody>
+                  <a:tcPr/>
+                </a:tc>
+                <a:extLst>
+                  <a:ext uri="{0D108BD9-81ED-4DB2-BD59-A6C34878D82A}">
+                    <a16:rowId xmlns:a16="http://schemas.microsoft.com/office/drawing/2014/main" val="746106469"/>
+                  </a:ext>
+                </a:extLst>
+              </a:tr>
+            </a:tbl>
+          </a:graphicData>
+        </a:graphic>
+      </p:graphicFrame>
+    </p:spTree>
+    <p:extLst>
+      <p:ext uri="{BB962C8B-B14F-4D97-AF65-F5344CB8AC3E}">
+        <p14:creationId xmlns:p14="http://schemas.microsoft.com/office/powerpoint/2010/main" val="2234865979"/>
+      </p:ext>
+    </p:extLst>
+  </p:cSld>
+  <p:clrMapOvr>
+    <a:masterClrMapping/>
+  </p:clrMapOvr>
+</p:sld>
+</file>
+
+<file path=ppt/slides/slide11.xml><?xml version="1.0" encoding="utf-8"?>
+<p:sld xmlns:a="http://schemas.openxmlformats.org/drawingml/2006/main" xmlns:r="http://schemas.openxmlformats.org/officeDocument/2006/relationships" xmlns:p="http://schemas.openxmlformats.org/presentationml/2006/main">
+  <p:cSld>
+    <p:spTree>
+      <p:nvGrpSpPr>
+        <p:cNvPr id="1" name=""/>
+        <p:cNvGrpSpPr/>
+        <p:nvPr/>
+      </p:nvGrpSpPr>
+      <p:grpSpPr>
+        <a:xfrm>
+          <a:off x="0" y="0"/>
+          <a:ext cx="0" cy="0"/>
+          <a:chOff x="0" y="0"/>
+          <a:chExt cx="0" cy="0"/>
+        </a:xfrm>
+      </p:grpSpPr>
+      <p:sp>
+        <p:nvSpPr>
+          <p:cNvPr id="2" name="Titolo 1">
+            <a:extLst>
+              <a:ext uri="{FF2B5EF4-FFF2-40B4-BE49-F238E27FC236}">
                 <a16:creationId xmlns:a16="http://schemas.microsoft.com/office/drawing/2014/main" id="{E57A1EED-342D-C841-807B-6612B7AA446E}"/>
               </a:ext>
             </a:extLst>
@@ -22202,6 +23130,103 @@
           <p:cNvPr id="2" name="Titolo 1">
             <a:extLst>
               <a:ext uri="{FF2B5EF4-FFF2-40B4-BE49-F238E27FC236}">
+                <a16:creationId xmlns:a16="http://schemas.microsoft.com/office/drawing/2014/main" id="{F63C4E6B-20B4-C745-ADA9-56053A9EEE9C}"/>
+              </a:ext>
+            </a:extLst>
+          </p:cNvPr>
+          <p:cNvSpPr>
+            <a:spLocks noGrp="1"/>
+          </p:cNvSpPr>
+          <p:nvPr>
+            <p:ph type="title"/>
+          </p:nvPr>
+        </p:nvSpPr>
+        <p:spPr/>
+        <p:txBody>
+          <a:bodyPr/>
+          <a:lstStyle/>
+          <a:p>
+            <a:r>
+              <a:rPr lang="it-IT" dirty="0"/>
+              <a:t>Assunzioni fatte 4</a:t>
+            </a:r>
+          </a:p>
+        </p:txBody>
+      </p:sp>
+      <p:sp>
+        <p:nvSpPr>
+          <p:cNvPr id="3" name="Segnaposto contenuto 2">
+            <a:extLst>
+              <a:ext uri="{FF2B5EF4-FFF2-40B4-BE49-F238E27FC236}">
+                <a16:creationId xmlns:a16="http://schemas.microsoft.com/office/drawing/2014/main" id="{A665484B-8A6D-E54A-B44E-E340A13C49EB}"/>
+              </a:ext>
+            </a:extLst>
+          </p:cNvPr>
+          <p:cNvSpPr>
+            <a:spLocks noGrp="1"/>
+          </p:cNvSpPr>
+          <p:nvPr>
+            <p:ph idx="1"/>
+          </p:nvPr>
+        </p:nvSpPr>
+        <p:spPr/>
+        <p:txBody>
+          <a:bodyPr/>
+          <a:lstStyle/>
+          <a:p>
+            <a:r>
+              <a:rPr lang="it-IT" dirty="0"/>
+              <a:t>Se produco meno di quello che vendo si pensa che ci sia un magazzino col prodotto già disponibile e quindi come quantità si prende il numero di pezzi prodotti.</a:t>
+            </a:r>
+          </a:p>
+          <a:p>
+            <a:r>
+              <a:rPr lang="it-IT" dirty="0"/>
+              <a:t>Se invece produco di più di quello che vendo si assume che ci sia un surplus della produzione per fare magazzino / prevenzione errori e quindi per coerenza di scelta  si utilizza come quantità per calcolare i costi il numero di </a:t>
+            </a:r>
+            <a:r>
+              <a:rPr lang="it-IT"/>
+              <a:t>pezzi prodotti.</a:t>
+            </a:r>
+            <a:endParaRPr lang="it-IT" dirty="0"/>
+          </a:p>
+        </p:txBody>
+      </p:sp>
+    </p:spTree>
+    <p:extLst>
+      <p:ext uri="{BB962C8B-B14F-4D97-AF65-F5344CB8AC3E}">
+        <p14:creationId xmlns:p14="http://schemas.microsoft.com/office/powerpoint/2010/main" val="3308473382"/>
+      </p:ext>
+    </p:extLst>
+  </p:cSld>
+  <p:clrMapOvr>
+    <a:masterClrMapping/>
+  </p:clrMapOvr>
+</p:sld>
+</file>
+
+<file path=ppt/slides/slide9.xml><?xml version="1.0" encoding="utf-8"?>
+<p:sld xmlns:a="http://schemas.openxmlformats.org/drawingml/2006/main" xmlns:r="http://schemas.openxmlformats.org/officeDocument/2006/relationships" xmlns:p="http://schemas.openxmlformats.org/presentationml/2006/main">
+  <p:cSld>
+    <p:spTree>
+      <p:nvGrpSpPr>
+        <p:cNvPr id="1" name=""/>
+        <p:cNvGrpSpPr/>
+        <p:nvPr/>
+      </p:nvGrpSpPr>
+      <p:grpSpPr>
+        <a:xfrm>
+          <a:off x="0" y="0"/>
+          <a:ext cx="0" cy="0"/>
+          <a:chOff x="0" y="0"/>
+          <a:chExt cx="0" cy="0"/>
+        </a:xfrm>
+      </p:grpSpPr>
+      <p:sp>
+        <p:nvSpPr>
+          <p:cNvPr id="2" name="Titolo 1">
+            <a:extLst>
+              <a:ext uri="{FF2B5EF4-FFF2-40B4-BE49-F238E27FC236}">
                 <a16:creationId xmlns:a16="http://schemas.microsoft.com/office/drawing/2014/main" id="{C78AC4AC-88F8-4747-9F0D-D322C5D35F24}"/>
               </a:ext>
             </a:extLst>
@@ -22280,933 +23305,6 @@
     <p:extLst>
       <p:ext uri="{BB962C8B-B14F-4D97-AF65-F5344CB8AC3E}">
         <p14:creationId xmlns:p14="http://schemas.microsoft.com/office/powerpoint/2010/main" val="3938998553"/>
-      </p:ext>
-    </p:extLst>
-  </p:cSld>
-  <p:clrMapOvr>
-    <a:masterClrMapping/>
-  </p:clrMapOvr>
-</p:sld>
-</file>
-
-<file path=ppt/slides/slide9.xml><?xml version="1.0" encoding="utf-8"?>
-<p:sld xmlns:a="http://schemas.openxmlformats.org/drawingml/2006/main" xmlns:r="http://schemas.openxmlformats.org/officeDocument/2006/relationships" xmlns:p="http://schemas.openxmlformats.org/presentationml/2006/main">
-  <p:cSld>
-    <p:spTree>
-      <p:nvGrpSpPr>
-        <p:cNvPr id="1" name=""/>
-        <p:cNvGrpSpPr/>
-        <p:nvPr/>
-      </p:nvGrpSpPr>
-      <p:grpSpPr>
-        <a:xfrm>
-          <a:off x="0" y="0"/>
-          <a:ext cx="0" cy="0"/>
-          <a:chOff x="0" y="0"/>
-          <a:chExt cx="0" cy="0"/>
-        </a:xfrm>
-      </p:grpSpPr>
-      <p:sp>
-        <p:nvSpPr>
-          <p:cNvPr id="2" name="Titolo 1">
-            <a:extLst>
-              <a:ext uri="{FF2B5EF4-FFF2-40B4-BE49-F238E27FC236}">
-                <a16:creationId xmlns:a16="http://schemas.microsoft.com/office/drawing/2014/main" id="{E73A98B8-1F47-2447-8BE2-E9DF0B1A16D0}"/>
-              </a:ext>
-            </a:extLst>
-          </p:cNvPr>
-          <p:cNvSpPr>
-            <a:spLocks noGrp="1"/>
-          </p:cNvSpPr>
-          <p:nvPr>
-            <p:ph type="title"/>
-          </p:nvPr>
-        </p:nvSpPr>
-        <p:spPr/>
-        <p:txBody>
-          <a:bodyPr/>
-          <a:lstStyle/>
-          <a:p>
-            <a:r>
-              <a:rPr lang="it-IT"/>
-              <a:t>Esecuzione degli scostamenti</a:t>
-            </a:r>
-          </a:p>
-        </p:txBody>
-      </p:sp>
-      <p:graphicFrame>
-        <p:nvGraphicFramePr>
-          <p:cNvPr id="4" name="Tabella 4">
-            <a:extLst>
-              <a:ext uri="{FF2B5EF4-FFF2-40B4-BE49-F238E27FC236}">
-                <a16:creationId xmlns:a16="http://schemas.microsoft.com/office/drawing/2014/main" id="{CB59760C-95C5-0B4C-AD26-423EC055CB2F}"/>
-              </a:ext>
-            </a:extLst>
-          </p:cNvPr>
-          <p:cNvGraphicFramePr>
-            <a:graphicFrameLocks noGrp="1"/>
-          </p:cNvGraphicFramePr>
-          <p:nvPr>
-            <p:ph idx="1"/>
-            <p:extLst>
-              <p:ext uri="{D42A27DB-BD31-4B8C-83A1-F6EECF244321}">
-                <p14:modId xmlns:p14="http://schemas.microsoft.com/office/powerpoint/2010/main" val="628559778"/>
-              </p:ext>
-            </p:extLst>
-          </p:nvPr>
-        </p:nvGraphicFramePr>
-        <p:xfrm>
-          <a:off x="95714" y="1555654"/>
-          <a:ext cx="12000571" cy="4717130"/>
-        </p:xfrm>
-        <a:graphic>
-          <a:graphicData uri="http://schemas.openxmlformats.org/drawingml/2006/table">
-            <a:tbl>
-              <a:tblPr firstRow="1" bandRow="1">
-                <a:tableStyleId>{5C22544A-7EE6-4342-B048-85BDC9FD1C3A}</a:tableStyleId>
-              </a:tblPr>
-              <a:tblGrid>
-                <a:gridCol w="1333397">
-                  <a:extLst>
-                    <a:ext uri="{9D8B030D-6E8A-4147-A177-3AD203B41FA5}">
-                      <a16:colId xmlns:a16="http://schemas.microsoft.com/office/drawing/2014/main" val="3039533413"/>
-                    </a:ext>
-                  </a:extLst>
-                </a:gridCol>
-                <a:gridCol w="1386281">
-                  <a:extLst>
-                    <a:ext uri="{9D8B030D-6E8A-4147-A177-3AD203B41FA5}">
-                      <a16:colId xmlns:a16="http://schemas.microsoft.com/office/drawing/2014/main" val="1628745461"/>
-                    </a:ext>
-                  </a:extLst>
-                </a:gridCol>
-                <a:gridCol w="1280511">
-                  <a:extLst>
-                    <a:ext uri="{9D8B030D-6E8A-4147-A177-3AD203B41FA5}">
-                      <a16:colId xmlns:a16="http://schemas.microsoft.com/office/drawing/2014/main" val="3012836848"/>
-                    </a:ext>
-                  </a:extLst>
-                </a:gridCol>
-                <a:gridCol w="1337176">
-                  <a:extLst>
-                    <a:ext uri="{9D8B030D-6E8A-4147-A177-3AD203B41FA5}">
-                      <a16:colId xmlns:a16="http://schemas.microsoft.com/office/drawing/2014/main" val="3335112797"/>
-                    </a:ext>
-                  </a:extLst>
-                </a:gridCol>
-                <a:gridCol w="1329618">
-                  <a:extLst>
-                    <a:ext uri="{9D8B030D-6E8A-4147-A177-3AD203B41FA5}">
-                      <a16:colId xmlns:a16="http://schemas.microsoft.com/office/drawing/2014/main" val="3262263587"/>
-                    </a:ext>
-                  </a:extLst>
-                </a:gridCol>
-                <a:gridCol w="1390059">
-                  <a:extLst>
-                    <a:ext uri="{9D8B030D-6E8A-4147-A177-3AD203B41FA5}">
-                      <a16:colId xmlns:a16="http://schemas.microsoft.com/office/drawing/2014/main" val="3015288968"/>
-                    </a:ext>
-                  </a:extLst>
-                </a:gridCol>
-                <a:gridCol w="1337174">
-                  <a:extLst>
-                    <a:ext uri="{9D8B030D-6E8A-4147-A177-3AD203B41FA5}">
-                      <a16:colId xmlns:a16="http://schemas.microsoft.com/office/drawing/2014/main" val="3807841347"/>
-                    </a:ext>
-                  </a:extLst>
-                </a:gridCol>
-                <a:gridCol w="1272958">
-                  <a:extLst>
-                    <a:ext uri="{9D8B030D-6E8A-4147-A177-3AD203B41FA5}">
-                      <a16:colId xmlns:a16="http://schemas.microsoft.com/office/drawing/2014/main" val="3378513636"/>
-                    </a:ext>
-                  </a:extLst>
-                </a:gridCol>
-                <a:gridCol w="1333397">
-                  <a:extLst>
-                    <a:ext uri="{9D8B030D-6E8A-4147-A177-3AD203B41FA5}">
-                      <a16:colId xmlns:a16="http://schemas.microsoft.com/office/drawing/2014/main" val="1681983959"/>
-                    </a:ext>
-                  </a:extLst>
-                </a:gridCol>
-              </a:tblGrid>
-              <a:tr h="1149022">
-                <a:tc>
-                  <a:txBody>
-                    <a:bodyPr/>
-                    <a:lstStyle/>
-                    <a:p>
-                      <a:pPr algn="l"/>
-                      <a:endParaRPr lang="it-IT" dirty="0"/>
-                    </a:p>
-                  </a:txBody>
-                  <a:tcPr/>
-                </a:tc>
-                <a:tc>
-                  <a:txBody>
-                    <a:bodyPr/>
-                    <a:lstStyle/>
-                    <a:p>
-                      <a:pPr algn="l"/>
-                      <a:r>
-                        <a:rPr lang="it-IT" dirty="0"/>
-                        <a:t>Budget</a:t>
-                      </a:r>
-                    </a:p>
-                  </a:txBody>
-                  <a:tcPr/>
-                </a:tc>
-                <a:tc>
-                  <a:txBody>
-                    <a:bodyPr/>
-                    <a:lstStyle/>
-                    <a:p>
-                      <a:pPr algn="l"/>
-                      <a:r>
-                        <a:rPr lang="it-IT" dirty="0"/>
-                        <a:t>Scostamento di volume</a:t>
-                      </a:r>
-                    </a:p>
-                  </a:txBody>
-                  <a:tcPr/>
-                </a:tc>
-                <a:tc>
-                  <a:txBody>
-                    <a:bodyPr/>
-                    <a:lstStyle/>
-                    <a:p>
-                      <a:pPr algn="l"/>
-                      <a:r>
-                        <a:rPr lang="it-IT" dirty="0"/>
-                        <a:t>Standard</a:t>
-                      </a:r>
-                    </a:p>
-                  </a:txBody>
-                  <a:tcPr/>
-                </a:tc>
-                <a:tc>
-                  <a:txBody>
-                    <a:bodyPr/>
-                    <a:lstStyle/>
-                    <a:p>
-                      <a:pPr algn="l"/>
-                      <a:r>
-                        <a:rPr lang="it-IT" dirty="0"/>
-                        <a:t>Scostamento di impiego/MIX</a:t>
-                      </a:r>
-                    </a:p>
-                  </a:txBody>
-                  <a:tcPr/>
-                </a:tc>
-                <a:tc>
-                  <a:txBody>
-                    <a:bodyPr/>
-                    <a:lstStyle/>
-                    <a:p>
-                      <a:pPr algn="l"/>
-                      <a:r>
-                        <a:rPr lang="it-IT" dirty="0"/>
-                        <a:t>Effettivo</a:t>
-                      </a:r>
-                    </a:p>
-                  </a:txBody>
-                  <a:tcPr/>
-                </a:tc>
-                <a:tc>
-                  <a:txBody>
-                    <a:bodyPr/>
-                    <a:lstStyle/>
-                    <a:p>
-                      <a:pPr algn="l"/>
-                      <a:r>
-                        <a:rPr lang="it-IT" dirty="0"/>
-                        <a:t>Scostamento di prezzo</a:t>
-                      </a:r>
-                    </a:p>
-                  </a:txBody>
-                  <a:tcPr/>
-                </a:tc>
-                <a:tc>
-                  <a:txBody>
-                    <a:bodyPr/>
-                    <a:lstStyle/>
-                    <a:p>
-                      <a:pPr algn="l"/>
-                      <a:r>
-                        <a:rPr lang="it-IT" dirty="0"/>
-                        <a:t>Consuntivo</a:t>
-                      </a:r>
-                    </a:p>
-                  </a:txBody>
-                  <a:tcPr/>
-                </a:tc>
-                <a:tc>
-                  <a:txBody>
-                    <a:bodyPr/>
-                    <a:lstStyle/>
-                    <a:p>
-                      <a:pPr algn="l"/>
-                      <a:r>
-                        <a:rPr lang="it-IT"/>
-                        <a:t>Scostamento consuntivo- budget</a:t>
-                      </a:r>
-                      <a:endParaRPr lang="it-IT" dirty="0"/>
-                    </a:p>
-                  </a:txBody>
-                  <a:tcPr/>
-                </a:tc>
-                <a:extLst>
-                  <a:ext uri="{0D108BD9-81ED-4DB2-BD59-A6C34878D82A}">
-                    <a16:rowId xmlns:a16="http://schemas.microsoft.com/office/drawing/2014/main" val="3282615153"/>
-                  </a:ext>
-                </a:extLst>
-              </a:tr>
-              <a:tr h="730300">
-                <a:tc>
-                  <a:txBody>
-                    <a:bodyPr/>
-                    <a:lstStyle/>
-                    <a:p>
-                      <a:pPr algn="l"/>
-                      <a:r>
-                        <a:rPr lang="it-IT"/>
-                        <a:t>Vendite</a:t>
-                      </a:r>
-                      <a:endParaRPr lang="it-IT" dirty="0"/>
-                    </a:p>
-                  </a:txBody>
-                  <a:tcPr/>
-                </a:tc>
-                <a:tc>
-                  <a:txBody>
-                    <a:bodyPr/>
-                    <a:lstStyle/>
-                    <a:p>
-                      <a:pPr algn="l"/>
-                      <a:r>
-                        <a:rPr lang="it-IT" dirty="0"/>
-                        <a:t>395.335,89</a:t>
-                      </a:r>
-                    </a:p>
-                  </a:txBody>
-                  <a:tcPr/>
-                </a:tc>
-                <a:tc>
-                  <a:txBody>
-                    <a:bodyPr/>
-                    <a:lstStyle/>
-                    <a:p>
-                      <a:pPr algn="l"/>
-                      <a:r>
-                        <a:rPr lang="it-IT" dirty="0"/>
-                        <a:t>115.196,85</a:t>
-                      </a:r>
-                    </a:p>
-                  </a:txBody>
-                  <a:tcPr/>
-                </a:tc>
-                <a:tc>
-                  <a:txBody>
-                    <a:bodyPr/>
-                    <a:lstStyle/>
-                    <a:p>
-                      <a:pPr algn="l"/>
-                      <a:r>
-                        <a:rPr lang="it-IT" dirty="0"/>
-                        <a:t>510.532, 74</a:t>
-                      </a:r>
-                    </a:p>
-                  </a:txBody>
-                  <a:tcPr/>
-                </a:tc>
-                <a:tc>
-                  <a:txBody>
-                    <a:bodyPr/>
-                    <a:lstStyle/>
-                    <a:p>
-                      <a:pPr algn="l"/>
-                      <a:r>
-                        <a:rPr lang="it-IT" dirty="0"/>
-                        <a:t>28.579,68</a:t>
-                      </a:r>
-                    </a:p>
-                  </a:txBody>
-                  <a:tcPr/>
-                </a:tc>
-                <a:tc>
-                  <a:txBody>
-                    <a:bodyPr/>
-                    <a:lstStyle/>
-                    <a:p>
-                      <a:pPr algn="l"/>
-                      <a:r>
-                        <a:rPr lang="it-IT" dirty="0"/>
-                        <a:t>539.112,42</a:t>
-                      </a:r>
-                    </a:p>
-                  </a:txBody>
-                  <a:tcPr/>
-                </a:tc>
-                <a:tc>
-                  <a:txBody>
-                    <a:bodyPr/>
-                    <a:lstStyle/>
-                    <a:p>
-                      <a:pPr algn="l"/>
-                      <a:r>
-                        <a:rPr lang="it-IT" dirty="0"/>
-                        <a:t>-31.269,58</a:t>
-                      </a:r>
-                    </a:p>
-                  </a:txBody>
-                  <a:tcPr/>
-                </a:tc>
-                <a:tc>
-                  <a:txBody>
-                    <a:bodyPr/>
-                    <a:lstStyle/>
-                    <a:p>
-                      <a:pPr algn="l"/>
-                      <a:r>
-                        <a:rPr lang="it-IT" dirty="0"/>
-                        <a:t>507.842,85</a:t>
-                      </a:r>
-                    </a:p>
-                  </a:txBody>
-                  <a:tcPr/>
-                </a:tc>
-                <a:tc>
-                  <a:txBody>
-                    <a:bodyPr/>
-                    <a:lstStyle/>
-                    <a:p>
-                      <a:pPr algn="l"/>
-                      <a:r>
-                        <a:rPr lang="it-IT" dirty="0"/>
-                        <a:t>112.506,96</a:t>
-                      </a:r>
-                    </a:p>
-                  </a:txBody>
-                  <a:tcPr/>
-                </a:tc>
-                <a:extLst>
-                  <a:ext uri="{0D108BD9-81ED-4DB2-BD59-A6C34878D82A}">
-                    <a16:rowId xmlns:a16="http://schemas.microsoft.com/office/drawing/2014/main" val="1242067950"/>
-                  </a:ext>
-                </a:extLst>
-              </a:tr>
-              <a:tr h="423110">
-                <a:tc>
-                  <a:txBody>
-                    <a:bodyPr/>
-                    <a:lstStyle/>
-                    <a:p>
-                      <a:pPr marL="0" marR="0" lvl="0" indent="0" algn="l" defTabSz="914400" rtl="0" eaLnBrk="1" fontAlgn="auto" latinLnBrk="0" hangingPunct="1">
-                        <a:lnSpc>
-                          <a:spcPct val="100000"/>
-                        </a:lnSpc>
-                        <a:spcBef>
-                          <a:spcPts val="0"/>
-                        </a:spcBef>
-                        <a:spcAft>
-                          <a:spcPts val="0"/>
-                        </a:spcAft>
-                        <a:buClrTx/>
-                        <a:buSzTx/>
-                        <a:buFontTx/>
-                        <a:buNone/>
-                        <a:tabLst/>
-                        <a:defRPr/>
-                      </a:pPr>
-                      <a:r>
-                        <a:rPr lang="it-IT" u="sng"/>
-                        <a:t>Costi</a:t>
-                      </a:r>
-                      <a:endParaRPr lang="it-IT" u="sng" dirty="0"/>
-                    </a:p>
-                  </a:txBody>
-                  <a:tcPr/>
-                </a:tc>
-                <a:tc>
-                  <a:txBody>
-                    <a:bodyPr/>
-                    <a:lstStyle/>
-                    <a:p>
-                      <a:pPr algn="l"/>
-                      <a:endParaRPr lang="it-IT" dirty="0"/>
-                    </a:p>
-                  </a:txBody>
-                  <a:tcPr/>
-                </a:tc>
-                <a:tc>
-                  <a:txBody>
-                    <a:bodyPr/>
-                    <a:lstStyle/>
-                    <a:p>
-                      <a:pPr algn="l"/>
-                      <a:endParaRPr lang="it-IT" dirty="0"/>
-                    </a:p>
-                  </a:txBody>
-                  <a:tcPr/>
-                </a:tc>
-                <a:tc>
-                  <a:txBody>
-                    <a:bodyPr/>
-                    <a:lstStyle/>
-                    <a:p>
-                      <a:pPr algn="l"/>
-                      <a:endParaRPr lang="it-IT" dirty="0"/>
-                    </a:p>
-                  </a:txBody>
-                  <a:tcPr/>
-                </a:tc>
-                <a:tc>
-                  <a:txBody>
-                    <a:bodyPr/>
-                    <a:lstStyle/>
-                    <a:p>
-                      <a:pPr algn="l"/>
-                      <a:endParaRPr lang="it-IT" dirty="0"/>
-                    </a:p>
-                  </a:txBody>
-                  <a:tcPr/>
-                </a:tc>
-                <a:tc>
-                  <a:txBody>
-                    <a:bodyPr/>
-                    <a:lstStyle/>
-                    <a:p>
-                      <a:pPr algn="l"/>
-                      <a:endParaRPr lang="it-IT"/>
-                    </a:p>
-                  </a:txBody>
-                  <a:tcPr/>
-                </a:tc>
-                <a:tc>
-                  <a:txBody>
-                    <a:bodyPr/>
-                    <a:lstStyle/>
-                    <a:p>
-                      <a:pPr algn="l"/>
-                      <a:endParaRPr lang="it-IT"/>
-                    </a:p>
-                  </a:txBody>
-                  <a:tcPr/>
-                </a:tc>
-                <a:tc>
-                  <a:txBody>
-                    <a:bodyPr/>
-                    <a:lstStyle/>
-                    <a:p>
-                      <a:pPr algn="l"/>
-                      <a:endParaRPr lang="it-IT" dirty="0"/>
-                    </a:p>
-                  </a:txBody>
-                  <a:tcPr/>
-                </a:tc>
-                <a:tc>
-                  <a:txBody>
-                    <a:bodyPr/>
-                    <a:lstStyle/>
-                    <a:p>
-                      <a:pPr algn="l"/>
-                      <a:endParaRPr lang="it-IT" dirty="0"/>
-                    </a:p>
-                  </a:txBody>
-                  <a:tcPr/>
-                </a:tc>
-                <a:extLst>
-                  <a:ext uri="{0D108BD9-81ED-4DB2-BD59-A6C34878D82A}">
-                    <a16:rowId xmlns:a16="http://schemas.microsoft.com/office/drawing/2014/main" val="3637592334"/>
-                  </a:ext>
-                </a:extLst>
-              </a:tr>
-              <a:tr h="730300">
-                <a:tc>
-                  <a:txBody>
-                    <a:bodyPr/>
-                    <a:lstStyle/>
-                    <a:p>
-                      <a:pPr algn="l"/>
-                      <a:r>
-                        <a:rPr lang="it-IT"/>
-                        <a:t>Materie prime</a:t>
-                      </a:r>
-                      <a:endParaRPr lang="it-IT" dirty="0"/>
-                    </a:p>
-                  </a:txBody>
-                  <a:tcPr/>
-                </a:tc>
-                <a:tc>
-                  <a:txBody>
-                    <a:bodyPr/>
-                    <a:lstStyle/>
-                    <a:p>
-                      <a:pPr algn="l"/>
-                      <a:r>
-                        <a:rPr lang="it-IT" dirty="0"/>
-                        <a:t>192.206,47</a:t>
-                      </a:r>
-                    </a:p>
-                  </a:txBody>
-                  <a:tcPr/>
-                </a:tc>
-                <a:tc>
-                  <a:txBody>
-                    <a:bodyPr/>
-                    <a:lstStyle/>
-                    <a:p>
-                      <a:pPr algn="l"/>
-                      <a:r>
-                        <a:rPr lang="it-IT" dirty="0"/>
-                        <a:t>700</a:t>
-                      </a:r>
-                    </a:p>
-                  </a:txBody>
-                  <a:tcPr/>
-                </a:tc>
-                <a:tc>
-                  <a:txBody>
-                    <a:bodyPr/>
-                    <a:lstStyle/>
-                    <a:p>
-                      <a:pPr algn="l"/>
-                      <a:r>
-                        <a:rPr lang="it-IT" dirty="0"/>
-                        <a:t>192.906,47</a:t>
-                      </a:r>
-                    </a:p>
-                  </a:txBody>
-                  <a:tcPr/>
-                </a:tc>
-                <a:tc>
-                  <a:txBody>
-                    <a:bodyPr/>
-                    <a:lstStyle/>
-                    <a:p>
-                      <a:pPr algn="l"/>
-                      <a:r>
-                        <a:rPr lang="it-IT" dirty="0"/>
-                        <a:t>80.194,25</a:t>
-                      </a:r>
-                    </a:p>
-                  </a:txBody>
-                  <a:tcPr/>
-                </a:tc>
-                <a:tc>
-                  <a:txBody>
-                    <a:bodyPr/>
-                    <a:lstStyle/>
-                    <a:p>
-                      <a:pPr algn="l"/>
-                      <a:r>
-                        <a:rPr lang="it-IT" dirty="0"/>
-                        <a:t>273.100,72</a:t>
-                      </a:r>
-                    </a:p>
-                  </a:txBody>
-                  <a:tcPr/>
-                </a:tc>
-                <a:tc>
-                  <a:txBody>
-                    <a:bodyPr/>
-                    <a:lstStyle/>
-                    <a:p>
-                      <a:pPr algn="l"/>
-                      <a:r>
-                        <a:rPr lang="it-IT"/>
-                        <a:t> </a:t>
-                      </a:r>
-                      <a:endParaRPr lang="it-IT" dirty="0"/>
-                    </a:p>
-                  </a:txBody>
-                  <a:tcPr/>
-                </a:tc>
-                <a:tc>
-                  <a:txBody>
-                    <a:bodyPr/>
-                    <a:lstStyle/>
-                    <a:p>
-                      <a:pPr algn="l"/>
-                      <a:r>
-                        <a:rPr lang="it-IT" dirty="0"/>
-                        <a:t>289.639,50</a:t>
-                      </a:r>
-                    </a:p>
-                  </a:txBody>
-                  <a:tcPr/>
-                </a:tc>
-                <a:tc>
-                  <a:txBody>
-                    <a:bodyPr/>
-                    <a:lstStyle/>
-                    <a:p>
-                      <a:pPr algn="l"/>
-                      <a:r>
-                        <a:rPr lang="it-IT" dirty="0"/>
-                        <a:t>96.733,03</a:t>
-                      </a:r>
-                    </a:p>
-                  </a:txBody>
-                  <a:tcPr/>
-                </a:tc>
-                <a:extLst>
-                  <a:ext uri="{0D108BD9-81ED-4DB2-BD59-A6C34878D82A}">
-                    <a16:rowId xmlns:a16="http://schemas.microsoft.com/office/drawing/2014/main" val="4251870908"/>
-                  </a:ext>
-                </a:extLst>
-              </a:tr>
-              <a:tr h="730300">
-                <a:tc>
-                  <a:txBody>
-                    <a:bodyPr/>
-                    <a:lstStyle/>
-                    <a:p>
-                      <a:pPr algn="l"/>
-                      <a:r>
-                        <a:rPr lang="it-IT" dirty="0"/>
-                        <a:t>Lavorazioni interne </a:t>
-                      </a:r>
-                    </a:p>
-                  </a:txBody>
-                  <a:tcPr/>
-                </a:tc>
-                <a:tc>
-                  <a:txBody>
-                    <a:bodyPr/>
-                    <a:lstStyle/>
-                    <a:p>
-                      <a:pPr algn="l"/>
-                      <a:r>
-                        <a:rPr lang="it-IT" dirty="0"/>
-                        <a:t>194.521,50</a:t>
-                      </a:r>
-                    </a:p>
-                  </a:txBody>
-                  <a:tcPr/>
-                </a:tc>
-                <a:tc>
-                  <a:txBody>
-                    <a:bodyPr/>
-                    <a:lstStyle/>
-                    <a:p>
-                      <a:pPr algn="l"/>
-                      <a:endParaRPr lang="it-IT" dirty="0"/>
-                    </a:p>
-                  </a:txBody>
-                  <a:tcPr/>
-                </a:tc>
-                <a:tc>
-                  <a:txBody>
-                    <a:bodyPr/>
-                    <a:lstStyle/>
-                    <a:p>
-                      <a:pPr algn="l"/>
-                      <a:r>
-                        <a:rPr lang="it-IT" dirty="0"/>
-                        <a:t>310.199,34 (?)</a:t>
-                      </a:r>
-                    </a:p>
-                  </a:txBody>
-                  <a:tcPr/>
-                </a:tc>
-                <a:tc>
-                  <a:txBody>
-                    <a:bodyPr/>
-                    <a:lstStyle/>
-                    <a:p>
-                      <a:pPr algn="l"/>
-                      <a:endParaRPr lang="it-IT" dirty="0"/>
-                    </a:p>
-                  </a:txBody>
-                  <a:tcPr/>
-                </a:tc>
-                <a:tc>
-                  <a:txBody>
-                    <a:bodyPr/>
-                    <a:lstStyle/>
-                    <a:p>
-                      <a:pPr algn="l"/>
-                      <a:r>
-                        <a:rPr lang="it-IT" dirty="0"/>
-                        <a:t>281.289,91 (?)</a:t>
-                      </a:r>
-                    </a:p>
-                  </a:txBody>
-                  <a:tcPr/>
-                </a:tc>
-                <a:tc>
-                  <a:txBody>
-                    <a:bodyPr/>
-                    <a:lstStyle/>
-                    <a:p>
-                      <a:pPr algn="l"/>
-                      <a:endParaRPr lang="it-IT" dirty="0"/>
-                    </a:p>
-                  </a:txBody>
-                  <a:tcPr/>
-                </a:tc>
-                <a:tc>
-                  <a:txBody>
-                    <a:bodyPr/>
-                    <a:lstStyle/>
-                    <a:p>
-                      <a:pPr algn="l"/>
-                      <a:r>
-                        <a:rPr lang="it-IT"/>
-                        <a:t>359.238,30</a:t>
-                      </a:r>
-                      <a:endParaRPr lang="it-IT" dirty="0"/>
-                    </a:p>
-                  </a:txBody>
-                  <a:tcPr/>
-                </a:tc>
-                <a:tc>
-                  <a:txBody>
-                    <a:bodyPr/>
-                    <a:lstStyle/>
-                    <a:p>
-                      <a:pPr algn="l"/>
-                      <a:r>
-                        <a:rPr lang="it-IT" dirty="0"/>
-                        <a:t>164.716,79</a:t>
-                      </a:r>
-                    </a:p>
-                  </a:txBody>
-                  <a:tcPr/>
-                </a:tc>
-                <a:extLst>
-                  <a:ext uri="{0D108BD9-81ED-4DB2-BD59-A6C34878D82A}">
-                    <a16:rowId xmlns:a16="http://schemas.microsoft.com/office/drawing/2014/main" val="1378050463"/>
-                  </a:ext>
-                </a:extLst>
-              </a:tr>
-              <a:tr h="730300">
-                <a:tc>
-                  <a:txBody>
-                    <a:bodyPr/>
-                    <a:lstStyle/>
-                    <a:p>
-                      <a:pPr algn="l"/>
-                      <a:r>
-                        <a:rPr lang="it-IT" dirty="0"/>
-                        <a:t>MOL </a:t>
-                      </a:r>
-                    </a:p>
-                  </a:txBody>
-                  <a:tcPr/>
-                </a:tc>
-                <a:tc>
-                  <a:txBody>
-                    <a:bodyPr/>
-                    <a:lstStyle/>
-                    <a:p>
-                      <a:pPr algn="l"/>
-                      <a:r>
-                        <a:rPr lang="it-IT" dirty="0"/>
-                        <a:t>7.907,92</a:t>
-                      </a:r>
-                    </a:p>
-                  </a:txBody>
-                  <a:tcPr/>
-                </a:tc>
-                <a:tc>
-                  <a:txBody>
-                    <a:bodyPr/>
-                    <a:lstStyle/>
-                    <a:p>
-                      <a:pPr algn="l"/>
-                      <a:endParaRPr lang="it-IT" dirty="0"/>
-                    </a:p>
-                  </a:txBody>
-                  <a:tcPr/>
-                </a:tc>
-                <a:tc>
-                  <a:txBody>
-                    <a:bodyPr/>
-                    <a:lstStyle/>
-                    <a:p>
-                      <a:pPr algn="l"/>
-                      <a:endParaRPr lang="it-IT" dirty="0"/>
-                    </a:p>
-                  </a:txBody>
-                  <a:tcPr/>
-                </a:tc>
-                <a:tc>
-                  <a:txBody>
-                    <a:bodyPr/>
-                    <a:lstStyle/>
-                    <a:p>
-                      <a:pPr algn="l"/>
-                      <a:endParaRPr lang="it-IT" dirty="0"/>
-                    </a:p>
-                  </a:txBody>
-                  <a:tcPr/>
-                </a:tc>
-                <a:tc>
-                  <a:txBody>
-                    <a:bodyPr/>
-                    <a:lstStyle/>
-                    <a:p>
-                      <a:pPr algn="l"/>
-                      <a:endParaRPr lang="it-IT" dirty="0"/>
-                    </a:p>
-                  </a:txBody>
-                  <a:tcPr/>
-                </a:tc>
-                <a:tc>
-                  <a:txBody>
-                    <a:bodyPr/>
-                    <a:lstStyle/>
-                    <a:p>
-                      <a:pPr algn="l"/>
-                      <a:endParaRPr lang="it-IT" dirty="0"/>
-                    </a:p>
-                  </a:txBody>
-                  <a:tcPr/>
-                </a:tc>
-                <a:tc>
-                  <a:txBody>
-                    <a:bodyPr/>
-                    <a:lstStyle/>
-                    <a:p>
-                      <a:pPr algn="l"/>
-                      <a:r>
-                        <a:rPr lang="it-IT" dirty="0"/>
-                        <a:t>-141.012,55</a:t>
-                      </a:r>
-                    </a:p>
-                  </a:txBody>
-                  <a:tcPr/>
-                </a:tc>
-                <a:tc>
-                  <a:txBody>
-                    <a:bodyPr/>
-                    <a:lstStyle/>
-                    <a:p>
-                      <a:pPr algn="l"/>
-                      <a:r>
-                        <a:rPr lang="it-IT" dirty="0"/>
-                        <a:t>-148.920,36</a:t>
-                      </a:r>
-                    </a:p>
-                  </a:txBody>
-                  <a:tcPr/>
-                </a:tc>
-                <a:extLst>
-                  <a:ext uri="{0D108BD9-81ED-4DB2-BD59-A6C34878D82A}">
-                    <a16:rowId xmlns:a16="http://schemas.microsoft.com/office/drawing/2014/main" val="746106469"/>
-                  </a:ext>
-                </a:extLst>
-              </a:tr>
-            </a:tbl>
-          </a:graphicData>
-        </a:graphic>
-      </p:graphicFrame>
-    </p:spTree>
-    <p:extLst>
-      <p:ext uri="{BB962C8B-B14F-4D97-AF65-F5344CB8AC3E}">
-        <p14:creationId xmlns:p14="http://schemas.microsoft.com/office/powerpoint/2010/main" val="2234865979"/>
       </p:ext>
     </p:extLst>
   </p:cSld>

--- a/Document/PresentazioneProgetto.pptx
+++ b/Document/PresentazioneProgetto.pptx
@@ -10,12 +10,13 @@
     <p:sldId id="258" r:id="rId4"/>
     <p:sldId id="259" r:id="rId5"/>
     <p:sldId id="260" r:id="rId6"/>
-    <p:sldId id="264" r:id="rId7"/>
-    <p:sldId id="265" r:id="rId8"/>
-    <p:sldId id="267" r:id="rId9"/>
-    <p:sldId id="266" r:id="rId10"/>
+    <p:sldId id="271" r:id="rId7"/>
+    <p:sldId id="269" r:id="rId8"/>
+    <p:sldId id="268" r:id="rId9"/>
+    <p:sldId id="272" r:id="rId10"/>
     <p:sldId id="262" r:id="rId11"/>
-    <p:sldId id="263" r:id="rId12"/>
+    <p:sldId id="270" r:id="rId12"/>
+    <p:sldId id="263" r:id="rId13"/>
   </p:sldIdLst>
   <p:sldSz cx="12192000" cy="6858000"/>
   <p:notesSz cx="6858000" cy="9144000"/>
@@ -8915,7 +8916,7 @@
           <a:p>
             <a:fld id="{E73BCDAA-43D9-6A49-A153-143FD6FEACF2}" type="datetimeFigureOut">
               <a:rPr lang="it-IT" smtClean="0"/>
-              <a:t>30/12/21</a:t>
+              <a:t>02/01/22</a:t>
             </a:fld>
             <a:endParaRPr lang="it-IT"/>
           </a:p>
@@ -9122,7 +9123,7 @@
           <a:p>
             <a:fld id="{E73BCDAA-43D9-6A49-A153-143FD6FEACF2}" type="datetimeFigureOut">
               <a:rPr lang="it-IT" smtClean="0"/>
-              <a:t>30/12/21</a:t>
+              <a:t>02/01/22</a:t>
             </a:fld>
             <a:endParaRPr lang="it-IT"/>
           </a:p>
@@ -9302,7 +9303,7 @@
           <a:p>
             <a:fld id="{E73BCDAA-43D9-6A49-A153-143FD6FEACF2}" type="datetimeFigureOut">
               <a:rPr lang="it-IT" smtClean="0"/>
-              <a:t>30/12/21</a:t>
+              <a:t>02/01/22</a:t>
             </a:fld>
             <a:endParaRPr lang="it-IT"/>
           </a:p>
@@ -9507,7 +9508,7 @@
           <a:p>
             <a:fld id="{E73BCDAA-43D9-6A49-A153-143FD6FEACF2}" type="datetimeFigureOut">
               <a:rPr lang="it-IT" smtClean="0"/>
-              <a:t>30/12/21</a:t>
+              <a:t>02/01/22</a:t>
             </a:fld>
             <a:endParaRPr lang="it-IT"/>
           </a:p>
@@ -18405,7 +18406,7 @@
           <a:p>
             <a:fld id="{E73BCDAA-43D9-6A49-A153-143FD6FEACF2}" type="datetimeFigureOut">
               <a:rPr lang="it-IT" smtClean="0"/>
-              <a:t>30/12/21</a:t>
+              <a:t>02/01/22</a:t>
             </a:fld>
             <a:endParaRPr lang="it-IT"/>
           </a:p>
@@ -18679,7 +18680,7 @@
           <a:p>
             <a:fld id="{E73BCDAA-43D9-6A49-A153-143FD6FEACF2}" type="datetimeFigureOut">
               <a:rPr lang="it-IT" smtClean="0"/>
-              <a:t>30/12/21</a:t>
+              <a:t>02/01/22</a:t>
             </a:fld>
             <a:endParaRPr lang="it-IT"/>
           </a:p>
@@ -19082,7 +19083,7 @@
           <a:p>
             <a:fld id="{E73BCDAA-43D9-6A49-A153-143FD6FEACF2}" type="datetimeFigureOut">
               <a:rPr lang="it-IT" smtClean="0"/>
-              <a:t>30/12/21</a:t>
+              <a:t>02/01/22</a:t>
             </a:fld>
             <a:endParaRPr lang="it-IT"/>
           </a:p>
@@ -19205,7 +19206,7 @@
           <a:p>
             <a:fld id="{E73BCDAA-43D9-6A49-A153-143FD6FEACF2}" type="datetimeFigureOut">
               <a:rPr lang="it-IT" smtClean="0"/>
-              <a:t>30/12/21</a:t>
+              <a:t>02/01/22</a:t>
             </a:fld>
             <a:endParaRPr lang="it-IT"/>
           </a:p>
@@ -19300,7 +19301,7 @@
           <a:p>
             <a:fld id="{E73BCDAA-43D9-6A49-A153-143FD6FEACF2}" type="datetimeFigureOut">
               <a:rPr lang="it-IT" smtClean="0"/>
-              <a:t>30/12/21</a:t>
+              <a:t>02/01/22</a:t>
             </a:fld>
             <a:endParaRPr lang="it-IT"/>
           </a:p>
@@ -19590,7 +19591,7 @@
           <a:p>
             <a:fld id="{E73BCDAA-43D9-6A49-A153-143FD6FEACF2}" type="datetimeFigureOut">
               <a:rPr lang="it-IT" smtClean="0"/>
-              <a:t>30/12/21</a:t>
+              <a:t>02/01/22</a:t>
             </a:fld>
             <a:endParaRPr lang="it-IT"/>
           </a:p>
@@ -19875,7 +19876,7 @@
           <a:p>
             <a:fld id="{E73BCDAA-43D9-6A49-A153-143FD6FEACF2}" type="datetimeFigureOut">
               <a:rPr lang="it-IT" smtClean="0"/>
-              <a:t>30/12/21</a:t>
+              <a:t>02/01/22</a:t>
             </a:fld>
             <a:endParaRPr lang="it-IT"/>
           </a:p>
@@ -20125,7 +20126,7 @@
           <a:p>
             <a:fld id="{E73BCDAA-43D9-6A49-A153-143FD6FEACF2}" type="datetimeFigureOut">
               <a:rPr lang="it-IT" smtClean="0"/>
-              <a:t>30/12/21</a:t>
+              <a:t>02/01/22</a:t>
             </a:fld>
             <a:endParaRPr lang="it-IT"/>
           </a:p>
@@ -20715,13 +20716,13 @@
         </p:nvSpPr>
         <p:spPr>
           <a:xfrm>
-            <a:off x="4713224" y="4297556"/>
-            <a:ext cx="6353968" cy="1433391"/>
+            <a:off x="4713223" y="4954818"/>
+            <a:ext cx="6353968" cy="1338147"/>
           </a:xfrm>
         </p:spPr>
         <p:txBody>
           <a:bodyPr anchor="t">
-            <a:normAutofit lnSpcReduction="10000"/>
+            <a:normAutofit fontScale="92500" lnSpcReduction="20000"/>
           </a:bodyPr>
           <a:lstStyle/>
           <a:p>
@@ -20767,11 +20768,14 @@
               </a:rPr>
               <a:t>Piedrahita</a:t>
             </a:r>
-            <a:endParaRPr lang="it-IT" dirty="0">
-              <a:solidFill>
-                <a:srgbClr val="FFFFFF"/>
-              </a:solidFill>
-            </a:endParaRPr>
+            <a:r>
+              <a:rPr lang="it-IT" dirty="0">
+                <a:solidFill>
+                  <a:srgbClr val="FFFFFF"/>
+                </a:solidFill>
+              </a:rPr>
+              <a:t> 1068605</a:t>
+            </a:r>
           </a:p>
           <a:p>
             <a:r>
@@ -20790,11 +20794,14 @@
               </a:rPr>
               <a:t>Ianitchii</a:t>
             </a:r>
-            <a:endParaRPr lang="it-IT" dirty="0">
-              <a:solidFill>
-                <a:srgbClr val="FFFFFF"/>
-              </a:solidFill>
-            </a:endParaRPr>
+            <a:r>
+              <a:rPr lang="it-IT" dirty="0">
+                <a:solidFill>
+                  <a:srgbClr val="FFFFFF"/>
+                </a:solidFill>
+              </a:rPr>
+              <a:t> 1064985</a:t>
+            </a:r>
           </a:p>
           <a:p>
             <a:r>
@@ -20803,7 +20810,7 @@
                   <a:srgbClr val="FFFFFF"/>
                 </a:solidFill>
               </a:rPr>
-              <a:t>- Gabriele Marchesi</a:t>
+              <a:t>- Gabriele Marchesi 1068521</a:t>
             </a:r>
           </a:p>
           <a:p>
@@ -20864,14 +20871,21 @@
             <p:ph type="title"/>
           </p:nvPr>
         </p:nvSpPr>
-        <p:spPr/>
+        <p:spPr>
+          <a:xfrm>
+            <a:off x="95714" y="418230"/>
+            <a:ext cx="12627901" cy="1499616"/>
+          </a:xfrm>
+        </p:spPr>
         <p:txBody>
-          <a:bodyPr/>
+          <a:bodyPr>
+            <a:normAutofit/>
+          </a:bodyPr>
           <a:lstStyle/>
           <a:p>
             <a:r>
-              <a:rPr lang="it-IT"/>
-              <a:t>Esecuzione degli scostamenti</a:t>
+              <a:rPr lang="it-IT" sz="4000" dirty="0"/>
+              <a:t>Esecuzione degli scostamenti con prodotti intermedi considerati</a:t>
             </a:r>
           </a:p>
         </p:txBody>
@@ -21089,10 +21103,9 @@
                     <a:p>
                       <a:pPr algn="l"/>
                       <a:r>
-                        <a:rPr lang="it-IT"/>
+                        <a:rPr lang="it-IT" dirty="0"/>
                         <a:t>Scostamento consuntivo- budget</a:t>
                       </a:r>
-                      <a:endParaRPr lang="it-IT" dirty="0"/>
                     </a:p>
                   </a:txBody>
                   <a:tcPr/>
@@ -21780,6 +21793,749 @@
           <p:cNvPr id="2" name="Titolo 1">
             <a:extLst>
               <a:ext uri="{FF2B5EF4-FFF2-40B4-BE49-F238E27FC236}">
+                <a16:creationId xmlns:a16="http://schemas.microsoft.com/office/drawing/2014/main" id="{EB332CEF-019E-824A-A5B7-A93D210616B9}"/>
+              </a:ext>
+            </a:extLst>
+          </p:cNvPr>
+          <p:cNvSpPr>
+            <a:spLocks noGrp="1"/>
+          </p:cNvSpPr>
+          <p:nvPr>
+            <p:ph type="title"/>
+          </p:nvPr>
+        </p:nvSpPr>
+        <p:spPr/>
+        <p:txBody>
+          <a:bodyPr>
+            <a:normAutofit/>
+          </a:bodyPr>
+          <a:lstStyle/>
+          <a:p>
+            <a:r>
+              <a:rPr lang="it-IT" sz="5400" dirty="0"/>
+              <a:t>Esecuzione degli scostamenti senza considerare i prodotti intermedi</a:t>
+            </a:r>
+            <a:endParaRPr lang="it-IT" dirty="0"/>
+          </a:p>
+        </p:txBody>
+      </p:sp>
+      <p:graphicFrame>
+        <p:nvGraphicFramePr>
+          <p:cNvPr id="4" name="Tabella 4">
+            <a:extLst>
+              <a:ext uri="{FF2B5EF4-FFF2-40B4-BE49-F238E27FC236}">
+                <a16:creationId xmlns:a16="http://schemas.microsoft.com/office/drawing/2014/main" id="{2EC836B6-D54B-CC4A-BA50-C54248292EFD}"/>
+              </a:ext>
+            </a:extLst>
+          </p:cNvPr>
+          <p:cNvGraphicFramePr>
+            <a:graphicFrameLocks noGrp="1"/>
+          </p:cNvGraphicFramePr>
+          <p:nvPr>
+            <p:ph idx="1"/>
+            <p:extLst>
+              <p:ext uri="{D42A27DB-BD31-4B8C-83A1-F6EECF244321}">
+                <p14:modId xmlns:p14="http://schemas.microsoft.com/office/powerpoint/2010/main" val="2400304403"/>
+              </p:ext>
+            </p:extLst>
+          </p:nvPr>
+        </p:nvGraphicFramePr>
+        <p:xfrm>
+          <a:off x="1023938" y="2286000"/>
+          <a:ext cx="9720261" cy="2225040"/>
+        </p:xfrm>
+        <a:graphic>
+          <a:graphicData uri="http://schemas.openxmlformats.org/drawingml/2006/table">
+            <a:tbl>
+              <a:tblPr firstRow="1" bandRow="1">
+                <a:tableStyleId>{5C22544A-7EE6-4342-B048-85BDC9FD1C3A}</a:tableStyleId>
+              </a:tblPr>
+              <a:tblGrid>
+                <a:gridCol w="1080029">
+                  <a:extLst>
+                    <a:ext uri="{9D8B030D-6E8A-4147-A177-3AD203B41FA5}">
+                      <a16:colId xmlns:a16="http://schemas.microsoft.com/office/drawing/2014/main" val="746950334"/>
+                    </a:ext>
+                  </a:extLst>
+                </a:gridCol>
+                <a:gridCol w="1080029">
+                  <a:extLst>
+                    <a:ext uri="{9D8B030D-6E8A-4147-A177-3AD203B41FA5}">
+                      <a16:colId xmlns:a16="http://schemas.microsoft.com/office/drawing/2014/main" val="567085984"/>
+                    </a:ext>
+                  </a:extLst>
+                </a:gridCol>
+                <a:gridCol w="1080029">
+                  <a:extLst>
+                    <a:ext uri="{9D8B030D-6E8A-4147-A177-3AD203B41FA5}">
+                      <a16:colId xmlns:a16="http://schemas.microsoft.com/office/drawing/2014/main" val="839404847"/>
+                    </a:ext>
+                  </a:extLst>
+                </a:gridCol>
+                <a:gridCol w="1080029">
+                  <a:extLst>
+                    <a:ext uri="{9D8B030D-6E8A-4147-A177-3AD203B41FA5}">
+                      <a16:colId xmlns:a16="http://schemas.microsoft.com/office/drawing/2014/main" val="2837692300"/>
+                    </a:ext>
+                  </a:extLst>
+                </a:gridCol>
+                <a:gridCol w="1080029">
+                  <a:extLst>
+                    <a:ext uri="{9D8B030D-6E8A-4147-A177-3AD203B41FA5}">
+                      <a16:colId xmlns:a16="http://schemas.microsoft.com/office/drawing/2014/main" val="3431554413"/>
+                    </a:ext>
+                  </a:extLst>
+                </a:gridCol>
+                <a:gridCol w="1080029">
+                  <a:extLst>
+                    <a:ext uri="{9D8B030D-6E8A-4147-A177-3AD203B41FA5}">
+                      <a16:colId xmlns:a16="http://schemas.microsoft.com/office/drawing/2014/main" val="1014258123"/>
+                    </a:ext>
+                  </a:extLst>
+                </a:gridCol>
+                <a:gridCol w="1080029">
+                  <a:extLst>
+                    <a:ext uri="{9D8B030D-6E8A-4147-A177-3AD203B41FA5}">
+                      <a16:colId xmlns:a16="http://schemas.microsoft.com/office/drawing/2014/main" val="259102909"/>
+                    </a:ext>
+                  </a:extLst>
+                </a:gridCol>
+                <a:gridCol w="1080029">
+                  <a:extLst>
+                    <a:ext uri="{9D8B030D-6E8A-4147-A177-3AD203B41FA5}">
+                      <a16:colId xmlns:a16="http://schemas.microsoft.com/office/drawing/2014/main" val="927186851"/>
+                    </a:ext>
+                  </a:extLst>
+                </a:gridCol>
+                <a:gridCol w="1080029">
+                  <a:extLst>
+                    <a:ext uri="{9D8B030D-6E8A-4147-A177-3AD203B41FA5}">
+                      <a16:colId xmlns:a16="http://schemas.microsoft.com/office/drawing/2014/main" val="696683354"/>
+                    </a:ext>
+                  </a:extLst>
+                </a:gridCol>
+              </a:tblGrid>
+              <a:tr h="370840">
+                <a:tc>
+                  <a:txBody>
+                    <a:bodyPr/>
+                    <a:lstStyle/>
+                    <a:p>
+                      <a:endParaRPr lang="it-IT"/>
+                    </a:p>
+                  </a:txBody>
+                  <a:tcPr/>
+                </a:tc>
+                <a:tc>
+                  <a:txBody>
+                    <a:bodyPr/>
+                    <a:lstStyle/>
+                    <a:p>
+                      <a:endParaRPr lang="it-IT"/>
+                    </a:p>
+                  </a:txBody>
+                  <a:tcPr/>
+                </a:tc>
+                <a:tc>
+                  <a:txBody>
+                    <a:bodyPr/>
+                    <a:lstStyle/>
+                    <a:p>
+                      <a:endParaRPr lang="it-IT"/>
+                    </a:p>
+                  </a:txBody>
+                  <a:tcPr/>
+                </a:tc>
+                <a:tc>
+                  <a:txBody>
+                    <a:bodyPr/>
+                    <a:lstStyle/>
+                    <a:p>
+                      <a:endParaRPr lang="it-IT"/>
+                    </a:p>
+                  </a:txBody>
+                  <a:tcPr/>
+                </a:tc>
+                <a:tc>
+                  <a:txBody>
+                    <a:bodyPr/>
+                    <a:lstStyle/>
+                    <a:p>
+                      <a:endParaRPr lang="it-IT"/>
+                    </a:p>
+                  </a:txBody>
+                  <a:tcPr/>
+                </a:tc>
+                <a:tc>
+                  <a:txBody>
+                    <a:bodyPr/>
+                    <a:lstStyle/>
+                    <a:p>
+                      <a:endParaRPr lang="it-IT"/>
+                    </a:p>
+                  </a:txBody>
+                  <a:tcPr/>
+                </a:tc>
+                <a:tc>
+                  <a:txBody>
+                    <a:bodyPr/>
+                    <a:lstStyle/>
+                    <a:p>
+                      <a:endParaRPr lang="it-IT"/>
+                    </a:p>
+                  </a:txBody>
+                  <a:tcPr/>
+                </a:tc>
+                <a:tc>
+                  <a:txBody>
+                    <a:bodyPr/>
+                    <a:lstStyle/>
+                    <a:p>
+                      <a:endParaRPr lang="it-IT"/>
+                    </a:p>
+                  </a:txBody>
+                  <a:tcPr/>
+                </a:tc>
+                <a:tc>
+                  <a:txBody>
+                    <a:bodyPr/>
+                    <a:lstStyle/>
+                    <a:p>
+                      <a:endParaRPr lang="it-IT"/>
+                    </a:p>
+                  </a:txBody>
+                  <a:tcPr/>
+                </a:tc>
+                <a:extLst>
+                  <a:ext uri="{0D108BD9-81ED-4DB2-BD59-A6C34878D82A}">
+                    <a16:rowId xmlns:a16="http://schemas.microsoft.com/office/drawing/2014/main" val="2875158435"/>
+                  </a:ext>
+                </a:extLst>
+              </a:tr>
+              <a:tr h="370840">
+                <a:tc>
+                  <a:txBody>
+                    <a:bodyPr/>
+                    <a:lstStyle/>
+                    <a:p>
+                      <a:endParaRPr lang="it-IT"/>
+                    </a:p>
+                  </a:txBody>
+                  <a:tcPr/>
+                </a:tc>
+                <a:tc>
+                  <a:txBody>
+                    <a:bodyPr/>
+                    <a:lstStyle/>
+                    <a:p>
+                      <a:endParaRPr lang="it-IT"/>
+                    </a:p>
+                  </a:txBody>
+                  <a:tcPr/>
+                </a:tc>
+                <a:tc>
+                  <a:txBody>
+                    <a:bodyPr/>
+                    <a:lstStyle/>
+                    <a:p>
+                      <a:endParaRPr lang="it-IT"/>
+                    </a:p>
+                  </a:txBody>
+                  <a:tcPr/>
+                </a:tc>
+                <a:tc>
+                  <a:txBody>
+                    <a:bodyPr/>
+                    <a:lstStyle/>
+                    <a:p>
+                      <a:endParaRPr lang="it-IT"/>
+                    </a:p>
+                  </a:txBody>
+                  <a:tcPr/>
+                </a:tc>
+                <a:tc>
+                  <a:txBody>
+                    <a:bodyPr/>
+                    <a:lstStyle/>
+                    <a:p>
+                      <a:endParaRPr lang="it-IT"/>
+                    </a:p>
+                  </a:txBody>
+                  <a:tcPr/>
+                </a:tc>
+                <a:tc>
+                  <a:txBody>
+                    <a:bodyPr/>
+                    <a:lstStyle/>
+                    <a:p>
+                      <a:endParaRPr lang="it-IT"/>
+                    </a:p>
+                  </a:txBody>
+                  <a:tcPr/>
+                </a:tc>
+                <a:tc>
+                  <a:txBody>
+                    <a:bodyPr/>
+                    <a:lstStyle/>
+                    <a:p>
+                      <a:endParaRPr lang="it-IT"/>
+                    </a:p>
+                  </a:txBody>
+                  <a:tcPr/>
+                </a:tc>
+                <a:tc>
+                  <a:txBody>
+                    <a:bodyPr/>
+                    <a:lstStyle/>
+                    <a:p>
+                      <a:endParaRPr lang="it-IT"/>
+                    </a:p>
+                  </a:txBody>
+                  <a:tcPr/>
+                </a:tc>
+                <a:tc>
+                  <a:txBody>
+                    <a:bodyPr/>
+                    <a:lstStyle/>
+                    <a:p>
+                      <a:endParaRPr lang="it-IT"/>
+                    </a:p>
+                  </a:txBody>
+                  <a:tcPr/>
+                </a:tc>
+                <a:extLst>
+                  <a:ext uri="{0D108BD9-81ED-4DB2-BD59-A6C34878D82A}">
+                    <a16:rowId xmlns:a16="http://schemas.microsoft.com/office/drawing/2014/main" val="3603339339"/>
+                  </a:ext>
+                </a:extLst>
+              </a:tr>
+              <a:tr h="370840">
+                <a:tc>
+                  <a:txBody>
+                    <a:bodyPr/>
+                    <a:lstStyle/>
+                    <a:p>
+                      <a:endParaRPr lang="it-IT"/>
+                    </a:p>
+                  </a:txBody>
+                  <a:tcPr/>
+                </a:tc>
+                <a:tc>
+                  <a:txBody>
+                    <a:bodyPr/>
+                    <a:lstStyle/>
+                    <a:p>
+                      <a:endParaRPr lang="it-IT"/>
+                    </a:p>
+                  </a:txBody>
+                  <a:tcPr/>
+                </a:tc>
+                <a:tc>
+                  <a:txBody>
+                    <a:bodyPr/>
+                    <a:lstStyle/>
+                    <a:p>
+                      <a:endParaRPr lang="it-IT"/>
+                    </a:p>
+                  </a:txBody>
+                  <a:tcPr/>
+                </a:tc>
+                <a:tc>
+                  <a:txBody>
+                    <a:bodyPr/>
+                    <a:lstStyle/>
+                    <a:p>
+                      <a:endParaRPr lang="it-IT"/>
+                    </a:p>
+                  </a:txBody>
+                  <a:tcPr/>
+                </a:tc>
+                <a:tc>
+                  <a:txBody>
+                    <a:bodyPr/>
+                    <a:lstStyle/>
+                    <a:p>
+                      <a:endParaRPr lang="it-IT"/>
+                    </a:p>
+                  </a:txBody>
+                  <a:tcPr/>
+                </a:tc>
+                <a:tc>
+                  <a:txBody>
+                    <a:bodyPr/>
+                    <a:lstStyle/>
+                    <a:p>
+                      <a:endParaRPr lang="it-IT"/>
+                    </a:p>
+                  </a:txBody>
+                  <a:tcPr/>
+                </a:tc>
+                <a:tc>
+                  <a:txBody>
+                    <a:bodyPr/>
+                    <a:lstStyle/>
+                    <a:p>
+                      <a:endParaRPr lang="it-IT"/>
+                    </a:p>
+                  </a:txBody>
+                  <a:tcPr/>
+                </a:tc>
+                <a:tc>
+                  <a:txBody>
+                    <a:bodyPr/>
+                    <a:lstStyle/>
+                    <a:p>
+                      <a:endParaRPr lang="it-IT"/>
+                    </a:p>
+                  </a:txBody>
+                  <a:tcPr/>
+                </a:tc>
+                <a:tc>
+                  <a:txBody>
+                    <a:bodyPr/>
+                    <a:lstStyle/>
+                    <a:p>
+                      <a:endParaRPr lang="it-IT"/>
+                    </a:p>
+                  </a:txBody>
+                  <a:tcPr/>
+                </a:tc>
+                <a:extLst>
+                  <a:ext uri="{0D108BD9-81ED-4DB2-BD59-A6C34878D82A}">
+                    <a16:rowId xmlns:a16="http://schemas.microsoft.com/office/drawing/2014/main" val="129772250"/>
+                  </a:ext>
+                </a:extLst>
+              </a:tr>
+              <a:tr h="370840">
+                <a:tc>
+                  <a:txBody>
+                    <a:bodyPr/>
+                    <a:lstStyle/>
+                    <a:p>
+                      <a:endParaRPr lang="it-IT"/>
+                    </a:p>
+                  </a:txBody>
+                  <a:tcPr/>
+                </a:tc>
+                <a:tc>
+                  <a:txBody>
+                    <a:bodyPr/>
+                    <a:lstStyle/>
+                    <a:p>
+                      <a:endParaRPr lang="it-IT"/>
+                    </a:p>
+                  </a:txBody>
+                  <a:tcPr/>
+                </a:tc>
+                <a:tc>
+                  <a:txBody>
+                    <a:bodyPr/>
+                    <a:lstStyle/>
+                    <a:p>
+                      <a:endParaRPr lang="it-IT"/>
+                    </a:p>
+                  </a:txBody>
+                  <a:tcPr/>
+                </a:tc>
+                <a:tc>
+                  <a:txBody>
+                    <a:bodyPr/>
+                    <a:lstStyle/>
+                    <a:p>
+                      <a:endParaRPr lang="it-IT"/>
+                    </a:p>
+                  </a:txBody>
+                  <a:tcPr/>
+                </a:tc>
+                <a:tc>
+                  <a:txBody>
+                    <a:bodyPr/>
+                    <a:lstStyle/>
+                    <a:p>
+                      <a:endParaRPr lang="it-IT"/>
+                    </a:p>
+                  </a:txBody>
+                  <a:tcPr/>
+                </a:tc>
+                <a:tc>
+                  <a:txBody>
+                    <a:bodyPr/>
+                    <a:lstStyle/>
+                    <a:p>
+                      <a:endParaRPr lang="it-IT"/>
+                    </a:p>
+                  </a:txBody>
+                  <a:tcPr/>
+                </a:tc>
+                <a:tc>
+                  <a:txBody>
+                    <a:bodyPr/>
+                    <a:lstStyle/>
+                    <a:p>
+                      <a:endParaRPr lang="it-IT"/>
+                    </a:p>
+                  </a:txBody>
+                  <a:tcPr/>
+                </a:tc>
+                <a:tc>
+                  <a:txBody>
+                    <a:bodyPr/>
+                    <a:lstStyle/>
+                    <a:p>
+                      <a:endParaRPr lang="it-IT"/>
+                    </a:p>
+                  </a:txBody>
+                  <a:tcPr/>
+                </a:tc>
+                <a:tc>
+                  <a:txBody>
+                    <a:bodyPr/>
+                    <a:lstStyle/>
+                    <a:p>
+                      <a:endParaRPr lang="it-IT"/>
+                    </a:p>
+                  </a:txBody>
+                  <a:tcPr/>
+                </a:tc>
+                <a:extLst>
+                  <a:ext uri="{0D108BD9-81ED-4DB2-BD59-A6C34878D82A}">
+                    <a16:rowId xmlns:a16="http://schemas.microsoft.com/office/drawing/2014/main" val="1413516767"/>
+                  </a:ext>
+                </a:extLst>
+              </a:tr>
+              <a:tr h="370840">
+                <a:tc>
+                  <a:txBody>
+                    <a:bodyPr/>
+                    <a:lstStyle/>
+                    <a:p>
+                      <a:endParaRPr lang="it-IT"/>
+                    </a:p>
+                  </a:txBody>
+                  <a:tcPr/>
+                </a:tc>
+                <a:tc>
+                  <a:txBody>
+                    <a:bodyPr/>
+                    <a:lstStyle/>
+                    <a:p>
+                      <a:endParaRPr lang="it-IT"/>
+                    </a:p>
+                  </a:txBody>
+                  <a:tcPr/>
+                </a:tc>
+                <a:tc>
+                  <a:txBody>
+                    <a:bodyPr/>
+                    <a:lstStyle/>
+                    <a:p>
+                      <a:endParaRPr lang="it-IT"/>
+                    </a:p>
+                  </a:txBody>
+                  <a:tcPr/>
+                </a:tc>
+                <a:tc>
+                  <a:txBody>
+                    <a:bodyPr/>
+                    <a:lstStyle/>
+                    <a:p>
+                      <a:endParaRPr lang="it-IT"/>
+                    </a:p>
+                  </a:txBody>
+                  <a:tcPr/>
+                </a:tc>
+                <a:tc>
+                  <a:txBody>
+                    <a:bodyPr/>
+                    <a:lstStyle/>
+                    <a:p>
+                      <a:endParaRPr lang="it-IT"/>
+                    </a:p>
+                  </a:txBody>
+                  <a:tcPr/>
+                </a:tc>
+                <a:tc>
+                  <a:txBody>
+                    <a:bodyPr/>
+                    <a:lstStyle/>
+                    <a:p>
+                      <a:endParaRPr lang="it-IT"/>
+                    </a:p>
+                  </a:txBody>
+                  <a:tcPr/>
+                </a:tc>
+                <a:tc>
+                  <a:txBody>
+                    <a:bodyPr/>
+                    <a:lstStyle/>
+                    <a:p>
+                      <a:endParaRPr lang="it-IT"/>
+                    </a:p>
+                  </a:txBody>
+                  <a:tcPr/>
+                </a:tc>
+                <a:tc>
+                  <a:txBody>
+                    <a:bodyPr/>
+                    <a:lstStyle/>
+                    <a:p>
+                      <a:endParaRPr lang="it-IT"/>
+                    </a:p>
+                  </a:txBody>
+                  <a:tcPr/>
+                </a:tc>
+                <a:tc>
+                  <a:txBody>
+                    <a:bodyPr/>
+                    <a:lstStyle/>
+                    <a:p>
+                      <a:endParaRPr lang="it-IT"/>
+                    </a:p>
+                  </a:txBody>
+                  <a:tcPr/>
+                </a:tc>
+                <a:extLst>
+                  <a:ext uri="{0D108BD9-81ED-4DB2-BD59-A6C34878D82A}">
+                    <a16:rowId xmlns:a16="http://schemas.microsoft.com/office/drawing/2014/main" val="797295780"/>
+                  </a:ext>
+                </a:extLst>
+              </a:tr>
+              <a:tr h="370840">
+                <a:tc>
+                  <a:txBody>
+                    <a:bodyPr/>
+                    <a:lstStyle/>
+                    <a:p>
+                      <a:endParaRPr lang="it-IT"/>
+                    </a:p>
+                  </a:txBody>
+                  <a:tcPr/>
+                </a:tc>
+                <a:tc>
+                  <a:txBody>
+                    <a:bodyPr/>
+                    <a:lstStyle/>
+                    <a:p>
+                      <a:endParaRPr lang="it-IT"/>
+                    </a:p>
+                  </a:txBody>
+                  <a:tcPr/>
+                </a:tc>
+                <a:tc>
+                  <a:txBody>
+                    <a:bodyPr/>
+                    <a:lstStyle/>
+                    <a:p>
+                      <a:endParaRPr lang="it-IT"/>
+                    </a:p>
+                  </a:txBody>
+                  <a:tcPr/>
+                </a:tc>
+                <a:tc>
+                  <a:txBody>
+                    <a:bodyPr/>
+                    <a:lstStyle/>
+                    <a:p>
+                      <a:endParaRPr lang="it-IT"/>
+                    </a:p>
+                  </a:txBody>
+                  <a:tcPr/>
+                </a:tc>
+                <a:tc>
+                  <a:txBody>
+                    <a:bodyPr/>
+                    <a:lstStyle/>
+                    <a:p>
+                      <a:endParaRPr lang="it-IT"/>
+                    </a:p>
+                  </a:txBody>
+                  <a:tcPr/>
+                </a:tc>
+                <a:tc>
+                  <a:txBody>
+                    <a:bodyPr/>
+                    <a:lstStyle/>
+                    <a:p>
+                      <a:endParaRPr lang="it-IT"/>
+                    </a:p>
+                  </a:txBody>
+                  <a:tcPr/>
+                </a:tc>
+                <a:tc>
+                  <a:txBody>
+                    <a:bodyPr/>
+                    <a:lstStyle/>
+                    <a:p>
+                      <a:endParaRPr lang="it-IT"/>
+                    </a:p>
+                  </a:txBody>
+                  <a:tcPr/>
+                </a:tc>
+                <a:tc>
+                  <a:txBody>
+                    <a:bodyPr/>
+                    <a:lstStyle/>
+                    <a:p>
+                      <a:endParaRPr lang="it-IT"/>
+                    </a:p>
+                  </a:txBody>
+                  <a:tcPr/>
+                </a:tc>
+                <a:tc>
+                  <a:txBody>
+                    <a:bodyPr/>
+                    <a:lstStyle/>
+                    <a:p>
+                      <a:endParaRPr lang="it-IT" dirty="0"/>
+                    </a:p>
+                  </a:txBody>
+                  <a:tcPr/>
+                </a:tc>
+                <a:extLst>
+                  <a:ext uri="{0D108BD9-81ED-4DB2-BD59-A6C34878D82A}">
+                    <a16:rowId xmlns:a16="http://schemas.microsoft.com/office/drawing/2014/main" val="3218316197"/>
+                  </a:ext>
+                </a:extLst>
+              </a:tr>
+            </a:tbl>
+          </a:graphicData>
+        </a:graphic>
+      </p:graphicFrame>
+    </p:spTree>
+    <p:extLst>
+      <p:ext uri="{BB962C8B-B14F-4D97-AF65-F5344CB8AC3E}">
+        <p14:creationId xmlns:p14="http://schemas.microsoft.com/office/powerpoint/2010/main" val="2241594876"/>
+      </p:ext>
+    </p:extLst>
+  </p:cSld>
+  <p:clrMapOvr>
+    <a:masterClrMapping/>
+  </p:clrMapOvr>
+</p:sld>
+</file>
+
+<file path=ppt/slides/slide12.xml><?xml version="1.0" encoding="utf-8"?>
+<p:sld xmlns:a="http://schemas.openxmlformats.org/drawingml/2006/main" xmlns:r="http://schemas.openxmlformats.org/officeDocument/2006/relationships" xmlns:p="http://schemas.openxmlformats.org/presentationml/2006/main">
+  <p:cSld>
+    <p:spTree>
+      <p:nvGrpSpPr>
+        <p:cNvPr id="1" name=""/>
+        <p:cNvGrpSpPr/>
+        <p:nvPr/>
+      </p:nvGrpSpPr>
+      <p:grpSpPr>
+        <a:xfrm>
+          <a:off x="0" y="0"/>
+          <a:ext cx="0" cy="0"/>
+          <a:chOff x="0" y="0"/>
+          <a:chExt cx="0" cy="0"/>
+        </a:xfrm>
+      </p:grpSpPr>
+      <p:sp>
+        <p:nvSpPr>
+          <p:cNvPr id="2" name="Titolo 1">
+            <a:extLst>
+              <a:ext uri="{FF2B5EF4-FFF2-40B4-BE49-F238E27FC236}">
                 <a16:creationId xmlns:a16="http://schemas.microsoft.com/office/drawing/2014/main" id="{E57A1EED-342D-C841-807B-6612B7AA446E}"/>
               </a:ext>
             </a:extLst>
@@ -21798,7 +22554,7 @@
           <a:p>
             <a:r>
               <a:rPr lang="it-IT" dirty="0"/>
-              <a:t>Possibili ipotesi agli scostamenti</a:t>
+              <a:t>Considerazioni sugli scostamenti</a:t>
             </a:r>
           </a:p>
         </p:txBody>
@@ -21824,7 +22580,61 @@
           <a:bodyPr/>
           <a:lstStyle/>
           <a:p>
-            <a:endParaRPr lang="it-IT"/>
+            <a:r>
+              <a:rPr lang="it-IT" dirty="0"/>
+              <a:t>- </a:t>
+            </a:r>
+            <a:r>
+              <a:rPr lang="it-IT" b="1" dirty="0"/>
+              <a:t>Scostamento di volume:</a:t>
+            </a:r>
+          </a:p>
+          <a:p>
+            <a:r>
+              <a:rPr lang="it-IT" dirty="0"/>
+              <a:t>-</a:t>
+            </a:r>
+            <a:r>
+              <a:rPr lang="it-IT" b="1" dirty="0"/>
+              <a:t>Scostamento di impiego/MIX:</a:t>
+            </a:r>
+          </a:p>
+          <a:p>
+            <a:r>
+              <a:rPr lang="it-IT" dirty="0"/>
+              <a:t>-</a:t>
+            </a:r>
+            <a:r>
+              <a:rPr lang="it-IT" b="1" dirty="0"/>
+              <a:t>Scostamento di prezzo:</a:t>
+            </a:r>
+          </a:p>
+          <a:p>
+            <a:r>
+              <a:rPr lang="it-IT" dirty="0"/>
+              <a:t>-</a:t>
+            </a:r>
+            <a:r>
+              <a:rPr lang="it-IT" b="1" dirty="0"/>
+              <a:t>Scostamento di valuta:</a:t>
+            </a:r>
+          </a:p>
+          <a:p>
+            <a:r>
+              <a:rPr lang="it-IT" dirty="0"/>
+              <a:t>-</a:t>
+            </a:r>
+            <a:r>
+              <a:rPr lang="it-IT" b="1"/>
+              <a:t>Scostamento totale:</a:t>
+            </a:r>
+            <a:endParaRPr lang="it-IT" b="1" dirty="0"/>
+          </a:p>
+          <a:p>
+            <a:endParaRPr lang="it-IT" b="1" dirty="0"/>
+          </a:p>
+          <a:p>
+            <a:endParaRPr lang="it-IT" dirty="0"/>
           </a:p>
         </p:txBody>
       </p:sp>
@@ -21881,7 +22691,7 @@
           <a:p>
             <a:r>
               <a:rPr lang="it-IT" dirty="0"/>
-              <a:t>Focus del progetto</a:t>
+              <a:t>Obiettivo del progetto</a:t>
             </a:r>
           </a:p>
         </p:txBody>
@@ -21907,7 +22717,24 @@
           <a:bodyPr/>
           <a:lstStyle/>
           <a:p>
-            <a:endParaRPr lang="it-IT" dirty="0"/>
+            <a:r>
+              <a:rPr lang="it-IT" dirty="0"/>
+              <a:t>Presi dei </a:t>
+            </a:r>
+            <a:r>
+              <a:rPr lang="it-IT" dirty="0" err="1"/>
+              <a:t>dataset</a:t>
+            </a:r>
+            <a:r>
+              <a:rPr lang="it-IT" dirty="0"/>
+              <a:t> relativi alla produzione dell’azienda 4Mengines è stato realizzata una piattaforma WEB per la gestione e il calcolo degli scostamenti tra budget e consuntivo. Messi a conoscenza della sequenza delle fasi di produzione interna sono state necessarie delle assunzioni per la gestione e la successiva manipolazione dei dati. </a:t>
+            </a:r>
+          </a:p>
+          <a:p>
+            <a:r>
+              <a:rPr lang="it-IT" dirty="0"/>
+              <a:t>Successivamente sono stati interpretati i risultati ottenuti</a:t>
+            </a:r>
           </a:p>
         </p:txBody>
       </p:sp>
@@ -22667,18 +23494,17 @@
             <p:ph idx="1"/>
           </p:nvPr>
         </p:nvSpPr>
-        <p:spPr/>
+        <p:spPr>
+          <a:xfrm>
+            <a:off x="1024128" y="2084832"/>
+            <a:ext cx="9720073" cy="4023360"/>
+          </a:xfrm>
+        </p:spPr>
         <p:txBody>
           <a:bodyPr>
-            <a:normAutofit fontScale="85000" lnSpcReduction="20000"/>
+            <a:normAutofit/>
           </a:bodyPr>
           <a:lstStyle/>
-          <a:p>
-            <a:r>
-              <a:rPr lang="it-IT" dirty="0"/>
-              <a:t>Sono state fatte delle modifiche ai nomi delle colonne per semplificare l’utilizzo delle funzioni all’interno di esso</a:t>
-            </a:r>
-          </a:p>
           <a:p>
             <a:r>
               <a:rPr lang="it-IT" b="1" dirty="0"/>
@@ -22686,7 +23512,7 @@
             </a:r>
             <a:r>
               <a:rPr lang="it-IT" dirty="0"/>
-              <a:t>→ contiene i tassi di cambio sia a BUDGET che a CONSUNTIVO </a:t>
+              <a:t>→ contiene i tassi di cambio sia a BUDGET che a CONSUNTIVO per le vendite.</a:t>
             </a:r>
           </a:p>
           <a:p>
@@ -22704,22 +23530,7 @@
             </a:r>
             <a:r>
               <a:rPr lang="it-IT" dirty="0"/>
-              <a:t>.</a:t>
-            </a:r>
-            <a:br>
-              <a:rPr lang="it-IT" dirty="0"/>
-            </a:br>
-            <a:r>
-              <a:rPr lang="it-IT" dirty="0"/>
-              <a:t>Considerazione = ordine di produzione → prima c’è budget e poi consuntivo, sempre. Il controllo qualità̀ viene eseguito sempre dopo nell’ordine di produzione. ART0000128 ha solo controllo di qualità̀. Controllo </a:t>
-            </a:r>
-            <a:r>
-              <a:rPr lang="it-IT" dirty="0" err="1"/>
-              <a:t>qualit̀à</a:t>
-            </a:r>
-            <a:r>
-              <a:rPr lang="it-IT" dirty="0"/>
-              <a:t> ha sempre tempo di risorsa nullo. Fresatura ha quantità di output = 0. </a:t>
+              <a:t>. Il controllo qualità̀ viene eseguito sempre dopo nell’ordine di produzione. Controllo qualità ha sempre tempo di risorsa nullo. Fresatura ha quantità di output = 0. </a:t>
             </a:r>
           </a:p>
           <a:p>
@@ -22760,12 +23571,6 @@
           </a:p>
           <a:p>
             <a:r>
-              <a:rPr lang="it-IT" dirty="0"/>
-              <a:t>Possibile camino di join → doppio join con la tabella impiego orario risorse. </a:t>
-            </a:r>
-          </a:p>
-          <a:p>
-            <a:r>
               <a:rPr lang="it-IT" b="1" dirty="0"/>
               <a:t>Costo orario risorse </a:t>
             </a:r>
@@ -22781,7 +23586,7 @@
             </a:r>
             <a:r>
               <a:rPr lang="it-IT" dirty="0"/>
-              <a:t>→ c’è il codice cliente e la valuta. </a:t>
+              <a:t>→ c’è il codice cliente e la valuta che utilizzano per pagare il prodotto. </a:t>
             </a:r>
           </a:p>
           <a:p>
@@ -22863,34 +23668,44 @@
             <p:ph idx="1"/>
           </p:nvPr>
         </p:nvSpPr>
-        <p:spPr/>
+        <p:spPr>
+          <a:xfrm>
+            <a:off x="1024128" y="1803400"/>
+            <a:ext cx="9720073" cy="4023360"/>
+          </a:xfrm>
+        </p:spPr>
         <p:txBody>
           <a:bodyPr>
-            <a:normAutofit/>
+            <a:normAutofit fontScale="92500"/>
           </a:bodyPr>
           <a:lstStyle/>
           <a:p>
             <a:r>
               <a:rPr lang="it-IT" dirty="0"/>
-              <a:t>Il tempo impiego orario per risorsa uguale a 0 significa che è un processo iniziato il precedentemente e terminato in un periodo successivo</a:t>
+              <a:t>-</a:t>
             </a:r>
+            <a:r>
+              <a:rPr lang="it-IT" dirty="0">
+                <a:highlight>
+                  <a:srgbClr val="FFFF00"/>
+                </a:highlight>
+              </a:rPr>
+              <a:t>Consideriamo un prodotto finito pronto per la vendita quei prodotti che hanno superato il controllo qualità, di conseguenza come volume di prodotto finito consideriamo come prodotto finito la quantità di output la quantità di output del controllo di qualità. In assenza di questa informazione si prende quello dell’ultima fase registrata.</a:t>
+            </a:r>
+            <a:endParaRPr lang="it-IT" dirty="0"/>
           </a:p>
           <a:p>
             <a:r>
               <a:rPr lang="it-IT" dirty="0"/>
-              <a:t>Per il controllo qualità il tempo è sempre nullo (tempo molto breve e non viene contato)</a:t>
+              <a:t>-Nella tabella impiego risorse in presenza della quantità di output uguale a 0 significa che potrebbe essere un processo iniziato precedentemente e terminato in un momento successivo. Quando avviene questa condizione ed esiste un’altra fase con lo stessa area di produzione, stessa fase e lo stesso numero di articolo si prende come quantità di output il valore massimo. Invece  come costo orario si utilizza la media dei costi orari della stessa fase per lo stesso articolo in quanto la stessa fase può avere costi differenti. Come tempo risorsa si calcola la somma dei tempi risorsa</a:t>
             </a:r>
-          </a:p>
-          <a:p>
             <a:r>
-              <a:rPr lang="it-IT" dirty="0"/>
-              <a:t>per ogni tempo negativo esiste un tempo positivo uguale in modulo che, al sommare i tempi delle stesse attività, si annullano a vicenda perché si suppone …..</a:t>
-            </a:r>
-          </a:p>
-          <a:p>
-            <a:r>
-              <a:rPr lang="it-IT" dirty="0"/>
-              <a:t>Altra assunzione: consideriamo un prodotto finito pronto per la vendita quei prodotti che hanno superato il controllo qualità, di conseguenza come volume di prodotto finito consideriamo come prodotto finito la quantità di output la quantità di output del controllo di qualità</a:t>
+              <a:rPr lang="it-IT" dirty="0">
+                <a:highlight>
+                  <a:srgbClr val="FFFF00"/>
+                </a:highlight>
+              </a:rPr>
+              <a:t>. Altrimenti se non esistono queste condizioni non viene preso in considerazione il prodotto perché potrebbe esserci stato una difettosità del prodotto.</a:t>
             </a:r>
           </a:p>
         </p:txBody>
@@ -22930,7 +23745,7 @@
           <p:cNvPr id="2" name="Titolo 1">
             <a:extLst>
               <a:ext uri="{FF2B5EF4-FFF2-40B4-BE49-F238E27FC236}">
-                <a16:creationId xmlns:a16="http://schemas.microsoft.com/office/drawing/2014/main" id="{3A485898-5862-2C4C-810A-A07BDECD1D63}"/>
+                <a16:creationId xmlns:a16="http://schemas.microsoft.com/office/drawing/2014/main" id="{F090F88D-831D-2A4A-90AD-3A09E1BA422D}"/>
               </a:ext>
             </a:extLst>
           </p:cNvPr>
@@ -22958,7 +23773,7 @@
           <p:cNvPr id="3" name="Segnaposto contenuto 2">
             <a:extLst>
               <a:ext uri="{FF2B5EF4-FFF2-40B4-BE49-F238E27FC236}">
-                <a16:creationId xmlns:a16="http://schemas.microsoft.com/office/drawing/2014/main" id="{147AD4D8-85F2-C04B-80F4-6F2EB5A99CC3}"/>
+                <a16:creationId xmlns:a16="http://schemas.microsoft.com/office/drawing/2014/main" id="{E38BA5D9-3C26-144E-89D5-99F2817A4AF4}"/>
               </a:ext>
             </a:extLst>
           </p:cNvPr>
@@ -22976,19 +23791,14 @@
           <a:p>
             <a:r>
               <a:rPr lang="it-IT" dirty="0"/>
-              <a:t>Se vengono vendute più risorse di quelle prodotte si assume che c’è stato l’uso di un magazzino e si considera come costo quello della vendita.</a:t>
+              <a:t>-Per il controllo qualità il tempo è sempre nullo: si assume che il tempo per il controllo sia molto breve e quindi non viene considerato come un costo.</a:t>
             </a:r>
           </a:p>
           <a:p>
             <a:r>
               <a:rPr lang="it-IT" dirty="0"/>
-              <a:t>Abbiamo individuato delle lavorazioni con quantità di output 0, il costo delle quali è considerato nel totale delle lavorazioni ma l’abbiamo tolto da la tabella con l’informazione al dettaglio per ogni fase per riuscire a proseguire con l’individuazione del tempo risorsa per una quantità dell’articolo. COMMENTO PER NOI: vogliamo individuare il costo totale per ogni fase per giustificare lo scostamento </a:t>
+              <a:t>-Per ogni tempo risorsa negativo nella tabella impiego orario risorse esiste un tempo positivo uguale in modulo che, al sommare i tempi delle stesse attività, si annullano a vicenda, si suppone che ci sia uno storno/rettifica.</a:t>
             </a:r>
-            <a:r>
-              <a:rPr lang="it-IT"/>
-              <a:t>dell’impiego risorse</a:t>
-            </a:r>
-            <a:endParaRPr lang="it-IT" dirty="0"/>
           </a:p>
           <a:p>
             <a:endParaRPr lang="it-IT" dirty="0"/>
@@ -22998,7 +23808,7 @@
     </p:spTree>
     <p:extLst>
       <p:ext uri="{BB962C8B-B14F-4D97-AF65-F5344CB8AC3E}">
-        <p14:creationId xmlns:p14="http://schemas.microsoft.com/office/powerpoint/2010/main" val="2840913240"/>
+        <p14:creationId xmlns:p14="http://schemas.microsoft.com/office/powerpoint/2010/main" val="799043282"/>
       </p:ext>
     </p:extLst>
   </p:cSld>
@@ -23030,7 +23840,7 @@
           <p:cNvPr id="2" name="Titolo 1">
             <a:extLst>
               <a:ext uri="{FF2B5EF4-FFF2-40B4-BE49-F238E27FC236}">
-                <a16:creationId xmlns:a16="http://schemas.microsoft.com/office/drawing/2014/main" id="{147624F4-BD22-C94B-AD95-870BBD37A948}"/>
+                <a16:creationId xmlns:a16="http://schemas.microsoft.com/office/drawing/2014/main" id="{2626D5F0-43AB-1B4C-ACE1-7CC88BEB42B9}"/>
               </a:ext>
             </a:extLst>
           </p:cNvPr>
@@ -23048,7 +23858,7 @@
           <a:p>
             <a:r>
               <a:rPr lang="it-IT" dirty="0"/>
-              <a:t>Assunzioni fatte 3</a:t>
+              <a:t>Esistenza dei prodotti intermedi </a:t>
             </a:r>
           </a:p>
         </p:txBody>
@@ -23058,7 +23868,7 @@
           <p:cNvPr id="3" name="Segnaposto contenuto 2">
             <a:extLst>
               <a:ext uri="{FF2B5EF4-FFF2-40B4-BE49-F238E27FC236}">
-                <a16:creationId xmlns:a16="http://schemas.microsoft.com/office/drawing/2014/main" id="{1673C8E5-4694-BA45-A113-8252C40AD81A}"/>
+                <a16:creationId xmlns:a16="http://schemas.microsoft.com/office/drawing/2014/main" id="{D4DFC521-81F6-804E-8C2C-B0111CE638BF}"/>
               </a:ext>
             </a:extLst>
           </p:cNvPr>
@@ -23069,26 +23879,60 @@
             <p:ph idx="1"/>
           </p:nvPr>
         </p:nvSpPr>
-        <p:spPr/>
+        <p:spPr>
+          <a:xfrm>
+            <a:off x="1024128" y="1820333"/>
+            <a:ext cx="9720073" cy="4775200"/>
+          </a:xfrm>
+        </p:spPr>
         <p:txBody>
-          <a:bodyPr/>
+          <a:bodyPr>
+            <a:normAutofit/>
+          </a:bodyPr>
           <a:lstStyle/>
           <a:p>
             <a:r>
               <a:rPr lang="it-IT" dirty="0"/>
-              <a:t>Articoli in produzione a budget che non sono a consuntivo fanno parte di un assieme (insieme di oggetti semplici costituiscono un oggetto composto) e il loro prezzo è inglobato all’interno del prezzo totale del prodotto finito.</a:t>
+              <a:t>Si è notato che nei consumi ci sono prodotti intermedi il cui numero di articolo corrisponde al numero di materia prima di un altro oggetto in output. Per il calcolo degli scostamenti sono stati proposti due metodi risolutivi:</a:t>
             </a:r>
           </a:p>
           <a:p>
             <a:r>
               <a:rPr lang="it-IT" dirty="0"/>
-              <a:t>Esistono prodotti intermedi che vengono utilizzati per la creazione di altri prodotti, tuttavia il loro costo è incluso nel costo dell’articolo finale (fatto tramite un controllo veloce). Non vengono considerati come causa maggiore dello scostamento e non vengono considerati come costo di materie prime ma vengono considerati solo i costi di produzione. Sono 86 prodotti intermedi a consuntivo e 84 prodotti intermedi a budget. Ci sono solo 3 prodotti intermedi che vengono venduti ma non impatta più di tanto il loro costo (circa 290 in totale </a:t>
+              <a:t>1) La prima alternativa consiste nel considerarli comunque come costi (rischiando di contare due volte i costi).</a:t>
+            </a:r>
+          </a:p>
+          <a:p>
+            <a:r>
+              <a:rPr lang="it-IT" dirty="0"/>
+              <a:t>2) Togliere i prodotti intermedi dal calcolo dei costi dell’impiego delle materie prime. </a:t>
+            </a:r>
+          </a:p>
+          <a:p>
+            <a:r>
+              <a:rPr lang="it-IT" dirty="0"/>
+              <a:t>Con questi metodi si può considerare la differenza tra gli scostamenti dei 2 modelli.</a:t>
+            </a:r>
+          </a:p>
+          <a:p>
+            <a:r>
+              <a:rPr lang="it-IT" dirty="0"/>
+              <a:t>Si è notato inoltre che i prodotti intermedi venduti al cliente finale sono in quantità molto limitate e quindi non influisce più di tanto nei calcoli.</a:t>
+            </a:r>
+          </a:p>
+          <a:p>
+            <a:r>
+              <a:rPr lang="it-IT" dirty="0"/>
+              <a:t>Anche nel secondo metodo vengono tolti dal </a:t>
             </a:r>
             <a:r>
-              <a:rPr lang="it-IT"/>
-              <a:t>i costi).</a:t>
+              <a:rPr lang="it-IT" dirty="0" err="1"/>
+              <a:t>dataset</a:t>
             </a:r>
-            <a:endParaRPr lang="it-IT" dirty="0"/>
+            <a:r>
+              <a:rPr lang="it-IT" dirty="0"/>
+              <a:t> delle vendite.</a:t>
+            </a:r>
           </a:p>
           <a:p>
             <a:endParaRPr lang="it-IT" dirty="0"/>
@@ -23098,7 +23942,7 @@
     </p:spTree>
     <p:extLst>
       <p:ext uri="{BB962C8B-B14F-4D97-AF65-F5344CB8AC3E}">
-        <p14:creationId xmlns:p14="http://schemas.microsoft.com/office/powerpoint/2010/main" val="3519091126"/>
+        <p14:creationId xmlns:p14="http://schemas.microsoft.com/office/powerpoint/2010/main" val="4197839029"/>
       </p:ext>
     </p:extLst>
   </p:cSld>
@@ -23130,7 +23974,7 @@
           <p:cNvPr id="2" name="Titolo 1">
             <a:extLst>
               <a:ext uri="{FF2B5EF4-FFF2-40B4-BE49-F238E27FC236}">
-                <a16:creationId xmlns:a16="http://schemas.microsoft.com/office/drawing/2014/main" id="{F63C4E6B-20B4-C745-ADA9-56053A9EEE9C}"/>
+                <a16:creationId xmlns:a16="http://schemas.microsoft.com/office/drawing/2014/main" id="{9166721A-313E-0B46-8371-75CB88E21E42}"/>
               </a:ext>
             </a:extLst>
           </p:cNvPr>
@@ -23148,7 +23992,7 @@
           <a:p>
             <a:r>
               <a:rPr lang="it-IT" dirty="0"/>
-              <a:t>Assunzioni fatte 4</a:t>
+              <a:t>Surplus e carenza sul volume di vendita</a:t>
             </a:r>
           </a:p>
         </p:txBody>
@@ -23158,7 +24002,7 @@
           <p:cNvPr id="3" name="Segnaposto contenuto 2">
             <a:extLst>
               <a:ext uri="{FF2B5EF4-FFF2-40B4-BE49-F238E27FC236}">
-                <a16:creationId xmlns:a16="http://schemas.microsoft.com/office/drawing/2014/main" id="{A665484B-8A6D-E54A-B44E-E340A13C49EB}"/>
+                <a16:creationId xmlns:a16="http://schemas.microsoft.com/office/drawing/2014/main" id="{6B34FC4E-BBB0-7548-9E88-267BA0081915}"/>
               </a:ext>
             </a:extLst>
           </p:cNvPr>
@@ -23176,26 +24020,47 @@
           <a:p>
             <a:r>
               <a:rPr lang="it-IT" dirty="0"/>
-              <a:t>Se produco meno di quello che vendo si pensa che ci sia un magazzino col prodotto già disponibile e quindi come quantità si prende il numero di pezzi prodotti.</a:t>
+              <a:t>Nel </a:t>
+            </a:r>
+            <a:r>
+              <a:rPr lang="it-IT" dirty="0" err="1"/>
+              <a:t>dataset</a:t>
+            </a:r>
+            <a:r>
+              <a:rPr lang="it-IT" dirty="0"/>
+              <a:t> delle vendite esistono delle situazioni in cui vengono venduti più articoli di quelli prodotti per un codice specifico oppure, viceversa, vengono prodotti più articoli di quelli venduti.</a:t>
             </a:r>
           </a:p>
           <a:p>
             <a:r>
               <a:rPr lang="it-IT" dirty="0"/>
-              <a:t>Se invece produco di più di quello che vendo si assume che ci sia un surplus della produzione per fare magazzino / prevenzione errori e quindi per coerenza di scelta  si utilizza come quantità per calcolare i costi il numero di </a:t>
+              <a:t>L’assunzione fatta in questo caso è quella della presenza di un </a:t>
             </a:r>
             <a:r>
-              <a:rPr lang="it-IT"/>
-              <a:t>pezzi prodotti.</a:t>
+              <a:rPr lang="it-IT" b="1" dirty="0"/>
+              <a:t>magazzino</a:t>
             </a:r>
-            <a:endParaRPr lang="it-IT" dirty="0"/>
+            <a:r>
+              <a:rPr lang="it-IT" dirty="0"/>
+              <a:t> in cui si possa depositare il prodotto finito oppure prelevare l’oggetto quando c’è una produzione inferiore alla vendita.</a:t>
+            </a:r>
+          </a:p>
+          <a:p>
+            <a:r>
+              <a:rPr lang="it-IT" dirty="0">
+                <a:highlight>
+                  <a:srgbClr val="FFFF00"/>
+                </a:highlight>
+              </a:rPr>
+              <a:t>Di conseguenza nel calcolo degli scostamenti per evitare il problema dell’aggiornamento del costo di un prodotto si tengono il volume di vendita e il volume di produzione separati.</a:t>
+            </a:r>
           </a:p>
         </p:txBody>
       </p:sp>
     </p:spTree>
     <p:extLst>
       <p:ext uri="{BB962C8B-B14F-4D97-AF65-F5344CB8AC3E}">
-        <p14:creationId xmlns:p14="http://schemas.microsoft.com/office/powerpoint/2010/main" val="3308473382"/>
+        <p14:creationId xmlns:p14="http://schemas.microsoft.com/office/powerpoint/2010/main" val="356014030"/>
       </p:ext>
     </p:extLst>
   </p:cSld>
@@ -23227,7 +24092,7 @@
           <p:cNvPr id="2" name="Titolo 1">
             <a:extLst>
               <a:ext uri="{FF2B5EF4-FFF2-40B4-BE49-F238E27FC236}">
-                <a16:creationId xmlns:a16="http://schemas.microsoft.com/office/drawing/2014/main" id="{C78AC4AC-88F8-4747-9F0D-D322C5D35F24}"/>
+                <a16:creationId xmlns:a16="http://schemas.microsoft.com/office/drawing/2014/main" id="{395A32B9-3FAE-CD4A-9872-472246D28456}"/>
               </a:ext>
             </a:extLst>
           </p:cNvPr>
@@ -23245,7 +24110,7 @@
           <a:p>
             <a:r>
               <a:rPr lang="it-IT" dirty="0"/>
-              <a:t>Considerazione su processi lavorativi</a:t>
+              <a:t>Formule degli scostamenti</a:t>
             </a:r>
           </a:p>
         </p:txBody>
@@ -23255,7 +24120,7 @@
           <p:cNvPr id="3" name="Segnaposto contenuto 2">
             <a:extLst>
               <a:ext uri="{FF2B5EF4-FFF2-40B4-BE49-F238E27FC236}">
-                <a16:creationId xmlns:a16="http://schemas.microsoft.com/office/drawing/2014/main" id="{900E4943-1233-A84A-943A-B916658A7D4A}"/>
+                <a16:creationId xmlns:a16="http://schemas.microsoft.com/office/drawing/2014/main" id="{D4B2C745-E8D5-B046-BDD7-31923A3FE413}"/>
               </a:ext>
             </a:extLst>
           </p:cNvPr>
@@ -23271,40 +24136,14 @@
           <a:bodyPr/>
           <a:lstStyle/>
           <a:p>
-            <a:r>
-              <a:rPr lang="it-IT" dirty="0"/>
-              <a:t>Viene preso il massimo dei pezzi per il calcolo dei costi di manodopera in output per ogni articolo con un determinato ODP perché non ci sono sempre i controlli qualità associati alla coppia articolo-ODP. SCRIVERE L’ESEMPIO CHE SPIEGA LA SITUAZIONE.</a:t>
-            </a:r>
-          </a:p>
-          <a:p>
-            <a:endParaRPr lang="it-IT" dirty="0"/>
-          </a:p>
-          <a:p>
-            <a:r>
-              <a:rPr lang="it-IT" dirty="0"/>
-              <a:t>Costo orario-&gt; vengono i tempi orari associati alla coppia articolo-ODP per </a:t>
-            </a:r>
-            <a:r>
-              <a:rPr lang="it-IT"/>
-              <a:t>una determinata fase</a:t>
-            </a:r>
-            <a:endParaRPr lang="it-IT" dirty="0"/>
-          </a:p>
-          <a:p>
-            <a:endParaRPr lang="it-IT" dirty="0"/>
-          </a:p>
-          <a:p>
-            <a:r>
-              <a:rPr lang="it-IT" dirty="0"/>
-              <a:t>Parlare anche del tempo risorsa uguale a 0.</a:t>
-            </a:r>
+            <a:endParaRPr lang="it-IT"/>
           </a:p>
         </p:txBody>
       </p:sp>
     </p:spTree>
     <p:extLst>
       <p:ext uri="{BB962C8B-B14F-4D97-AF65-F5344CB8AC3E}">
-        <p14:creationId xmlns:p14="http://schemas.microsoft.com/office/powerpoint/2010/main" val="3938998553"/>
+        <p14:creationId xmlns:p14="http://schemas.microsoft.com/office/powerpoint/2010/main" val="1838992452"/>
       </p:ext>
     </p:extLst>
   </p:cSld>

--- a/Document/PresentazioneProgetto.pptx
+++ b/Document/PresentazioneProgetto.pptx
@@ -14,9 +14,11 @@
     <p:sldId id="269" r:id="rId8"/>
     <p:sldId id="268" r:id="rId9"/>
     <p:sldId id="272" r:id="rId10"/>
-    <p:sldId id="262" r:id="rId11"/>
-    <p:sldId id="270" r:id="rId12"/>
-    <p:sldId id="263" r:id="rId13"/>
+    <p:sldId id="274" r:id="rId11"/>
+    <p:sldId id="273" r:id="rId12"/>
+    <p:sldId id="262" r:id="rId13"/>
+    <p:sldId id="270" r:id="rId14"/>
+    <p:sldId id="263" r:id="rId15"/>
   </p:sldIdLst>
   <p:sldSz cx="12192000" cy="6858000"/>
   <p:notesSz cx="6858000" cy="9144000"/>
@@ -20855,6 +20857,124 @@
           <a:chExt cx="0" cy="0"/>
         </a:xfrm>
       </p:grpSpPr>
+      <p:pic>
+        <p:nvPicPr>
+          <p:cNvPr id="5" name="Segnaposto contenuto 4" descr="Immagine che contiene testo&#10;&#10;Descrizione generata automaticamente">
+            <a:extLst>
+              <a:ext uri="{FF2B5EF4-FFF2-40B4-BE49-F238E27FC236}">
+                <a16:creationId xmlns:a16="http://schemas.microsoft.com/office/drawing/2014/main" id="{37171080-808B-DD4F-982F-0AC7F01775DB}"/>
+              </a:ext>
+            </a:extLst>
+          </p:cNvPr>
+          <p:cNvPicPr>
+            <a:picLocks noGrp="1" noChangeAspect="1"/>
+          </p:cNvPicPr>
+          <p:nvPr>
+            <p:ph idx="1"/>
+          </p:nvPr>
+        </p:nvPicPr>
+        <p:blipFill>
+          <a:blip r:embed="rId2"/>
+          <a:stretch>
+            <a:fillRect/>
+          </a:stretch>
+        </p:blipFill>
+        <p:spPr>
+          <a:xfrm>
+            <a:off x="2531667" y="1115122"/>
+            <a:ext cx="7128666" cy="4627755"/>
+          </a:xfrm>
+        </p:spPr>
+      </p:pic>
+    </p:spTree>
+    <p:extLst>
+      <p:ext uri="{BB962C8B-B14F-4D97-AF65-F5344CB8AC3E}">
+        <p14:creationId xmlns:p14="http://schemas.microsoft.com/office/powerpoint/2010/main" val="751031471"/>
+      </p:ext>
+    </p:extLst>
+  </p:cSld>
+  <p:clrMapOvr>
+    <a:masterClrMapping/>
+  </p:clrMapOvr>
+</p:sld>
+</file>
+
+<file path=ppt/slides/slide11.xml><?xml version="1.0" encoding="utf-8"?>
+<p:sld xmlns:a="http://schemas.openxmlformats.org/drawingml/2006/main" xmlns:r="http://schemas.openxmlformats.org/officeDocument/2006/relationships" xmlns:p="http://schemas.openxmlformats.org/presentationml/2006/main">
+  <p:cSld>
+    <p:spTree>
+      <p:nvGrpSpPr>
+        <p:cNvPr id="1" name=""/>
+        <p:cNvGrpSpPr/>
+        <p:nvPr/>
+      </p:nvGrpSpPr>
+      <p:grpSpPr>
+        <a:xfrm>
+          <a:off x="0" y="0"/>
+          <a:ext cx="0" cy="0"/>
+          <a:chOff x="0" y="0"/>
+          <a:chExt cx="0" cy="0"/>
+        </a:xfrm>
+      </p:grpSpPr>
+      <p:pic>
+        <p:nvPicPr>
+          <p:cNvPr id="5" name="Segnaposto contenuto 4" descr="Immagine che contiene testo&#10;&#10;Descrizione generata automaticamente">
+            <a:extLst>
+              <a:ext uri="{FF2B5EF4-FFF2-40B4-BE49-F238E27FC236}">
+                <a16:creationId xmlns:a16="http://schemas.microsoft.com/office/drawing/2014/main" id="{DF5CDE03-1789-0B49-A900-192CDC480303}"/>
+              </a:ext>
+            </a:extLst>
+          </p:cNvPr>
+          <p:cNvPicPr>
+            <a:picLocks noGrp="1" noChangeAspect="1"/>
+          </p:cNvPicPr>
+          <p:nvPr>
+            <p:ph idx="1"/>
+          </p:nvPr>
+        </p:nvPicPr>
+        <p:blipFill>
+          <a:blip r:embed="rId2"/>
+          <a:stretch>
+            <a:fillRect/>
+          </a:stretch>
+        </p:blipFill>
+        <p:spPr>
+          <a:xfrm>
+            <a:off x="2154788" y="1779190"/>
+            <a:ext cx="7882424" cy="3299619"/>
+          </a:xfrm>
+        </p:spPr>
+      </p:pic>
+    </p:spTree>
+    <p:extLst>
+      <p:ext uri="{BB962C8B-B14F-4D97-AF65-F5344CB8AC3E}">
+        <p14:creationId xmlns:p14="http://schemas.microsoft.com/office/powerpoint/2010/main" val="826463960"/>
+      </p:ext>
+    </p:extLst>
+  </p:cSld>
+  <p:clrMapOvr>
+    <a:masterClrMapping/>
+  </p:clrMapOvr>
+</p:sld>
+</file>
+
+<file path=ppt/slides/slide12.xml><?xml version="1.0" encoding="utf-8"?>
+<p:sld xmlns:a="http://schemas.openxmlformats.org/drawingml/2006/main" xmlns:r="http://schemas.openxmlformats.org/officeDocument/2006/relationships" xmlns:p="http://schemas.openxmlformats.org/presentationml/2006/main">
+  <p:cSld>
+    <p:spTree>
+      <p:nvGrpSpPr>
+        <p:cNvPr id="1" name=""/>
+        <p:cNvGrpSpPr/>
+        <p:nvPr/>
+      </p:nvGrpSpPr>
+      <p:grpSpPr>
+        <a:xfrm>
+          <a:off x="0" y="0"/>
+          <a:ext cx="0" cy="0"/>
+          <a:chOff x="0" y="0"/>
+          <a:chExt cx="0" cy="0"/>
+        </a:xfrm>
+      </p:grpSpPr>
       <p:sp>
         <p:nvSpPr>
           <p:cNvPr id="2" name="Titolo 1">
@@ -20890,874 +21010,34 @@
           </a:p>
         </p:txBody>
       </p:sp>
-      <p:graphicFrame>
-        <p:nvGraphicFramePr>
-          <p:cNvPr id="4" name="Tabella 4">
+      <p:pic>
+        <p:nvPicPr>
+          <p:cNvPr id="7" name="Segnaposto contenuto 6">
             <a:extLst>
               <a:ext uri="{FF2B5EF4-FFF2-40B4-BE49-F238E27FC236}">
-                <a16:creationId xmlns:a16="http://schemas.microsoft.com/office/drawing/2014/main" id="{CB59760C-95C5-0B4C-AD26-423EC055CB2F}"/>
+                <a16:creationId xmlns:a16="http://schemas.microsoft.com/office/drawing/2014/main" id="{9B6EE4D3-D3A4-CB4C-A6E5-B016B66054DB}"/>
               </a:ext>
             </a:extLst>
           </p:cNvPr>
-          <p:cNvGraphicFramePr>
-            <a:graphicFrameLocks noGrp="1"/>
-          </p:cNvGraphicFramePr>
+          <p:cNvPicPr>
+            <a:picLocks noGrp="1" noChangeAspect="1"/>
+          </p:cNvPicPr>
           <p:nvPr>
             <p:ph idx="1"/>
-            <p:extLst>
-              <p:ext uri="{D42A27DB-BD31-4B8C-83A1-F6EECF244321}">
-                <p14:modId xmlns:p14="http://schemas.microsoft.com/office/powerpoint/2010/main" val="628559778"/>
-              </p:ext>
-            </p:extLst>
           </p:nvPr>
-        </p:nvGraphicFramePr>
-        <p:xfrm>
-          <a:off x="95714" y="1555654"/>
-          <a:ext cx="12000571" cy="4717130"/>
-        </p:xfrm>
-        <a:graphic>
-          <a:graphicData uri="http://schemas.openxmlformats.org/drawingml/2006/table">
-            <a:tbl>
-              <a:tblPr firstRow="1" bandRow="1">
-                <a:tableStyleId>{5C22544A-7EE6-4342-B048-85BDC9FD1C3A}</a:tableStyleId>
-              </a:tblPr>
-              <a:tblGrid>
-                <a:gridCol w="1333397">
-                  <a:extLst>
-                    <a:ext uri="{9D8B030D-6E8A-4147-A177-3AD203B41FA5}">
-                      <a16:colId xmlns:a16="http://schemas.microsoft.com/office/drawing/2014/main" val="3039533413"/>
-                    </a:ext>
-                  </a:extLst>
-                </a:gridCol>
-                <a:gridCol w="1386281">
-                  <a:extLst>
-                    <a:ext uri="{9D8B030D-6E8A-4147-A177-3AD203B41FA5}">
-                      <a16:colId xmlns:a16="http://schemas.microsoft.com/office/drawing/2014/main" val="1628745461"/>
-                    </a:ext>
-                  </a:extLst>
-                </a:gridCol>
-                <a:gridCol w="1280511">
-                  <a:extLst>
-                    <a:ext uri="{9D8B030D-6E8A-4147-A177-3AD203B41FA5}">
-                      <a16:colId xmlns:a16="http://schemas.microsoft.com/office/drawing/2014/main" val="3012836848"/>
-                    </a:ext>
-                  </a:extLst>
-                </a:gridCol>
-                <a:gridCol w="1337176">
-                  <a:extLst>
-                    <a:ext uri="{9D8B030D-6E8A-4147-A177-3AD203B41FA5}">
-                      <a16:colId xmlns:a16="http://schemas.microsoft.com/office/drawing/2014/main" val="3335112797"/>
-                    </a:ext>
-                  </a:extLst>
-                </a:gridCol>
-                <a:gridCol w="1329618">
-                  <a:extLst>
-                    <a:ext uri="{9D8B030D-6E8A-4147-A177-3AD203B41FA5}">
-                      <a16:colId xmlns:a16="http://schemas.microsoft.com/office/drawing/2014/main" val="3262263587"/>
-                    </a:ext>
-                  </a:extLst>
-                </a:gridCol>
-                <a:gridCol w="1390059">
-                  <a:extLst>
-                    <a:ext uri="{9D8B030D-6E8A-4147-A177-3AD203B41FA5}">
-                      <a16:colId xmlns:a16="http://schemas.microsoft.com/office/drawing/2014/main" val="3015288968"/>
-                    </a:ext>
-                  </a:extLst>
-                </a:gridCol>
-                <a:gridCol w="1337174">
-                  <a:extLst>
-                    <a:ext uri="{9D8B030D-6E8A-4147-A177-3AD203B41FA5}">
-                      <a16:colId xmlns:a16="http://schemas.microsoft.com/office/drawing/2014/main" val="3807841347"/>
-                    </a:ext>
-                  </a:extLst>
-                </a:gridCol>
-                <a:gridCol w="1272958">
-                  <a:extLst>
-                    <a:ext uri="{9D8B030D-6E8A-4147-A177-3AD203B41FA5}">
-                      <a16:colId xmlns:a16="http://schemas.microsoft.com/office/drawing/2014/main" val="3378513636"/>
-                    </a:ext>
-                  </a:extLst>
-                </a:gridCol>
-                <a:gridCol w="1333397">
-                  <a:extLst>
-                    <a:ext uri="{9D8B030D-6E8A-4147-A177-3AD203B41FA5}">
-                      <a16:colId xmlns:a16="http://schemas.microsoft.com/office/drawing/2014/main" val="1681983959"/>
-                    </a:ext>
-                  </a:extLst>
-                </a:gridCol>
-              </a:tblGrid>
-              <a:tr h="1149022">
-                <a:tc>
-                  <a:txBody>
-                    <a:bodyPr/>
-                    <a:lstStyle/>
-                    <a:p>
-                      <a:pPr algn="l"/>
-                      <a:endParaRPr lang="it-IT" dirty="0"/>
-                    </a:p>
-                  </a:txBody>
-                  <a:tcPr/>
-                </a:tc>
-                <a:tc>
-                  <a:txBody>
-                    <a:bodyPr/>
-                    <a:lstStyle/>
-                    <a:p>
-                      <a:pPr algn="l"/>
-                      <a:r>
-                        <a:rPr lang="it-IT" dirty="0"/>
-                        <a:t>Budget</a:t>
-                      </a:r>
-                    </a:p>
-                  </a:txBody>
-                  <a:tcPr/>
-                </a:tc>
-                <a:tc>
-                  <a:txBody>
-                    <a:bodyPr/>
-                    <a:lstStyle/>
-                    <a:p>
-                      <a:pPr algn="l"/>
-                      <a:r>
-                        <a:rPr lang="it-IT" dirty="0"/>
-                        <a:t>Scostamento di volume</a:t>
-                      </a:r>
-                    </a:p>
-                  </a:txBody>
-                  <a:tcPr/>
-                </a:tc>
-                <a:tc>
-                  <a:txBody>
-                    <a:bodyPr/>
-                    <a:lstStyle/>
-                    <a:p>
-                      <a:pPr algn="l"/>
-                      <a:r>
-                        <a:rPr lang="it-IT" dirty="0"/>
-                        <a:t>Standard</a:t>
-                      </a:r>
-                    </a:p>
-                  </a:txBody>
-                  <a:tcPr/>
-                </a:tc>
-                <a:tc>
-                  <a:txBody>
-                    <a:bodyPr/>
-                    <a:lstStyle/>
-                    <a:p>
-                      <a:pPr algn="l"/>
-                      <a:r>
-                        <a:rPr lang="it-IT" dirty="0"/>
-                        <a:t>Scostamento di impiego/MIX</a:t>
-                      </a:r>
-                    </a:p>
-                  </a:txBody>
-                  <a:tcPr/>
-                </a:tc>
-                <a:tc>
-                  <a:txBody>
-                    <a:bodyPr/>
-                    <a:lstStyle/>
-                    <a:p>
-                      <a:pPr algn="l"/>
-                      <a:r>
-                        <a:rPr lang="it-IT" dirty="0"/>
-                        <a:t>Effettivo</a:t>
-                      </a:r>
-                    </a:p>
-                  </a:txBody>
-                  <a:tcPr/>
-                </a:tc>
-                <a:tc>
-                  <a:txBody>
-                    <a:bodyPr/>
-                    <a:lstStyle/>
-                    <a:p>
-                      <a:pPr algn="l"/>
-                      <a:r>
-                        <a:rPr lang="it-IT" dirty="0"/>
-                        <a:t>Scostamento di prezzo</a:t>
-                      </a:r>
-                    </a:p>
-                  </a:txBody>
-                  <a:tcPr/>
-                </a:tc>
-                <a:tc>
-                  <a:txBody>
-                    <a:bodyPr/>
-                    <a:lstStyle/>
-                    <a:p>
-                      <a:pPr algn="l"/>
-                      <a:r>
-                        <a:rPr lang="it-IT" dirty="0"/>
-                        <a:t>Consuntivo</a:t>
-                      </a:r>
-                    </a:p>
-                  </a:txBody>
-                  <a:tcPr/>
-                </a:tc>
-                <a:tc>
-                  <a:txBody>
-                    <a:bodyPr/>
-                    <a:lstStyle/>
-                    <a:p>
-                      <a:pPr algn="l"/>
-                      <a:r>
-                        <a:rPr lang="it-IT" dirty="0"/>
-                        <a:t>Scostamento consuntivo- budget</a:t>
-                      </a:r>
-                    </a:p>
-                  </a:txBody>
-                  <a:tcPr/>
-                </a:tc>
-                <a:extLst>
-                  <a:ext uri="{0D108BD9-81ED-4DB2-BD59-A6C34878D82A}">
-                    <a16:rowId xmlns:a16="http://schemas.microsoft.com/office/drawing/2014/main" val="3282615153"/>
-                  </a:ext>
-                </a:extLst>
-              </a:tr>
-              <a:tr h="730300">
-                <a:tc>
-                  <a:txBody>
-                    <a:bodyPr/>
-                    <a:lstStyle/>
-                    <a:p>
-                      <a:pPr algn="l"/>
-                      <a:r>
-                        <a:rPr lang="it-IT"/>
-                        <a:t>Vendite</a:t>
-                      </a:r>
-                      <a:endParaRPr lang="it-IT" dirty="0"/>
-                    </a:p>
-                  </a:txBody>
-                  <a:tcPr/>
-                </a:tc>
-                <a:tc>
-                  <a:txBody>
-                    <a:bodyPr/>
-                    <a:lstStyle/>
-                    <a:p>
-                      <a:pPr algn="l"/>
-                      <a:r>
-                        <a:rPr lang="it-IT" dirty="0"/>
-                        <a:t>395.335,89</a:t>
-                      </a:r>
-                    </a:p>
-                  </a:txBody>
-                  <a:tcPr/>
-                </a:tc>
-                <a:tc>
-                  <a:txBody>
-                    <a:bodyPr/>
-                    <a:lstStyle/>
-                    <a:p>
-                      <a:pPr algn="l"/>
-                      <a:r>
-                        <a:rPr lang="it-IT" dirty="0"/>
-                        <a:t>115.196,85</a:t>
-                      </a:r>
-                    </a:p>
-                  </a:txBody>
-                  <a:tcPr/>
-                </a:tc>
-                <a:tc>
-                  <a:txBody>
-                    <a:bodyPr/>
-                    <a:lstStyle/>
-                    <a:p>
-                      <a:pPr algn="l"/>
-                      <a:r>
-                        <a:rPr lang="it-IT" dirty="0"/>
-                        <a:t>510.532, 74</a:t>
-                      </a:r>
-                    </a:p>
-                  </a:txBody>
-                  <a:tcPr/>
-                </a:tc>
-                <a:tc>
-                  <a:txBody>
-                    <a:bodyPr/>
-                    <a:lstStyle/>
-                    <a:p>
-                      <a:pPr algn="l"/>
-                      <a:r>
-                        <a:rPr lang="it-IT" dirty="0"/>
-                        <a:t>28.579,68</a:t>
-                      </a:r>
-                    </a:p>
-                  </a:txBody>
-                  <a:tcPr/>
-                </a:tc>
-                <a:tc>
-                  <a:txBody>
-                    <a:bodyPr/>
-                    <a:lstStyle/>
-                    <a:p>
-                      <a:pPr algn="l"/>
-                      <a:r>
-                        <a:rPr lang="it-IT" dirty="0"/>
-                        <a:t>539.112,42</a:t>
-                      </a:r>
-                    </a:p>
-                  </a:txBody>
-                  <a:tcPr/>
-                </a:tc>
-                <a:tc>
-                  <a:txBody>
-                    <a:bodyPr/>
-                    <a:lstStyle/>
-                    <a:p>
-                      <a:pPr algn="l"/>
-                      <a:r>
-                        <a:rPr lang="it-IT" dirty="0"/>
-                        <a:t>-31.269,58</a:t>
-                      </a:r>
-                    </a:p>
-                  </a:txBody>
-                  <a:tcPr/>
-                </a:tc>
-                <a:tc>
-                  <a:txBody>
-                    <a:bodyPr/>
-                    <a:lstStyle/>
-                    <a:p>
-                      <a:pPr algn="l"/>
-                      <a:r>
-                        <a:rPr lang="it-IT" dirty="0"/>
-                        <a:t>507.842,85</a:t>
-                      </a:r>
-                    </a:p>
-                  </a:txBody>
-                  <a:tcPr/>
-                </a:tc>
-                <a:tc>
-                  <a:txBody>
-                    <a:bodyPr/>
-                    <a:lstStyle/>
-                    <a:p>
-                      <a:pPr algn="l"/>
-                      <a:r>
-                        <a:rPr lang="it-IT" dirty="0"/>
-                        <a:t>112.506,96</a:t>
-                      </a:r>
-                    </a:p>
-                  </a:txBody>
-                  <a:tcPr/>
-                </a:tc>
-                <a:extLst>
-                  <a:ext uri="{0D108BD9-81ED-4DB2-BD59-A6C34878D82A}">
-                    <a16:rowId xmlns:a16="http://schemas.microsoft.com/office/drawing/2014/main" val="1242067950"/>
-                  </a:ext>
-                </a:extLst>
-              </a:tr>
-              <a:tr h="423110">
-                <a:tc>
-                  <a:txBody>
-                    <a:bodyPr/>
-                    <a:lstStyle/>
-                    <a:p>
-                      <a:pPr marL="0" marR="0" lvl="0" indent="0" algn="l" defTabSz="914400" rtl="0" eaLnBrk="1" fontAlgn="auto" latinLnBrk="0" hangingPunct="1">
-                        <a:lnSpc>
-                          <a:spcPct val="100000"/>
-                        </a:lnSpc>
-                        <a:spcBef>
-                          <a:spcPts val="0"/>
-                        </a:spcBef>
-                        <a:spcAft>
-                          <a:spcPts val="0"/>
-                        </a:spcAft>
-                        <a:buClrTx/>
-                        <a:buSzTx/>
-                        <a:buFontTx/>
-                        <a:buNone/>
-                        <a:tabLst/>
-                        <a:defRPr/>
-                      </a:pPr>
-                      <a:r>
-                        <a:rPr lang="it-IT" u="sng"/>
-                        <a:t>Costi</a:t>
-                      </a:r>
-                      <a:endParaRPr lang="it-IT" u="sng" dirty="0"/>
-                    </a:p>
-                  </a:txBody>
-                  <a:tcPr/>
-                </a:tc>
-                <a:tc>
-                  <a:txBody>
-                    <a:bodyPr/>
-                    <a:lstStyle/>
-                    <a:p>
-                      <a:pPr algn="l"/>
-                      <a:endParaRPr lang="it-IT" dirty="0"/>
-                    </a:p>
-                  </a:txBody>
-                  <a:tcPr/>
-                </a:tc>
-                <a:tc>
-                  <a:txBody>
-                    <a:bodyPr/>
-                    <a:lstStyle/>
-                    <a:p>
-                      <a:pPr algn="l"/>
-                      <a:endParaRPr lang="it-IT" dirty="0"/>
-                    </a:p>
-                  </a:txBody>
-                  <a:tcPr/>
-                </a:tc>
-                <a:tc>
-                  <a:txBody>
-                    <a:bodyPr/>
-                    <a:lstStyle/>
-                    <a:p>
-                      <a:pPr algn="l"/>
-                      <a:endParaRPr lang="it-IT" dirty="0"/>
-                    </a:p>
-                  </a:txBody>
-                  <a:tcPr/>
-                </a:tc>
-                <a:tc>
-                  <a:txBody>
-                    <a:bodyPr/>
-                    <a:lstStyle/>
-                    <a:p>
-                      <a:pPr algn="l"/>
-                      <a:endParaRPr lang="it-IT" dirty="0"/>
-                    </a:p>
-                  </a:txBody>
-                  <a:tcPr/>
-                </a:tc>
-                <a:tc>
-                  <a:txBody>
-                    <a:bodyPr/>
-                    <a:lstStyle/>
-                    <a:p>
-                      <a:pPr algn="l"/>
-                      <a:endParaRPr lang="it-IT"/>
-                    </a:p>
-                  </a:txBody>
-                  <a:tcPr/>
-                </a:tc>
-                <a:tc>
-                  <a:txBody>
-                    <a:bodyPr/>
-                    <a:lstStyle/>
-                    <a:p>
-                      <a:pPr algn="l"/>
-                      <a:endParaRPr lang="it-IT"/>
-                    </a:p>
-                  </a:txBody>
-                  <a:tcPr/>
-                </a:tc>
-                <a:tc>
-                  <a:txBody>
-                    <a:bodyPr/>
-                    <a:lstStyle/>
-                    <a:p>
-                      <a:pPr algn="l"/>
-                      <a:endParaRPr lang="it-IT" dirty="0"/>
-                    </a:p>
-                  </a:txBody>
-                  <a:tcPr/>
-                </a:tc>
-                <a:tc>
-                  <a:txBody>
-                    <a:bodyPr/>
-                    <a:lstStyle/>
-                    <a:p>
-                      <a:pPr algn="l"/>
-                      <a:endParaRPr lang="it-IT" dirty="0"/>
-                    </a:p>
-                  </a:txBody>
-                  <a:tcPr/>
-                </a:tc>
-                <a:extLst>
-                  <a:ext uri="{0D108BD9-81ED-4DB2-BD59-A6C34878D82A}">
-                    <a16:rowId xmlns:a16="http://schemas.microsoft.com/office/drawing/2014/main" val="3637592334"/>
-                  </a:ext>
-                </a:extLst>
-              </a:tr>
-              <a:tr h="730300">
-                <a:tc>
-                  <a:txBody>
-                    <a:bodyPr/>
-                    <a:lstStyle/>
-                    <a:p>
-                      <a:pPr algn="l"/>
-                      <a:r>
-                        <a:rPr lang="it-IT"/>
-                        <a:t>Materie prime</a:t>
-                      </a:r>
-                      <a:endParaRPr lang="it-IT" dirty="0"/>
-                    </a:p>
-                  </a:txBody>
-                  <a:tcPr/>
-                </a:tc>
-                <a:tc>
-                  <a:txBody>
-                    <a:bodyPr/>
-                    <a:lstStyle/>
-                    <a:p>
-                      <a:pPr algn="l"/>
-                      <a:r>
-                        <a:rPr lang="it-IT" dirty="0"/>
-                        <a:t>192.206,47</a:t>
-                      </a:r>
-                    </a:p>
-                  </a:txBody>
-                  <a:tcPr/>
-                </a:tc>
-                <a:tc>
-                  <a:txBody>
-                    <a:bodyPr/>
-                    <a:lstStyle/>
-                    <a:p>
-                      <a:pPr algn="l"/>
-                      <a:r>
-                        <a:rPr lang="it-IT" dirty="0"/>
-                        <a:t>700</a:t>
-                      </a:r>
-                    </a:p>
-                  </a:txBody>
-                  <a:tcPr/>
-                </a:tc>
-                <a:tc>
-                  <a:txBody>
-                    <a:bodyPr/>
-                    <a:lstStyle/>
-                    <a:p>
-                      <a:pPr algn="l"/>
-                      <a:r>
-                        <a:rPr lang="it-IT" dirty="0"/>
-                        <a:t>192.906,47</a:t>
-                      </a:r>
-                    </a:p>
-                  </a:txBody>
-                  <a:tcPr/>
-                </a:tc>
-                <a:tc>
-                  <a:txBody>
-                    <a:bodyPr/>
-                    <a:lstStyle/>
-                    <a:p>
-                      <a:pPr algn="l"/>
-                      <a:r>
-                        <a:rPr lang="it-IT" dirty="0"/>
-                        <a:t>80.194,25</a:t>
-                      </a:r>
-                    </a:p>
-                  </a:txBody>
-                  <a:tcPr/>
-                </a:tc>
-                <a:tc>
-                  <a:txBody>
-                    <a:bodyPr/>
-                    <a:lstStyle/>
-                    <a:p>
-                      <a:pPr algn="l"/>
-                      <a:r>
-                        <a:rPr lang="it-IT" dirty="0"/>
-                        <a:t>273.100,72</a:t>
-                      </a:r>
-                    </a:p>
-                  </a:txBody>
-                  <a:tcPr/>
-                </a:tc>
-                <a:tc>
-                  <a:txBody>
-                    <a:bodyPr/>
-                    <a:lstStyle/>
-                    <a:p>
-                      <a:pPr algn="l"/>
-                      <a:r>
-                        <a:rPr lang="it-IT"/>
-                        <a:t> </a:t>
-                      </a:r>
-                      <a:endParaRPr lang="it-IT" dirty="0"/>
-                    </a:p>
-                  </a:txBody>
-                  <a:tcPr/>
-                </a:tc>
-                <a:tc>
-                  <a:txBody>
-                    <a:bodyPr/>
-                    <a:lstStyle/>
-                    <a:p>
-                      <a:pPr algn="l"/>
-                      <a:r>
-                        <a:rPr lang="it-IT" dirty="0"/>
-                        <a:t>289.639,50</a:t>
-                      </a:r>
-                    </a:p>
-                  </a:txBody>
-                  <a:tcPr/>
-                </a:tc>
-                <a:tc>
-                  <a:txBody>
-                    <a:bodyPr/>
-                    <a:lstStyle/>
-                    <a:p>
-                      <a:pPr algn="l"/>
-                      <a:r>
-                        <a:rPr lang="it-IT" dirty="0"/>
-                        <a:t>96.733,03</a:t>
-                      </a:r>
-                    </a:p>
-                  </a:txBody>
-                  <a:tcPr/>
-                </a:tc>
-                <a:extLst>
-                  <a:ext uri="{0D108BD9-81ED-4DB2-BD59-A6C34878D82A}">
-                    <a16:rowId xmlns:a16="http://schemas.microsoft.com/office/drawing/2014/main" val="4251870908"/>
-                  </a:ext>
-                </a:extLst>
-              </a:tr>
-              <a:tr h="730300">
-                <a:tc>
-                  <a:txBody>
-                    <a:bodyPr/>
-                    <a:lstStyle/>
-                    <a:p>
-                      <a:pPr algn="l"/>
-                      <a:r>
-                        <a:rPr lang="it-IT" dirty="0"/>
-                        <a:t>Lavorazioni interne </a:t>
-                      </a:r>
-                    </a:p>
-                  </a:txBody>
-                  <a:tcPr/>
-                </a:tc>
-                <a:tc>
-                  <a:txBody>
-                    <a:bodyPr/>
-                    <a:lstStyle/>
-                    <a:p>
-                      <a:pPr algn="l"/>
-                      <a:r>
-                        <a:rPr lang="it-IT" dirty="0"/>
-                        <a:t>194.521,50</a:t>
-                      </a:r>
-                    </a:p>
-                  </a:txBody>
-                  <a:tcPr/>
-                </a:tc>
-                <a:tc>
-                  <a:txBody>
-                    <a:bodyPr/>
-                    <a:lstStyle/>
-                    <a:p>
-                      <a:pPr algn="l"/>
-                      <a:endParaRPr lang="it-IT" dirty="0"/>
-                    </a:p>
-                  </a:txBody>
-                  <a:tcPr/>
-                </a:tc>
-                <a:tc>
-                  <a:txBody>
-                    <a:bodyPr/>
-                    <a:lstStyle/>
-                    <a:p>
-                      <a:pPr algn="l"/>
-                      <a:r>
-                        <a:rPr lang="it-IT" dirty="0"/>
-                        <a:t>310.199,34 (?)</a:t>
-                      </a:r>
-                    </a:p>
-                  </a:txBody>
-                  <a:tcPr/>
-                </a:tc>
-                <a:tc>
-                  <a:txBody>
-                    <a:bodyPr/>
-                    <a:lstStyle/>
-                    <a:p>
-                      <a:pPr algn="l"/>
-                      <a:endParaRPr lang="it-IT" dirty="0"/>
-                    </a:p>
-                  </a:txBody>
-                  <a:tcPr/>
-                </a:tc>
-                <a:tc>
-                  <a:txBody>
-                    <a:bodyPr/>
-                    <a:lstStyle/>
-                    <a:p>
-                      <a:pPr algn="l"/>
-                      <a:r>
-                        <a:rPr lang="it-IT" dirty="0"/>
-                        <a:t>281.289,91 (?)</a:t>
-                      </a:r>
-                    </a:p>
-                  </a:txBody>
-                  <a:tcPr/>
-                </a:tc>
-                <a:tc>
-                  <a:txBody>
-                    <a:bodyPr/>
-                    <a:lstStyle/>
-                    <a:p>
-                      <a:pPr algn="l"/>
-                      <a:endParaRPr lang="it-IT" dirty="0"/>
-                    </a:p>
-                  </a:txBody>
-                  <a:tcPr/>
-                </a:tc>
-                <a:tc>
-                  <a:txBody>
-                    <a:bodyPr/>
-                    <a:lstStyle/>
-                    <a:p>
-                      <a:pPr algn="l"/>
-                      <a:r>
-                        <a:rPr lang="it-IT"/>
-                        <a:t>359.238,30</a:t>
-                      </a:r>
-                      <a:endParaRPr lang="it-IT" dirty="0"/>
-                    </a:p>
-                  </a:txBody>
-                  <a:tcPr/>
-                </a:tc>
-                <a:tc>
-                  <a:txBody>
-                    <a:bodyPr/>
-                    <a:lstStyle/>
-                    <a:p>
-                      <a:pPr algn="l"/>
-                      <a:r>
-                        <a:rPr lang="it-IT" dirty="0"/>
-                        <a:t>164.716,79</a:t>
-                      </a:r>
-                    </a:p>
-                  </a:txBody>
-                  <a:tcPr/>
-                </a:tc>
-                <a:extLst>
-                  <a:ext uri="{0D108BD9-81ED-4DB2-BD59-A6C34878D82A}">
-                    <a16:rowId xmlns:a16="http://schemas.microsoft.com/office/drawing/2014/main" val="1378050463"/>
-                  </a:ext>
-                </a:extLst>
-              </a:tr>
-              <a:tr h="730300">
-                <a:tc>
-                  <a:txBody>
-                    <a:bodyPr/>
-                    <a:lstStyle/>
-                    <a:p>
-                      <a:pPr algn="l"/>
-                      <a:r>
-                        <a:rPr lang="it-IT" dirty="0"/>
-                        <a:t>MOL </a:t>
-                      </a:r>
-                    </a:p>
-                  </a:txBody>
-                  <a:tcPr/>
-                </a:tc>
-                <a:tc>
-                  <a:txBody>
-                    <a:bodyPr/>
-                    <a:lstStyle/>
-                    <a:p>
-                      <a:pPr algn="l"/>
-                      <a:r>
-                        <a:rPr lang="it-IT" dirty="0"/>
-                        <a:t>7.907,92</a:t>
-                      </a:r>
-                    </a:p>
-                  </a:txBody>
-                  <a:tcPr/>
-                </a:tc>
-                <a:tc>
-                  <a:txBody>
-                    <a:bodyPr/>
-                    <a:lstStyle/>
-                    <a:p>
-                      <a:pPr algn="l"/>
-                      <a:endParaRPr lang="it-IT" dirty="0"/>
-                    </a:p>
-                  </a:txBody>
-                  <a:tcPr/>
-                </a:tc>
-                <a:tc>
-                  <a:txBody>
-                    <a:bodyPr/>
-                    <a:lstStyle/>
-                    <a:p>
-                      <a:pPr algn="l"/>
-                      <a:endParaRPr lang="it-IT" dirty="0"/>
-                    </a:p>
-                  </a:txBody>
-                  <a:tcPr/>
-                </a:tc>
-                <a:tc>
-                  <a:txBody>
-                    <a:bodyPr/>
-                    <a:lstStyle/>
-                    <a:p>
-                      <a:pPr algn="l"/>
-                      <a:endParaRPr lang="it-IT" dirty="0"/>
-                    </a:p>
-                  </a:txBody>
-                  <a:tcPr/>
-                </a:tc>
-                <a:tc>
-                  <a:txBody>
-                    <a:bodyPr/>
-                    <a:lstStyle/>
-                    <a:p>
-                      <a:pPr algn="l"/>
-                      <a:endParaRPr lang="it-IT" dirty="0"/>
-                    </a:p>
-                  </a:txBody>
-                  <a:tcPr/>
-                </a:tc>
-                <a:tc>
-                  <a:txBody>
-                    <a:bodyPr/>
-                    <a:lstStyle/>
-                    <a:p>
-                      <a:pPr algn="l"/>
-                      <a:endParaRPr lang="it-IT" dirty="0"/>
-                    </a:p>
-                  </a:txBody>
-                  <a:tcPr/>
-                </a:tc>
-                <a:tc>
-                  <a:txBody>
-                    <a:bodyPr/>
-                    <a:lstStyle/>
-                    <a:p>
-                      <a:pPr algn="l"/>
-                      <a:r>
-                        <a:rPr lang="it-IT" dirty="0"/>
-                        <a:t>-141.012,55</a:t>
-                      </a:r>
-                    </a:p>
-                  </a:txBody>
-                  <a:tcPr/>
-                </a:tc>
-                <a:tc>
-                  <a:txBody>
-                    <a:bodyPr/>
-                    <a:lstStyle/>
-                    <a:p>
-                      <a:pPr algn="l"/>
-                      <a:r>
-                        <a:rPr lang="it-IT" dirty="0"/>
-                        <a:t>-148.920,36</a:t>
-                      </a:r>
-                    </a:p>
-                  </a:txBody>
-                  <a:tcPr/>
-                </a:tc>
-                <a:extLst>
-                  <a:ext uri="{0D108BD9-81ED-4DB2-BD59-A6C34878D82A}">
-                    <a16:rowId xmlns:a16="http://schemas.microsoft.com/office/drawing/2014/main" val="746106469"/>
-                  </a:ext>
-                </a:extLst>
-              </a:tr>
-            </a:tbl>
-          </a:graphicData>
-        </a:graphic>
-      </p:graphicFrame>
+        </p:nvPicPr>
+        <p:blipFill rotWithShape="1">
+          <a:blip r:embed="rId2"/>
+          <a:srcRect l="3452"/>
+          <a:stretch/>
+        </p:blipFill>
+        <p:spPr>
+          <a:xfrm>
+            <a:off x="0" y="2790257"/>
+            <a:ext cx="12192000" cy="1277486"/>
+          </a:xfrm>
+        </p:spPr>
+      </p:pic>
     </p:spTree>
     <p:extLst>
       <p:ext uri="{BB962C8B-B14F-4D97-AF65-F5344CB8AC3E}">
@@ -21771,7 +21051,7 @@
 </p:sld>
 </file>
 
-<file path=ppt/slides/slide11.xml><?xml version="1.0" encoding="utf-8"?>
+<file path=ppt/slides/slide13.xml><?xml version="1.0" encoding="utf-8"?>
 <p:sld xmlns:a="http://schemas.openxmlformats.org/drawingml/2006/main" xmlns:r="http://schemas.openxmlformats.org/officeDocument/2006/relationships" xmlns:p="http://schemas.openxmlformats.org/presentationml/2006/main">
   <p:cSld>
     <p:spTree>
@@ -21819,688 +21099,34 @@
           </a:p>
         </p:txBody>
       </p:sp>
-      <p:graphicFrame>
-        <p:nvGraphicFramePr>
-          <p:cNvPr id="4" name="Tabella 4">
+      <p:pic>
+        <p:nvPicPr>
+          <p:cNvPr id="11" name="Segnaposto contenuto 10">
             <a:extLst>
               <a:ext uri="{FF2B5EF4-FFF2-40B4-BE49-F238E27FC236}">
-                <a16:creationId xmlns:a16="http://schemas.microsoft.com/office/drawing/2014/main" id="{2EC836B6-D54B-CC4A-BA50-C54248292EFD}"/>
+                <a16:creationId xmlns:a16="http://schemas.microsoft.com/office/drawing/2014/main" id="{2B3482B6-D1CF-8C4E-A914-F32C3D84FA99}"/>
               </a:ext>
             </a:extLst>
           </p:cNvPr>
-          <p:cNvGraphicFramePr>
-            <a:graphicFrameLocks noGrp="1"/>
-          </p:cNvGraphicFramePr>
+          <p:cNvPicPr>
+            <a:picLocks noGrp="1" noChangeAspect="1"/>
+          </p:cNvPicPr>
           <p:nvPr>
             <p:ph idx="1"/>
-            <p:extLst>
-              <p:ext uri="{D42A27DB-BD31-4B8C-83A1-F6EECF244321}">
-                <p14:modId xmlns:p14="http://schemas.microsoft.com/office/powerpoint/2010/main" val="2400304403"/>
-              </p:ext>
-            </p:extLst>
           </p:nvPr>
-        </p:nvGraphicFramePr>
-        <p:xfrm>
-          <a:off x="1023938" y="2286000"/>
-          <a:ext cx="9720261" cy="2225040"/>
-        </p:xfrm>
-        <a:graphic>
-          <a:graphicData uri="http://schemas.openxmlformats.org/drawingml/2006/table">
-            <a:tbl>
-              <a:tblPr firstRow="1" bandRow="1">
-                <a:tableStyleId>{5C22544A-7EE6-4342-B048-85BDC9FD1C3A}</a:tableStyleId>
-              </a:tblPr>
-              <a:tblGrid>
-                <a:gridCol w="1080029">
-                  <a:extLst>
-                    <a:ext uri="{9D8B030D-6E8A-4147-A177-3AD203B41FA5}">
-                      <a16:colId xmlns:a16="http://schemas.microsoft.com/office/drawing/2014/main" val="746950334"/>
-                    </a:ext>
-                  </a:extLst>
-                </a:gridCol>
-                <a:gridCol w="1080029">
-                  <a:extLst>
-                    <a:ext uri="{9D8B030D-6E8A-4147-A177-3AD203B41FA5}">
-                      <a16:colId xmlns:a16="http://schemas.microsoft.com/office/drawing/2014/main" val="567085984"/>
-                    </a:ext>
-                  </a:extLst>
-                </a:gridCol>
-                <a:gridCol w="1080029">
-                  <a:extLst>
-                    <a:ext uri="{9D8B030D-6E8A-4147-A177-3AD203B41FA5}">
-                      <a16:colId xmlns:a16="http://schemas.microsoft.com/office/drawing/2014/main" val="839404847"/>
-                    </a:ext>
-                  </a:extLst>
-                </a:gridCol>
-                <a:gridCol w="1080029">
-                  <a:extLst>
-                    <a:ext uri="{9D8B030D-6E8A-4147-A177-3AD203B41FA5}">
-                      <a16:colId xmlns:a16="http://schemas.microsoft.com/office/drawing/2014/main" val="2837692300"/>
-                    </a:ext>
-                  </a:extLst>
-                </a:gridCol>
-                <a:gridCol w="1080029">
-                  <a:extLst>
-                    <a:ext uri="{9D8B030D-6E8A-4147-A177-3AD203B41FA5}">
-                      <a16:colId xmlns:a16="http://schemas.microsoft.com/office/drawing/2014/main" val="3431554413"/>
-                    </a:ext>
-                  </a:extLst>
-                </a:gridCol>
-                <a:gridCol w="1080029">
-                  <a:extLst>
-                    <a:ext uri="{9D8B030D-6E8A-4147-A177-3AD203B41FA5}">
-                      <a16:colId xmlns:a16="http://schemas.microsoft.com/office/drawing/2014/main" val="1014258123"/>
-                    </a:ext>
-                  </a:extLst>
-                </a:gridCol>
-                <a:gridCol w="1080029">
-                  <a:extLst>
-                    <a:ext uri="{9D8B030D-6E8A-4147-A177-3AD203B41FA5}">
-                      <a16:colId xmlns:a16="http://schemas.microsoft.com/office/drawing/2014/main" val="259102909"/>
-                    </a:ext>
-                  </a:extLst>
-                </a:gridCol>
-                <a:gridCol w="1080029">
-                  <a:extLst>
-                    <a:ext uri="{9D8B030D-6E8A-4147-A177-3AD203B41FA5}">
-                      <a16:colId xmlns:a16="http://schemas.microsoft.com/office/drawing/2014/main" val="927186851"/>
-                    </a:ext>
-                  </a:extLst>
-                </a:gridCol>
-                <a:gridCol w="1080029">
-                  <a:extLst>
-                    <a:ext uri="{9D8B030D-6E8A-4147-A177-3AD203B41FA5}">
-                      <a16:colId xmlns:a16="http://schemas.microsoft.com/office/drawing/2014/main" val="696683354"/>
-                    </a:ext>
-                  </a:extLst>
-                </a:gridCol>
-              </a:tblGrid>
-              <a:tr h="370840">
-                <a:tc>
-                  <a:txBody>
-                    <a:bodyPr/>
-                    <a:lstStyle/>
-                    <a:p>
-                      <a:endParaRPr lang="it-IT"/>
-                    </a:p>
-                  </a:txBody>
-                  <a:tcPr/>
-                </a:tc>
-                <a:tc>
-                  <a:txBody>
-                    <a:bodyPr/>
-                    <a:lstStyle/>
-                    <a:p>
-                      <a:endParaRPr lang="it-IT"/>
-                    </a:p>
-                  </a:txBody>
-                  <a:tcPr/>
-                </a:tc>
-                <a:tc>
-                  <a:txBody>
-                    <a:bodyPr/>
-                    <a:lstStyle/>
-                    <a:p>
-                      <a:endParaRPr lang="it-IT"/>
-                    </a:p>
-                  </a:txBody>
-                  <a:tcPr/>
-                </a:tc>
-                <a:tc>
-                  <a:txBody>
-                    <a:bodyPr/>
-                    <a:lstStyle/>
-                    <a:p>
-                      <a:endParaRPr lang="it-IT"/>
-                    </a:p>
-                  </a:txBody>
-                  <a:tcPr/>
-                </a:tc>
-                <a:tc>
-                  <a:txBody>
-                    <a:bodyPr/>
-                    <a:lstStyle/>
-                    <a:p>
-                      <a:endParaRPr lang="it-IT"/>
-                    </a:p>
-                  </a:txBody>
-                  <a:tcPr/>
-                </a:tc>
-                <a:tc>
-                  <a:txBody>
-                    <a:bodyPr/>
-                    <a:lstStyle/>
-                    <a:p>
-                      <a:endParaRPr lang="it-IT"/>
-                    </a:p>
-                  </a:txBody>
-                  <a:tcPr/>
-                </a:tc>
-                <a:tc>
-                  <a:txBody>
-                    <a:bodyPr/>
-                    <a:lstStyle/>
-                    <a:p>
-                      <a:endParaRPr lang="it-IT"/>
-                    </a:p>
-                  </a:txBody>
-                  <a:tcPr/>
-                </a:tc>
-                <a:tc>
-                  <a:txBody>
-                    <a:bodyPr/>
-                    <a:lstStyle/>
-                    <a:p>
-                      <a:endParaRPr lang="it-IT"/>
-                    </a:p>
-                  </a:txBody>
-                  <a:tcPr/>
-                </a:tc>
-                <a:tc>
-                  <a:txBody>
-                    <a:bodyPr/>
-                    <a:lstStyle/>
-                    <a:p>
-                      <a:endParaRPr lang="it-IT"/>
-                    </a:p>
-                  </a:txBody>
-                  <a:tcPr/>
-                </a:tc>
-                <a:extLst>
-                  <a:ext uri="{0D108BD9-81ED-4DB2-BD59-A6C34878D82A}">
-                    <a16:rowId xmlns:a16="http://schemas.microsoft.com/office/drawing/2014/main" val="2875158435"/>
-                  </a:ext>
-                </a:extLst>
-              </a:tr>
-              <a:tr h="370840">
-                <a:tc>
-                  <a:txBody>
-                    <a:bodyPr/>
-                    <a:lstStyle/>
-                    <a:p>
-                      <a:endParaRPr lang="it-IT"/>
-                    </a:p>
-                  </a:txBody>
-                  <a:tcPr/>
-                </a:tc>
-                <a:tc>
-                  <a:txBody>
-                    <a:bodyPr/>
-                    <a:lstStyle/>
-                    <a:p>
-                      <a:endParaRPr lang="it-IT"/>
-                    </a:p>
-                  </a:txBody>
-                  <a:tcPr/>
-                </a:tc>
-                <a:tc>
-                  <a:txBody>
-                    <a:bodyPr/>
-                    <a:lstStyle/>
-                    <a:p>
-                      <a:endParaRPr lang="it-IT"/>
-                    </a:p>
-                  </a:txBody>
-                  <a:tcPr/>
-                </a:tc>
-                <a:tc>
-                  <a:txBody>
-                    <a:bodyPr/>
-                    <a:lstStyle/>
-                    <a:p>
-                      <a:endParaRPr lang="it-IT"/>
-                    </a:p>
-                  </a:txBody>
-                  <a:tcPr/>
-                </a:tc>
-                <a:tc>
-                  <a:txBody>
-                    <a:bodyPr/>
-                    <a:lstStyle/>
-                    <a:p>
-                      <a:endParaRPr lang="it-IT"/>
-                    </a:p>
-                  </a:txBody>
-                  <a:tcPr/>
-                </a:tc>
-                <a:tc>
-                  <a:txBody>
-                    <a:bodyPr/>
-                    <a:lstStyle/>
-                    <a:p>
-                      <a:endParaRPr lang="it-IT"/>
-                    </a:p>
-                  </a:txBody>
-                  <a:tcPr/>
-                </a:tc>
-                <a:tc>
-                  <a:txBody>
-                    <a:bodyPr/>
-                    <a:lstStyle/>
-                    <a:p>
-                      <a:endParaRPr lang="it-IT"/>
-                    </a:p>
-                  </a:txBody>
-                  <a:tcPr/>
-                </a:tc>
-                <a:tc>
-                  <a:txBody>
-                    <a:bodyPr/>
-                    <a:lstStyle/>
-                    <a:p>
-                      <a:endParaRPr lang="it-IT"/>
-                    </a:p>
-                  </a:txBody>
-                  <a:tcPr/>
-                </a:tc>
-                <a:tc>
-                  <a:txBody>
-                    <a:bodyPr/>
-                    <a:lstStyle/>
-                    <a:p>
-                      <a:endParaRPr lang="it-IT"/>
-                    </a:p>
-                  </a:txBody>
-                  <a:tcPr/>
-                </a:tc>
-                <a:extLst>
-                  <a:ext uri="{0D108BD9-81ED-4DB2-BD59-A6C34878D82A}">
-                    <a16:rowId xmlns:a16="http://schemas.microsoft.com/office/drawing/2014/main" val="3603339339"/>
-                  </a:ext>
-                </a:extLst>
-              </a:tr>
-              <a:tr h="370840">
-                <a:tc>
-                  <a:txBody>
-                    <a:bodyPr/>
-                    <a:lstStyle/>
-                    <a:p>
-                      <a:endParaRPr lang="it-IT"/>
-                    </a:p>
-                  </a:txBody>
-                  <a:tcPr/>
-                </a:tc>
-                <a:tc>
-                  <a:txBody>
-                    <a:bodyPr/>
-                    <a:lstStyle/>
-                    <a:p>
-                      <a:endParaRPr lang="it-IT"/>
-                    </a:p>
-                  </a:txBody>
-                  <a:tcPr/>
-                </a:tc>
-                <a:tc>
-                  <a:txBody>
-                    <a:bodyPr/>
-                    <a:lstStyle/>
-                    <a:p>
-                      <a:endParaRPr lang="it-IT"/>
-                    </a:p>
-                  </a:txBody>
-                  <a:tcPr/>
-                </a:tc>
-                <a:tc>
-                  <a:txBody>
-                    <a:bodyPr/>
-                    <a:lstStyle/>
-                    <a:p>
-                      <a:endParaRPr lang="it-IT"/>
-                    </a:p>
-                  </a:txBody>
-                  <a:tcPr/>
-                </a:tc>
-                <a:tc>
-                  <a:txBody>
-                    <a:bodyPr/>
-                    <a:lstStyle/>
-                    <a:p>
-                      <a:endParaRPr lang="it-IT"/>
-                    </a:p>
-                  </a:txBody>
-                  <a:tcPr/>
-                </a:tc>
-                <a:tc>
-                  <a:txBody>
-                    <a:bodyPr/>
-                    <a:lstStyle/>
-                    <a:p>
-                      <a:endParaRPr lang="it-IT"/>
-                    </a:p>
-                  </a:txBody>
-                  <a:tcPr/>
-                </a:tc>
-                <a:tc>
-                  <a:txBody>
-                    <a:bodyPr/>
-                    <a:lstStyle/>
-                    <a:p>
-                      <a:endParaRPr lang="it-IT"/>
-                    </a:p>
-                  </a:txBody>
-                  <a:tcPr/>
-                </a:tc>
-                <a:tc>
-                  <a:txBody>
-                    <a:bodyPr/>
-                    <a:lstStyle/>
-                    <a:p>
-                      <a:endParaRPr lang="it-IT"/>
-                    </a:p>
-                  </a:txBody>
-                  <a:tcPr/>
-                </a:tc>
-                <a:tc>
-                  <a:txBody>
-                    <a:bodyPr/>
-                    <a:lstStyle/>
-                    <a:p>
-                      <a:endParaRPr lang="it-IT"/>
-                    </a:p>
-                  </a:txBody>
-                  <a:tcPr/>
-                </a:tc>
-                <a:extLst>
-                  <a:ext uri="{0D108BD9-81ED-4DB2-BD59-A6C34878D82A}">
-                    <a16:rowId xmlns:a16="http://schemas.microsoft.com/office/drawing/2014/main" val="129772250"/>
-                  </a:ext>
-                </a:extLst>
-              </a:tr>
-              <a:tr h="370840">
-                <a:tc>
-                  <a:txBody>
-                    <a:bodyPr/>
-                    <a:lstStyle/>
-                    <a:p>
-                      <a:endParaRPr lang="it-IT"/>
-                    </a:p>
-                  </a:txBody>
-                  <a:tcPr/>
-                </a:tc>
-                <a:tc>
-                  <a:txBody>
-                    <a:bodyPr/>
-                    <a:lstStyle/>
-                    <a:p>
-                      <a:endParaRPr lang="it-IT"/>
-                    </a:p>
-                  </a:txBody>
-                  <a:tcPr/>
-                </a:tc>
-                <a:tc>
-                  <a:txBody>
-                    <a:bodyPr/>
-                    <a:lstStyle/>
-                    <a:p>
-                      <a:endParaRPr lang="it-IT"/>
-                    </a:p>
-                  </a:txBody>
-                  <a:tcPr/>
-                </a:tc>
-                <a:tc>
-                  <a:txBody>
-                    <a:bodyPr/>
-                    <a:lstStyle/>
-                    <a:p>
-                      <a:endParaRPr lang="it-IT"/>
-                    </a:p>
-                  </a:txBody>
-                  <a:tcPr/>
-                </a:tc>
-                <a:tc>
-                  <a:txBody>
-                    <a:bodyPr/>
-                    <a:lstStyle/>
-                    <a:p>
-                      <a:endParaRPr lang="it-IT"/>
-                    </a:p>
-                  </a:txBody>
-                  <a:tcPr/>
-                </a:tc>
-                <a:tc>
-                  <a:txBody>
-                    <a:bodyPr/>
-                    <a:lstStyle/>
-                    <a:p>
-                      <a:endParaRPr lang="it-IT"/>
-                    </a:p>
-                  </a:txBody>
-                  <a:tcPr/>
-                </a:tc>
-                <a:tc>
-                  <a:txBody>
-                    <a:bodyPr/>
-                    <a:lstStyle/>
-                    <a:p>
-                      <a:endParaRPr lang="it-IT"/>
-                    </a:p>
-                  </a:txBody>
-                  <a:tcPr/>
-                </a:tc>
-                <a:tc>
-                  <a:txBody>
-                    <a:bodyPr/>
-                    <a:lstStyle/>
-                    <a:p>
-                      <a:endParaRPr lang="it-IT"/>
-                    </a:p>
-                  </a:txBody>
-                  <a:tcPr/>
-                </a:tc>
-                <a:tc>
-                  <a:txBody>
-                    <a:bodyPr/>
-                    <a:lstStyle/>
-                    <a:p>
-                      <a:endParaRPr lang="it-IT"/>
-                    </a:p>
-                  </a:txBody>
-                  <a:tcPr/>
-                </a:tc>
-                <a:extLst>
-                  <a:ext uri="{0D108BD9-81ED-4DB2-BD59-A6C34878D82A}">
-                    <a16:rowId xmlns:a16="http://schemas.microsoft.com/office/drawing/2014/main" val="1413516767"/>
-                  </a:ext>
-                </a:extLst>
-              </a:tr>
-              <a:tr h="370840">
-                <a:tc>
-                  <a:txBody>
-                    <a:bodyPr/>
-                    <a:lstStyle/>
-                    <a:p>
-                      <a:endParaRPr lang="it-IT"/>
-                    </a:p>
-                  </a:txBody>
-                  <a:tcPr/>
-                </a:tc>
-                <a:tc>
-                  <a:txBody>
-                    <a:bodyPr/>
-                    <a:lstStyle/>
-                    <a:p>
-                      <a:endParaRPr lang="it-IT"/>
-                    </a:p>
-                  </a:txBody>
-                  <a:tcPr/>
-                </a:tc>
-                <a:tc>
-                  <a:txBody>
-                    <a:bodyPr/>
-                    <a:lstStyle/>
-                    <a:p>
-                      <a:endParaRPr lang="it-IT"/>
-                    </a:p>
-                  </a:txBody>
-                  <a:tcPr/>
-                </a:tc>
-                <a:tc>
-                  <a:txBody>
-                    <a:bodyPr/>
-                    <a:lstStyle/>
-                    <a:p>
-                      <a:endParaRPr lang="it-IT"/>
-                    </a:p>
-                  </a:txBody>
-                  <a:tcPr/>
-                </a:tc>
-                <a:tc>
-                  <a:txBody>
-                    <a:bodyPr/>
-                    <a:lstStyle/>
-                    <a:p>
-                      <a:endParaRPr lang="it-IT"/>
-                    </a:p>
-                  </a:txBody>
-                  <a:tcPr/>
-                </a:tc>
-                <a:tc>
-                  <a:txBody>
-                    <a:bodyPr/>
-                    <a:lstStyle/>
-                    <a:p>
-                      <a:endParaRPr lang="it-IT"/>
-                    </a:p>
-                  </a:txBody>
-                  <a:tcPr/>
-                </a:tc>
-                <a:tc>
-                  <a:txBody>
-                    <a:bodyPr/>
-                    <a:lstStyle/>
-                    <a:p>
-                      <a:endParaRPr lang="it-IT"/>
-                    </a:p>
-                  </a:txBody>
-                  <a:tcPr/>
-                </a:tc>
-                <a:tc>
-                  <a:txBody>
-                    <a:bodyPr/>
-                    <a:lstStyle/>
-                    <a:p>
-                      <a:endParaRPr lang="it-IT"/>
-                    </a:p>
-                  </a:txBody>
-                  <a:tcPr/>
-                </a:tc>
-                <a:tc>
-                  <a:txBody>
-                    <a:bodyPr/>
-                    <a:lstStyle/>
-                    <a:p>
-                      <a:endParaRPr lang="it-IT"/>
-                    </a:p>
-                  </a:txBody>
-                  <a:tcPr/>
-                </a:tc>
-                <a:extLst>
-                  <a:ext uri="{0D108BD9-81ED-4DB2-BD59-A6C34878D82A}">
-                    <a16:rowId xmlns:a16="http://schemas.microsoft.com/office/drawing/2014/main" val="797295780"/>
-                  </a:ext>
-                </a:extLst>
-              </a:tr>
-              <a:tr h="370840">
-                <a:tc>
-                  <a:txBody>
-                    <a:bodyPr/>
-                    <a:lstStyle/>
-                    <a:p>
-                      <a:endParaRPr lang="it-IT"/>
-                    </a:p>
-                  </a:txBody>
-                  <a:tcPr/>
-                </a:tc>
-                <a:tc>
-                  <a:txBody>
-                    <a:bodyPr/>
-                    <a:lstStyle/>
-                    <a:p>
-                      <a:endParaRPr lang="it-IT"/>
-                    </a:p>
-                  </a:txBody>
-                  <a:tcPr/>
-                </a:tc>
-                <a:tc>
-                  <a:txBody>
-                    <a:bodyPr/>
-                    <a:lstStyle/>
-                    <a:p>
-                      <a:endParaRPr lang="it-IT"/>
-                    </a:p>
-                  </a:txBody>
-                  <a:tcPr/>
-                </a:tc>
-                <a:tc>
-                  <a:txBody>
-                    <a:bodyPr/>
-                    <a:lstStyle/>
-                    <a:p>
-                      <a:endParaRPr lang="it-IT"/>
-                    </a:p>
-                  </a:txBody>
-                  <a:tcPr/>
-                </a:tc>
-                <a:tc>
-                  <a:txBody>
-                    <a:bodyPr/>
-                    <a:lstStyle/>
-                    <a:p>
-                      <a:endParaRPr lang="it-IT"/>
-                    </a:p>
-                  </a:txBody>
-                  <a:tcPr/>
-                </a:tc>
-                <a:tc>
-                  <a:txBody>
-                    <a:bodyPr/>
-                    <a:lstStyle/>
-                    <a:p>
-                      <a:endParaRPr lang="it-IT"/>
-                    </a:p>
-                  </a:txBody>
-                  <a:tcPr/>
-                </a:tc>
-                <a:tc>
-                  <a:txBody>
-                    <a:bodyPr/>
-                    <a:lstStyle/>
-                    <a:p>
-                      <a:endParaRPr lang="it-IT"/>
-                    </a:p>
-                  </a:txBody>
-                  <a:tcPr/>
-                </a:tc>
-                <a:tc>
-                  <a:txBody>
-                    <a:bodyPr/>
-                    <a:lstStyle/>
-                    <a:p>
-                      <a:endParaRPr lang="it-IT"/>
-                    </a:p>
-                  </a:txBody>
-                  <a:tcPr/>
-                </a:tc>
-                <a:tc>
-                  <a:txBody>
-                    <a:bodyPr/>
-                    <a:lstStyle/>
-                    <a:p>
-                      <a:endParaRPr lang="it-IT" dirty="0"/>
-                    </a:p>
-                  </a:txBody>
-                  <a:tcPr/>
-                </a:tc>
-                <a:extLst>
-                  <a:ext uri="{0D108BD9-81ED-4DB2-BD59-A6C34878D82A}">
-                    <a16:rowId xmlns:a16="http://schemas.microsoft.com/office/drawing/2014/main" val="3218316197"/>
-                  </a:ext>
-                </a:extLst>
-              </a:tr>
-            </a:tbl>
-          </a:graphicData>
-        </a:graphic>
-      </p:graphicFrame>
+        </p:nvPicPr>
+        <p:blipFill rotWithShape="1">
+          <a:blip r:embed="rId2"/>
+          <a:srcRect l="2636" r="1410"/>
+          <a:stretch/>
+        </p:blipFill>
+        <p:spPr>
+          <a:xfrm>
+            <a:off x="609600" y="2798042"/>
+            <a:ext cx="11231042" cy="1261916"/>
+          </a:xfrm>
+        </p:spPr>
+      </p:pic>
     </p:spTree>
     <p:extLst>
       <p:ext uri="{BB962C8B-B14F-4D97-AF65-F5344CB8AC3E}">
@@ -22514,7 +21140,7 @@
 </p:sld>
 </file>
 
-<file path=ppt/slides/slide12.xml><?xml version="1.0" encoding="utf-8"?>
+<file path=ppt/slides/slide14.xml><?xml version="1.0" encoding="utf-8"?>
 <p:sld xmlns:a="http://schemas.openxmlformats.org/drawingml/2006/main" xmlns:r="http://schemas.openxmlformats.org/officeDocument/2006/relationships" xmlns:p="http://schemas.openxmlformats.org/presentationml/2006/main">
   <p:cSld>
     <p:spTree>
@@ -22582,12 +21208,17 @@
           <a:p>
             <a:r>
               <a:rPr lang="it-IT" dirty="0"/>
-              <a:t>- </a:t>
+              <a:t>-</a:t>
             </a:r>
             <a:r>
               <a:rPr lang="it-IT" b="1" dirty="0"/>
-              <a:t>Scostamento di volume:</a:t>
+              <a:t>Scostamento di volume: </a:t>
             </a:r>
+            <a:r>
+              <a:rPr lang="it-IT" dirty="0"/>
+              <a:t>è dovuto dalla variazione del volume</a:t>
+            </a:r>
+            <a:endParaRPr lang="it-IT" b="1" dirty="0"/>
           </a:p>
           <a:p>
             <a:r>
@@ -22596,7 +21227,7 @@
             </a:r>
             <a:r>
               <a:rPr lang="it-IT" b="1" dirty="0"/>
-              <a:t>Scostamento di impiego/MIX:</a:t>
+              <a:t>Scostamento di impiego/MIX: </a:t>
             </a:r>
           </a:p>
           <a:p>
@@ -22616,8 +21247,13 @@
             </a:r>
             <a:r>
               <a:rPr lang="it-IT" b="1" dirty="0"/>
-              <a:t>Scostamento di valuta:</a:t>
+              <a:t>Scostamento di valuta: </a:t>
             </a:r>
+            <a:r>
+              <a:rPr lang="it-IT" dirty="0"/>
+              <a:t>non dipende dai costi ma solo dai ricavi</a:t>
+            </a:r>
+            <a:endParaRPr lang="it-IT" b="1" dirty="0"/>
           </a:p>
           <a:p>
             <a:r>
@@ -22625,10 +21261,9 @@
               <a:t>-</a:t>
             </a:r>
             <a:r>
-              <a:rPr lang="it-IT" b="1"/>
+              <a:rPr lang="it-IT" b="1" dirty="0"/>
               <a:t>Scostamento totale:</a:t>
             </a:r>
-            <a:endParaRPr lang="it-IT" b="1" dirty="0"/>
           </a:p>
           <a:p>
             <a:endParaRPr lang="it-IT" b="1" dirty="0"/>
@@ -24110,36 +22745,40 @@
           <a:p>
             <a:r>
               <a:rPr lang="it-IT" dirty="0"/>
-              <a:t>Formule degli scostamenti</a:t>
+              <a:t>Formule per calcolare gli scostamenti</a:t>
             </a:r>
           </a:p>
         </p:txBody>
       </p:sp>
-      <p:sp>
-        <p:nvSpPr>
-          <p:cNvPr id="3" name="Segnaposto contenuto 2">
+      <p:pic>
+        <p:nvPicPr>
+          <p:cNvPr id="5" name="Segnaposto contenuto 4" descr="Immagine che contiene testo&#10;&#10;Descrizione generata automaticamente">
             <a:extLst>
               <a:ext uri="{FF2B5EF4-FFF2-40B4-BE49-F238E27FC236}">
-                <a16:creationId xmlns:a16="http://schemas.microsoft.com/office/drawing/2014/main" id="{D4B2C745-E8D5-B046-BDD7-31923A3FE413}"/>
+                <a16:creationId xmlns:a16="http://schemas.microsoft.com/office/drawing/2014/main" id="{F45D5F03-6634-1645-B934-D79DBC5586A1}"/>
               </a:ext>
             </a:extLst>
           </p:cNvPr>
-          <p:cNvSpPr>
-            <a:spLocks noGrp="1"/>
-          </p:cNvSpPr>
+          <p:cNvPicPr>
+            <a:picLocks noGrp="1" noChangeAspect="1"/>
+          </p:cNvPicPr>
           <p:nvPr>
             <p:ph idx="1"/>
           </p:nvPr>
-        </p:nvSpPr>
-        <p:spPr/>
-        <p:txBody>
-          <a:bodyPr/>
-          <a:lstStyle/>
-          <a:p>
-            <a:endParaRPr lang="it-IT"/>
-          </a:p>
-        </p:txBody>
-      </p:sp>
+        </p:nvPicPr>
+        <p:blipFill>
+          <a:blip r:embed="rId2"/>
+          <a:stretch>
+            <a:fillRect/>
+          </a:stretch>
+        </p:blipFill>
+        <p:spPr>
+          <a:xfrm>
+            <a:off x="1997964" y="2206973"/>
+            <a:ext cx="7772400" cy="3467100"/>
+          </a:xfrm>
+        </p:spPr>
+      </p:pic>
     </p:spTree>
     <p:extLst>
       <p:ext uri="{BB962C8B-B14F-4D97-AF65-F5344CB8AC3E}">

--- a/Document/PresentazioneProgetto.pptx
+++ b/Document/PresentazioneProgetto.pptx
@@ -19,6 +19,7 @@
     <p:sldId id="262" r:id="rId13"/>
     <p:sldId id="270" r:id="rId14"/>
     <p:sldId id="263" r:id="rId15"/>
+    <p:sldId id="275" r:id="rId16"/>
   </p:sldIdLst>
   <p:sldSz cx="12192000" cy="6858000"/>
   <p:notesSz cx="6858000" cy="9144000"/>
@@ -21286,6 +21287,184 @@
 </p:sld>
 </file>
 
+<file path=ppt/slides/slide15.xml><?xml version="1.0" encoding="utf-8"?>
+<p:sld xmlns:a="http://schemas.openxmlformats.org/drawingml/2006/main" xmlns:r="http://schemas.openxmlformats.org/officeDocument/2006/relationships" xmlns:p="http://schemas.openxmlformats.org/presentationml/2006/main">
+  <p:cSld>
+    <p:spTree>
+      <p:nvGrpSpPr>
+        <p:cNvPr id="1" name=""/>
+        <p:cNvGrpSpPr/>
+        <p:nvPr/>
+      </p:nvGrpSpPr>
+      <p:grpSpPr>
+        <a:xfrm>
+          <a:off x="0" y="0"/>
+          <a:ext cx="0" cy="0"/>
+          <a:chOff x="0" y="0"/>
+          <a:chExt cx="0" cy="0"/>
+        </a:xfrm>
+      </p:grpSpPr>
+      <p:sp>
+        <p:nvSpPr>
+          <p:cNvPr id="2" name="Titolo 1">
+            <a:extLst>
+              <a:ext uri="{FF2B5EF4-FFF2-40B4-BE49-F238E27FC236}">
+                <a16:creationId xmlns:a16="http://schemas.microsoft.com/office/drawing/2014/main" id="{AAA1F4F9-61F0-6647-8634-53C687E82ACF}"/>
+              </a:ext>
+            </a:extLst>
+          </p:cNvPr>
+          <p:cNvSpPr>
+            <a:spLocks noGrp="1"/>
+          </p:cNvSpPr>
+          <p:nvPr>
+            <p:ph type="title"/>
+          </p:nvPr>
+        </p:nvSpPr>
+        <p:spPr/>
+        <p:txBody>
+          <a:bodyPr/>
+          <a:lstStyle/>
+          <a:p>
+            <a:r>
+              <a:rPr lang="it-IT" dirty="0"/>
+              <a:t>Principali responsabili degli scostamenti</a:t>
+            </a:r>
+          </a:p>
+        </p:txBody>
+      </p:sp>
+      <p:sp>
+        <p:nvSpPr>
+          <p:cNvPr id="3" name="Segnaposto contenuto 2">
+            <a:extLst>
+              <a:ext uri="{FF2B5EF4-FFF2-40B4-BE49-F238E27FC236}">
+                <a16:creationId xmlns:a16="http://schemas.microsoft.com/office/drawing/2014/main" id="{CEEB6942-F7BB-6B4C-B9BF-26A93F2663E2}"/>
+              </a:ext>
+            </a:extLst>
+          </p:cNvPr>
+          <p:cNvSpPr>
+            <a:spLocks noGrp="1"/>
+          </p:cNvSpPr>
+          <p:nvPr>
+            <p:ph idx="1"/>
+          </p:nvPr>
+        </p:nvSpPr>
+        <p:spPr/>
+        <p:txBody>
+          <a:bodyPr/>
+          <a:lstStyle/>
+          <a:p>
+            <a:r>
+              <a:rPr lang="it-IT" dirty="0"/>
+              <a:t>E’ stato fatto uno script in </a:t>
+            </a:r>
+            <a:r>
+              <a:rPr lang="it-IT" dirty="0" err="1"/>
+              <a:t>python</a:t>
+            </a:r>
+            <a:r>
+              <a:rPr lang="it-IT" dirty="0"/>
+              <a:t> che calcola per ogni articolo tutti gli scostamenti possibili e prende il massimo valore di ogni scostamento e ne salva il numero di articolo. I risultati sono i seguenti: </a:t>
+            </a:r>
+          </a:p>
+          <a:p>
+            <a:endParaRPr lang="it-IT" dirty="0"/>
+          </a:p>
+          <a:p>
+            <a:endParaRPr lang="it-IT" dirty="0"/>
+          </a:p>
+          <a:p>
+            <a:endParaRPr lang="it-IT" dirty="0"/>
+          </a:p>
+          <a:p>
+            <a:r>
+              <a:rPr lang="it-IT" dirty="0"/>
+              <a:t>-Lo scostamento di volume massimo è responsabile di circa il 20% dello scostamento di volume</a:t>
+            </a:r>
+          </a:p>
+          <a:p>
+            <a:r>
+              <a:rPr lang="it-IT"/>
+              <a:t>SCRIVERE IL RESTO DELLE PERCENTUALI</a:t>
+            </a:r>
+            <a:endParaRPr lang="it-IT" dirty="0"/>
+          </a:p>
+        </p:txBody>
+      </p:sp>
+      <p:pic>
+        <p:nvPicPr>
+          <p:cNvPr id="5" name="Immagine 4">
+            <a:extLst>
+              <a:ext uri="{FF2B5EF4-FFF2-40B4-BE49-F238E27FC236}">
+                <a16:creationId xmlns:a16="http://schemas.microsoft.com/office/drawing/2014/main" id="{2ED36B86-1D53-AA43-89EF-C2702F8FCCDA}"/>
+              </a:ext>
+            </a:extLst>
+          </p:cNvPr>
+          <p:cNvPicPr>
+            <a:picLocks noChangeAspect="1"/>
+          </p:cNvPicPr>
+          <p:nvPr/>
+        </p:nvPicPr>
+        <p:blipFill>
+          <a:blip r:embed="rId2"/>
+          <a:stretch>
+            <a:fillRect/>
+          </a:stretch>
+        </p:blipFill>
+        <p:spPr>
+          <a:xfrm>
+            <a:off x="1024128" y="3331464"/>
+            <a:ext cx="6781800" cy="1092200"/>
+          </a:xfrm>
+          <a:prstGeom prst="rect">
+            <a:avLst/>
+          </a:prstGeom>
+        </p:spPr>
+      </p:pic>
+      <p:sp>
+        <p:nvSpPr>
+          <p:cNvPr id="6" name="CasellaDiTesto 5">
+            <a:extLst>
+              <a:ext uri="{FF2B5EF4-FFF2-40B4-BE49-F238E27FC236}">
+                <a16:creationId xmlns:a16="http://schemas.microsoft.com/office/drawing/2014/main" id="{5202F135-2161-AF4B-94F1-7CFC0D6460E1}"/>
+              </a:ext>
+            </a:extLst>
+          </p:cNvPr>
+          <p:cNvSpPr txBox="1"/>
+          <p:nvPr/>
+        </p:nvSpPr>
+        <p:spPr>
+          <a:xfrm>
+            <a:off x="8497824" y="4572000"/>
+            <a:ext cx="184731" cy="369332"/>
+          </a:xfrm>
+          <a:prstGeom prst="rect">
+            <a:avLst/>
+          </a:prstGeom>
+          <a:noFill/>
+        </p:spPr>
+        <p:txBody>
+          <a:bodyPr wrap="none" rtlCol="0">
+            <a:spAutoFit/>
+          </a:bodyPr>
+          <a:lstStyle/>
+          <a:p>
+            <a:endParaRPr lang="it-IT" dirty="0"/>
+          </a:p>
+        </p:txBody>
+      </p:sp>
+    </p:spTree>
+    <p:extLst>
+      <p:ext uri="{BB962C8B-B14F-4D97-AF65-F5344CB8AC3E}">
+        <p14:creationId xmlns:p14="http://schemas.microsoft.com/office/powerpoint/2010/main" val="146873254"/>
+      </p:ext>
+    </p:extLst>
+  </p:cSld>
+  <p:clrMapOvr>
+    <a:masterClrMapping/>
+  </p:clrMapOvr>
+</p:sld>
+</file>
+
 <file path=ppt/slides/slide2.xml><?xml version="1.0" encoding="utf-8"?>
 <p:sld xmlns:a="http://schemas.openxmlformats.org/drawingml/2006/main" xmlns:r="http://schemas.openxmlformats.org/officeDocument/2006/relationships" xmlns:p="http://schemas.openxmlformats.org/presentationml/2006/main">
   <p:cSld>

--- a/Document/PresentazioneProgetto.pptx
+++ b/Document/PresentazioneProgetto.pptx
@@ -18,8 +18,9 @@
     <p:sldId id="273" r:id="rId12"/>
     <p:sldId id="262" r:id="rId13"/>
     <p:sldId id="270" r:id="rId14"/>
-    <p:sldId id="263" r:id="rId15"/>
-    <p:sldId id="275" r:id="rId16"/>
+    <p:sldId id="276" r:id="rId15"/>
+    <p:sldId id="263" r:id="rId16"/>
+    <p:sldId id="275" r:id="rId17"/>
   </p:sldIdLst>
   <p:sldSz cx="12192000" cy="6858000"/>
   <p:notesSz cx="6858000" cy="9144000"/>
@@ -8919,7 +8920,7 @@
           <a:p>
             <a:fld id="{E73BCDAA-43D9-6A49-A153-143FD6FEACF2}" type="datetimeFigureOut">
               <a:rPr lang="it-IT" smtClean="0"/>
-              <a:t>02/01/22</a:t>
+              <a:t>03/01/22</a:t>
             </a:fld>
             <a:endParaRPr lang="it-IT"/>
           </a:p>
@@ -9126,7 +9127,7 @@
           <a:p>
             <a:fld id="{E73BCDAA-43D9-6A49-A153-143FD6FEACF2}" type="datetimeFigureOut">
               <a:rPr lang="it-IT" smtClean="0"/>
-              <a:t>02/01/22</a:t>
+              <a:t>03/01/22</a:t>
             </a:fld>
             <a:endParaRPr lang="it-IT"/>
           </a:p>
@@ -9306,7 +9307,7 @@
           <a:p>
             <a:fld id="{E73BCDAA-43D9-6A49-A153-143FD6FEACF2}" type="datetimeFigureOut">
               <a:rPr lang="it-IT" smtClean="0"/>
-              <a:t>02/01/22</a:t>
+              <a:t>03/01/22</a:t>
             </a:fld>
             <a:endParaRPr lang="it-IT"/>
           </a:p>
@@ -9511,7 +9512,7 @@
           <a:p>
             <a:fld id="{E73BCDAA-43D9-6A49-A153-143FD6FEACF2}" type="datetimeFigureOut">
               <a:rPr lang="it-IT" smtClean="0"/>
-              <a:t>02/01/22</a:t>
+              <a:t>03/01/22</a:t>
             </a:fld>
             <a:endParaRPr lang="it-IT"/>
           </a:p>
@@ -18409,7 +18410,7 @@
           <a:p>
             <a:fld id="{E73BCDAA-43D9-6A49-A153-143FD6FEACF2}" type="datetimeFigureOut">
               <a:rPr lang="it-IT" smtClean="0"/>
-              <a:t>02/01/22</a:t>
+              <a:t>03/01/22</a:t>
             </a:fld>
             <a:endParaRPr lang="it-IT"/>
           </a:p>
@@ -18683,7 +18684,7 @@
           <a:p>
             <a:fld id="{E73BCDAA-43D9-6A49-A153-143FD6FEACF2}" type="datetimeFigureOut">
               <a:rPr lang="it-IT" smtClean="0"/>
-              <a:t>02/01/22</a:t>
+              <a:t>03/01/22</a:t>
             </a:fld>
             <a:endParaRPr lang="it-IT"/>
           </a:p>
@@ -19086,7 +19087,7 @@
           <a:p>
             <a:fld id="{E73BCDAA-43D9-6A49-A153-143FD6FEACF2}" type="datetimeFigureOut">
               <a:rPr lang="it-IT" smtClean="0"/>
-              <a:t>02/01/22</a:t>
+              <a:t>03/01/22</a:t>
             </a:fld>
             <a:endParaRPr lang="it-IT"/>
           </a:p>
@@ -19209,7 +19210,7 @@
           <a:p>
             <a:fld id="{E73BCDAA-43D9-6A49-A153-143FD6FEACF2}" type="datetimeFigureOut">
               <a:rPr lang="it-IT" smtClean="0"/>
-              <a:t>02/01/22</a:t>
+              <a:t>03/01/22</a:t>
             </a:fld>
             <a:endParaRPr lang="it-IT"/>
           </a:p>
@@ -19304,7 +19305,7 @@
           <a:p>
             <a:fld id="{E73BCDAA-43D9-6A49-A153-143FD6FEACF2}" type="datetimeFigureOut">
               <a:rPr lang="it-IT" smtClean="0"/>
-              <a:t>02/01/22</a:t>
+              <a:t>03/01/22</a:t>
             </a:fld>
             <a:endParaRPr lang="it-IT"/>
           </a:p>
@@ -19594,7 +19595,7 @@
           <a:p>
             <a:fld id="{E73BCDAA-43D9-6A49-A153-143FD6FEACF2}" type="datetimeFigureOut">
               <a:rPr lang="it-IT" smtClean="0"/>
-              <a:t>02/01/22</a:t>
+              <a:t>03/01/22</a:t>
             </a:fld>
             <a:endParaRPr lang="it-IT"/>
           </a:p>
@@ -19879,7 +19880,7 @@
           <a:p>
             <a:fld id="{E73BCDAA-43D9-6A49-A153-143FD6FEACF2}" type="datetimeFigureOut">
               <a:rPr lang="it-IT" smtClean="0"/>
-              <a:t>02/01/22</a:t>
+              <a:t>03/01/22</a:t>
             </a:fld>
             <a:endParaRPr lang="it-IT"/>
           </a:p>
@@ -20129,7 +20130,7 @@
           <a:p>
             <a:fld id="{E73BCDAA-43D9-6A49-A153-143FD6FEACF2}" type="datetimeFigureOut">
               <a:rPr lang="it-IT" smtClean="0"/>
-              <a:t>02/01/22</a:t>
+              <a:t>03/01/22</a:t>
             </a:fld>
             <a:endParaRPr lang="it-IT"/>
           </a:p>
@@ -20941,7 +20942,7 @@
         </p:blipFill>
         <p:spPr>
           <a:xfrm>
-            <a:off x="2154788" y="1779190"/>
+            <a:off x="2154788" y="1678829"/>
             <a:ext cx="7882424" cy="3299619"/>
           </a:xfrm>
         </p:spPr>
@@ -20994,7 +20995,7 @@
         </p:nvSpPr>
         <p:spPr>
           <a:xfrm>
-            <a:off x="95714" y="418230"/>
+            <a:off x="720182" y="529742"/>
             <a:ext cx="12627901" cy="1499616"/>
           </a:xfrm>
         </p:spPr>
@@ -21005,7 +21006,7 @@
           <a:lstStyle/>
           <a:p>
             <a:r>
-              <a:rPr lang="it-IT" sz="4000" dirty="0"/>
+              <a:rPr lang="it-IT" sz="3500" dirty="0"/>
               <a:t>Esecuzione degli scostamenti con prodotti intermedi considerati</a:t>
             </a:r>
           </a:p>
@@ -21163,6 +21164,89 @@
           <p:cNvPr id="2" name="Titolo 1">
             <a:extLst>
               <a:ext uri="{FF2B5EF4-FFF2-40B4-BE49-F238E27FC236}">
+                <a16:creationId xmlns:a16="http://schemas.microsoft.com/office/drawing/2014/main" id="{A24C95E1-D957-1B4A-9F27-CB1E9B8B5979}"/>
+              </a:ext>
+            </a:extLst>
+          </p:cNvPr>
+          <p:cNvSpPr>
+            <a:spLocks noGrp="1"/>
+          </p:cNvSpPr>
+          <p:nvPr>
+            <p:ph type="title"/>
+          </p:nvPr>
+        </p:nvSpPr>
+        <p:spPr/>
+        <p:txBody>
+          <a:bodyPr/>
+          <a:lstStyle/>
+          <a:p>
+            <a:r>
+              <a:rPr lang="it-IT" dirty="0"/>
+              <a:t>Confronto dei risultati ottenuti</a:t>
+            </a:r>
+          </a:p>
+        </p:txBody>
+      </p:sp>
+      <p:sp>
+        <p:nvSpPr>
+          <p:cNvPr id="3" name="Segnaposto contenuto 2">
+            <a:extLst>
+              <a:ext uri="{FF2B5EF4-FFF2-40B4-BE49-F238E27FC236}">
+                <a16:creationId xmlns:a16="http://schemas.microsoft.com/office/drawing/2014/main" id="{C358E696-37B9-3546-A1DC-ED7B6669B13D}"/>
+              </a:ext>
+            </a:extLst>
+          </p:cNvPr>
+          <p:cNvSpPr>
+            <a:spLocks noGrp="1"/>
+          </p:cNvSpPr>
+          <p:nvPr>
+            <p:ph idx="1"/>
+          </p:nvPr>
+        </p:nvSpPr>
+        <p:spPr/>
+        <p:txBody>
+          <a:bodyPr/>
+          <a:lstStyle/>
+          <a:p>
+            <a:endParaRPr lang="it-IT"/>
+          </a:p>
+        </p:txBody>
+      </p:sp>
+    </p:spTree>
+    <p:extLst>
+      <p:ext uri="{BB962C8B-B14F-4D97-AF65-F5344CB8AC3E}">
+        <p14:creationId xmlns:p14="http://schemas.microsoft.com/office/powerpoint/2010/main" val="372275822"/>
+      </p:ext>
+    </p:extLst>
+  </p:cSld>
+  <p:clrMapOvr>
+    <a:masterClrMapping/>
+  </p:clrMapOvr>
+</p:sld>
+</file>
+
+<file path=ppt/slides/slide15.xml><?xml version="1.0" encoding="utf-8"?>
+<p:sld xmlns:a="http://schemas.openxmlformats.org/drawingml/2006/main" xmlns:r="http://schemas.openxmlformats.org/officeDocument/2006/relationships" xmlns:p="http://schemas.openxmlformats.org/presentationml/2006/main">
+  <p:cSld>
+    <p:spTree>
+      <p:nvGrpSpPr>
+        <p:cNvPr id="1" name=""/>
+        <p:cNvGrpSpPr/>
+        <p:nvPr/>
+      </p:nvGrpSpPr>
+      <p:grpSpPr>
+        <a:xfrm>
+          <a:off x="0" y="0"/>
+          <a:ext cx="0" cy="0"/>
+          <a:chOff x="0" y="0"/>
+          <a:chExt cx="0" cy="0"/>
+        </a:xfrm>
+      </p:grpSpPr>
+      <p:sp>
+        <p:nvSpPr>
+          <p:cNvPr id="2" name="Titolo 1">
+            <a:extLst>
+              <a:ext uri="{FF2B5EF4-FFF2-40B4-BE49-F238E27FC236}">
                 <a16:creationId xmlns:a16="http://schemas.microsoft.com/office/drawing/2014/main" id="{E57A1EED-342D-C841-807B-6612B7AA446E}"/>
               </a:ext>
             </a:extLst>
@@ -21287,7 +21371,7 @@
 </p:sld>
 </file>
 
-<file path=ppt/slides/slide15.xml><?xml version="1.0" encoding="utf-8"?>
+<file path=ppt/slides/slide16.xml><?xml version="1.0" encoding="utf-8"?>
 <p:sld xmlns:a="http://schemas.openxmlformats.org/drawingml/2006/main" xmlns:r="http://schemas.openxmlformats.org/officeDocument/2006/relationships" xmlns:p="http://schemas.openxmlformats.org/presentationml/2006/main">
   <p:cSld>
     <p:spTree>
@@ -21326,8 +21410,12 @@
           <a:lstStyle/>
           <a:p>
             <a:r>
+              <a:rPr lang="it-IT" dirty="0" err="1"/>
+              <a:t>Range</a:t>
+            </a:r>
+            <a:r>
               <a:rPr lang="it-IT" dirty="0"/>
-              <a:t>Principali responsabili degli scostamenti</a:t>
+              <a:t> degli scostamenti</a:t>
             </a:r>
           </a:p>
         </p:txBody>
@@ -21350,7 +21438,9 @@
         </p:nvSpPr>
         <p:spPr/>
         <p:txBody>
-          <a:bodyPr/>
+          <a:bodyPr>
+            <a:normAutofit/>
+          </a:bodyPr>
           <a:lstStyle/>
           <a:p>
             <a:r>
@@ -21363,7 +21453,15 @@
             </a:r>
             <a:r>
               <a:rPr lang="it-IT" dirty="0"/>
-              <a:t> che calcola per ogni articolo tutti gli scostamenti possibili e prende il massimo valore di ogni scostamento e ne salva il numero di articolo. I risultati sono i seguenti: </a:t>
+              <a:t> che calcola per ogni articolo tutti gli scostamenti possibili e costruisce per ogni tipologia di scostamento il </a:t>
+            </a:r>
+            <a:r>
+              <a:rPr lang="it-IT" dirty="0" err="1"/>
+              <a:t>range</a:t>
+            </a:r>
+            <a:r>
+              <a:rPr lang="it-IT" dirty="0"/>
+              <a:t> di scostamento. I risultati sono i seguenti: </a:t>
             </a:r>
           </a:p>
           <a:p>
@@ -21376,26 +21474,16 @@
             <a:endParaRPr lang="it-IT" dirty="0"/>
           </a:p>
           <a:p>
-            <a:r>
-              <a:rPr lang="it-IT" dirty="0"/>
-              <a:t>-Lo scostamento di volume massimo è responsabile di circa il 20% dello scostamento di volume</a:t>
-            </a:r>
-          </a:p>
-          <a:p>
-            <a:r>
-              <a:rPr lang="it-IT"/>
-              <a:t>SCRIVERE IL RESTO DELLE PERCENTUALI</a:t>
-            </a:r>
             <a:endParaRPr lang="it-IT" dirty="0"/>
           </a:p>
         </p:txBody>
       </p:sp>
       <p:pic>
         <p:nvPicPr>
-          <p:cNvPr id="5" name="Immagine 4">
+          <p:cNvPr id="7" name="Immagine 6" descr="Immagine che contiene testo&#10;&#10;Descrizione generata automaticamente">
             <a:extLst>
               <a:ext uri="{FF2B5EF4-FFF2-40B4-BE49-F238E27FC236}">
-                <a16:creationId xmlns:a16="http://schemas.microsoft.com/office/drawing/2014/main" id="{2ED36B86-1D53-AA43-89EF-C2702F8FCCDA}"/>
+                <a16:creationId xmlns:a16="http://schemas.microsoft.com/office/drawing/2014/main" id="{45B402E3-6042-784E-A22F-92A2728BBAC5}"/>
               </a:ext>
             </a:extLst>
           </p:cNvPr>
@@ -21412,46 +21500,14 @@
         </p:blipFill>
         <p:spPr>
           <a:xfrm>
-            <a:off x="1024128" y="3331464"/>
-            <a:ext cx="6781800" cy="1092200"/>
+            <a:off x="1196588" y="3456878"/>
+            <a:ext cx="6832600" cy="1117600"/>
           </a:xfrm>
           <a:prstGeom prst="rect">
             <a:avLst/>
           </a:prstGeom>
         </p:spPr>
       </p:pic>
-      <p:sp>
-        <p:nvSpPr>
-          <p:cNvPr id="6" name="CasellaDiTesto 5">
-            <a:extLst>
-              <a:ext uri="{FF2B5EF4-FFF2-40B4-BE49-F238E27FC236}">
-                <a16:creationId xmlns:a16="http://schemas.microsoft.com/office/drawing/2014/main" id="{5202F135-2161-AF4B-94F1-7CFC0D6460E1}"/>
-              </a:ext>
-            </a:extLst>
-          </p:cNvPr>
-          <p:cNvSpPr txBox="1"/>
-          <p:nvPr/>
-        </p:nvSpPr>
-        <p:spPr>
-          <a:xfrm>
-            <a:off x="8497824" y="4572000"/>
-            <a:ext cx="184731" cy="369332"/>
-          </a:xfrm>
-          <a:prstGeom prst="rect">
-            <a:avLst/>
-          </a:prstGeom>
-          <a:noFill/>
-        </p:spPr>
-        <p:txBody>
-          <a:bodyPr wrap="none" rtlCol="0">
-            <a:spAutoFit/>
-          </a:bodyPr>
-          <a:lstStyle/>
-          <a:p>
-            <a:endParaRPr lang="it-IT" dirty="0"/>
-          </a:p>
-        </p:txBody>
-      </p:sp>
     </p:spTree>
     <p:extLst>
       <p:ext uri="{BB962C8B-B14F-4D97-AF65-F5344CB8AC3E}">

--- a/Document/PresentazioneProgetto.pptx
+++ b/Document/PresentazioneProgetto.pptx
@@ -4,28 +4,30 @@
   <p:sldMasterIdLst>
     <p:sldMasterId id="2147483803" r:id="rId1"/>
   </p:sldMasterIdLst>
+  <p:notesMasterIdLst>
+    <p:notesMasterId r:id="rId22"/>
+  </p:notesMasterIdLst>
   <p:sldIdLst>
     <p:sldId id="256" r:id="rId2"/>
     <p:sldId id="257" r:id="rId3"/>
     <p:sldId id="258" r:id="rId4"/>
     <p:sldId id="259" r:id="rId5"/>
     <p:sldId id="260" r:id="rId6"/>
-    <p:sldId id="271" r:id="rId7"/>
-    <p:sldId id="269" r:id="rId8"/>
-    <p:sldId id="268" r:id="rId9"/>
-    <p:sldId id="272" r:id="rId10"/>
-    <p:sldId id="273" r:id="rId11"/>
-    <p:sldId id="274" r:id="rId12"/>
-    <p:sldId id="262" r:id="rId13"/>
-    <p:sldId id="270" r:id="rId14"/>
-    <p:sldId id="276" r:id="rId15"/>
-    <p:sldId id="263" r:id="rId16"/>
-    <p:sldId id="278" r:id="rId17"/>
-    <p:sldId id="275" r:id="rId18"/>
-    <p:sldId id="277" r:id="rId19"/>
-    <p:sldId id="279" r:id="rId20"/>
-    <p:sldId id="281" r:id="rId21"/>
-    <p:sldId id="280" r:id="rId22"/>
+    <p:sldId id="281" r:id="rId7"/>
+    <p:sldId id="271" r:id="rId8"/>
+    <p:sldId id="269" r:id="rId9"/>
+    <p:sldId id="268" r:id="rId10"/>
+    <p:sldId id="279" r:id="rId11"/>
+    <p:sldId id="272" r:id="rId12"/>
+    <p:sldId id="273" r:id="rId13"/>
+    <p:sldId id="274" r:id="rId14"/>
+    <p:sldId id="280" r:id="rId15"/>
+    <p:sldId id="283" r:id="rId16"/>
+    <p:sldId id="276" r:id="rId17"/>
+    <p:sldId id="263" r:id="rId18"/>
+    <p:sldId id="282" r:id="rId19"/>
+    <p:sldId id="278" r:id="rId20"/>
+    <p:sldId id="275" r:id="rId21"/>
   </p:sldIdLst>
   <p:sldSz cx="12192000" cy="6858000"/>
   <p:notesSz cx="6858000" cy="9144000"/>
@@ -135,10 +137,2455 @@
 <file path=ppt/revisionInfo.xml><?xml version="1.0" encoding="utf-8"?>
 <p1510:revInfo xmlns:a="http://schemas.openxmlformats.org/drawingml/2006/main" xmlns:r="http://schemas.openxmlformats.org/officeDocument/2006/relationships" xmlns:p1510="http://schemas.microsoft.com/office/powerpoint/2015/10/main">
   <p1510:revLst>
-    <p1510:client id="{D2B2AB86-F31F-2044-89BD-9CEAF9DDBD75}" v="2434" dt="2022-01-03T19:03:21.340"/>
-    <p1510:client id="{FAD880BF-48B8-0B46-A487-90D676E2BB58}" v="1429" dt="2022-01-03T21:53:30.270"/>
+    <p1510:client id="{7C67580D-7E69-9945-A316-03AA26FFCE3E}" v="9005" dt="2022-01-12T09:21:12.220"/>
+    <p1510:client id="{D2B2AB86-F31F-2044-89BD-9CEAF9DDBD75}" v="2514" dt="2022-01-11T17:19:14.828"/>
+    <p1510:client id="{FAD880BF-48B8-0B46-A487-90D676E2BB58}" v="1" dt="2022-01-12T09:26:08.301"/>
   </p1510:revLst>
 </p1510:revInfo>
+</file>
+
+<file path=ppt/notesMasters/notesMaster1.xml><?xml version="1.0" encoding="utf-8"?>
+<p:notesMaster xmlns:a="http://schemas.openxmlformats.org/drawingml/2006/main" xmlns:r="http://schemas.openxmlformats.org/officeDocument/2006/relationships" xmlns:p="http://schemas.openxmlformats.org/presentationml/2006/main">
+  <p:cSld>
+    <p:bg>
+      <p:bgRef idx="1001">
+        <a:schemeClr val="bg1"/>
+      </p:bgRef>
+    </p:bg>
+    <p:spTree>
+      <p:nvGrpSpPr>
+        <p:cNvPr id="1" name=""/>
+        <p:cNvGrpSpPr/>
+        <p:nvPr/>
+      </p:nvGrpSpPr>
+      <p:grpSpPr>
+        <a:xfrm>
+          <a:off x="0" y="0"/>
+          <a:ext cx="0" cy="0"/>
+          <a:chOff x="0" y="0"/>
+          <a:chExt cx="0" cy="0"/>
+        </a:xfrm>
+      </p:grpSpPr>
+      <p:sp>
+        <p:nvSpPr>
+          <p:cNvPr id="2" name="Header Placeholder 1"/>
+          <p:cNvSpPr>
+            <a:spLocks noGrp="1"/>
+          </p:cNvSpPr>
+          <p:nvPr>
+            <p:ph type="hdr" sz="quarter"/>
+          </p:nvPr>
+        </p:nvSpPr>
+        <p:spPr>
+          <a:xfrm>
+            <a:off x="0" y="0"/>
+            <a:ext cx="2971800" cy="458788"/>
+          </a:xfrm>
+          <a:prstGeom prst="rect">
+            <a:avLst/>
+          </a:prstGeom>
+        </p:spPr>
+        <p:txBody>
+          <a:bodyPr vert="horz" lIns="91440" tIns="45720" rIns="91440" bIns="45720" rtlCol="0"/>
+          <a:lstStyle>
+            <a:lvl1pPr algn="l">
+              <a:defRPr sz="1200"/>
+            </a:lvl1pPr>
+          </a:lstStyle>
+          <a:p>
+            <a:endParaRPr lang="en-IT"/>
+          </a:p>
+        </p:txBody>
+      </p:sp>
+      <p:sp>
+        <p:nvSpPr>
+          <p:cNvPr id="3" name="Date Placeholder 2"/>
+          <p:cNvSpPr>
+            <a:spLocks noGrp="1"/>
+          </p:cNvSpPr>
+          <p:nvPr>
+            <p:ph type="dt" idx="1"/>
+          </p:nvPr>
+        </p:nvSpPr>
+        <p:spPr>
+          <a:xfrm>
+            <a:off x="3884613" y="0"/>
+            <a:ext cx="2971800" cy="458788"/>
+          </a:xfrm>
+          <a:prstGeom prst="rect">
+            <a:avLst/>
+          </a:prstGeom>
+        </p:spPr>
+        <p:txBody>
+          <a:bodyPr vert="horz" lIns="91440" tIns="45720" rIns="91440" bIns="45720" rtlCol="0"/>
+          <a:lstStyle>
+            <a:lvl1pPr algn="r">
+              <a:defRPr sz="1200"/>
+            </a:lvl1pPr>
+          </a:lstStyle>
+          <a:p>
+            <a:fld id="{3F609801-5C09-684F-B3B3-A7D5B20C32AD}" type="datetimeFigureOut">
+              <a:rPr lang="en-IT" smtClean="0"/>
+              <a:t>1/12/22</a:t>
+            </a:fld>
+            <a:endParaRPr lang="en-IT"/>
+          </a:p>
+        </p:txBody>
+      </p:sp>
+      <p:sp>
+        <p:nvSpPr>
+          <p:cNvPr id="4" name="Slide Image Placeholder 3"/>
+          <p:cNvSpPr>
+            <a:spLocks noGrp="1" noRot="1" noChangeAspect="1"/>
+          </p:cNvSpPr>
+          <p:nvPr>
+            <p:ph type="sldImg" idx="2"/>
+          </p:nvPr>
+        </p:nvSpPr>
+        <p:spPr>
+          <a:xfrm>
+            <a:off x="685800" y="1143000"/>
+            <a:ext cx="5486400" cy="3086100"/>
+          </a:xfrm>
+          <a:prstGeom prst="rect">
+            <a:avLst/>
+          </a:prstGeom>
+          <a:noFill/>
+          <a:ln w="12700">
+            <a:solidFill>
+              <a:prstClr val="black"/>
+            </a:solidFill>
+          </a:ln>
+        </p:spPr>
+        <p:txBody>
+          <a:bodyPr vert="horz" lIns="91440" tIns="45720" rIns="91440" bIns="45720" rtlCol="0" anchor="ctr"/>
+          <a:lstStyle/>
+          <a:p>
+            <a:endParaRPr lang="en-IT"/>
+          </a:p>
+        </p:txBody>
+      </p:sp>
+      <p:sp>
+        <p:nvSpPr>
+          <p:cNvPr id="5" name="Notes Placeholder 4"/>
+          <p:cNvSpPr>
+            <a:spLocks noGrp="1"/>
+          </p:cNvSpPr>
+          <p:nvPr>
+            <p:ph type="body" sz="quarter" idx="3"/>
+          </p:nvPr>
+        </p:nvSpPr>
+        <p:spPr>
+          <a:xfrm>
+            <a:off x="685800" y="4400550"/>
+            <a:ext cx="5486400" cy="3600450"/>
+          </a:xfrm>
+          <a:prstGeom prst="rect">
+            <a:avLst/>
+          </a:prstGeom>
+        </p:spPr>
+        <p:txBody>
+          <a:bodyPr vert="horz" lIns="91440" tIns="45720" rIns="91440" bIns="45720" rtlCol="0"/>
+          <a:lstStyle/>
+          <a:p>
+            <a:pPr lvl="0"/>
+            <a:r>
+              <a:rPr lang="en-GB"/>
+              <a:t>Click to edit Master text styles</a:t>
+            </a:r>
+          </a:p>
+          <a:p>
+            <a:pPr lvl="1"/>
+            <a:r>
+              <a:rPr lang="en-GB"/>
+              <a:t>Second level</a:t>
+            </a:r>
+          </a:p>
+          <a:p>
+            <a:pPr lvl="2"/>
+            <a:r>
+              <a:rPr lang="en-GB"/>
+              <a:t>Third level</a:t>
+            </a:r>
+          </a:p>
+          <a:p>
+            <a:pPr lvl="3"/>
+            <a:r>
+              <a:rPr lang="en-GB"/>
+              <a:t>Fourth level</a:t>
+            </a:r>
+          </a:p>
+          <a:p>
+            <a:pPr lvl="4"/>
+            <a:r>
+              <a:rPr lang="en-GB"/>
+              <a:t>Fifth level</a:t>
+            </a:r>
+            <a:endParaRPr lang="en-IT"/>
+          </a:p>
+        </p:txBody>
+      </p:sp>
+      <p:sp>
+        <p:nvSpPr>
+          <p:cNvPr id="6" name="Footer Placeholder 5"/>
+          <p:cNvSpPr>
+            <a:spLocks noGrp="1"/>
+          </p:cNvSpPr>
+          <p:nvPr>
+            <p:ph type="ftr" sz="quarter" idx="4"/>
+          </p:nvPr>
+        </p:nvSpPr>
+        <p:spPr>
+          <a:xfrm>
+            <a:off x="0" y="8685213"/>
+            <a:ext cx="2971800" cy="458787"/>
+          </a:xfrm>
+          <a:prstGeom prst="rect">
+            <a:avLst/>
+          </a:prstGeom>
+        </p:spPr>
+        <p:txBody>
+          <a:bodyPr vert="horz" lIns="91440" tIns="45720" rIns="91440" bIns="45720" rtlCol="0" anchor="b"/>
+          <a:lstStyle>
+            <a:lvl1pPr algn="l">
+              <a:defRPr sz="1200"/>
+            </a:lvl1pPr>
+          </a:lstStyle>
+          <a:p>
+            <a:endParaRPr lang="en-IT"/>
+          </a:p>
+        </p:txBody>
+      </p:sp>
+      <p:sp>
+        <p:nvSpPr>
+          <p:cNvPr id="7" name="Slide Number Placeholder 6"/>
+          <p:cNvSpPr>
+            <a:spLocks noGrp="1"/>
+          </p:cNvSpPr>
+          <p:nvPr>
+            <p:ph type="sldNum" sz="quarter" idx="5"/>
+          </p:nvPr>
+        </p:nvSpPr>
+        <p:spPr>
+          <a:xfrm>
+            <a:off x="3884613" y="8685213"/>
+            <a:ext cx="2971800" cy="458787"/>
+          </a:xfrm>
+          <a:prstGeom prst="rect">
+            <a:avLst/>
+          </a:prstGeom>
+        </p:spPr>
+        <p:txBody>
+          <a:bodyPr vert="horz" lIns="91440" tIns="45720" rIns="91440" bIns="45720" rtlCol="0" anchor="b"/>
+          <a:lstStyle>
+            <a:lvl1pPr algn="r">
+              <a:defRPr sz="1200"/>
+            </a:lvl1pPr>
+          </a:lstStyle>
+          <a:p>
+            <a:fld id="{97C9F6DE-76A6-FE4E-8A07-F2CE10989521}" type="slidenum">
+              <a:rPr lang="en-IT" smtClean="0"/>
+              <a:t>‹N›</a:t>
+            </a:fld>
+            <a:endParaRPr lang="en-IT"/>
+          </a:p>
+        </p:txBody>
+      </p:sp>
+    </p:spTree>
+    <p:extLst>
+      <p:ext uri="{BB962C8B-B14F-4D97-AF65-F5344CB8AC3E}">
+        <p14:creationId xmlns:p14="http://schemas.microsoft.com/office/powerpoint/2010/main" val="3633407630"/>
+      </p:ext>
+    </p:extLst>
+  </p:cSld>
+  <p:clrMap bg1="lt1" tx1="dk1" bg2="lt2" tx2="dk2" accent1="accent1" accent2="accent2" accent3="accent3" accent4="accent4" accent5="accent5" accent6="accent6" hlink="hlink" folHlink="folHlink"/>
+  <p:notesStyle>
+    <a:lvl1pPr marL="0" algn="l" defTabSz="914400" rtl="0" eaLnBrk="1" latinLnBrk="0" hangingPunct="1">
+      <a:defRPr sz="1200" kern="1200">
+        <a:solidFill>
+          <a:schemeClr val="tx1"/>
+        </a:solidFill>
+        <a:latin typeface="+mn-lt"/>
+        <a:ea typeface="+mn-ea"/>
+        <a:cs typeface="+mn-cs"/>
+      </a:defRPr>
+    </a:lvl1pPr>
+    <a:lvl2pPr marL="457200" algn="l" defTabSz="914400" rtl="0" eaLnBrk="1" latinLnBrk="0" hangingPunct="1">
+      <a:defRPr sz="1200" kern="1200">
+        <a:solidFill>
+          <a:schemeClr val="tx1"/>
+        </a:solidFill>
+        <a:latin typeface="+mn-lt"/>
+        <a:ea typeface="+mn-ea"/>
+        <a:cs typeface="+mn-cs"/>
+      </a:defRPr>
+    </a:lvl2pPr>
+    <a:lvl3pPr marL="914400" algn="l" defTabSz="914400" rtl="0" eaLnBrk="1" latinLnBrk="0" hangingPunct="1">
+      <a:defRPr sz="1200" kern="1200">
+        <a:solidFill>
+          <a:schemeClr val="tx1"/>
+        </a:solidFill>
+        <a:latin typeface="+mn-lt"/>
+        <a:ea typeface="+mn-ea"/>
+        <a:cs typeface="+mn-cs"/>
+      </a:defRPr>
+    </a:lvl3pPr>
+    <a:lvl4pPr marL="1371600" algn="l" defTabSz="914400" rtl="0" eaLnBrk="1" latinLnBrk="0" hangingPunct="1">
+      <a:defRPr sz="1200" kern="1200">
+        <a:solidFill>
+          <a:schemeClr val="tx1"/>
+        </a:solidFill>
+        <a:latin typeface="+mn-lt"/>
+        <a:ea typeface="+mn-ea"/>
+        <a:cs typeface="+mn-cs"/>
+      </a:defRPr>
+    </a:lvl4pPr>
+    <a:lvl5pPr marL="1828800" algn="l" defTabSz="914400" rtl="0" eaLnBrk="1" latinLnBrk="0" hangingPunct="1">
+      <a:defRPr sz="1200" kern="1200">
+        <a:solidFill>
+          <a:schemeClr val="tx1"/>
+        </a:solidFill>
+        <a:latin typeface="+mn-lt"/>
+        <a:ea typeface="+mn-ea"/>
+        <a:cs typeface="+mn-cs"/>
+      </a:defRPr>
+    </a:lvl5pPr>
+    <a:lvl6pPr marL="2286000" algn="l" defTabSz="914400" rtl="0" eaLnBrk="1" latinLnBrk="0" hangingPunct="1">
+      <a:defRPr sz="1200" kern="1200">
+        <a:solidFill>
+          <a:schemeClr val="tx1"/>
+        </a:solidFill>
+        <a:latin typeface="+mn-lt"/>
+        <a:ea typeface="+mn-ea"/>
+        <a:cs typeface="+mn-cs"/>
+      </a:defRPr>
+    </a:lvl6pPr>
+    <a:lvl7pPr marL="2743200" algn="l" defTabSz="914400" rtl="0" eaLnBrk="1" latinLnBrk="0" hangingPunct="1">
+      <a:defRPr sz="1200" kern="1200">
+        <a:solidFill>
+          <a:schemeClr val="tx1"/>
+        </a:solidFill>
+        <a:latin typeface="+mn-lt"/>
+        <a:ea typeface="+mn-ea"/>
+        <a:cs typeface="+mn-cs"/>
+      </a:defRPr>
+    </a:lvl7pPr>
+    <a:lvl8pPr marL="3200400" algn="l" defTabSz="914400" rtl="0" eaLnBrk="1" latinLnBrk="0" hangingPunct="1">
+      <a:defRPr sz="1200" kern="1200">
+        <a:solidFill>
+          <a:schemeClr val="tx1"/>
+        </a:solidFill>
+        <a:latin typeface="+mn-lt"/>
+        <a:ea typeface="+mn-ea"/>
+        <a:cs typeface="+mn-cs"/>
+      </a:defRPr>
+    </a:lvl8pPr>
+    <a:lvl9pPr marL="3657600" algn="l" defTabSz="914400" rtl="0" eaLnBrk="1" latinLnBrk="0" hangingPunct="1">
+      <a:defRPr sz="1200" kern="1200">
+        <a:solidFill>
+          <a:schemeClr val="tx1"/>
+        </a:solidFill>
+        <a:latin typeface="+mn-lt"/>
+        <a:ea typeface="+mn-ea"/>
+        <a:cs typeface="+mn-cs"/>
+      </a:defRPr>
+    </a:lvl9pPr>
+  </p:notesStyle>
+</p:notesMaster>
+</file>
+
+<file path=ppt/notesSlides/notesSlide1.xml><?xml version="1.0" encoding="utf-8"?>
+<p:notes xmlns:a="http://schemas.openxmlformats.org/drawingml/2006/main" xmlns:r="http://schemas.openxmlformats.org/officeDocument/2006/relationships" xmlns:p="http://schemas.openxmlformats.org/presentationml/2006/main">
+  <p:cSld>
+    <p:spTree>
+      <p:nvGrpSpPr>
+        <p:cNvPr id="1" name=""/>
+        <p:cNvGrpSpPr/>
+        <p:nvPr/>
+      </p:nvGrpSpPr>
+      <p:grpSpPr>
+        <a:xfrm>
+          <a:off x="0" y="0"/>
+          <a:ext cx="0" cy="0"/>
+          <a:chOff x="0" y="0"/>
+          <a:chExt cx="0" cy="0"/>
+        </a:xfrm>
+      </p:grpSpPr>
+      <p:sp>
+        <p:nvSpPr>
+          <p:cNvPr id="2" name="Slide Image Placeholder 1"/>
+          <p:cNvSpPr>
+            <a:spLocks noGrp="1" noRot="1" noChangeAspect="1"/>
+          </p:cNvSpPr>
+          <p:nvPr>
+            <p:ph type="sldImg"/>
+          </p:nvPr>
+        </p:nvSpPr>
+        <p:spPr/>
+      </p:sp>
+      <p:sp>
+        <p:nvSpPr>
+          <p:cNvPr id="3" name="Notes Placeholder 2"/>
+          <p:cNvSpPr>
+            <a:spLocks noGrp="1"/>
+          </p:cNvSpPr>
+          <p:nvPr>
+            <p:ph type="body" idx="1"/>
+          </p:nvPr>
+        </p:nvSpPr>
+        <p:spPr/>
+        <p:txBody>
+          <a:bodyPr/>
+          <a:lstStyle/>
+          <a:p>
+            <a:endParaRPr lang="en-IT"/>
+          </a:p>
+        </p:txBody>
+      </p:sp>
+      <p:sp>
+        <p:nvSpPr>
+          <p:cNvPr id="4" name="Slide Number Placeholder 3"/>
+          <p:cNvSpPr>
+            <a:spLocks noGrp="1"/>
+          </p:cNvSpPr>
+          <p:nvPr>
+            <p:ph type="sldNum" sz="quarter" idx="5"/>
+          </p:nvPr>
+        </p:nvSpPr>
+        <p:spPr/>
+        <p:txBody>
+          <a:bodyPr/>
+          <a:lstStyle/>
+          <a:p>
+            <a:fld id="{97C9F6DE-76A6-FE4E-8A07-F2CE10989521}" type="slidenum">
+              <a:rPr lang="en-IT" smtClean="0"/>
+              <a:t>2</a:t>
+            </a:fld>
+            <a:endParaRPr lang="en-IT"/>
+          </a:p>
+        </p:txBody>
+      </p:sp>
+    </p:spTree>
+    <p:extLst>
+      <p:ext uri="{BB962C8B-B14F-4D97-AF65-F5344CB8AC3E}">
+        <p14:creationId xmlns:p14="http://schemas.microsoft.com/office/powerpoint/2010/main" val="3737052054"/>
+      </p:ext>
+    </p:extLst>
+  </p:cSld>
+  <p:clrMapOvr>
+    <a:masterClrMapping/>
+  </p:clrMapOvr>
+</p:notes>
+</file>
+
+<file path=ppt/notesSlides/notesSlide10.xml><?xml version="1.0" encoding="utf-8"?>
+<p:notes xmlns:a="http://schemas.openxmlformats.org/drawingml/2006/main" xmlns:r="http://schemas.openxmlformats.org/officeDocument/2006/relationships" xmlns:p="http://schemas.openxmlformats.org/presentationml/2006/main">
+  <p:cSld>
+    <p:spTree>
+      <p:nvGrpSpPr>
+        <p:cNvPr id="1" name=""/>
+        <p:cNvGrpSpPr/>
+        <p:nvPr/>
+      </p:nvGrpSpPr>
+      <p:grpSpPr>
+        <a:xfrm>
+          <a:off x="0" y="0"/>
+          <a:ext cx="0" cy="0"/>
+          <a:chOff x="0" y="0"/>
+          <a:chExt cx="0" cy="0"/>
+        </a:xfrm>
+      </p:grpSpPr>
+      <p:sp>
+        <p:nvSpPr>
+          <p:cNvPr id="2" name="Slide Image Placeholder 1"/>
+          <p:cNvSpPr>
+            <a:spLocks noGrp="1" noRot="1" noChangeAspect="1"/>
+          </p:cNvSpPr>
+          <p:nvPr>
+            <p:ph type="sldImg"/>
+          </p:nvPr>
+        </p:nvSpPr>
+        <p:spPr/>
+      </p:sp>
+      <p:sp>
+        <p:nvSpPr>
+          <p:cNvPr id="3" name="Notes Placeholder 2"/>
+          <p:cNvSpPr>
+            <a:spLocks noGrp="1"/>
+          </p:cNvSpPr>
+          <p:nvPr>
+            <p:ph type="body" idx="1"/>
+          </p:nvPr>
+        </p:nvSpPr>
+        <p:spPr/>
+        <p:txBody>
+          <a:bodyPr/>
+          <a:lstStyle/>
+          <a:p>
+            <a:r>
+              <a:rPr lang="en-IT"/>
+              <a:t>1 – CostoOrario </a:t>
+            </a:r>
+            <a:r>
+              <a:rPr lang="en-GB" err="1"/>
+              <a:t>i</a:t>
+            </a:r>
+            <a:r>
+              <a:rPr lang="en-GB"/>
+              <a:t> </a:t>
+            </a:r>
+            <a:r>
+              <a:rPr lang="en-IT"/>
+              <a:t>è quello della risorsa i-esima </a:t>
+            </a:r>
+            <a:r>
+              <a:rPr lang="en-IT">
+                <a:sym typeface="Wingdings" pitchFamily="2" charset="2"/>
+              </a:rPr>
+              <a:t> ogni formula fa il calcolo riga per riga</a:t>
+            </a:r>
+          </a:p>
+          <a:p>
+            <a:r>
+              <a:rPr lang="en-IT"/>
+              <a:t>2 – E’ vero che QuantitydiOutput si semplifica ma abbiamo voluto esplicitare la presenza di questo fattore ne calcolo effettuato</a:t>
+            </a:r>
+          </a:p>
+          <a:p>
+            <a:r>
+              <a:rPr lang="en-IT"/>
+              <a:t>3 – Calcolo il costo di una singola fase e poi con la sommatoria viene sommato il contirbuto di ciascuna, ottenendo il costo totale per LAVORO DIRETTO</a:t>
+            </a:r>
+          </a:p>
+          <a:p>
+            <a:endParaRPr lang="en-IT"/>
+          </a:p>
+        </p:txBody>
+      </p:sp>
+      <p:sp>
+        <p:nvSpPr>
+          <p:cNvPr id="4" name="Slide Number Placeholder 3"/>
+          <p:cNvSpPr>
+            <a:spLocks noGrp="1"/>
+          </p:cNvSpPr>
+          <p:nvPr>
+            <p:ph type="sldNum" sz="quarter" idx="5"/>
+          </p:nvPr>
+        </p:nvSpPr>
+        <p:spPr/>
+        <p:txBody>
+          <a:bodyPr/>
+          <a:lstStyle/>
+          <a:p>
+            <a:fld id="{97C9F6DE-76A6-FE4E-8A07-F2CE10989521}" type="slidenum">
+              <a:rPr lang="en-IT" smtClean="0"/>
+              <a:t>12</a:t>
+            </a:fld>
+            <a:endParaRPr lang="en-IT"/>
+          </a:p>
+        </p:txBody>
+      </p:sp>
+    </p:spTree>
+    <p:extLst>
+      <p:ext uri="{BB962C8B-B14F-4D97-AF65-F5344CB8AC3E}">
+        <p14:creationId xmlns:p14="http://schemas.microsoft.com/office/powerpoint/2010/main" val="1874731511"/>
+      </p:ext>
+    </p:extLst>
+  </p:cSld>
+  <p:clrMapOvr>
+    <a:masterClrMapping/>
+  </p:clrMapOvr>
+</p:notes>
+</file>
+
+<file path=ppt/notesSlides/notesSlide11.xml><?xml version="1.0" encoding="utf-8"?>
+<p:notes xmlns:a="http://schemas.openxmlformats.org/drawingml/2006/main" xmlns:r="http://schemas.openxmlformats.org/officeDocument/2006/relationships" xmlns:p="http://schemas.openxmlformats.org/presentationml/2006/main">
+  <p:cSld>
+    <p:spTree>
+      <p:nvGrpSpPr>
+        <p:cNvPr id="1" name=""/>
+        <p:cNvGrpSpPr/>
+        <p:nvPr/>
+      </p:nvGrpSpPr>
+      <p:grpSpPr>
+        <a:xfrm>
+          <a:off x="0" y="0"/>
+          <a:ext cx="0" cy="0"/>
+          <a:chOff x="0" y="0"/>
+          <a:chExt cx="0" cy="0"/>
+        </a:xfrm>
+      </p:grpSpPr>
+      <p:sp>
+        <p:nvSpPr>
+          <p:cNvPr id="2" name="Slide Image Placeholder 1"/>
+          <p:cNvSpPr>
+            <a:spLocks noGrp="1" noRot="1" noChangeAspect="1"/>
+          </p:cNvSpPr>
+          <p:nvPr>
+            <p:ph type="sldImg"/>
+          </p:nvPr>
+        </p:nvSpPr>
+        <p:spPr/>
+      </p:sp>
+      <p:sp>
+        <p:nvSpPr>
+          <p:cNvPr id="3" name="Notes Placeholder 2"/>
+          <p:cNvSpPr>
+            <a:spLocks noGrp="1"/>
+          </p:cNvSpPr>
+          <p:nvPr>
+            <p:ph type="body" idx="1"/>
+          </p:nvPr>
+        </p:nvSpPr>
+        <p:spPr/>
+        <p:txBody>
+          <a:bodyPr/>
+          <a:lstStyle/>
+          <a:p>
+            <a:r>
+              <a:rPr lang="en-IT"/>
+              <a:t>QuantityMPImpiegata per il prodotto i-esimo</a:t>
+            </a:r>
+          </a:p>
+          <a:p>
+            <a:r>
+              <a:rPr lang="en-IT"/>
+              <a:t>Importo costo totale del articolo i-esimo prodotto</a:t>
+            </a:r>
+          </a:p>
+          <a:p>
+            <a:r>
+              <a:rPr lang="en-GB"/>
+              <a:t>Q</a:t>
+            </a:r>
+            <a:r>
+              <a:rPr lang="en-IT"/>
+              <a:t>uantitydioutput del articolo i-esimo che abbiamo ricavato da impiego risorse</a:t>
+            </a:r>
+          </a:p>
+          <a:p>
+            <a:endParaRPr lang="en-IT"/>
+          </a:p>
+        </p:txBody>
+      </p:sp>
+      <p:sp>
+        <p:nvSpPr>
+          <p:cNvPr id="4" name="Slide Number Placeholder 3"/>
+          <p:cNvSpPr>
+            <a:spLocks noGrp="1"/>
+          </p:cNvSpPr>
+          <p:nvPr>
+            <p:ph type="sldNum" sz="quarter" idx="5"/>
+          </p:nvPr>
+        </p:nvSpPr>
+        <p:spPr/>
+        <p:txBody>
+          <a:bodyPr/>
+          <a:lstStyle/>
+          <a:p>
+            <a:fld id="{97C9F6DE-76A6-FE4E-8A07-F2CE10989521}" type="slidenum">
+              <a:rPr lang="en-IT" smtClean="0"/>
+              <a:t>13</a:t>
+            </a:fld>
+            <a:endParaRPr lang="en-IT"/>
+          </a:p>
+        </p:txBody>
+      </p:sp>
+    </p:spTree>
+    <p:extLst>
+      <p:ext uri="{BB962C8B-B14F-4D97-AF65-F5344CB8AC3E}">
+        <p14:creationId xmlns:p14="http://schemas.microsoft.com/office/powerpoint/2010/main" val="3960243516"/>
+      </p:ext>
+    </p:extLst>
+  </p:cSld>
+  <p:clrMapOvr>
+    <a:masterClrMapping/>
+  </p:clrMapOvr>
+</p:notes>
+</file>
+
+<file path=ppt/notesSlides/notesSlide12.xml><?xml version="1.0" encoding="utf-8"?>
+<p:notes xmlns:a="http://schemas.openxmlformats.org/drawingml/2006/main" xmlns:r="http://schemas.openxmlformats.org/officeDocument/2006/relationships" xmlns:p="http://schemas.openxmlformats.org/presentationml/2006/main">
+  <p:cSld>
+    <p:spTree>
+      <p:nvGrpSpPr>
+        <p:cNvPr id="1" name=""/>
+        <p:cNvGrpSpPr/>
+        <p:nvPr/>
+      </p:nvGrpSpPr>
+      <p:grpSpPr>
+        <a:xfrm>
+          <a:off x="0" y="0"/>
+          <a:ext cx="0" cy="0"/>
+          <a:chOff x="0" y="0"/>
+          <a:chExt cx="0" cy="0"/>
+        </a:xfrm>
+      </p:grpSpPr>
+      <p:sp>
+        <p:nvSpPr>
+          <p:cNvPr id="2" name="Slide Image Placeholder 1"/>
+          <p:cNvSpPr>
+            <a:spLocks noGrp="1" noRot="1" noChangeAspect="1"/>
+          </p:cNvSpPr>
+          <p:nvPr>
+            <p:ph type="sldImg"/>
+          </p:nvPr>
+        </p:nvSpPr>
+        <p:spPr/>
+      </p:sp>
+      <p:sp>
+        <p:nvSpPr>
+          <p:cNvPr id="3" name="Notes Placeholder 2"/>
+          <p:cNvSpPr>
+            <a:spLocks noGrp="1"/>
+          </p:cNvSpPr>
+          <p:nvPr>
+            <p:ph type="body" idx="1"/>
+          </p:nvPr>
+        </p:nvSpPr>
+        <p:spPr/>
+        <p:txBody>
+          <a:bodyPr/>
+          <a:lstStyle/>
+          <a:p>
+            <a:r>
+              <a:rPr lang="en-IT"/>
+              <a:t>1 – Nella prima schermata vediamo tutte le informazioni delle vendite, x a CONSUNTIVO e y a BUDGET</a:t>
+            </a:r>
+          </a:p>
+          <a:p>
+            <a:r>
+              <a:rPr lang="en-IT"/>
+              <a:t>2 – Stessa cosa ma per MP</a:t>
+            </a:r>
+          </a:p>
+          <a:p>
+            <a:r>
+              <a:rPr lang="en-IT"/>
+              <a:t>3 - … per impiego risorse</a:t>
+            </a:r>
+          </a:p>
+          <a:p>
+            <a:endParaRPr lang="en-IT"/>
+          </a:p>
+          <a:p>
+            <a:r>
+              <a:rPr lang="en-IT"/>
+              <a:t>C</a:t>
+            </a:r>
+            <a:r>
+              <a:rPr lang="en-GB"/>
+              <a:t>o</a:t>
+            </a:r>
+            <a:r>
+              <a:rPr lang="en-IT"/>
+              <a:t>n questo esempio vediamo come conserviamo la granularità dei dati. </a:t>
+            </a:r>
+            <a:r>
+              <a:rPr lang="it-IT"/>
+              <a:t>Le formule presentate prima vengono applicate si questi dato ottenendo i totali.</a:t>
+            </a:r>
+          </a:p>
+          <a:p>
+            <a:endParaRPr lang="it-IT"/>
+          </a:p>
+          <a:p>
+            <a:r>
+              <a:rPr lang="it-IT"/>
+              <a:t>I mix hanno valori grandi perché gli abbiamo moltiplicati per 10^11 e divisi un un secondo momento, </a:t>
+            </a:r>
+            <a:r>
+              <a:rPr lang="it-IT" err="1"/>
+              <a:t>atrimenti</a:t>
+            </a:r>
+            <a:r>
+              <a:rPr lang="it-IT"/>
+              <a:t> avremo </a:t>
+            </a:r>
+            <a:r>
+              <a:rPr lang="it-IT" err="1"/>
+              <a:t>riscotrato</a:t>
+            </a:r>
+            <a:r>
+              <a:rPr lang="it-IT"/>
+              <a:t> dei errori nei calcoli</a:t>
+            </a:r>
+          </a:p>
+          <a:p>
+            <a:endParaRPr lang="en-IT"/>
+          </a:p>
+        </p:txBody>
+      </p:sp>
+      <p:sp>
+        <p:nvSpPr>
+          <p:cNvPr id="4" name="Slide Number Placeholder 3"/>
+          <p:cNvSpPr>
+            <a:spLocks noGrp="1"/>
+          </p:cNvSpPr>
+          <p:nvPr>
+            <p:ph type="sldNum" sz="quarter" idx="5"/>
+          </p:nvPr>
+        </p:nvSpPr>
+        <p:spPr/>
+        <p:txBody>
+          <a:bodyPr/>
+          <a:lstStyle/>
+          <a:p>
+            <a:fld id="{97C9F6DE-76A6-FE4E-8A07-F2CE10989521}" type="slidenum">
+              <a:rPr lang="en-IT" smtClean="0"/>
+              <a:t>14</a:t>
+            </a:fld>
+            <a:endParaRPr lang="en-IT"/>
+          </a:p>
+        </p:txBody>
+      </p:sp>
+    </p:spTree>
+    <p:extLst>
+      <p:ext uri="{BB962C8B-B14F-4D97-AF65-F5344CB8AC3E}">
+        <p14:creationId xmlns:p14="http://schemas.microsoft.com/office/powerpoint/2010/main" val="2896553246"/>
+      </p:ext>
+    </p:extLst>
+  </p:cSld>
+  <p:clrMapOvr>
+    <a:masterClrMapping/>
+  </p:clrMapOvr>
+</p:notes>
+</file>
+
+<file path=ppt/notesSlides/notesSlide13.xml><?xml version="1.0" encoding="utf-8"?>
+<p:notes xmlns:a="http://schemas.openxmlformats.org/drawingml/2006/main" xmlns:r="http://schemas.openxmlformats.org/officeDocument/2006/relationships" xmlns:p="http://schemas.openxmlformats.org/presentationml/2006/main">
+  <p:cSld>
+    <p:spTree>
+      <p:nvGrpSpPr>
+        <p:cNvPr id="1" name=""/>
+        <p:cNvGrpSpPr/>
+        <p:nvPr/>
+      </p:nvGrpSpPr>
+      <p:grpSpPr>
+        <a:xfrm>
+          <a:off x="0" y="0"/>
+          <a:ext cx="0" cy="0"/>
+          <a:chOff x="0" y="0"/>
+          <a:chExt cx="0" cy="0"/>
+        </a:xfrm>
+      </p:grpSpPr>
+      <p:sp>
+        <p:nvSpPr>
+          <p:cNvPr id="2" name="Slide Image Placeholder 1"/>
+          <p:cNvSpPr>
+            <a:spLocks noGrp="1" noRot="1" noChangeAspect="1"/>
+          </p:cNvSpPr>
+          <p:nvPr>
+            <p:ph type="sldImg"/>
+          </p:nvPr>
+        </p:nvSpPr>
+        <p:spPr/>
+      </p:sp>
+      <p:sp>
+        <p:nvSpPr>
+          <p:cNvPr id="3" name="Notes Placeholder 2"/>
+          <p:cNvSpPr>
+            <a:spLocks noGrp="1"/>
+          </p:cNvSpPr>
+          <p:nvPr>
+            <p:ph type="body" idx="1"/>
+          </p:nvPr>
+        </p:nvSpPr>
+        <p:spPr/>
+        <p:txBody>
+          <a:bodyPr/>
+          <a:lstStyle/>
+          <a:p>
+            <a:r>
+              <a:rPr lang="en-IT"/>
+              <a:t>1 – Nella prima schermata vediamo tutte le informazioni delle vendite, x a CONSUNTIVO e y a BUDGET</a:t>
+            </a:r>
+          </a:p>
+          <a:p>
+            <a:r>
+              <a:rPr lang="en-IT"/>
+              <a:t>2 – Stessa cosa ma per MP</a:t>
+            </a:r>
+          </a:p>
+          <a:p>
+            <a:r>
+              <a:rPr lang="en-IT"/>
+              <a:t>3 - … per impiego risorse</a:t>
+            </a:r>
+          </a:p>
+          <a:p>
+            <a:endParaRPr lang="en-IT"/>
+          </a:p>
+          <a:p>
+            <a:r>
+              <a:rPr lang="en-IT"/>
+              <a:t>C</a:t>
+            </a:r>
+            <a:r>
+              <a:rPr lang="en-GB"/>
+              <a:t>o</a:t>
+            </a:r>
+            <a:r>
+              <a:rPr lang="en-IT"/>
+              <a:t>n questo esempio vediamo come conserviamo la granularità dei dati. </a:t>
+            </a:r>
+            <a:r>
+              <a:rPr lang="it-IT"/>
+              <a:t>Le formule presentate prima vengono applicate si questi dato ottenendo i totali.</a:t>
+            </a:r>
+          </a:p>
+          <a:p>
+            <a:endParaRPr lang="en-IT"/>
+          </a:p>
+        </p:txBody>
+      </p:sp>
+      <p:sp>
+        <p:nvSpPr>
+          <p:cNvPr id="4" name="Slide Number Placeholder 3"/>
+          <p:cNvSpPr>
+            <a:spLocks noGrp="1"/>
+          </p:cNvSpPr>
+          <p:nvPr>
+            <p:ph type="sldNum" sz="quarter" idx="5"/>
+          </p:nvPr>
+        </p:nvSpPr>
+        <p:spPr/>
+        <p:txBody>
+          <a:bodyPr/>
+          <a:lstStyle/>
+          <a:p>
+            <a:fld id="{97C9F6DE-76A6-FE4E-8A07-F2CE10989521}" type="slidenum">
+              <a:rPr lang="en-IT" smtClean="0"/>
+              <a:t>15</a:t>
+            </a:fld>
+            <a:endParaRPr lang="en-IT"/>
+          </a:p>
+        </p:txBody>
+      </p:sp>
+    </p:spTree>
+    <p:extLst>
+      <p:ext uri="{BB962C8B-B14F-4D97-AF65-F5344CB8AC3E}">
+        <p14:creationId xmlns:p14="http://schemas.microsoft.com/office/powerpoint/2010/main" val="795407115"/>
+      </p:ext>
+    </p:extLst>
+  </p:cSld>
+  <p:clrMapOvr>
+    <a:masterClrMapping/>
+  </p:clrMapOvr>
+</p:notes>
+</file>
+
+<file path=ppt/notesSlides/notesSlide14.xml><?xml version="1.0" encoding="utf-8"?>
+<p:notes xmlns:a="http://schemas.openxmlformats.org/drawingml/2006/main" xmlns:r="http://schemas.openxmlformats.org/officeDocument/2006/relationships" xmlns:p="http://schemas.openxmlformats.org/presentationml/2006/main">
+  <p:cSld>
+    <p:spTree>
+      <p:nvGrpSpPr>
+        <p:cNvPr id="1" name=""/>
+        <p:cNvGrpSpPr/>
+        <p:nvPr/>
+      </p:nvGrpSpPr>
+      <p:grpSpPr>
+        <a:xfrm>
+          <a:off x="0" y="0"/>
+          <a:ext cx="0" cy="0"/>
+          <a:chOff x="0" y="0"/>
+          <a:chExt cx="0" cy="0"/>
+        </a:xfrm>
+      </p:grpSpPr>
+      <p:sp>
+        <p:nvSpPr>
+          <p:cNvPr id="2" name="Slide Image Placeholder 1"/>
+          <p:cNvSpPr>
+            <a:spLocks noGrp="1" noRot="1" noChangeAspect="1"/>
+          </p:cNvSpPr>
+          <p:nvPr>
+            <p:ph type="sldImg"/>
+          </p:nvPr>
+        </p:nvSpPr>
+        <p:spPr/>
+      </p:sp>
+      <p:sp>
+        <p:nvSpPr>
+          <p:cNvPr id="3" name="Notes Placeholder 2"/>
+          <p:cNvSpPr>
+            <a:spLocks noGrp="1"/>
+          </p:cNvSpPr>
+          <p:nvPr>
+            <p:ph type="body" idx="1"/>
+          </p:nvPr>
+        </p:nvSpPr>
+        <p:spPr/>
+        <p:txBody>
+          <a:bodyPr/>
+          <a:lstStyle/>
+          <a:p>
+            <a:r>
+              <a:rPr lang="en-IT"/>
+              <a:t>ScostamentoVolume: </a:t>
+            </a:r>
+          </a:p>
+          <a:p>
+            <a:r>
+              <a:rPr lang="en-IT"/>
+              <a:t>	RICAVI: Consuntivo-Budget con volume di Vendita a Consuntivo e a Budget</a:t>
+            </a:r>
+          </a:p>
+          <a:p>
+            <a:r>
+              <a:rPr lang="en-IT"/>
+              <a:t>	MP: … con volume di produzione</a:t>
+            </a:r>
+          </a:p>
+          <a:p>
+            <a:r>
+              <a:rPr lang="en-IT"/>
+              <a:t>	LAV: … con volume di produzione</a:t>
+            </a:r>
+          </a:p>
+          <a:p>
+            <a:r>
+              <a:rPr lang="en-IT"/>
+              <a:t>ScostamentoiMIX:</a:t>
+            </a:r>
+          </a:p>
+          <a:p>
+            <a:r>
+              <a:rPr lang="en-IT"/>
+              <a:t>	</a:t>
+            </a:r>
+          </a:p>
+        </p:txBody>
+      </p:sp>
+      <p:sp>
+        <p:nvSpPr>
+          <p:cNvPr id="4" name="Slide Number Placeholder 3"/>
+          <p:cNvSpPr>
+            <a:spLocks noGrp="1"/>
+          </p:cNvSpPr>
+          <p:nvPr>
+            <p:ph type="sldNum" sz="quarter" idx="5"/>
+          </p:nvPr>
+        </p:nvSpPr>
+        <p:spPr/>
+        <p:txBody>
+          <a:bodyPr/>
+          <a:lstStyle/>
+          <a:p>
+            <a:fld id="{97C9F6DE-76A6-FE4E-8A07-F2CE10989521}" type="slidenum">
+              <a:rPr lang="en-IT" smtClean="0"/>
+              <a:t>16</a:t>
+            </a:fld>
+            <a:endParaRPr lang="en-IT"/>
+          </a:p>
+        </p:txBody>
+      </p:sp>
+    </p:spTree>
+    <p:extLst>
+      <p:ext uri="{BB962C8B-B14F-4D97-AF65-F5344CB8AC3E}">
+        <p14:creationId xmlns:p14="http://schemas.microsoft.com/office/powerpoint/2010/main" val="2614169354"/>
+      </p:ext>
+    </p:extLst>
+  </p:cSld>
+  <p:clrMapOvr>
+    <a:masterClrMapping/>
+  </p:clrMapOvr>
+</p:notes>
+</file>
+
+<file path=ppt/notesSlides/notesSlide15.xml><?xml version="1.0" encoding="utf-8"?>
+<p:notes xmlns:a="http://schemas.openxmlformats.org/drawingml/2006/main" xmlns:r="http://schemas.openxmlformats.org/officeDocument/2006/relationships" xmlns:p="http://schemas.openxmlformats.org/presentationml/2006/main">
+  <p:cSld>
+    <p:spTree>
+      <p:nvGrpSpPr>
+        <p:cNvPr id="1" name=""/>
+        <p:cNvGrpSpPr/>
+        <p:nvPr/>
+      </p:nvGrpSpPr>
+      <p:grpSpPr>
+        <a:xfrm>
+          <a:off x="0" y="0"/>
+          <a:ext cx="0" cy="0"/>
+          <a:chOff x="0" y="0"/>
+          <a:chExt cx="0" cy="0"/>
+        </a:xfrm>
+      </p:grpSpPr>
+      <p:sp>
+        <p:nvSpPr>
+          <p:cNvPr id="2" name="Slide Image Placeholder 1"/>
+          <p:cNvSpPr>
+            <a:spLocks noGrp="1" noRot="1" noChangeAspect="1"/>
+          </p:cNvSpPr>
+          <p:nvPr>
+            <p:ph type="sldImg"/>
+          </p:nvPr>
+        </p:nvSpPr>
+        <p:spPr/>
+      </p:sp>
+      <p:sp>
+        <p:nvSpPr>
+          <p:cNvPr id="3" name="Notes Placeholder 2"/>
+          <p:cNvSpPr>
+            <a:spLocks noGrp="1"/>
+          </p:cNvSpPr>
+          <p:nvPr>
+            <p:ph type="body" idx="1"/>
+          </p:nvPr>
+        </p:nvSpPr>
+        <p:spPr/>
+        <p:txBody>
+          <a:bodyPr/>
+          <a:lstStyle/>
+          <a:p>
+            <a:r>
+              <a:rPr lang="en-IT"/>
+              <a:t>SCOSTAMENTO </a:t>
+            </a:r>
+            <a:r>
+              <a:rPr lang="en-IT">
+                <a:sym typeface="Wingdings" pitchFamily="2" charset="2"/>
+              </a:rPr>
+              <a:t> CONSUNTIVO – BUDGET</a:t>
+            </a:r>
+          </a:p>
+          <a:p>
+            <a:endParaRPr lang="en-IT">
+              <a:sym typeface="Wingdings" pitchFamily="2" charset="2"/>
+            </a:endParaRPr>
+          </a:p>
+          <a:p>
+            <a:pPr marL="0" marR="0" lvl="0" indent="0" algn="l" defTabSz="914400" rtl="0" eaLnBrk="1" fontAlgn="auto" latinLnBrk="0" hangingPunct="1">
+              <a:lnSpc>
+                <a:spcPct val="100000"/>
+              </a:lnSpc>
+              <a:spcBef>
+                <a:spcPts val="0"/>
+              </a:spcBef>
+              <a:spcAft>
+                <a:spcPts val="0"/>
+              </a:spcAft>
+              <a:buClrTx/>
+              <a:buSzTx/>
+              <a:buFontTx/>
+              <a:buNone/>
+              <a:tabLst/>
+              <a:defRPr/>
+            </a:pPr>
+            <a:r>
+              <a:rPr lang="it-IT" b="1"/>
+              <a:t>Nota</a:t>
+            </a:r>
+            <a:r>
+              <a:rPr lang="it-IT"/>
+              <a:t>: dovuto all’aumento dei volumi di produzione, sarebbe ragionevole aspettarsi uno scostamento positivo dei costi delle materie prime (un aumento del loro costo). Lo scostamento risulta comunque negativo perché, dovuto alla strategia impiegata per il calcolo degli scostamenti, combinazioni </a:t>
+            </a:r>
+            <a:r>
+              <a:rPr lang="it-IT" err="1"/>
+              <a:t>MateriaPrima</a:t>
+            </a:r>
+            <a:r>
+              <a:rPr lang="it-IT"/>
+              <a:t>-Articolo che non esistono sia a budget che a consuntivo causano una distorsione degli scostamenti di volume e impiego (per i quali è necessario usare insieme grandezze a consuntivo e a budget), in quanto in alcuni casi potrebbe non essere possibile trovare la grandezza necessaria a budget o a consuntivo. Certe strategie per mitigare questo problema sottintendevano l’uso di assunzioni che riteniamo essere troppo forti.</a:t>
+            </a:r>
+            <a:endParaRPr lang="it-IT" b="1"/>
+          </a:p>
+          <a:p>
+            <a:endParaRPr lang="en-IT">
+              <a:sym typeface="Wingdings" pitchFamily="2" charset="2"/>
+            </a:endParaRPr>
+          </a:p>
+          <a:p>
+            <a:r>
+              <a:rPr lang="en-IT">
+                <a:sym typeface="Wingdings" pitchFamily="2" charset="2"/>
+              </a:rPr>
+              <a:t>Il non aumento del costo delle materie prime è dovuto alla strategia adottata per il calcolo dei scostamenti intermedi, facciamo la deifferenza tra compo materiaprima.articoloConsuntivo – materiaprima.articoloBudget. Abbiamo notato che a volte tra budget e consuntivo cambiano le materie prime impiegate e quindi in tale casi la differenza non è possibile calcolarla.</a:t>
+            </a:r>
+          </a:p>
+          <a:p>
+            <a:endParaRPr lang="en-IT">
+              <a:sym typeface="Wingdings" pitchFamily="2" charset="2"/>
+            </a:endParaRPr>
+          </a:p>
+          <a:p>
+            <a:r>
+              <a:rPr lang="en-IT">
+                <a:sym typeface="Wingdings" pitchFamily="2" charset="2"/>
+              </a:rPr>
+              <a:t>Però </a:t>
+            </a:r>
+            <a:r>
+              <a:rPr lang="en-GB">
+                <a:sym typeface="Wingdings" pitchFamily="2" charset="2"/>
+              </a:rPr>
+              <a:t>I</a:t>
+            </a:r>
+            <a:r>
+              <a:rPr lang="en-IT">
+                <a:sym typeface="Wingdings" pitchFamily="2" charset="2"/>
+              </a:rPr>
+              <a:t> scostamenti finali sono stati fatti sui totali, quindi sommando </a:t>
+            </a:r>
+            <a:r>
+              <a:rPr lang="en-GB">
+                <a:sym typeface="Wingdings" pitchFamily="2" charset="2"/>
+              </a:rPr>
+              <a:t>I</a:t>
+            </a:r>
+            <a:r>
+              <a:rPr lang="en-IT">
+                <a:sym typeface="Wingdings" pitchFamily="2" charset="2"/>
+              </a:rPr>
+              <a:t> contributi di ogni riga. </a:t>
+            </a:r>
+          </a:p>
+        </p:txBody>
+      </p:sp>
+      <p:sp>
+        <p:nvSpPr>
+          <p:cNvPr id="4" name="Slide Number Placeholder 3"/>
+          <p:cNvSpPr>
+            <a:spLocks noGrp="1"/>
+          </p:cNvSpPr>
+          <p:nvPr>
+            <p:ph type="sldNum" sz="quarter" idx="5"/>
+          </p:nvPr>
+        </p:nvSpPr>
+        <p:spPr/>
+        <p:txBody>
+          <a:bodyPr/>
+          <a:lstStyle/>
+          <a:p>
+            <a:fld id="{97C9F6DE-76A6-FE4E-8A07-F2CE10989521}" type="slidenum">
+              <a:rPr lang="en-IT" smtClean="0"/>
+              <a:t>17</a:t>
+            </a:fld>
+            <a:endParaRPr lang="en-IT"/>
+          </a:p>
+        </p:txBody>
+      </p:sp>
+    </p:spTree>
+    <p:extLst>
+      <p:ext uri="{BB962C8B-B14F-4D97-AF65-F5344CB8AC3E}">
+        <p14:creationId xmlns:p14="http://schemas.microsoft.com/office/powerpoint/2010/main" val="764301183"/>
+      </p:ext>
+    </p:extLst>
+  </p:cSld>
+  <p:clrMapOvr>
+    <a:masterClrMapping/>
+  </p:clrMapOvr>
+</p:notes>
+</file>
+
+<file path=ppt/notesSlides/notesSlide16.xml><?xml version="1.0" encoding="utf-8"?>
+<p:notes xmlns:a="http://schemas.openxmlformats.org/drawingml/2006/main" xmlns:r="http://schemas.openxmlformats.org/officeDocument/2006/relationships" xmlns:p="http://schemas.openxmlformats.org/presentationml/2006/main">
+  <p:cSld>
+    <p:spTree>
+      <p:nvGrpSpPr>
+        <p:cNvPr id="1" name=""/>
+        <p:cNvGrpSpPr/>
+        <p:nvPr/>
+      </p:nvGrpSpPr>
+      <p:grpSpPr>
+        <a:xfrm>
+          <a:off x="0" y="0"/>
+          <a:ext cx="0" cy="0"/>
+          <a:chOff x="0" y="0"/>
+          <a:chExt cx="0" cy="0"/>
+        </a:xfrm>
+      </p:grpSpPr>
+      <p:sp>
+        <p:nvSpPr>
+          <p:cNvPr id="2" name="Slide Image Placeholder 1"/>
+          <p:cNvSpPr>
+            <a:spLocks noGrp="1" noRot="1" noChangeAspect="1"/>
+          </p:cNvSpPr>
+          <p:nvPr>
+            <p:ph type="sldImg"/>
+          </p:nvPr>
+        </p:nvSpPr>
+        <p:spPr/>
+      </p:sp>
+      <p:sp>
+        <p:nvSpPr>
+          <p:cNvPr id="3" name="Notes Placeholder 2"/>
+          <p:cNvSpPr>
+            <a:spLocks noGrp="1"/>
+          </p:cNvSpPr>
+          <p:nvPr>
+            <p:ph type="body" idx="1"/>
+          </p:nvPr>
+        </p:nvSpPr>
+        <p:spPr/>
+        <p:txBody>
+          <a:bodyPr/>
+          <a:lstStyle/>
+          <a:p>
+            <a:endParaRPr lang="en-IT"/>
+          </a:p>
+        </p:txBody>
+      </p:sp>
+      <p:sp>
+        <p:nvSpPr>
+          <p:cNvPr id="4" name="Slide Number Placeholder 3"/>
+          <p:cNvSpPr>
+            <a:spLocks noGrp="1"/>
+          </p:cNvSpPr>
+          <p:nvPr>
+            <p:ph type="sldNum" sz="quarter" idx="5"/>
+          </p:nvPr>
+        </p:nvSpPr>
+        <p:spPr/>
+        <p:txBody>
+          <a:bodyPr/>
+          <a:lstStyle/>
+          <a:p>
+            <a:fld id="{97C9F6DE-76A6-FE4E-8A07-F2CE10989521}" type="slidenum">
+              <a:rPr lang="en-IT" smtClean="0"/>
+              <a:t>19</a:t>
+            </a:fld>
+            <a:endParaRPr lang="en-IT"/>
+          </a:p>
+        </p:txBody>
+      </p:sp>
+    </p:spTree>
+    <p:extLst>
+      <p:ext uri="{BB962C8B-B14F-4D97-AF65-F5344CB8AC3E}">
+        <p14:creationId xmlns:p14="http://schemas.microsoft.com/office/powerpoint/2010/main" val="1224279054"/>
+      </p:ext>
+    </p:extLst>
+  </p:cSld>
+  <p:clrMapOvr>
+    <a:masterClrMapping/>
+  </p:clrMapOvr>
+</p:notes>
+</file>
+
+<file path=ppt/notesSlides/notesSlide17.xml><?xml version="1.0" encoding="utf-8"?>
+<p:notes xmlns:a="http://schemas.openxmlformats.org/drawingml/2006/main" xmlns:r="http://schemas.openxmlformats.org/officeDocument/2006/relationships" xmlns:p="http://schemas.openxmlformats.org/presentationml/2006/main">
+  <p:cSld>
+    <p:spTree>
+      <p:nvGrpSpPr>
+        <p:cNvPr id="1" name=""/>
+        <p:cNvGrpSpPr/>
+        <p:nvPr/>
+      </p:nvGrpSpPr>
+      <p:grpSpPr>
+        <a:xfrm>
+          <a:off x="0" y="0"/>
+          <a:ext cx="0" cy="0"/>
+          <a:chOff x="0" y="0"/>
+          <a:chExt cx="0" cy="0"/>
+        </a:xfrm>
+      </p:grpSpPr>
+      <p:sp>
+        <p:nvSpPr>
+          <p:cNvPr id="2" name="Slide Image Placeholder 1"/>
+          <p:cNvSpPr>
+            <a:spLocks noGrp="1" noRot="1" noChangeAspect="1"/>
+          </p:cNvSpPr>
+          <p:nvPr>
+            <p:ph type="sldImg"/>
+          </p:nvPr>
+        </p:nvSpPr>
+        <p:spPr/>
+      </p:sp>
+      <p:sp>
+        <p:nvSpPr>
+          <p:cNvPr id="3" name="Notes Placeholder 2"/>
+          <p:cNvSpPr>
+            <a:spLocks noGrp="1"/>
+          </p:cNvSpPr>
+          <p:nvPr>
+            <p:ph type="body" idx="1"/>
+          </p:nvPr>
+        </p:nvSpPr>
+        <p:spPr/>
+        <p:txBody>
+          <a:bodyPr/>
+          <a:lstStyle/>
+          <a:p>
+            <a:r>
+              <a:rPr lang="en-IT"/>
+              <a:t>SCOSTAMENTO SUL MARGINE</a:t>
+            </a:r>
+          </a:p>
+          <a:p>
+            <a:endParaRPr lang="en-IT"/>
+          </a:p>
+        </p:txBody>
+      </p:sp>
+      <p:sp>
+        <p:nvSpPr>
+          <p:cNvPr id="4" name="Slide Number Placeholder 3"/>
+          <p:cNvSpPr>
+            <a:spLocks noGrp="1"/>
+          </p:cNvSpPr>
+          <p:nvPr>
+            <p:ph type="sldNum" sz="quarter" idx="5"/>
+          </p:nvPr>
+        </p:nvSpPr>
+        <p:spPr/>
+        <p:txBody>
+          <a:bodyPr/>
+          <a:lstStyle/>
+          <a:p>
+            <a:fld id="{97C9F6DE-76A6-FE4E-8A07-F2CE10989521}" type="slidenum">
+              <a:rPr lang="en-IT" smtClean="0"/>
+              <a:t>20</a:t>
+            </a:fld>
+            <a:endParaRPr lang="en-IT"/>
+          </a:p>
+        </p:txBody>
+      </p:sp>
+    </p:spTree>
+    <p:extLst>
+      <p:ext uri="{BB962C8B-B14F-4D97-AF65-F5344CB8AC3E}">
+        <p14:creationId xmlns:p14="http://schemas.microsoft.com/office/powerpoint/2010/main" val="3283705839"/>
+      </p:ext>
+    </p:extLst>
+  </p:cSld>
+  <p:clrMapOvr>
+    <a:masterClrMapping/>
+  </p:clrMapOvr>
+</p:notes>
+</file>
+
+<file path=ppt/notesSlides/notesSlide2.xml><?xml version="1.0" encoding="utf-8"?>
+<p:notes xmlns:a="http://schemas.openxmlformats.org/drawingml/2006/main" xmlns:r="http://schemas.openxmlformats.org/officeDocument/2006/relationships" xmlns:p="http://schemas.openxmlformats.org/presentationml/2006/main">
+  <p:cSld>
+    <p:spTree>
+      <p:nvGrpSpPr>
+        <p:cNvPr id="1" name=""/>
+        <p:cNvGrpSpPr/>
+        <p:nvPr/>
+      </p:nvGrpSpPr>
+      <p:grpSpPr>
+        <a:xfrm>
+          <a:off x="0" y="0"/>
+          <a:ext cx="0" cy="0"/>
+          <a:chOff x="0" y="0"/>
+          <a:chExt cx="0" cy="0"/>
+        </a:xfrm>
+      </p:grpSpPr>
+      <p:sp>
+        <p:nvSpPr>
+          <p:cNvPr id="2" name="Slide Image Placeholder 1"/>
+          <p:cNvSpPr>
+            <a:spLocks noGrp="1" noRot="1" noChangeAspect="1"/>
+          </p:cNvSpPr>
+          <p:nvPr>
+            <p:ph type="sldImg"/>
+          </p:nvPr>
+        </p:nvSpPr>
+        <p:spPr/>
+      </p:sp>
+      <p:sp>
+        <p:nvSpPr>
+          <p:cNvPr id="3" name="Notes Placeholder 2"/>
+          <p:cNvSpPr>
+            <a:spLocks noGrp="1"/>
+          </p:cNvSpPr>
+          <p:nvPr>
+            <p:ph type="body" idx="1"/>
+          </p:nvPr>
+        </p:nvSpPr>
+        <p:spPr/>
+        <p:txBody>
+          <a:bodyPr/>
+          <a:lstStyle/>
+          <a:p>
+            <a:pPr marL="171450" indent="-171450">
+              <a:buFontTx/>
+              <a:buChar char="-"/>
+            </a:pPr>
+            <a:r>
+              <a:rPr lang="en-IT"/>
+              <a:t>In Impiego orario risorse  per ogni articolo ci sono più righe in quanto per la produzione di un articolo sono necessarie più fasi di produzione</a:t>
+            </a:r>
+          </a:p>
+          <a:p>
+            <a:pPr marL="171450" indent="-171450">
+              <a:buFontTx/>
+              <a:buChar char="-"/>
+            </a:pPr>
+            <a:r>
+              <a:rPr lang="en-IT"/>
+              <a:t>ODP: ordine di produzione</a:t>
+            </a:r>
+          </a:p>
+          <a:p>
+            <a:pPr marL="171450" indent="-171450">
+              <a:buFontTx/>
+              <a:buChar char="-"/>
+            </a:pPr>
+            <a:r>
+              <a:rPr lang="en-GB"/>
+              <a:t>A</a:t>
+            </a:r>
+            <a:r>
+              <a:rPr lang="en-IT"/>
+              <a:t>bbiamo fuso insieme impiego orario risorse e costo orario risorse riuscendo a calcolarci il costo totale per ogni fase</a:t>
+            </a:r>
+          </a:p>
+          <a:p>
+            <a:pPr marL="171450" indent="-171450">
+              <a:buFontTx/>
+              <a:buChar char="-"/>
+            </a:pPr>
+            <a:r>
+              <a:rPr lang="en-IT"/>
+              <a:t>Un’altro risultato intermedio è stato creato metendo insieme clienti, tassu di cambio e vendite, ottenendo una struttura dati delle vendite con l’importo totale in EUR</a:t>
+            </a:r>
+          </a:p>
+          <a:p>
+            <a:pPr marL="171450" indent="-171450">
+              <a:buFontTx/>
+              <a:buChar char="-"/>
+            </a:pPr>
+            <a:endParaRPr lang="en-IT"/>
+          </a:p>
+        </p:txBody>
+      </p:sp>
+      <p:sp>
+        <p:nvSpPr>
+          <p:cNvPr id="4" name="Slide Number Placeholder 3"/>
+          <p:cNvSpPr>
+            <a:spLocks noGrp="1"/>
+          </p:cNvSpPr>
+          <p:nvPr>
+            <p:ph type="sldNum" sz="quarter" idx="5"/>
+          </p:nvPr>
+        </p:nvSpPr>
+        <p:spPr/>
+        <p:txBody>
+          <a:bodyPr/>
+          <a:lstStyle/>
+          <a:p>
+            <a:fld id="{97C9F6DE-76A6-FE4E-8A07-F2CE10989521}" type="slidenum">
+              <a:rPr lang="en-IT" smtClean="0"/>
+              <a:t>4</a:t>
+            </a:fld>
+            <a:endParaRPr lang="en-IT"/>
+          </a:p>
+        </p:txBody>
+      </p:sp>
+    </p:spTree>
+    <p:extLst>
+      <p:ext uri="{BB962C8B-B14F-4D97-AF65-F5344CB8AC3E}">
+        <p14:creationId xmlns:p14="http://schemas.microsoft.com/office/powerpoint/2010/main" val="350192980"/>
+      </p:ext>
+    </p:extLst>
+  </p:cSld>
+  <p:clrMapOvr>
+    <a:masterClrMapping/>
+  </p:clrMapOvr>
+</p:notes>
+</file>
+
+<file path=ppt/notesSlides/notesSlide3.xml><?xml version="1.0" encoding="utf-8"?>
+<p:notes xmlns:a="http://schemas.openxmlformats.org/drawingml/2006/main" xmlns:r="http://schemas.openxmlformats.org/officeDocument/2006/relationships" xmlns:p="http://schemas.openxmlformats.org/presentationml/2006/main">
+  <p:cSld>
+    <p:spTree>
+      <p:nvGrpSpPr>
+        <p:cNvPr id="1" name=""/>
+        <p:cNvGrpSpPr/>
+        <p:nvPr/>
+      </p:nvGrpSpPr>
+      <p:grpSpPr>
+        <a:xfrm>
+          <a:off x="0" y="0"/>
+          <a:ext cx="0" cy="0"/>
+          <a:chOff x="0" y="0"/>
+          <a:chExt cx="0" cy="0"/>
+        </a:xfrm>
+      </p:grpSpPr>
+      <p:sp>
+        <p:nvSpPr>
+          <p:cNvPr id="2" name="Slide Image Placeholder 1"/>
+          <p:cNvSpPr>
+            <a:spLocks noGrp="1" noRot="1" noChangeAspect="1"/>
+          </p:cNvSpPr>
+          <p:nvPr>
+            <p:ph type="sldImg"/>
+          </p:nvPr>
+        </p:nvSpPr>
+        <p:spPr/>
+      </p:sp>
+      <p:sp>
+        <p:nvSpPr>
+          <p:cNvPr id="3" name="Notes Placeholder 2"/>
+          <p:cNvSpPr>
+            <a:spLocks noGrp="1"/>
+          </p:cNvSpPr>
+          <p:nvPr>
+            <p:ph type="body" idx="1"/>
+          </p:nvPr>
+        </p:nvSpPr>
+        <p:spPr/>
+        <p:txBody>
+          <a:bodyPr/>
+          <a:lstStyle/>
+          <a:p>
+            <a:r>
+              <a:rPr lang="en-IT"/>
+              <a:t>1 – Scegliamo il massimo valore output perché abbiamo osservato che tendenzialmente il valore di output del prodotto dalle fasi finali, spesso dal CONTROLLO QUALITA’ corrisponde al valore massimo di produzione. Un’idea che ci è venuta in mente per scegliere il valore di output era stata quella di prendere il valore dell’ultima fase di produzione al interno del ciclo di produzione, ma abbiamo osservato che da articolo a articolo cambia molto il pattern e quindi non siamo riusciti a fare una tale implementazione. </a:t>
+            </a:r>
+          </a:p>
+          <a:p>
+            <a:r>
+              <a:rPr lang="en-IT"/>
+              <a:t>E non abbiamo scelto come valore di output quello delle fasi Controllo Qualità e nenache quello del Montaggio in quanto questi fasi si riscontrano nella minoranza dei articoli circa nel 25% dei casi.</a:t>
+            </a:r>
+          </a:p>
+          <a:p>
+            <a:endParaRPr lang="en-IT"/>
+          </a:p>
+          <a:p>
+            <a:pPr marL="0" marR="0" lvl="0" indent="0" algn="l" defTabSz="914400" rtl="0" eaLnBrk="1" fontAlgn="auto" latinLnBrk="0" hangingPunct="1">
+              <a:lnSpc>
+                <a:spcPct val="100000"/>
+              </a:lnSpc>
+              <a:spcBef>
+                <a:spcPts val="0"/>
+              </a:spcBef>
+              <a:spcAft>
+                <a:spcPts val="0"/>
+              </a:spcAft>
+              <a:buClrTx/>
+              <a:buSzTx/>
+              <a:buFontTx/>
+              <a:buNone/>
+              <a:tabLst/>
+              <a:defRPr/>
+            </a:pPr>
+            <a:r>
+              <a:rPr lang="it-IT"/>
+              <a:t>Altrimenti se non esistono queste condizioni non viene preso in considerazione il prodotto perché potrebbe esserci stato una difettosità del prodotto. In effetti dato che il calcolo del costo della fase di lavorazione tiene conto della quantità di output, questo costo sarà nullo.</a:t>
+            </a:r>
+          </a:p>
+          <a:p>
+            <a:endParaRPr lang="en-IT"/>
+          </a:p>
+          <a:p>
+            <a:r>
+              <a:rPr lang="en-IT"/>
+              <a:t>Il costo sarà nullo per come l’abbiamo impostato noi</a:t>
+            </a:r>
+          </a:p>
+          <a:p>
+            <a:endParaRPr lang="en-IT"/>
+          </a:p>
+        </p:txBody>
+      </p:sp>
+      <p:sp>
+        <p:nvSpPr>
+          <p:cNvPr id="4" name="Slide Number Placeholder 3"/>
+          <p:cNvSpPr>
+            <a:spLocks noGrp="1"/>
+          </p:cNvSpPr>
+          <p:nvPr>
+            <p:ph type="sldNum" sz="quarter" idx="5"/>
+          </p:nvPr>
+        </p:nvSpPr>
+        <p:spPr/>
+        <p:txBody>
+          <a:bodyPr/>
+          <a:lstStyle/>
+          <a:p>
+            <a:fld id="{97C9F6DE-76A6-FE4E-8A07-F2CE10989521}" type="slidenum">
+              <a:rPr lang="en-IT" smtClean="0"/>
+              <a:t>5</a:t>
+            </a:fld>
+            <a:endParaRPr lang="en-IT"/>
+          </a:p>
+        </p:txBody>
+      </p:sp>
+    </p:spTree>
+    <p:extLst>
+      <p:ext uri="{BB962C8B-B14F-4D97-AF65-F5344CB8AC3E}">
+        <p14:creationId xmlns:p14="http://schemas.microsoft.com/office/powerpoint/2010/main" val="3465227737"/>
+      </p:ext>
+    </p:extLst>
+  </p:cSld>
+  <p:clrMapOvr>
+    <a:masterClrMapping/>
+  </p:clrMapOvr>
+</p:notes>
+</file>
+
+<file path=ppt/notesSlides/notesSlide4.xml><?xml version="1.0" encoding="utf-8"?>
+<p:notes xmlns:a="http://schemas.openxmlformats.org/drawingml/2006/main" xmlns:r="http://schemas.openxmlformats.org/officeDocument/2006/relationships" xmlns:p="http://schemas.openxmlformats.org/presentationml/2006/main">
+  <p:cSld>
+    <p:spTree>
+      <p:nvGrpSpPr>
+        <p:cNvPr id="1" name=""/>
+        <p:cNvGrpSpPr/>
+        <p:nvPr/>
+      </p:nvGrpSpPr>
+      <p:grpSpPr>
+        <a:xfrm>
+          <a:off x="0" y="0"/>
+          <a:ext cx="0" cy="0"/>
+          <a:chOff x="0" y="0"/>
+          <a:chExt cx="0" cy="0"/>
+        </a:xfrm>
+      </p:grpSpPr>
+      <p:sp>
+        <p:nvSpPr>
+          <p:cNvPr id="2" name="Slide Image Placeholder 1"/>
+          <p:cNvSpPr>
+            <a:spLocks noGrp="1" noRot="1" noChangeAspect="1"/>
+          </p:cNvSpPr>
+          <p:nvPr>
+            <p:ph type="sldImg"/>
+          </p:nvPr>
+        </p:nvSpPr>
+        <p:spPr/>
+      </p:sp>
+      <p:sp>
+        <p:nvSpPr>
+          <p:cNvPr id="3" name="Notes Placeholder 2"/>
+          <p:cNvSpPr>
+            <a:spLocks noGrp="1"/>
+          </p:cNvSpPr>
+          <p:nvPr>
+            <p:ph type="body" idx="1"/>
+          </p:nvPr>
+        </p:nvSpPr>
+        <p:spPr/>
+        <p:txBody>
+          <a:bodyPr/>
+          <a:lstStyle/>
+          <a:p>
+            <a:r>
+              <a:rPr lang="en-GB"/>
+              <a:t>C</a:t>
+            </a:r>
+            <a:r>
+              <a:rPr lang="en-IT"/>
+              <a:t>ome possiamo osservare, spesso il valore massimo si avvicina a quello del output di ControlloQualità</a:t>
+            </a:r>
+          </a:p>
+          <a:p>
+            <a:r>
+              <a:rPr lang="en-GB"/>
+              <a:t>Ma </a:t>
+            </a:r>
+            <a:r>
+              <a:rPr lang="en-GB" err="1"/>
+              <a:t>comunque</a:t>
+            </a:r>
+            <a:r>
+              <a:rPr lang="en-GB"/>
+              <a:t> non </a:t>
+            </a:r>
+            <a:r>
+              <a:rPr lang="en-GB" err="1"/>
+              <a:t>abbiamo</a:t>
+            </a:r>
+            <a:r>
+              <a:rPr lang="en-GB"/>
+              <a:t> </a:t>
+            </a:r>
+            <a:r>
+              <a:rPr lang="en-GB" err="1"/>
+              <a:t>scelto</a:t>
+            </a:r>
+            <a:r>
+              <a:rPr lang="en-GB"/>
+              <a:t> </a:t>
+            </a:r>
+            <a:r>
+              <a:rPr lang="en-GB" err="1"/>
+              <a:t>quello</a:t>
+            </a:r>
+            <a:r>
+              <a:rPr lang="en-GB"/>
+              <a:t> di </a:t>
+            </a:r>
+            <a:r>
+              <a:rPr lang="en-GB" err="1"/>
+              <a:t>controllo</a:t>
+            </a:r>
+            <a:r>
+              <a:rPr lang="en-GB"/>
+              <a:t> </a:t>
+            </a:r>
+            <a:r>
+              <a:rPr lang="en-GB" err="1"/>
+              <a:t>qualità</a:t>
+            </a:r>
+            <a:r>
+              <a:rPr lang="en-GB"/>
+              <a:t> </a:t>
+            </a:r>
+            <a:r>
+              <a:rPr lang="en-GB" err="1"/>
+              <a:t>abbiamo</a:t>
+            </a:r>
+            <a:r>
+              <a:rPr lang="en-GB"/>
+              <a:t> </a:t>
+            </a:r>
+            <a:r>
+              <a:rPr lang="en-GB" err="1"/>
+              <a:t>trovato</a:t>
+            </a:r>
+            <a:r>
+              <a:rPr lang="en-GB"/>
+              <a:t> una </a:t>
+            </a:r>
+            <a:r>
+              <a:rPr lang="en-GB" err="1"/>
+              <a:t>buona</a:t>
+            </a:r>
+            <a:r>
+              <a:rPr lang="en-GB"/>
+              <a:t> </a:t>
+            </a:r>
+            <a:r>
+              <a:rPr lang="en-GB" err="1"/>
+              <a:t>parte</a:t>
+            </a:r>
+            <a:r>
+              <a:rPr lang="en-GB"/>
+              <a:t> </a:t>
+            </a:r>
+            <a:r>
+              <a:rPr lang="en-GB" err="1"/>
+              <a:t>degli</a:t>
+            </a:r>
+            <a:r>
+              <a:rPr lang="en-GB"/>
+              <a:t> </a:t>
+            </a:r>
+            <a:r>
+              <a:rPr lang="en-GB" err="1"/>
+              <a:t>articoli</a:t>
+            </a:r>
+            <a:r>
+              <a:rPr lang="en-GB"/>
+              <a:t> </a:t>
+            </a:r>
+            <a:r>
+              <a:rPr lang="en-GB" err="1"/>
+              <a:t>che</a:t>
+            </a:r>
+            <a:r>
+              <a:rPr lang="en-GB"/>
+              <a:t> non </a:t>
+            </a:r>
+            <a:r>
+              <a:rPr lang="en-GB" err="1"/>
+              <a:t>hanno</a:t>
+            </a:r>
+            <a:r>
+              <a:rPr lang="en-GB"/>
+              <a:t> </a:t>
+            </a:r>
+            <a:r>
+              <a:rPr lang="en-GB" err="1"/>
+              <a:t>questa</a:t>
+            </a:r>
+            <a:r>
+              <a:rPr lang="en-GB"/>
+              <a:t> </a:t>
+            </a:r>
+            <a:r>
+              <a:rPr lang="en-GB" err="1"/>
+              <a:t>fase</a:t>
+            </a:r>
+            <a:r>
+              <a:rPr lang="en-IT"/>
+              <a:t> di produzione </a:t>
+            </a:r>
+          </a:p>
+          <a:p>
+            <a:endParaRPr lang="en-IT"/>
+          </a:p>
+          <a:p>
+            <a:r>
+              <a:rPr lang="en-GB"/>
+              <a:t>Q</a:t>
+            </a:r>
+            <a:r>
+              <a:rPr lang="en-IT"/>
+              <a:t>ui abbiamo l’esempio di quantità zero ma anche di costo di fasi differenti</a:t>
+            </a:r>
+          </a:p>
+          <a:p>
+            <a:endParaRPr lang="en-GB"/>
+          </a:p>
+        </p:txBody>
+      </p:sp>
+      <p:sp>
+        <p:nvSpPr>
+          <p:cNvPr id="4" name="Slide Number Placeholder 3"/>
+          <p:cNvSpPr>
+            <a:spLocks noGrp="1"/>
+          </p:cNvSpPr>
+          <p:nvPr>
+            <p:ph type="sldNum" sz="quarter" idx="5"/>
+          </p:nvPr>
+        </p:nvSpPr>
+        <p:spPr/>
+        <p:txBody>
+          <a:bodyPr/>
+          <a:lstStyle/>
+          <a:p>
+            <a:fld id="{97C9F6DE-76A6-FE4E-8A07-F2CE10989521}" type="slidenum">
+              <a:rPr lang="en-IT" smtClean="0"/>
+              <a:t>6</a:t>
+            </a:fld>
+            <a:endParaRPr lang="en-IT"/>
+          </a:p>
+        </p:txBody>
+      </p:sp>
+    </p:spTree>
+    <p:extLst>
+      <p:ext uri="{BB962C8B-B14F-4D97-AF65-F5344CB8AC3E}">
+        <p14:creationId xmlns:p14="http://schemas.microsoft.com/office/powerpoint/2010/main" val="3393018553"/>
+      </p:ext>
+    </p:extLst>
+  </p:cSld>
+  <p:clrMapOvr>
+    <a:masterClrMapping/>
+  </p:clrMapOvr>
+</p:notes>
+</file>
+
+<file path=ppt/notesSlides/notesSlide5.xml><?xml version="1.0" encoding="utf-8"?>
+<p:notes xmlns:a="http://schemas.openxmlformats.org/drawingml/2006/main" xmlns:r="http://schemas.openxmlformats.org/officeDocument/2006/relationships" xmlns:p="http://schemas.openxmlformats.org/presentationml/2006/main">
+  <p:cSld>
+    <p:spTree>
+      <p:nvGrpSpPr>
+        <p:cNvPr id="1" name=""/>
+        <p:cNvGrpSpPr/>
+        <p:nvPr/>
+      </p:nvGrpSpPr>
+      <p:grpSpPr>
+        <a:xfrm>
+          <a:off x="0" y="0"/>
+          <a:ext cx="0" cy="0"/>
+          <a:chOff x="0" y="0"/>
+          <a:chExt cx="0" cy="0"/>
+        </a:xfrm>
+      </p:grpSpPr>
+      <p:sp>
+        <p:nvSpPr>
+          <p:cNvPr id="2" name="Slide Image Placeholder 1"/>
+          <p:cNvSpPr>
+            <a:spLocks noGrp="1" noRot="1" noChangeAspect="1"/>
+          </p:cNvSpPr>
+          <p:nvPr>
+            <p:ph type="sldImg"/>
+          </p:nvPr>
+        </p:nvSpPr>
+        <p:spPr/>
+      </p:sp>
+      <p:sp>
+        <p:nvSpPr>
+          <p:cNvPr id="3" name="Notes Placeholder 2"/>
+          <p:cNvSpPr>
+            <a:spLocks noGrp="1"/>
+          </p:cNvSpPr>
+          <p:nvPr>
+            <p:ph type="body" idx="1"/>
+          </p:nvPr>
+        </p:nvSpPr>
+        <p:spPr/>
+        <p:txBody>
+          <a:bodyPr/>
+          <a:lstStyle/>
+          <a:p>
+            <a:r>
+              <a:rPr lang="en-IT"/>
+              <a:t>2 – Quindi le quantità delle rittifiche in output non vengono considerate. Quasi sempre in corrispondenza di un tempo negativo troviamo la stessa fase per lo stesso articolo con un tempo positivo che sommato a quello negativo diventa aprossimativamente nullo.</a:t>
+            </a:r>
+          </a:p>
+        </p:txBody>
+      </p:sp>
+      <p:sp>
+        <p:nvSpPr>
+          <p:cNvPr id="4" name="Slide Number Placeholder 3"/>
+          <p:cNvSpPr>
+            <a:spLocks noGrp="1"/>
+          </p:cNvSpPr>
+          <p:nvPr>
+            <p:ph type="sldNum" sz="quarter" idx="5"/>
+          </p:nvPr>
+        </p:nvSpPr>
+        <p:spPr/>
+        <p:txBody>
+          <a:bodyPr/>
+          <a:lstStyle/>
+          <a:p>
+            <a:fld id="{97C9F6DE-76A6-FE4E-8A07-F2CE10989521}" type="slidenum">
+              <a:rPr lang="en-IT" smtClean="0"/>
+              <a:t>7</a:t>
+            </a:fld>
+            <a:endParaRPr lang="en-IT"/>
+          </a:p>
+        </p:txBody>
+      </p:sp>
+    </p:spTree>
+    <p:extLst>
+      <p:ext uri="{BB962C8B-B14F-4D97-AF65-F5344CB8AC3E}">
+        <p14:creationId xmlns:p14="http://schemas.microsoft.com/office/powerpoint/2010/main" val="1033150943"/>
+      </p:ext>
+    </p:extLst>
+  </p:cSld>
+  <p:clrMapOvr>
+    <a:masterClrMapping/>
+  </p:clrMapOvr>
+</p:notes>
+</file>
+
+<file path=ppt/notesSlides/notesSlide6.xml><?xml version="1.0" encoding="utf-8"?>
+<p:notes xmlns:a="http://schemas.openxmlformats.org/drawingml/2006/main" xmlns:r="http://schemas.openxmlformats.org/officeDocument/2006/relationships" xmlns:p="http://schemas.openxmlformats.org/presentationml/2006/main">
+  <p:cSld>
+    <p:spTree>
+      <p:nvGrpSpPr>
+        <p:cNvPr id="1" name=""/>
+        <p:cNvGrpSpPr/>
+        <p:nvPr/>
+      </p:nvGrpSpPr>
+      <p:grpSpPr>
+        <a:xfrm>
+          <a:off x="0" y="0"/>
+          <a:ext cx="0" cy="0"/>
+          <a:chOff x="0" y="0"/>
+          <a:chExt cx="0" cy="0"/>
+        </a:xfrm>
+      </p:grpSpPr>
+      <p:sp>
+        <p:nvSpPr>
+          <p:cNvPr id="2" name="Slide Image Placeholder 1"/>
+          <p:cNvSpPr>
+            <a:spLocks noGrp="1" noRot="1" noChangeAspect="1"/>
+          </p:cNvSpPr>
+          <p:nvPr>
+            <p:ph type="sldImg"/>
+          </p:nvPr>
+        </p:nvSpPr>
+        <p:spPr/>
+      </p:sp>
+      <p:sp>
+        <p:nvSpPr>
+          <p:cNvPr id="3" name="Notes Placeholder 2"/>
+          <p:cNvSpPr>
+            <a:spLocks noGrp="1"/>
+          </p:cNvSpPr>
+          <p:nvPr>
+            <p:ph type="body" idx="1"/>
+          </p:nvPr>
+        </p:nvSpPr>
+        <p:spPr/>
+        <p:txBody>
+          <a:bodyPr/>
+          <a:lstStyle/>
+          <a:p>
+            <a:r>
+              <a:rPr lang="en-IT"/>
+              <a:t>1 – Di questa cosa ci siamo accorti confrontando gli articoli per cui sono state impiegate delle risorse e gli articoli venduti, la differenza era di circa 90 articoli, 80 dei quali erano dei prodoti intermedi.</a:t>
+            </a:r>
+          </a:p>
+          <a:p>
+            <a:r>
+              <a:rPr lang="en-IT"/>
+              <a:t>2 – Il dubbio ci è venuto perché nel impiego risorse abbiamo la colonna del IMPORTO TOTALE e quindi potrebbe essere che il costo del articolo usato come materia prima sia incluso in tale IMPORTO.</a:t>
+            </a:r>
+          </a:p>
+          <a:p>
+            <a:r>
+              <a:rPr lang="en-IT"/>
+              <a:t>3 – G</a:t>
+            </a:r>
+            <a:r>
+              <a:rPr lang="en-GB"/>
+              <a:t>l</a:t>
+            </a:r>
+            <a:r>
+              <a:rPr lang="en-IT"/>
+              <a:t>i articolo intermedi non vengono venduti</a:t>
+            </a:r>
+          </a:p>
+        </p:txBody>
+      </p:sp>
+      <p:sp>
+        <p:nvSpPr>
+          <p:cNvPr id="4" name="Slide Number Placeholder 3"/>
+          <p:cNvSpPr>
+            <a:spLocks noGrp="1"/>
+          </p:cNvSpPr>
+          <p:nvPr>
+            <p:ph type="sldNum" sz="quarter" idx="5"/>
+          </p:nvPr>
+        </p:nvSpPr>
+        <p:spPr/>
+        <p:txBody>
+          <a:bodyPr/>
+          <a:lstStyle/>
+          <a:p>
+            <a:fld id="{97C9F6DE-76A6-FE4E-8A07-F2CE10989521}" type="slidenum">
+              <a:rPr lang="en-IT" smtClean="0"/>
+              <a:t>8</a:t>
+            </a:fld>
+            <a:endParaRPr lang="en-IT"/>
+          </a:p>
+        </p:txBody>
+      </p:sp>
+    </p:spTree>
+    <p:extLst>
+      <p:ext uri="{BB962C8B-B14F-4D97-AF65-F5344CB8AC3E}">
+        <p14:creationId xmlns:p14="http://schemas.microsoft.com/office/powerpoint/2010/main" val="1284717917"/>
+      </p:ext>
+    </p:extLst>
+  </p:cSld>
+  <p:clrMapOvr>
+    <a:masterClrMapping/>
+  </p:clrMapOvr>
+</p:notes>
+</file>
+
+<file path=ppt/notesSlides/notesSlide7.xml><?xml version="1.0" encoding="utf-8"?>
+<p:notes xmlns:a="http://schemas.openxmlformats.org/drawingml/2006/main" xmlns:r="http://schemas.openxmlformats.org/officeDocument/2006/relationships" xmlns:p="http://schemas.openxmlformats.org/presentationml/2006/main">
+  <p:cSld>
+    <p:spTree>
+      <p:nvGrpSpPr>
+        <p:cNvPr id="1" name=""/>
+        <p:cNvGrpSpPr/>
+        <p:nvPr/>
+      </p:nvGrpSpPr>
+      <p:grpSpPr>
+        <a:xfrm>
+          <a:off x="0" y="0"/>
+          <a:ext cx="0" cy="0"/>
+          <a:chOff x="0" y="0"/>
+          <a:chExt cx="0" cy="0"/>
+        </a:xfrm>
+      </p:grpSpPr>
+      <p:sp>
+        <p:nvSpPr>
+          <p:cNvPr id="2" name="Slide Image Placeholder 1"/>
+          <p:cNvSpPr>
+            <a:spLocks noGrp="1" noRot="1" noChangeAspect="1"/>
+          </p:cNvSpPr>
+          <p:nvPr>
+            <p:ph type="sldImg"/>
+          </p:nvPr>
+        </p:nvSpPr>
+        <p:spPr/>
+      </p:sp>
+      <p:sp>
+        <p:nvSpPr>
+          <p:cNvPr id="3" name="Notes Placeholder 2"/>
+          <p:cNvSpPr>
+            <a:spLocks noGrp="1"/>
+          </p:cNvSpPr>
+          <p:nvPr>
+            <p:ph type="body" idx="1"/>
+          </p:nvPr>
+        </p:nvSpPr>
+        <p:spPr/>
+        <p:txBody>
+          <a:bodyPr/>
+          <a:lstStyle/>
+          <a:p>
+            <a:r>
+              <a:rPr lang="it-IT" noProof="0"/>
+              <a:t>&gt;&gt; non sarebbe possibile calcolare scostamenti per quei articoli che ho venduto da magazzino e quindi non ho prodotto E…..E articoli che ho prodotto quindi per i quali ho sostenuto i costi ma non gli ho venduto, in quanto pensiamo che siano rimasti a magazzino</a:t>
+            </a:r>
+          </a:p>
+          <a:p>
+            <a:r>
+              <a:rPr lang="it-IT" noProof="0"/>
+              <a:t>&gt;&gt; abbiamo pensato anche di prendere di usare un volume unico sia per produzione che per le vendite ma avremmo ridotto l’informazione disponibile</a:t>
+            </a:r>
+          </a:p>
+          <a:p>
+            <a:endParaRPr lang="it-IT" noProof="0"/>
+          </a:p>
+          <a:p>
+            <a:r>
+              <a:rPr lang="it-IT" noProof="0"/>
+              <a:t>E PIU’ UN DISCORSO DI VOLUME CHE DI ARTICOLI DIVERSI</a:t>
+            </a:r>
+          </a:p>
+          <a:p>
+            <a:endParaRPr lang="it-IT" noProof="0"/>
+          </a:p>
+          <a:p>
+            <a:r>
+              <a:rPr lang="it-IT" noProof="0"/>
+              <a:t>Non sarebbe possibile calcolare dei scostamenti accurati in quanto dovrei calcolare il prezzo unitario del articolo e l’impiego unitario del articolo. Se ho prodotto 5 ma venduto 10 effettuando i calcoli con un unico volume otterremmo un risultato sbagliato.</a:t>
+            </a:r>
+          </a:p>
+        </p:txBody>
+      </p:sp>
+      <p:sp>
+        <p:nvSpPr>
+          <p:cNvPr id="4" name="Slide Number Placeholder 3"/>
+          <p:cNvSpPr>
+            <a:spLocks noGrp="1"/>
+          </p:cNvSpPr>
+          <p:nvPr>
+            <p:ph type="sldNum" sz="quarter" idx="5"/>
+          </p:nvPr>
+        </p:nvSpPr>
+        <p:spPr/>
+        <p:txBody>
+          <a:bodyPr/>
+          <a:lstStyle/>
+          <a:p>
+            <a:fld id="{97C9F6DE-76A6-FE4E-8A07-F2CE10989521}" type="slidenum">
+              <a:rPr lang="en-IT" smtClean="0"/>
+              <a:t>9</a:t>
+            </a:fld>
+            <a:endParaRPr lang="en-IT"/>
+          </a:p>
+        </p:txBody>
+      </p:sp>
+    </p:spTree>
+    <p:extLst>
+      <p:ext uri="{BB962C8B-B14F-4D97-AF65-F5344CB8AC3E}">
+        <p14:creationId xmlns:p14="http://schemas.microsoft.com/office/powerpoint/2010/main" val="5739916"/>
+      </p:ext>
+    </p:extLst>
+  </p:cSld>
+  <p:clrMapOvr>
+    <a:masterClrMapping/>
+  </p:clrMapOvr>
+</p:notes>
+</file>
+
+<file path=ppt/notesSlides/notesSlide8.xml><?xml version="1.0" encoding="utf-8"?>
+<p:notes xmlns:a="http://schemas.openxmlformats.org/drawingml/2006/main" xmlns:r="http://schemas.openxmlformats.org/officeDocument/2006/relationships" xmlns:p="http://schemas.openxmlformats.org/presentationml/2006/main">
+  <p:cSld>
+    <p:spTree>
+      <p:nvGrpSpPr>
+        <p:cNvPr id="1" name=""/>
+        <p:cNvGrpSpPr/>
+        <p:nvPr/>
+      </p:nvGrpSpPr>
+      <p:grpSpPr>
+        <a:xfrm>
+          <a:off x="0" y="0"/>
+          <a:ext cx="0" cy="0"/>
+          <a:chOff x="0" y="0"/>
+          <a:chExt cx="0" cy="0"/>
+        </a:xfrm>
+      </p:grpSpPr>
+      <p:sp>
+        <p:nvSpPr>
+          <p:cNvPr id="2" name="Slide Image Placeholder 1"/>
+          <p:cNvSpPr>
+            <a:spLocks noGrp="1" noRot="1" noChangeAspect="1"/>
+          </p:cNvSpPr>
+          <p:nvPr>
+            <p:ph type="sldImg"/>
+          </p:nvPr>
+        </p:nvSpPr>
+        <p:spPr/>
+      </p:sp>
+      <p:sp>
+        <p:nvSpPr>
+          <p:cNvPr id="3" name="Notes Placeholder 2"/>
+          <p:cNvSpPr>
+            <a:spLocks noGrp="1"/>
+          </p:cNvSpPr>
+          <p:nvPr>
+            <p:ph type="body" idx="1"/>
+          </p:nvPr>
+        </p:nvSpPr>
+        <p:spPr/>
+        <p:txBody>
+          <a:bodyPr/>
+          <a:lstStyle/>
+          <a:p>
+            <a:r>
+              <a:rPr lang="en-GB"/>
+              <a:t>A</a:t>
+            </a:r>
+            <a:r>
+              <a:rPr lang="en-IT"/>
+              <a:t>ggreghiamo </a:t>
+            </a:r>
+            <a:r>
+              <a:rPr lang="en-GB"/>
+              <a:t>I</a:t>
+            </a:r>
+            <a:r>
+              <a:rPr lang="en-IT"/>
+              <a:t> dati soltanto quando dobbiamo eseguire </a:t>
+            </a:r>
+            <a:r>
+              <a:rPr lang="en-GB"/>
+              <a:t>I</a:t>
+            </a:r>
+            <a:r>
+              <a:rPr lang="en-IT"/>
+              <a:t> calcoli</a:t>
+            </a:r>
+          </a:p>
+          <a:p>
+            <a:endParaRPr lang="en-IT"/>
+          </a:p>
+          <a:p>
+            <a:r>
+              <a:rPr lang="en-IT"/>
+              <a:t>Per esempio, anzichè calcolare subito un totale del costo delle fasi di produzione, teniamo questi dati disagregati fino alla fine, e solo nel passaggio finale effettuiamo il calcolo</a:t>
+            </a:r>
+          </a:p>
+          <a:p>
+            <a:endParaRPr lang="en-IT"/>
+          </a:p>
+        </p:txBody>
+      </p:sp>
+      <p:sp>
+        <p:nvSpPr>
+          <p:cNvPr id="4" name="Slide Number Placeholder 3"/>
+          <p:cNvSpPr>
+            <a:spLocks noGrp="1"/>
+          </p:cNvSpPr>
+          <p:nvPr>
+            <p:ph type="sldNum" sz="quarter" idx="5"/>
+          </p:nvPr>
+        </p:nvSpPr>
+        <p:spPr/>
+        <p:txBody>
+          <a:bodyPr/>
+          <a:lstStyle/>
+          <a:p>
+            <a:fld id="{97C9F6DE-76A6-FE4E-8A07-F2CE10989521}" type="slidenum">
+              <a:rPr lang="en-IT" smtClean="0"/>
+              <a:t>10</a:t>
+            </a:fld>
+            <a:endParaRPr lang="en-IT"/>
+          </a:p>
+        </p:txBody>
+      </p:sp>
+    </p:spTree>
+    <p:extLst>
+      <p:ext uri="{BB962C8B-B14F-4D97-AF65-F5344CB8AC3E}">
+        <p14:creationId xmlns:p14="http://schemas.microsoft.com/office/powerpoint/2010/main" val="2573882775"/>
+      </p:ext>
+    </p:extLst>
+  </p:cSld>
+  <p:clrMapOvr>
+    <a:masterClrMapping/>
+  </p:clrMapOvr>
+</p:notes>
+</file>
+
+<file path=ppt/notesSlides/notesSlide9.xml><?xml version="1.0" encoding="utf-8"?>
+<p:notes xmlns:a="http://schemas.openxmlformats.org/drawingml/2006/main" xmlns:r="http://schemas.openxmlformats.org/officeDocument/2006/relationships" xmlns:p="http://schemas.openxmlformats.org/presentationml/2006/main">
+  <p:cSld>
+    <p:spTree>
+      <p:nvGrpSpPr>
+        <p:cNvPr id="1" name=""/>
+        <p:cNvGrpSpPr/>
+        <p:nvPr/>
+      </p:nvGrpSpPr>
+      <p:grpSpPr>
+        <a:xfrm>
+          <a:off x="0" y="0"/>
+          <a:ext cx="0" cy="0"/>
+          <a:chOff x="0" y="0"/>
+          <a:chExt cx="0" cy="0"/>
+        </a:xfrm>
+      </p:grpSpPr>
+      <p:sp>
+        <p:nvSpPr>
+          <p:cNvPr id="2" name="Slide Image Placeholder 1"/>
+          <p:cNvSpPr>
+            <a:spLocks noGrp="1" noRot="1" noChangeAspect="1"/>
+          </p:cNvSpPr>
+          <p:nvPr>
+            <p:ph type="sldImg"/>
+          </p:nvPr>
+        </p:nvSpPr>
+        <p:spPr/>
+      </p:sp>
+      <p:sp>
+        <p:nvSpPr>
+          <p:cNvPr id="3" name="Notes Placeholder 2"/>
+          <p:cNvSpPr>
+            <a:spLocks noGrp="1"/>
+          </p:cNvSpPr>
+          <p:nvPr>
+            <p:ph type="body" idx="1"/>
+          </p:nvPr>
+        </p:nvSpPr>
+        <p:spPr/>
+        <p:txBody>
+          <a:bodyPr/>
+          <a:lstStyle/>
+          <a:p>
+            <a:r>
+              <a:rPr lang="en-IT"/>
+              <a:t>1 – VolumeTotale è il volume totale di vendite</a:t>
+            </a:r>
+          </a:p>
+          <a:p>
+            <a:r>
+              <a:rPr lang="en-IT"/>
+              <a:t>2 – TotaleLocale è l’importo totale in valuta locale del cliente…. </a:t>
+            </a:r>
+            <a:r>
+              <a:rPr lang="en-GB"/>
+              <a:t>C</a:t>
+            </a:r>
+            <a:r>
+              <a:rPr lang="en-IT"/>
+              <a:t>he viene diviso per la quantità venduta del articolo per ottenere il prezzo unitario in valuta locale.</a:t>
+            </a:r>
+          </a:p>
+          <a:p>
+            <a:r>
+              <a:rPr lang="en-IT"/>
+              <a:t>3 – Quantity è la quantità di vendità del prodotto i-esimo</a:t>
+            </a:r>
+          </a:p>
+          <a:p>
+            <a:endParaRPr lang="en-IT"/>
+          </a:p>
+        </p:txBody>
+      </p:sp>
+      <p:sp>
+        <p:nvSpPr>
+          <p:cNvPr id="4" name="Slide Number Placeholder 3"/>
+          <p:cNvSpPr>
+            <a:spLocks noGrp="1"/>
+          </p:cNvSpPr>
+          <p:nvPr>
+            <p:ph type="sldNum" sz="quarter" idx="5"/>
+          </p:nvPr>
+        </p:nvSpPr>
+        <p:spPr/>
+        <p:txBody>
+          <a:bodyPr/>
+          <a:lstStyle/>
+          <a:p>
+            <a:fld id="{97C9F6DE-76A6-FE4E-8A07-F2CE10989521}" type="slidenum">
+              <a:rPr lang="en-IT" smtClean="0"/>
+              <a:t>11</a:t>
+            </a:fld>
+            <a:endParaRPr lang="en-IT"/>
+          </a:p>
+        </p:txBody>
+      </p:sp>
+    </p:spTree>
+    <p:extLst>
+      <p:ext uri="{BB962C8B-B14F-4D97-AF65-F5344CB8AC3E}">
+        <p14:creationId xmlns:p14="http://schemas.microsoft.com/office/powerpoint/2010/main" val="557552860"/>
+      </p:ext>
+    </p:extLst>
+  </p:cSld>
+  <p:clrMapOvr>
+    <a:masterClrMapping/>
+  </p:clrMapOvr>
+</p:notes>
 </file>
 
 <file path=ppt/slideLayouts/slideLayout1.xml><?xml version="1.0" encoding="utf-8"?>
@@ -8934,7 +11381,7 @@
           <a:p>
             <a:fld id="{E73BCDAA-43D9-6A49-A153-143FD6FEACF2}" type="datetimeFigureOut">
               <a:rPr lang="it-IT" smtClean="0"/>
-              <a:t>03/01/22</a:t>
+              <a:t>12/01/22</a:t>
             </a:fld>
             <a:endParaRPr lang="it-IT"/>
           </a:p>
@@ -9141,7 +11588,7 @@
           <a:p>
             <a:fld id="{E73BCDAA-43D9-6A49-A153-143FD6FEACF2}" type="datetimeFigureOut">
               <a:rPr lang="it-IT" smtClean="0"/>
-              <a:t>03/01/22</a:t>
+              <a:t>12/01/22</a:t>
             </a:fld>
             <a:endParaRPr lang="it-IT"/>
           </a:p>
@@ -9321,7 +11768,7 @@
           <a:p>
             <a:fld id="{E73BCDAA-43D9-6A49-A153-143FD6FEACF2}" type="datetimeFigureOut">
               <a:rPr lang="it-IT" smtClean="0"/>
-              <a:t>03/01/22</a:t>
+              <a:t>12/01/22</a:t>
             </a:fld>
             <a:endParaRPr lang="it-IT"/>
           </a:p>
@@ -9526,7 +11973,7 @@
           <a:p>
             <a:fld id="{E73BCDAA-43D9-6A49-A153-143FD6FEACF2}" type="datetimeFigureOut">
               <a:rPr lang="it-IT" smtClean="0"/>
-              <a:t>03/01/22</a:t>
+              <a:t>12/01/22</a:t>
             </a:fld>
             <a:endParaRPr lang="it-IT"/>
           </a:p>
@@ -18424,7 +20871,7 @@
           <a:p>
             <a:fld id="{E73BCDAA-43D9-6A49-A153-143FD6FEACF2}" type="datetimeFigureOut">
               <a:rPr lang="it-IT" smtClean="0"/>
-              <a:t>03/01/22</a:t>
+              <a:t>12/01/22</a:t>
             </a:fld>
             <a:endParaRPr lang="it-IT"/>
           </a:p>
@@ -18698,7 +21145,7 @@
           <a:p>
             <a:fld id="{E73BCDAA-43D9-6A49-A153-143FD6FEACF2}" type="datetimeFigureOut">
               <a:rPr lang="it-IT" smtClean="0"/>
-              <a:t>03/01/22</a:t>
+              <a:t>12/01/22</a:t>
             </a:fld>
             <a:endParaRPr lang="it-IT"/>
           </a:p>
@@ -19101,7 +21548,7 @@
           <a:p>
             <a:fld id="{E73BCDAA-43D9-6A49-A153-143FD6FEACF2}" type="datetimeFigureOut">
               <a:rPr lang="it-IT" smtClean="0"/>
-              <a:t>03/01/22</a:t>
+              <a:t>12/01/22</a:t>
             </a:fld>
             <a:endParaRPr lang="it-IT"/>
           </a:p>
@@ -19224,7 +21671,7 @@
           <a:p>
             <a:fld id="{E73BCDAA-43D9-6A49-A153-143FD6FEACF2}" type="datetimeFigureOut">
               <a:rPr lang="it-IT" smtClean="0"/>
-              <a:t>03/01/22</a:t>
+              <a:t>12/01/22</a:t>
             </a:fld>
             <a:endParaRPr lang="it-IT"/>
           </a:p>
@@ -19319,7 +21766,7 @@
           <a:p>
             <a:fld id="{E73BCDAA-43D9-6A49-A153-143FD6FEACF2}" type="datetimeFigureOut">
               <a:rPr lang="it-IT" smtClean="0"/>
-              <a:t>03/01/22</a:t>
+              <a:t>12/01/22</a:t>
             </a:fld>
             <a:endParaRPr lang="it-IT"/>
           </a:p>
@@ -19609,7 +22056,7 @@
           <a:p>
             <a:fld id="{E73BCDAA-43D9-6A49-A153-143FD6FEACF2}" type="datetimeFigureOut">
               <a:rPr lang="it-IT" smtClean="0"/>
-              <a:t>03/01/22</a:t>
+              <a:t>12/01/22</a:t>
             </a:fld>
             <a:endParaRPr lang="it-IT"/>
           </a:p>
@@ -19894,7 +22341,7 @@
           <a:p>
             <a:fld id="{E73BCDAA-43D9-6A49-A153-143FD6FEACF2}" type="datetimeFigureOut">
               <a:rPr lang="it-IT" smtClean="0"/>
-              <a:t>03/01/22</a:t>
+              <a:t>12/01/22</a:t>
             </a:fld>
             <a:endParaRPr lang="it-IT"/>
           </a:p>
@@ -20144,7 +22591,7 @@
           <a:p>
             <a:fld id="{E73BCDAA-43D9-6A49-A153-143FD6FEACF2}" type="datetimeFigureOut">
               <a:rPr lang="it-IT" smtClean="0"/>
-              <a:t>03/01/22</a:t>
+              <a:t>12/01/22</a:t>
             </a:fld>
             <a:endParaRPr lang="it-IT"/>
           </a:p>
@@ -20734,7 +23181,7 @@
         </p:nvSpPr>
         <p:spPr>
           <a:xfrm>
-            <a:off x="4713223" y="4954818"/>
+            <a:off x="4542307" y="5014638"/>
             <a:ext cx="6353968" cy="1338147"/>
           </a:xfrm>
         </p:spPr>
@@ -20792,7 +23239,7 @@
                   <a:srgbClr val="FFFFFF"/>
                 </a:solidFill>
               </a:rPr>
-              <a:t> 1068605</a:t>
+              <a:t>	1068605</a:t>
             </a:r>
           </a:p>
           <a:p>
@@ -20818,7 +23265,7 @@
                   <a:srgbClr val="FFFFFF"/>
                 </a:solidFill>
               </a:rPr>
-              <a:t> 1064985</a:t>
+              <a:t>		1064985</a:t>
             </a:r>
           </a:p>
           <a:p>
@@ -20828,7 +23275,7 @@
                   <a:srgbClr val="FFFFFF"/>
                 </a:solidFill>
               </a:rPr>
-              <a:t>- Gabriele Marchesi 1068521</a:t>
+              <a:t>- Gabriele Marchesi		1068521</a:t>
             </a:r>
           </a:p>
           <a:p>
@@ -20838,7 +23285,7 @@
                   <a:srgbClr val="FFFFFF"/>
                 </a:solidFill>
               </a:rPr>
-              <a:t>- Marco Vinciguerra 1064889</a:t>
+              <a:t>- Marco Vinciguerra		1064889</a:t>
             </a:r>
           </a:p>
         </p:txBody>
@@ -20873,39 +23320,94 @@
           <a:chExt cx="0" cy="0"/>
         </a:xfrm>
       </p:grpSpPr>
-      <p:pic>
-        <p:nvPicPr>
-          <p:cNvPr id="6" name="Segnaposto contenuto 5" descr="Immagine che contiene testo&#10;&#10;Descrizione generata automaticamente">
+      <p:sp>
+        <p:nvSpPr>
+          <p:cNvPr id="2" name="Title 1">
             <a:extLst>
               <a:ext uri="{FF2B5EF4-FFF2-40B4-BE49-F238E27FC236}">
-                <a16:creationId xmlns:a16="http://schemas.microsoft.com/office/drawing/2014/main" id="{E990DFE2-7CD9-C549-9C67-72313DEDB6E4}"/>
+                <a16:creationId xmlns:a16="http://schemas.microsoft.com/office/drawing/2014/main" id="{D94581A1-DE04-5540-9BE5-D4E30F16B71C}"/>
               </a:ext>
             </a:extLst>
           </p:cNvPr>
-          <p:cNvPicPr>
-            <a:picLocks noGrp="1" noChangeAspect="1"/>
-          </p:cNvPicPr>
+          <p:cNvSpPr>
+            <a:spLocks noGrp="1"/>
+          </p:cNvSpPr>
+          <p:nvPr>
+            <p:ph type="title"/>
+          </p:nvPr>
+        </p:nvSpPr>
+        <p:spPr/>
+        <p:txBody>
+          <a:bodyPr/>
+          <a:lstStyle/>
+          <a:p>
+            <a:r>
+              <a:rPr lang="en-IT"/>
+              <a:t>Strategia per la gestione dei dati </a:t>
+            </a:r>
+          </a:p>
+        </p:txBody>
+      </p:sp>
+      <p:sp>
+        <p:nvSpPr>
+          <p:cNvPr id="3" name="Content Placeholder 2">
+            <a:extLst>
+              <a:ext uri="{FF2B5EF4-FFF2-40B4-BE49-F238E27FC236}">
+                <a16:creationId xmlns:a16="http://schemas.microsoft.com/office/drawing/2014/main" id="{D79F0DED-3A46-E74D-9087-9AD2518F6C66}"/>
+              </a:ext>
+            </a:extLst>
+          </p:cNvPr>
+          <p:cNvSpPr>
+            <a:spLocks noGrp="1"/>
+          </p:cNvSpPr>
           <p:nvPr>
             <p:ph idx="1"/>
           </p:nvPr>
-        </p:nvPicPr>
-        <p:blipFill>
-          <a:blip r:embed="rId2"/>
-          <a:stretch>
-            <a:fillRect/>
-          </a:stretch>
-        </p:blipFill>
+        </p:nvSpPr>
         <p:spPr>
           <a:xfrm>
-            <a:off x="1765300" y="1689100"/>
-            <a:ext cx="8661400" cy="3479800"/>
+            <a:off x="1024127" y="2084832"/>
+            <a:ext cx="9720073" cy="4023360"/>
           </a:xfrm>
         </p:spPr>
-      </p:pic>
+        <p:txBody>
+          <a:bodyPr>
+            <a:normAutofit/>
+          </a:bodyPr>
+          <a:lstStyle/>
+          <a:p>
+            <a:r>
+              <a:rPr lang="en-IT" sz="2000"/>
+              <a:t>Essendo un esempio con dati reali, le diverse transazioni a budget e a consutivo hanno diversi attributi che danno una granularità molto fine dei diversi costi rendicontati. </a:t>
+            </a:r>
+            <a:endParaRPr lang="en-US" sz="2000"/>
+          </a:p>
+          <a:p>
+            <a:r>
+              <a:rPr lang="it-IT" sz="2000"/>
+              <a:t>In modo di non perdere le opportunità offerte da questo livello di dettaglio, e di facilitare la creazione di nuove </a:t>
+            </a:r>
+            <a:r>
+              <a:rPr lang="it-IT" sz="2000" i="1" err="1"/>
+              <a:t>feature</a:t>
+            </a:r>
+            <a:r>
+              <a:rPr lang="it-IT" sz="2000"/>
+              <a:t> che estendano il codice che è stato scritto, sono state implementante strategie che consentono di fare la minore quantità possibile di raggruppamenti di dati che ne riducano la risoluzione. </a:t>
+            </a:r>
+          </a:p>
+          <a:p>
+            <a:r>
+              <a:rPr lang="it-IT" sz="2000"/>
+              <a:t>Questo ragionamento si esplicita nelle formule utilizzate per calcolare i diversi valori sui quali si calcolano gli scostamenti.</a:t>
+            </a:r>
+          </a:p>
+        </p:txBody>
+      </p:sp>
     </p:spTree>
     <p:extLst>
       <p:ext uri="{BB962C8B-B14F-4D97-AF65-F5344CB8AC3E}">
-        <p14:creationId xmlns:p14="http://schemas.microsoft.com/office/powerpoint/2010/main" val="826463960"/>
+        <p14:creationId xmlns:p14="http://schemas.microsoft.com/office/powerpoint/2010/main" val="1119805708"/>
       </p:ext>
     </p:extLst>
   </p:cSld>
@@ -20932,12 +23434,48 @@
           <a:chExt cx="0" cy="0"/>
         </a:xfrm>
       </p:grpSpPr>
+      <p:sp>
+        <p:nvSpPr>
+          <p:cNvPr id="2" name="Titolo 1">
+            <a:extLst>
+              <a:ext uri="{FF2B5EF4-FFF2-40B4-BE49-F238E27FC236}">
+                <a16:creationId xmlns:a16="http://schemas.microsoft.com/office/drawing/2014/main" id="{395A32B9-3FAE-CD4A-9872-472246D28456}"/>
+              </a:ext>
+            </a:extLst>
+          </p:cNvPr>
+          <p:cNvSpPr>
+            <a:spLocks noGrp="1"/>
+          </p:cNvSpPr>
+          <p:nvPr>
+            <p:ph type="title"/>
+          </p:nvPr>
+        </p:nvSpPr>
+        <p:spPr/>
+        <p:txBody>
+          <a:bodyPr/>
+          <a:lstStyle/>
+          <a:p>
+            <a:r>
+              <a:rPr lang="it-IT"/>
+              <a:t>FORMULA per il calcolo </a:t>
+            </a:r>
+            <a:r>
+              <a:rPr lang="it-IT" err="1"/>
+              <a:t>deI</a:t>
+            </a:r>
+            <a:r>
+              <a:rPr lang="it-IT"/>
+              <a:t> RICAVI</a:t>
+            </a:r>
+          </a:p>
+        </p:txBody>
+      </p:sp>
       <p:pic>
         <p:nvPicPr>
-          <p:cNvPr id="6" name="Segnaposto contenuto 5" descr="Immagine che contiene testo&#10;&#10;Descrizione generata automaticamente">
+          <p:cNvPr id="9" name="Content Placeholder 8">
             <a:extLst>
               <a:ext uri="{FF2B5EF4-FFF2-40B4-BE49-F238E27FC236}">
-                <a16:creationId xmlns:a16="http://schemas.microsoft.com/office/drawing/2014/main" id="{E09B3A0C-8310-6D41-B282-47685EB4E1E6}"/>
+                <a16:creationId xmlns:a16="http://schemas.microsoft.com/office/drawing/2014/main" id="{A1A89570-AFB3-704D-951C-166A69CBB083}"/>
               </a:ext>
             </a:extLst>
           </p:cNvPr>
@@ -20949,22 +23487,25 @@
           </p:nvPr>
         </p:nvPicPr>
         <p:blipFill>
-          <a:blip r:embed="rId2"/>
+          <a:blip r:embed="rId3"/>
           <a:stretch>
             <a:fillRect/>
           </a:stretch>
         </p:blipFill>
         <p:spPr>
           <a:xfrm>
-            <a:off x="1365250" y="1924826"/>
-            <a:ext cx="9461500" cy="3670300"/>
+            <a:off x="1235869" y="2084832"/>
+            <a:ext cx="9720262" cy="3003007"/>
           </a:xfrm>
+          <a:prstGeom prst="rect">
+            <a:avLst/>
+          </a:prstGeom>
         </p:spPr>
       </p:pic>
     </p:spTree>
     <p:extLst>
       <p:ext uri="{BB962C8B-B14F-4D97-AF65-F5344CB8AC3E}">
-        <p14:creationId xmlns:p14="http://schemas.microsoft.com/office/powerpoint/2010/main" val="751031471"/>
+        <p14:creationId xmlns:p14="http://schemas.microsoft.com/office/powerpoint/2010/main" val="1838992452"/>
       </p:ext>
     </p:extLst>
   </p:cSld>
@@ -20993,10 +23534,10 @@
       </p:grpSpPr>
       <p:sp>
         <p:nvSpPr>
-          <p:cNvPr id="2" name="Titolo 1">
+          <p:cNvPr id="3" name="Titolo 1">
             <a:extLst>
               <a:ext uri="{FF2B5EF4-FFF2-40B4-BE49-F238E27FC236}">
-                <a16:creationId xmlns:a16="http://schemas.microsoft.com/office/drawing/2014/main" id="{E73A98B8-1F47-2447-8BE2-E9DF0B1A16D0}"/>
+                <a16:creationId xmlns:a16="http://schemas.microsoft.com/office/drawing/2014/main" id="{0057D5AF-33D1-3140-B8B8-765A612595CF}"/>
               </a:ext>
             </a:extLst>
           </p:cNvPr>
@@ -21009,29 +23550,27 @@
         </p:nvSpPr>
         <p:spPr>
           <a:xfrm>
-            <a:off x="720182" y="529742"/>
-            <a:ext cx="12627901" cy="1499616"/>
+            <a:off x="1024128" y="585216"/>
+            <a:ext cx="9720072" cy="1499616"/>
           </a:xfrm>
         </p:spPr>
         <p:txBody>
-          <a:bodyPr>
-            <a:normAutofit/>
-          </a:bodyPr>
+          <a:bodyPr/>
           <a:lstStyle/>
           <a:p>
             <a:r>
-              <a:rPr lang="it-IT" sz="3500"/>
-              <a:t>Esecuzione degli scostamenti con prodotti intermedi considerati</a:t>
+              <a:rPr lang="it-IT"/>
+              <a:t>Calcolo costo delle lavorazioni</a:t>
             </a:r>
           </a:p>
         </p:txBody>
       </p:sp>
       <p:pic>
         <p:nvPicPr>
-          <p:cNvPr id="7" name="Segnaposto contenuto 6">
+          <p:cNvPr id="5" name="Content Placeholder 4">
             <a:extLst>
               <a:ext uri="{FF2B5EF4-FFF2-40B4-BE49-F238E27FC236}">
-                <a16:creationId xmlns:a16="http://schemas.microsoft.com/office/drawing/2014/main" id="{9B6EE4D3-D3A4-CB4C-A6E5-B016B66054DB}"/>
+                <a16:creationId xmlns:a16="http://schemas.microsoft.com/office/drawing/2014/main" id="{DEEB3382-4F32-934D-8F55-06E4309C88B4}"/>
               </a:ext>
             </a:extLst>
           </p:cNvPr>
@@ -21042,22 +23581,26 @@
             <p:ph idx="1"/>
           </p:nvPr>
         </p:nvPicPr>
-        <p:blipFill rotWithShape="1">
-          <a:blip r:embed="rId2"/>
-          <a:srcRect l="3452"/>
-          <a:stretch/>
+        <p:blipFill>
+          <a:blip r:embed="rId3"/>
+          <a:stretch>
+            <a:fillRect/>
+          </a:stretch>
         </p:blipFill>
         <p:spPr>
           <a:xfrm>
-            <a:off x="242835" y="2815701"/>
-            <a:ext cx="11706330" cy="1226597"/>
+            <a:off x="1235869" y="2084832"/>
+            <a:ext cx="9720262" cy="3209520"/>
           </a:xfrm>
+          <a:prstGeom prst="rect">
+            <a:avLst/>
+          </a:prstGeom>
         </p:spPr>
       </p:pic>
     </p:spTree>
     <p:extLst>
       <p:ext uri="{BB962C8B-B14F-4D97-AF65-F5344CB8AC3E}">
-        <p14:creationId xmlns:p14="http://schemas.microsoft.com/office/powerpoint/2010/main" val="2234865979"/>
+        <p14:creationId xmlns:p14="http://schemas.microsoft.com/office/powerpoint/2010/main" val="826463960"/>
       </p:ext>
     </p:extLst>
   </p:cSld>
@@ -21086,10 +23629,105 @@
       </p:grpSpPr>
       <p:sp>
         <p:nvSpPr>
-          <p:cNvPr id="2" name="Titolo 1">
+          <p:cNvPr id="3" name="Titolo 1">
             <a:extLst>
               <a:ext uri="{FF2B5EF4-FFF2-40B4-BE49-F238E27FC236}">
-                <a16:creationId xmlns:a16="http://schemas.microsoft.com/office/drawing/2014/main" id="{EB332CEF-019E-824A-A5B7-A93D210616B9}"/>
+                <a16:creationId xmlns:a16="http://schemas.microsoft.com/office/drawing/2014/main" id="{D7CDAEAD-328E-314C-AE99-689D60BB2A53}"/>
+              </a:ext>
+            </a:extLst>
+          </p:cNvPr>
+          <p:cNvSpPr>
+            <a:spLocks noGrp="1"/>
+          </p:cNvSpPr>
+          <p:nvPr>
+            <p:ph type="title"/>
+          </p:nvPr>
+        </p:nvSpPr>
+        <p:spPr>
+          <a:xfrm>
+            <a:off x="1024128" y="585216"/>
+            <a:ext cx="9720072" cy="1499616"/>
+          </a:xfrm>
+        </p:spPr>
+        <p:txBody>
+          <a:bodyPr/>
+          <a:lstStyle/>
+          <a:p>
+            <a:r>
+              <a:rPr lang="it-IT"/>
+              <a:t>Costo materie prime</a:t>
+            </a:r>
+          </a:p>
+        </p:txBody>
+      </p:sp>
+      <p:pic>
+        <p:nvPicPr>
+          <p:cNvPr id="5" name="Content Placeholder 4">
+            <a:extLst>
+              <a:ext uri="{FF2B5EF4-FFF2-40B4-BE49-F238E27FC236}">
+                <a16:creationId xmlns:a16="http://schemas.microsoft.com/office/drawing/2014/main" id="{D0066ACB-CFD3-2F46-9E5B-50FA89C996C5}"/>
+              </a:ext>
+            </a:extLst>
+          </p:cNvPr>
+          <p:cNvPicPr>
+            <a:picLocks noGrp="1" noChangeAspect="1"/>
+          </p:cNvPicPr>
+          <p:nvPr>
+            <p:ph idx="1"/>
+          </p:nvPr>
+        </p:nvPicPr>
+        <p:blipFill>
+          <a:blip r:embed="rId3"/>
+          <a:stretch>
+            <a:fillRect/>
+          </a:stretch>
+        </p:blipFill>
+        <p:spPr>
+          <a:xfrm>
+            <a:off x="1235869" y="2084832"/>
+            <a:ext cx="9720262" cy="3005748"/>
+          </a:xfrm>
+          <a:prstGeom prst="rect">
+            <a:avLst/>
+          </a:prstGeom>
+        </p:spPr>
+      </p:pic>
+    </p:spTree>
+    <p:extLst>
+      <p:ext uri="{BB962C8B-B14F-4D97-AF65-F5344CB8AC3E}">
+        <p14:creationId xmlns:p14="http://schemas.microsoft.com/office/powerpoint/2010/main" val="751031471"/>
+      </p:ext>
+    </p:extLst>
+  </p:cSld>
+  <p:clrMapOvr>
+    <a:masterClrMapping/>
+  </p:clrMapOvr>
+</p:sld>
+</file>
+
+<file path=ppt/slides/slide14.xml><?xml version="1.0" encoding="utf-8"?>
+<p:sld xmlns:a="http://schemas.openxmlformats.org/drawingml/2006/main" xmlns:r="http://schemas.openxmlformats.org/officeDocument/2006/relationships" xmlns:p="http://schemas.openxmlformats.org/presentationml/2006/main">
+  <p:cSld>
+    <p:spTree>
+      <p:nvGrpSpPr>
+        <p:cNvPr id="1" name=""/>
+        <p:cNvGrpSpPr/>
+        <p:nvPr/>
+      </p:nvGrpSpPr>
+      <p:grpSpPr>
+        <a:xfrm>
+          <a:off x="0" y="0"/>
+          <a:ext cx="0" cy="0"/>
+          <a:chOff x="0" y="0"/>
+          <a:chExt cx="0" cy="0"/>
+        </a:xfrm>
+      </p:grpSpPr>
+      <p:sp>
+        <p:nvSpPr>
+          <p:cNvPr id="2" name="Title 1">
+            <a:extLst>
+              <a:ext uri="{FF2B5EF4-FFF2-40B4-BE49-F238E27FC236}">
+                <a16:creationId xmlns:a16="http://schemas.microsoft.com/office/drawing/2014/main" id="{319EE4A4-1901-6F4C-B6FC-BAD37B827246}"/>
               </a:ext>
             </a:extLst>
           </p:cNvPr>
@@ -21102,25 +23740,22 @@
         </p:nvSpPr>
         <p:spPr/>
         <p:txBody>
-          <a:bodyPr>
-            <a:normAutofit/>
-          </a:bodyPr>
+          <a:bodyPr/>
           <a:lstStyle/>
           <a:p>
             <a:r>
-              <a:rPr lang="it-IT" sz="5400"/>
-              <a:t>Esecuzione degli scostamenti senza considerare i prodotti intermedi</a:t>
-            </a:r>
-            <a:endParaRPr lang="it-IT"/>
+              <a:rPr lang="en-IT"/>
+              <a:t>Esempio dell’implementazione </a:t>
+            </a:r>
           </a:p>
         </p:txBody>
       </p:sp>
       <p:pic>
         <p:nvPicPr>
-          <p:cNvPr id="11" name="Segnaposto contenuto 10">
+          <p:cNvPr id="4" name="Content Placeholder 3">
             <a:extLst>
               <a:ext uri="{FF2B5EF4-FFF2-40B4-BE49-F238E27FC236}">
-                <a16:creationId xmlns:a16="http://schemas.microsoft.com/office/drawing/2014/main" id="{2B3482B6-D1CF-8C4E-A914-F32C3D84FA99}"/>
+                <a16:creationId xmlns:a16="http://schemas.microsoft.com/office/drawing/2014/main" id="{74415F3B-1F22-A347-AEDA-907A8EE77FF2}"/>
               </a:ext>
             </a:extLst>
           </p:cNvPr>
@@ -21131,22 +23766,56 @@
             <p:ph idx="1"/>
           </p:nvPr>
         </p:nvPicPr>
-        <p:blipFill rotWithShape="1">
-          <a:blip r:embed="rId2"/>
-          <a:srcRect l="2636" r="1410"/>
-          <a:stretch/>
+        <p:blipFill>
+          <a:blip r:embed="rId3"/>
+          <a:stretch>
+            <a:fillRect/>
+          </a:stretch>
         </p:blipFill>
         <p:spPr>
           <a:xfrm>
-            <a:off x="609600" y="2798042"/>
-            <a:ext cx="11231042" cy="1261916"/>
+            <a:off x="3050458" y="1695704"/>
+            <a:ext cx="5674442" cy="2234531"/>
           </a:xfrm>
+          <a:prstGeom prst="rect">
+            <a:avLst/>
+          </a:prstGeom>
+        </p:spPr>
+      </p:pic>
+      <p:pic>
+        <p:nvPicPr>
+          <p:cNvPr id="11" name="Picture 10">
+            <a:extLst>
+              <a:ext uri="{FF2B5EF4-FFF2-40B4-BE49-F238E27FC236}">
+                <a16:creationId xmlns:a16="http://schemas.microsoft.com/office/drawing/2014/main" id="{4AF0B9F8-9019-8D44-A356-FEB74736231B}"/>
+              </a:ext>
+            </a:extLst>
+          </p:cNvPr>
+          <p:cNvPicPr>
+            <a:picLocks noChangeAspect="1"/>
+          </p:cNvPicPr>
+          <p:nvPr/>
+        </p:nvPicPr>
+        <p:blipFill>
+          <a:blip r:embed="rId4"/>
+          <a:stretch>
+            <a:fillRect/>
+          </a:stretch>
+        </p:blipFill>
+        <p:spPr>
+          <a:xfrm>
+            <a:off x="468351" y="4141913"/>
+            <a:ext cx="11255297" cy="2544301"/>
+          </a:xfrm>
+          <a:prstGeom prst="rect">
+            <a:avLst/>
+          </a:prstGeom>
         </p:spPr>
       </p:pic>
     </p:spTree>
     <p:extLst>
       <p:ext uri="{BB962C8B-B14F-4D97-AF65-F5344CB8AC3E}">
-        <p14:creationId xmlns:p14="http://schemas.microsoft.com/office/powerpoint/2010/main" val="2241594876"/>
+        <p14:creationId xmlns:p14="http://schemas.microsoft.com/office/powerpoint/2010/main" val="1089150645"/>
       </p:ext>
     </p:extLst>
   </p:cSld>
@@ -21156,7 +23825,95 @@
 </p:sld>
 </file>
 
-<file path=ppt/slides/slide14.xml><?xml version="1.0" encoding="utf-8"?>
+<file path=ppt/slides/slide15.xml><?xml version="1.0" encoding="utf-8"?>
+<p:sld xmlns:a="http://schemas.openxmlformats.org/drawingml/2006/main" xmlns:r="http://schemas.openxmlformats.org/officeDocument/2006/relationships" xmlns:p="http://schemas.openxmlformats.org/presentationml/2006/main">
+  <p:cSld>
+    <p:spTree>
+      <p:nvGrpSpPr>
+        <p:cNvPr id="1" name=""/>
+        <p:cNvGrpSpPr/>
+        <p:nvPr/>
+      </p:nvGrpSpPr>
+      <p:grpSpPr>
+        <a:xfrm>
+          <a:off x="0" y="0"/>
+          <a:ext cx="0" cy="0"/>
+          <a:chOff x="0" y="0"/>
+          <a:chExt cx="0" cy="0"/>
+        </a:xfrm>
+      </p:grpSpPr>
+      <p:sp>
+        <p:nvSpPr>
+          <p:cNvPr id="2" name="Title 1">
+            <a:extLst>
+              <a:ext uri="{FF2B5EF4-FFF2-40B4-BE49-F238E27FC236}">
+                <a16:creationId xmlns:a16="http://schemas.microsoft.com/office/drawing/2014/main" id="{319EE4A4-1901-6F4C-B6FC-BAD37B827246}"/>
+              </a:ext>
+            </a:extLst>
+          </p:cNvPr>
+          <p:cNvSpPr>
+            <a:spLocks noGrp="1"/>
+          </p:cNvSpPr>
+          <p:nvPr>
+            <p:ph type="title"/>
+          </p:nvPr>
+        </p:nvSpPr>
+        <p:spPr/>
+        <p:txBody>
+          <a:bodyPr/>
+          <a:lstStyle/>
+          <a:p>
+            <a:r>
+              <a:rPr lang="en-IT"/>
+              <a:t>Esempio dell’implementazione </a:t>
+            </a:r>
+          </a:p>
+        </p:txBody>
+      </p:sp>
+      <p:pic>
+        <p:nvPicPr>
+          <p:cNvPr id="8" name="Picture 7">
+            <a:extLst>
+              <a:ext uri="{FF2B5EF4-FFF2-40B4-BE49-F238E27FC236}">
+                <a16:creationId xmlns:a16="http://schemas.microsoft.com/office/drawing/2014/main" id="{B3E904C3-073C-394C-A35B-020927707966}"/>
+              </a:ext>
+            </a:extLst>
+          </p:cNvPr>
+          <p:cNvPicPr>
+            <a:picLocks noChangeAspect="1"/>
+          </p:cNvPicPr>
+          <p:nvPr/>
+        </p:nvPicPr>
+        <p:blipFill>
+          <a:blip r:embed="rId3"/>
+          <a:stretch>
+            <a:fillRect/>
+          </a:stretch>
+        </p:blipFill>
+        <p:spPr>
+          <a:xfrm>
+            <a:off x="484284" y="2084832"/>
+            <a:ext cx="11223432" cy="4023359"/>
+          </a:xfrm>
+          <a:prstGeom prst="rect">
+            <a:avLst/>
+          </a:prstGeom>
+        </p:spPr>
+      </p:pic>
+    </p:spTree>
+    <p:extLst>
+      <p:ext uri="{BB962C8B-B14F-4D97-AF65-F5344CB8AC3E}">
+        <p14:creationId xmlns:p14="http://schemas.microsoft.com/office/powerpoint/2010/main" val="3312941367"/>
+      </p:ext>
+    </p:extLst>
+  </p:cSld>
+  <p:clrMapOvr>
+    <a:masterClrMapping/>
+  </p:clrMapOvr>
+</p:sld>
+</file>
+
+<file path=ppt/slides/slide16.xml><?xml version="1.0" encoding="utf-8"?>
 <p:sld xmlns:a="http://schemas.openxmlformats.org/drawingml/2006/main" xmlns:r="http://schemas.openxmlformats.org/officeDocument/2006/relationships" xmlns:p="http://schemas.openxmlformats.org/presentationml/2006/main">
   <p:cSld>
     <p:spTree>
@@ -21201,63 +23958,6 @@
           </a:p>
         </p:txBody>
       </p:sp>
-      <p:pic>
-        <p:nvPicPr>
-          <p:cNvPr id="4" name="Segnaposto contenuto 6">
-            <a:extLst>
-              <a:ext uri="{FF2B5EF4-FFF2-40B4-BE49-F238E27FC236}">
-                <a16:creationId xmlns:a16="http://schemas.microsoft.com/office/drawing/2014/main" id="{F9E4C850-7F3C-FC4A-860F-2C7D7C06BB97}"/>
-              </a:ext>
-            </a:extLst>
-          </p:cNvPr>
-          <p:cNvPicPr>
-            <a:picLocks noGrp="1" noChangeAspect="1"/>
-          </p:cNvPicPr>
-          <p:nvPr>
-            <p:ph idx="1"/>
-          </p:nvPr>
-        </p:nvPicPr>
-        <p:blipFill rotWithShape="1">
-          <a:blip r:embed="rId2"/>
-          <a:srcRect l="3452"/>
-          <a:stretch/>
-        </p:blipFill>
-        <p:spPr>
-          <a:xfrm>
-            <a:off x="700733" y="2084832"/>
-            <a:ext cx="10790534" cy="1130641"/>
-          </a:xfrm>
-        </p:spPr>
-      </p:pic>
-      <p:pic>
-        <p:nvPicPr>
-          <p:cNvPr id="5" name="Segnaposto contenuto 10">
-            <a:extLst>
-              <a:ext uri="{FF2B5EF4-FFF2-40B4-BE49-F238E27FC236}">
-                <a16:creationId xmlns:a16="http://schemas.microsoft.com/office/drawing/2014/main" id="{25D15485-7E33-3446-8342-696E7485D08C}"/>
-              </a:ext>
-            </a:extLst>
-          </p:cNvPr>
-          <p:cNvPicPr>
-            <a:picLocks noChangeAspect="1"/>
-          </p:cNvPicPr>
-          <p:nvPr/>
-        </p:nvPicPr>
-        <p:blipFill rotWithShape="1">
-          <a:blip r:embed="rId3"/>
-          <a:srcRect l="2636" r="1410"/>
-          <a:stretch/>
-        </p:blipFill>
-        <p:spPr>
-          <a:xfrm>
-            <a:off x="480479" y="3935542"/>
-            <a:ext cx="11231042" cy="1261916"/>
-          </a:xfrm>
-          <a:prstGeom prst="rect">
-            <a:avLst/>
-          </a:prstGeom>
-        </p:spPr>
-      </p:pic>
       <p:sp>
         <p:nvSpPr>
           <p:cNvPr id="7" name="CasellaDiTesto 6">
@@ -21273,7 +23973,7 @@
         <p:spPr>
           <a:xfrm>
             <a:off x="844062" y="1757177"/>
-            <a:ext cx="1848583" cy="369332"/>
+            <a:ext cx="5375189" cy="369332"/>
           </a:xfrm>
           <a:prstGeom prst="rect">
             <a:avLst/>
@@ -21288,7 +23988,7 @@
           <a:p>
             <a:r>
               <a:rPr lang="it-IT"/>
-              <a:t>Con costi duplicati</a:t>
+              <a:t>Con l’importo delle MP dei articoli intermedi considerati</a:t>
             </a:r>
           </a:p>
         </p:txBody>
@@ -21308,7 +24008,7 @@
         <p:spPr>
           <a:xfrm>
             <a:off x="844062" y="3576076"/>
-            <a:ext cx="2052165" cy="369332"/>
+            <a:ext cx="3355021" cy="369332"/>
           </a:xfrm>
           <a:prstGeom prst="rect">
             <a:avLst/>
@@ -21323,11 +24023,71 @@
           <a:p>
             <a:r>
               <a:rPr lang="it-IT"/>
-              <a:t>Senza costi duplicati</a:t>
+              <a:t>Senza i costi dei articoli intermedi</a:t>
             </a:r>
           </a:p>
         </p:txBody>
       </p:sp>
+      <p:pic>
+        <p:nvPicPr>
+          <p:cNvPr id="3" name="Picture 2">
+            <a:extLst>
+              <a:ext uri="{FF2B5EF4-FFF2-40B4-BE49-F238E27FC236}">
+                <a16:creationId xmlns:a16="http://schemas.microsoft.com/office/drawing/2014/main" id="{F7ECB3EC-36D9-3040-97FB-EBBD36DF3E71}"/>
+              </a:ext>
+            </a:extLst>
+          </p:cNvPr>
+          <p:cNvPicPr>
+            <a:picLocks noChangeAspect="1"/>
+          </p:cNvPicPr>
+          <p:nvPr/>
+        </p:nvPicPr>
+        <p:blipFill>
+          <a:blip r:embed="rId3"/>
+          <a:stretch>
+            <a:fillRect/>
+          </a:stretch>
+        </p:blipFill>
+        <p:spPr>
+          <a:xfrm>
+            <a:off x="638754" y="4185193"/>
+            <a:ext cx="11160994" cy="1058444"/>
+          </a:xfrm>
+          <a:prstGeom prst="rect">
+            <a:avLst/>
+          </a:prstGeom>
+        </p:spPr>
+      </p:pic>
+      <p:pic>
+        <p:nvPicPr>
+          <p:cNvPr id="6" name="Picture 5">
+            <a:extLst>
+              <a:ext uri="{FF2B5EF4-FFF2-40B4-BE49-F238E27FC236}">
+                <a16:creationId xmlns:a16="http://schemas.microsoft.com/office/drawing/2014/main" id="{056F0522-0B51-644D-B169-9C03C399C9CC}"/>
+              </a:ext>
+            </a:extLst>
+          </p:cNvPr>
+          <p:cNvPicPr>
+            <a:picLocks noChangeAspect="1"/>
+          </p:cNvPicPr>
+          <p:nvPr/>
+        </p:nvPicPr>
+        <p:blipFill>
+          <a:blip r:embed="rId4"/>
+          <a:stretch>
+            <a:fillRect/>
+          </a:stretch>
+        </p:blipFill>
+        <p:spPr>
+          <a:xfrm>
+            <a:off x="513796" y="2300532"/>
+            <a:ext cx="11410910" cy="1035759"/>
+          </a:xfrm>
+          <a:prstGeom prst="rect">
+            <a:avLst/>
+          </a:prstGeom>
+        </p:spPr>
+      </p:pic>
     </p:spTree>
     <p:extLst>
       <p:ext uri="{BB962C8B-B14F-4D97-AF65-F5344CB8AC3E}">
@@ -21341,7 +24101,7 @@
 </p:sld>
 </file>
 
-<file path=ppt/slides/slide15.xml><?xml version="1.0" encoding="utf-8"?>
+<file path=ppt/slides/slide17.xml><?xml version="1.0" encoding="utf-8"?>
 <p:sld xmlns:a="http://schemas.openxmlformats.org/drawingml/2006/main" xmlns:r="http://schemas.openxmlformats.org/officeDocument/2006/relationships" xmlns:p="http://schemas.openxmlformats.org/presentationml/2006/main">
   <p:cSld>
     <p:spTree>
@@ -21381,7 +24141,7 @@
           <a:p>
             <a:r>
               <a:rPr lang="it-IT"/>
-              <a:t>Considerazioni sugli scostamenti 1</a:t>
+              <a:t>Considerazioni sugli scostamenti 1.1</a:t>
             </a:r>
           </a:p>
         </p:txBody>
@@ -21402,134 +24162,58 @@
             <p:ph idx="1"/>
           </p:nvPr>
         </p:nvSpPr>
-        <p:spPr/>
+        <p:spPr>
+          <a:xfrm>
+            <a:off x="1024128" y="2084832"/>
+            <a:ext cx="9885919" cy="3711388"/>
+          </a:xfrm>
+        </p:spPr>
         <p:txBody>
           <a:bodyPr>
-            <a:normAutofit fontScale="92500" lnSpcReduction="20000"/>
+            <a:normAutofit/>
           </a:bodyPr>
           <a:lstStyle/>
           <a:p>
             <a:r>
+              <a:rPr lang="it-IT" sz="2400"/>
+              <a:t>-</a:t>
+            </a:r>
+            <a:r>
+              <a:rPr lang="it-IT" sz="2400" b="1"/>
+              <a:t>Scostamento di volume:</a:t>
+            </a:r>
+          </a:p>
+          <a:p>
+            <a:pPr lvl="1"/>
+            <a:r>
+              <a:rPr lang="it-IT" sz="1600"/>
+              <a:t>Per il margine, lo scostamento è complessivamente positivo ed è dell’ordine dei 60mila euro. </a:t>
+            </a:r>
+          </a:p>
+          <a:p>
+            <a:pPr lvl="2"/>
+            <a:r>
               <a:rPr lang="it-IT"/>
-              <a:t>-</a:t>
-            </a:r>
-            <a:r>
-              <a:rPr lang="it-IT" b="1"/>
-              <a:t>Scostamento di volume:</a:t>
-            </a:r>
-          </a:p>
-          <a:p>
-            <a:pPr lvl="1"/>
-            <a:r>
-              <a:rPr lang="it-IT" sz="1400"/>
-              <a:t>Per il margine, lo scostamento è complessivamente positivo ed è dell’ordine dei 60 mila euro. </a:t>
+              <a:t>In particolare, lo scostamento per i ricavi, che tiene conto del volume di vendite, e di circa 115mila euro: un notevole aumento del volume di vendite, rispetto a quello preventivato, genera dei ricavi più alti.</a:t>
             </a:r>
           </a:p>
           <a:p>
             <a:pPr lvl="2"/>
             <a:r>
-              <a:rPr lang="it-IT" sz="1000"/>
-              <a:t>In particolare, lo scostamento per i ricavi, che tiene conto del volume di vendite, e di circa 115mila euro: un notevole aumento del volume di vendite, rispetto a quello preventivato, genera dei ricavi più alti.</a:t>
+              <a:rPr lang="it-IT"/>
+              <a:t>Un altro fattore che contribuisce all’aumento del margine è lo scostamento negativo per il costo delle materie prime (di circa -2mila o -3mila a seconda del modello utilizzato), che si traduce in una riduzione del costo totale di produzione.</a:t>
             </a:r>
           </a:p>
           <a:p>
             <a:pPr lvl="2"/>
             <a:r>
-              <a:rPr lang="it-IT" sz="1000"/>
-              <a:t>Un altro fattore che contribuisce all’aumento del margine è lo scostamento negativo per il costo delle materie prime (di circa -2mila o -3mila a seconda del modello utilizzato), che si traduce in una riduzione del costo totale di produzione.</a:t>
-            </a:r>
-          </a:p>
-          <a:p>
-            <a:pPr lvl="2"/>
-            <a:r>
-              <a:rPr lang="it-IT" sz="1000"/>
+              <a:rPr lang="it-IT"/>
               <a:t>D’altro canto, lo scostamento per le lavorazioni è positivo dell’ordine dei 60mila euro, di conseguenza, il nuovo volume produttivo causa un aumento dei costi di lavorazione, che potrebbero essere stati necessari per far fronte all’aumento dei volumi di vendita. </a:t>
             </a:r>
-          </a:p>
-          <a:p>
-            <a:pPr lvl="2"/>
-            <a:r>
-              <a:rPr lang="it-IT" sz="1000" b="1" dirty="0"/>
-              <a:t>Nota</a:t>
-            </a:r>
-            <a:r>
-              <a:rPr lang="it-IT" sz="1000" dirty="0"/>
-              <a:t>: dovuto all’aumento dei volumi di produzione, sarebbe ragionevole aspettarsi uno scostamento positivo dei costi delle materie prime (un aumento del loro costo). Lo scostamento risulta comunque negativo perché, dovuto alla strategia impiegata per il calcolo degli scostamenti, combinazioni </a:t>
-            </a:r>
-            <a:r>
-              <a:rPr lang="it-IT" sz="1000" dirty="0" err="1"/>
-              <a:t>MateriaPrima</a:t>
-            </a:r>
-            <a:r>
-              <a:rPr lang="it-IT" sz="1000" dirty="0"/>
-              <a:t>-Articolo che non esistono sia a budget che a consuntivo causano una distorsione degli scostamenti di volume e impiego (per i quali è necessario usare insieme grandezze a consuntivo e a budget), in quanto in alcuni casi potrebbe non essere possibile trovare la grandezza necessaria a budget o a consuntivo. Certe strategie per mitigare questo problema sottintendevano l’uso di assunzioni che riteniamo essere troppo forti.</a:t>
-            </a:r>
-          </a:p>
-          <a:p>
-            <a:r>
-              <a:rPr lang="it-IT"/>
-              <a:t>-</a:t>
-            </a:r>
-            <a:r>
-              <a:rPr lang="it-IT" b="1"/>
-              <a:t>Scostamento di impiego/MIX: </a:t>
-            </a:r>
-          </a:p>
-          <a:p>
-            <a:pPr lvl="1"/>
-            <a:r>
-              <a:rPr lang="it-IT"/>
-              <a:t>Lo scostamento di impiego</a:t>
-            </a:r>
-            <a:r>
-              <a:rPr lang="it-IT" dirty="0"/>
-              <a:t>/MIX</a:t>
-            </a:r>
-            <a:r>
-              <a:rPr lang="it-IT"/>
-              <a:t> risulta essere negativo di circa 110 mila euro.</a:t>
-            </a:r>
-          </a:p>
-          <a:p>
-            <a:pPr lvl="2"/>
-            <a:r>
-              <a:rPr lang="it-IT" sz="1100" dirty="0"/>
-              <a:t>Esso ha questo valore per via dell’aumento dei costi delle materie prime e delle lavorazioni che aumentano da mix standard a mix effettivo. </a:t>
-            </a:r>
-          </a:p>
-          <a:p>
-            <a:pPr lvl="3"/>
-            <a:r>
-              <a:rPr lang="it-IT" sz="1100" dirty="0"/>
-              <a:t>Per quanto riguarda le materie prime, questo aumento dei costi potrebbe essere attribuibile a un aumento degli impeghi-per-pezzo delle materie prime, il quale potrebbe suggerire una sottostima dell’inefficienza del consumo di materie prime. Questo calo dell’efficienza potrebbe essere causato da errore umano, di macchinario, di qualità delle materie prime e via dicendo.</a:t>
-            </a:r>
-          </a:p>
-          <a:p>
-            <a:pPr lvl="3"/>
-            <a:r>
-              <a:rPr lang="it-IT" sz="1100" dirty="0"/>
-              <a:t>Per le lavorazioni l’aumento dei costi potrebbe essere causato da un aumento complessivo dell’impiego di ore unitario, ovvero la quantità di ore necessarie per completare una particolare fase di lavorazione di una sola unità. Come nel caso delle materie prime, questo aumento potrebbe essere un indizio di possibili sottostime dell’efficienza delle diverse fasi di lavorazione, in questo caso in termini del consumo di ore di lavoro. </a:t>
-            </a:r>
-          </a:p>
-          <a:p>
-            <a:pPr lvl="2"/>
-            <a:r>
-              <a:rPr lang="it-IT" sz="1100" dirty="0"/>
-              <a:t>Anche i ricavi aumentano in questo passaggio: la ridistribuzione dei prodotti venduti a consuntivo risulta essere più vantaggiosa rispetto a quanto era stato preventivato, ma non bastano a compensare il notevole aumento dei costi. </a:t>
-            </a:r>
-          </a:p>
-          <a:p>
-            <a:pPr lvl="1"/>
-            <a:endParaRPr lang="it-IT" b="1"/>
-          </a:p>
-          <a:p>
-            <a:endParaRPr lang="it-IT" b="1"/>
-          </a:p>
-          <a:p>
-            <a:endParaRPr lang="it-IT" b="1"/>
-          </a:p>
-          <a:p>
-            <a:endParaRPr lang="it-IT"/>
+            <a:endParaRPr lang="it-IT" sz="2400" b="1"/>
+          </a:p>
+          <a:p>
+            <a:endParaRPr lang="it-IT" sz="2400"/>
           </a:p>
         </p:txBody>
       </p:sp>
@@ -21546,7 +24230,146 @@
 </p:sld>
 </file>
 
-<file path=ppt/slides/slide16.xml><?xml version="1.0" encoding="utf-8"?>
+<file path=ppt/slides/slide18.xml><?xml version="1.0" encoding="utf-8"?>
+<p:sld xmlns:a="http://schemas.openxmlformats.org/drawingml/2006/main" xmlns:r="http://schemas.openxmlformats.org/officeDocument/2006/relationships" xmlns:p="http://schemas.openxmlformats.org/presentationml/2006/main">
+  <p:cSld>
+    <p:spTree>
+      <p:nvGrpSpPr>
+        <p:cNvPr id="1" name=""/>
+        <p:cNvGrpSpPr/>
+        <p:nvPr/>
+      </p:nvGrpSpPr>
+      <p:grpSpPr>
+        <a:xfrm>
+          <a:off x="0" y="0"/>
+          <a:ext cx="0" cy="0"/>
+          <a:chOff x="0" y="0"/>
+          <a:chExt cx="0" cy="0"/>
+        </a:xfrm>
+      </p:grpSpPr>
+      <p:sp>
+        <p:nvSpPr>
+          <p:cNvPr id="2" name="Titolo 1">
+            <a:extLst>
+              <a:ext uri="{FF2B5EF4-FFF2-40B4-BE49-F238E27FC236}">
+                <a16:creationId xmlns:a16="http://schemas.microsoft.com/office/drawing/2014/main" id="{E57A1EED-342D-C841-807B-6612B7AA446E}"/>
+              </a:ext>
+            </a:extLst>
+          </p:cNvPr>
+          <p:cNvSpPr>
+            <a:spLocks noGrp="1"/>
+          </p:cNvSpPr>
+          <p:nvPr>
+            <p:ph type="title"/>
+          </p:nvPr>
+        </p:nvSpPr>
+        <p:spPr/>
+        <p:txBody>
+          <a:bodyPr/>
+          <a:lstStyle/>
+          <a:p>
+            <a:r>
+              <a:rPr lang="it-IT"/>
+              <a:t>Considerazioni sugli scostamenti 2</a:t>
+            </a:r>
+          </a:p>
+        </p:txBody>
+      </p:sp>
+      <p:sp>
+        <p:nvSpPr>
+          <p:cNvPr id="3" name="Segnaposto contenuto 2">
+            <a:extLst>
+              <a:ext uri="{FF2B5EF4-FFF2-40B4-BE49-F238E27FC236}">
+                <a16:creationId xmlns:a16="http://schemas.microsoft.com/office/drawing/2014/main" id="{FEDCDABA-5BDD-D144-88D7-03B11168C6C2}"/>
+              </a:ext>
+            </a:extLst>
+          </p:cNvPr>
+          <p:cNvSpPr>
+            <a:spLocks noGrp="1"/>
+          </p:cNvSpPr>
+          <p:nvPr>
+            <p:ph idx="1"/>
+          </p:nvPr>
+        </p:nvSpPr>
+        <p:spPr>
+          <a:xfrm>
+            <a:off x="1024127" y="2084832"/>
+            <a:ext cx="9720073" cy="3711388"/>
+          </a:xfrm>
+        </p:spPr>
+        <p:txBody>
+          <a:bodyPr>
+            <a:normAutofit/>
+          </a:bodyPr>
+          <a:lstStyle/>
+          <a:p>
+            <a:r>
+              <a:rPr lang="it-IT" sz="2400"/>
+              <a:t>-</a:t>
+            </a:r>
+            <a:r>
+              <a:rPr lang="it-IT" sz="2400" b="1"/>
+              <a:t>Scostamento di impiego/MIX: </a:t>
+            </a:r>
+          </a:p>
+          <a:p>
+            <a:pPr lvl="1"/>
+            <a:r>
+              <a:rPr lang="it-IT" sz="1600"/>
+              <a:t>Lo scostamento di impiego/MIX risulta essere negativo di circa 110 mila euro.</a:t>
+            </a:r>
+          </a:p>
+          <a:p>
+            <a:pPr lvl="2"/>
+            <a:r>
+              <a:rPr lang="it-IT"/>
+              <a:t>Esso ha questo valore per via dell’aumento dei costi delle materie prime e delle lavorazioni che aumentano da mix standard a mix effettivo. </a:t>
+            </a:r>
+          </a:p>
+          <a:p>
+            <a:pPr lvl="3"/>
+            <a:r>
+              <a:rPr lang="it-IT"/>
+              <a:t>Per quanto riguarda le materie prime, questo aumento dei costi potrebbe essere attribuibile a un aumento degli impeghi-per-pezzo delle materie prime, il quale potrebbe suggerire una sottostima dell’inefficienza del consumo di materie prime. Questo calo dell’efficienza potrebbe essere causato da diversi fattoti: errore umano, precisione del macchinario o qualità delle materie prime.</a:t>
+            </a:r>
+          </a:p>
+          <a:p>
+            <a:pPr lvl="3"/>
+            <a:r>
+              <a:rPr lang="it-IT"/>
+              <a:t>Per le lavorazioni l’aumento dei costi potrebbe essere causato da un aumento complessivo dell’impiego di ore unitario, ovvero la quantità di ore necessarie per completare una particolare fase di lavorazione di una sola unità. Come nel caso delle materie prime, questo aumento potrebbe essere un indizio di possibili sottostime dell’efficienza delle diverse fasi di lavorazione, in questo caso in termini del consumo di ore di lavoro. </a:t>
+            </a:r>
+          </a:p>
+          <a:p>
+            <a:pPr lvl="2"/>
+            <a:r>
+              <a:rPr lang="it-IT"/>
+              <a:t>Anche i ricavi aumentano in questo passaggio: la ridistribuzione dei prodotti venduti a consuntivo risulta essere più vantaggiosa rispetto a quanto era stato preventivato, ma non bastano a compensare il notevole aumento dei costi. </a:t>
+            </a:r>
+            <a:endParaRPr lang="it-IT" b="1"/>
+          </a:p>
+          <a:p>
+            <a:endParaRPr lang="it-IT" sz="2400" b="1"/>
+          </a:p>
+          <a:p>
+            <a:endParaRPr lang="it-IT" sz="2400"/>
+          </a:p>
+        </p:txBody>
+      </p:sp>
+    </p:spTree>
+    <p:extLst>
+      <p:ext uri="{BB962C8B-B14F-4D97-AF65-F5344CB8AC3E}">
+        <p14:creationId xmlns:p14="http://schemas.microsoft.com/office/powerpoint/2010/main" val="2245009960"/>
+      </p:ext>
+    </p:extLst>
+  </p:cSld>
+  <p:clrMapOvr>
+    <a:masterClrMapping/>
+  </p:clrMapOvr>
+</p:sld>
+</file>
+
+<file path=ppt/slides/slide19.xml><?xml version="1.0" encoding="utf-8"?>
 <p:sld xmlns:a="http://schemas.openxmlformats.org/drawingml/2006/main" xmlns:r="http://schemas.openxmlformats.org/officeDocument/2006/relationships" xmlns:p="http://schemas.openxmlformats.org/presentationml/2006/main">
   <p:cSld>
     <p:spTree>
@@ -21586,7 +24409,7 @@
           <a:p>
             <a:r>
               <a:rPr lang="it-IT"/>
-              <a:t>Considerazioni sugli scostamenti 2</a:t>
+              <a:t>Considerazioni sugli scostamenti 3</a:t>
             </a:r>
           </a:p>
         </p:txBody>
@@ -21607,7 +24430,12 @@
             <p:ph idx="1"/>
           </p:nvPr>
         </p:nvSpPr>
-        <p:spPr/>
+        <p:spPr>
+          <a:xfrm>
+            <a:off x="1024127" y="2084832"/>
+            <a:ext cx="9720073" cy="4023360"/>
+          </a:xfrm>
+        </p:spPr>
         <p:txBody>
           <a:bodyPr>
             <a:normAutofit fontScale="92500" lnSpcReduction="20000"/>
@@ -21627,78 +24455,21 @@
             <a:pPr lvl="2"/>
             <a:r>
               <a:rPr lang="it-IT"/>
-              <a:t>È </a:t>
-            </a:r>
-            <a:r>
-              <a:rPr lang="it-IT" dirty="0"/>
-              <a:t>complessivamente </a:t>
-            </a:r>
+              <a:t>È complessivamente negativo anche questo tipo di scostamento:</a:t>
+            </a:r>
+          </a:p>
+          <a:p>
+            <a:pPr lvl="3"/>
             <a:r>
               <a:rPr lang="it-IT"/>
-              <a:t>negativo anche questo tipo di scostamento</a:t>
-            </a:r>
-            <a:r>
-              <a:rPr lang="it-IT" dirty="0"/>
-              <a:t>:</a:t>
+              <a:t>I ricavi aumentano possibilmente grazie a un aumento dei prezzi di vendita dei singoli articoli, che comportano uno scostamento positivo di circa 56000 euro.</a:t>
             </a:r>
           </a:p>
           <a:p>
             <a:pPr lvl="3"/>
             <a:r>
-              <a:rPr lang="it-IT" dirty="0"/>
-              <a:t>I ricavi aumentano possibilmente grazie a un aumento dei prezzi di vendita dei singoli articoli, che comportano uno</a:t>
-            </a:r>
-            <a:r>
               <a:rPr lang="it-IT"/>
-              <a:t> scostamento </a:t>
-            </a:r>
-            <a:r>
-              <a:rPr lang="it-IT" dirty="0"/>
-              <a:t>positivo </a:t>
-            </a:r>
-            <a:r>
-              <a:rPr lang="it-IT"/>
-              <a:t>di </a:t>
-            </a:r>
-            <a:r>
-              <a:rPr lang="it-IT" dirty="0"/>
-              <a:t>circa 56000 euro</a:t>
-            </a:r>
-            <a:r>
-              <a:rPr lang="it-IT"/>
-              <a:t>.</a:t>
-            </a:r>
-            <a:endParaRPr lang="it-IT" dirty="0"/>
-          </a:p>
-          <a:p>
-            <a:pPr lvl="3"/>
-            <a:r>
-              <a:rPr lang="it-IT" dirty="0"/>
-              <a:t>D’altro canto, i costi aumentano molto di più rispetto all’aumento dei ricavi, dovuto</a:t>
-            </a:r>
-            <a:r>
-              <a:rPr lang="it-IT"/>
-              <a:t> a </a:t>
-            </a:r>
-            <a:r>
-              <a:rPr lang="it-IT" dirty="0"/>
-              <a:t>un aumento dei costi di acquisto delle materie prime e dei costi orari delle lavorazioni. È possibile che questo aumento dei costi sia stato uno dei motivi per </a:t>
-            </a:r>
-            <a:r>
-              <a:rPr lang="it-IT"/>
-              <a:t>i </a:t>
-            </a:r>
-            <a:r>
-              <a:rPr lang="it-IT" dirty="0"/>
-              <a:t>quali l’azienda a scelto di aumentare </a:t>
-            </a:r>
-            <a:r>
-              <a:rPr lang="it-IT"/>
-              <a:t>i </a:t>
-            </a:r>
-            <a:r>
-              <a:rPr lang="it-IT" dirty="0"/>
-              <a:t>prezzi di vendita.</a:t>
+              <a:t>D’altro canto, i costi aumentano molto di più rispetto all’aumento dei ricavi, dovuto a un aumento dei costi di acquisto delle materie prime e dei costi orari delle lavorazioni. È possibile che questo aumento dei costi sia stato uno dei motivi per i quali l’azienda a scelto di aumentare i prezzi di vendita.</a:t>
             </a:r>
           </a:p>
           <a:p>
@@ -21714,72 +24485,62 @@
           <a:p>
             <a:pPr lvl="1"/>
             <a:r>
-              <a:rPr lang="it-IT" sz="1400" dirty="0"/>
+              <a:rPr lang="it-IT" sz="1400"/>
               <a:t>Questo scostamento è nullo per i costi, in quanto questi vengono sempre pagati in euro. </a:t>
             </a:r>
           </a:p>
           <a:p>
             <a:pPr lvl="1"/>
             <a:r>
-              <a:rPr lang="it-IT" sz="1400" dirty="0"/>
+              <a:rPr lang="it-IT" sz="1400"/>
               <a:t>Per i ricavi, il passaggio a consuntivo rappresenta invece uno scostamento negativo di -60mila euro. Infatti, tutti e tre tassi di cambio sono diventati meno vantaggiosi dal punto di vista dell’azienda (meno euro per la stessa quantità di valuta straniera) e non possono che comportare una riduzione dei ricavi preventivati. </a:t>
             </a:r>
           </a:p>
           <a:p>
             <a:pPr lvl="1"/>
             <a:r>
-              <a:rPr lang="it-IT" sz="1400" dirty="0"/>
+              <a:rPr lang="it-IT" sz="1400"/>
               <a:t>Nota: dato che lo scostamento di valuta è stato fatto per ultimo, tutti gli altri scostamenti (tranne quello totale) usano il tasso di cambio a budget, e quindi, volutamente, non riflettono la riduzione di ricavi e margine causata dal peggioramento del tasso.</a:t>
             </a:r>
           </a:p>
           <a:p>
             <a:r>
               <a:rPr lang="it-IT"/>
-              <a:t>-</a:t>
-            </a:r>
-            <a:r>
-              <a:rPr lang="it-IT" dirty="0"/>
-              <a:t> </a:t>
+              <a:t>- </a:t>
             </a:r>
             <a:r>
               <a:rPr lang="it-IT" b="1"/>
               <a:t>Scostamento totale:</a:t>
             </a:r>
-            <a:endParaRPr lang="it-IT" b="1" dirty="0"/>
           </a:p>
           <a:p>
             <a:pPr lvl="1"/>
             <a:r>
-              <a:rPr lang="it-IT" sz="1400" dirty="0"/>
-              <a:t>I costi sono aumentati da consuntivo a budget, per tutti i motivi elencati prima i costi aumentano (maggiore volume produttivo, maggiore costo orario di lavorazione, costo di materie prime, maggiore impiego-per-pezzo delle materie prime e maggiore impiego di ore).</a:t>
+              <a:rPr lang="it-IT" sz="1400"/>
+              <a:t>I costi sono aumentati da budget a consuntivo, per tutti i motivi elencati prima i costi aumentano (maggiore volume produttivo, maggiore costo orario di lavorazione, costo di materie prime, maggiore impiego-per-pezzo delle materie prime e maggiore impiego di ore).</a:t>
             </a:r>
           </a:p>
           <a:p>
             <a:pPr lvl="1"/>
             <a:r>
-              <a:rPr lang="it-IT" sz="1400" dirty="0"/>
-              <a:t>Anche i ricavi sono aumentati complessivamente (scostamento totale di circa 112mila euro) ma non bastano a coprire i </a:t>
-            </a:r>
-            <a:r>
               <a:rPr lang="it-IT" sz="1400"/>
-              <a:t>nuovi costi. </a:t>
-            </a:r>
-            <a:endParaRPr lang="it-IT" sz="1400" dirty="0"/>
-          </a:p>
-          <a:p>
-            <a:endParaRPr lang="it-IT" b="1" dirty="0"/>
-          </a:p>
-          <a:p>
-            <a:endParaRPr lang="it-IT" b="1" dirty="0"/>
-          </a:p>
-          <a:p>
-            <a:endParaRPr lang="it-IT" b="1" dirty="0"/>
+              <a:t>Anche i ricavi sono aumentati complessivamente (scostamento totale di circa 112mila euro) ma non bastano a coprire i nuovi costi. </a:t>
+            </a:r>
+          </a:p>
+          <a:p>
+            <a:endParaRPr lang="it-IT" b="1"/>
+          </a:p>
+          <a:p>
+            <a:endParaRPr lang="it-IT" b="1"/>
+          </a:p>
+          <a:p>
+            <a:endParaRPr lang="it-IT" b="1"/>
           </a:p>
           <a:p>
             <a:pPr marL="0" indent="0">
               <a:buNone/>
             </a:pPr>
-            <a:endParaRPr lang="it-IT" b="1" dirty="0"/>
+            <a:endParaRPr lang="it-IT" b="1"/>
           </a:p>
           <a:p>
             <a:endParaRPr lang="it-IT"/>
@@ -21790,361 +24551,6 @@
     <p:extLst>
       <p:ext uri="{BB962C8B-B14F-4D97-AF65-F5344CB8AC3E}">
         <p14:creationId xmlns:p14="http://schemas.microsoft.com/office/powerpoint/2010/main" val="3579459669"/>
-      </p:ext>
-    </p:extLst>
-  </p:cSld>
-  <p:clrMapOvr>
-    <a:masterClrMapping/>
-  </p:clrMapOvr>
-</p:sld>
-</file>
-
-<file path=ppt/slides/slide17.xml><?xml version="1.0" encoding="utf-8"?>
-<p:sld xmlns:a="http://schemas.openxmlformats.org/drawingml/2006/main" xmlns:r="http://schemas.openxmlformats.org/officeDocument/2006/relationships" xmlns:p="http://schemas.openxmlformats.org/presentationml/2006/main">
-  <p:cSld>
-    <p:spTree>
-      <p:nvGrpSpPr>
-        <p:cNvPr id="1" name=""/>
-        <p:cNvGrpSpPr/>
-        <p:nvPr/>
-      </p:nvGrpSpPr>
-      <p:grpSpPr>
-        <a:xfrm>
-          <a:off x="0" y="0"/>
-          <a:ext cx="0" cy="0"/>
-          <a:chOff x="0" y="0"/>
-          <a:chExt cx="0" cy="0"/>
-        </a:xfrm>
-      </p:grpSpPr>
-      <p:sp>
-        <p:nvSpPr>
-          <p:cNvPr id="2" name="Titolo 1">
-            <a:extLst>
-              <a:ext uri="{FF2B5EF4-FFF2-40B4-BE49-F238E27FC236}">
-                <a16:creationId xmlns:a16="http://schemas.microsoft.com/office/drawing/2014/main" id="{AAA1F4F9-61F0-6647-8634-53C687E82ACF}"/>
-              </a:ext>
-            </a:extLst>
-          </p:cNvPr>
-          <p:cNvSpPr>
-            <a:spLocks noGrp="1"/>
-          </p:cNvSpPr>
-          <p:nvPr>
-            <p:ph type="title"/>
-          </p:nvPr>
-        </p:nvSpPr>
-        <p:spPr/>
-        <p:txBody>
-          <a:bodyPr/>
-          <a:lstStyle/>
-          <a:p>
-            <a:r>
-              <a:rPr lang="it-IT" err="1"/>
-              <a:t>Range</a:t>
-            </a:r>
-            <a:r>
-              <a:rPr lang="it-IT"/>
-              <a:t> degli scostamenti</a:t>
-            </a:r>
-          </a:p>
-        </p:txBody>
-      </p:sp>
-      <p:sp>
-        <p:nvSpPr>
-          <p:cNvPr id="3" name="Segnaposto contenuto 2">
-            <a:extLst>
-              <a:ext uri="{FF2B5EF4-FFF2-40B4-BE49-F238E27FC236}">
-                <a16:creationId xmlns:a16="http://schemas.microsoft.com/office/drawing/2014/main" id="{CEEB6942-F7BB-6B4C-B9BF-26A93F2663E2}"/>
-              </a:ext>
-            </a:extLst>
-          </p:cNvPr>
-          <p:cNvSpPr>
-            <a:spLocks noGrp="1"/>
-          </p:cNvSpPr>
-          <p:nvPr>
-            <p:ph idx="1"/>
-          </p:nvPr>
-        </p:nvSpPr>
-        <p:spPr/>
-        <p:txBody>
-          <a:bodyPr>
-            <a:normAutofit/>
-          </a:bodyPr>
-          <a:lstStyle/>
-          <a:p>
-            <a:r>
-              <a:rPr lang="it-IT"/>
-              <a:t>E’ stato fatto uno script in </a:t>
-            </a:r>
-            <a:r>
-              <a:rPr lang="it-IT" err="1"/>
-              <a:t>python</a:t>
-            </a:r>
-            <a:r>
-              <a:rPr lang="it-IT"/>
-              <a:t> che calcola per ogni articolo tutti gli scostamenti possibili e costruisce per ogni tipologia di scostamento il </a:t>
-            </a:r>
-            <a:r>
-              <a:rPr lang="it-IT" err="1"/>
-              <a:t>range</a:t>
-            </a:r>
-            <a:r>
-              <a:rPr lang="it-IT"/>
-              <a:t> di scostamento. I risultati sono i seguenti: </a:t>
-            </a:r>
-          </a:p>
-          <a:p>
-            <a:endParaRPr lang="it-IT"/>
-          </a:p>
-          <a:p>
-            <a:endParaRPr lang="it-IT"/>
-          </a:p>
-          <a:p>
-            <a:endParaRPr lang="it-IT"/>
-          </a:p>
-          <a:p>
-            <a:endParaRPr lang="it-IT"/>
-          </a:p>
-        </p:txBody>
-      </p:sp>
-      <p:pic>
-        <p:nvPicPr>
-          <p:cNvPr id="7" name="Immagine 6" descr="Immagine che contiene testo&#10;&#10;Descrizione generata automaticamente">
-            <a:extLst>
-              <a:ext uri="{FF2B5EF4-FFF2-40B4-BE49-F238E27FC236}">
-                <a16:creationId xmlns:a16="http://schemas.microsoft.com/office/drawing/2014/main" id="{45B402E3-6042-784E-A22F-92A2728BBAC5}"/>
-              </a:ext>
-            </a:extLst>
-          </p:cNvPr>
-          <p:cNvPicPr>
-            <a:picLocks noChangeAspect="1"/>
-          </p:cNvPicPr>
-          <p:nvPr/>
-        </p:nvPicPr>
-        <p:blipFill>
-          <a:blip r:embed="rId2"/>
-          <a:stretch>
-            <a:fillRect/>
-          </a:stretch>
-        </p:blipFill>
-        <p:spPr>
-          <a:xfrm>
-            <a:off x="1196588" y="3456878"/>
-            <a:ext cx="6832600" cy="1117600"/>
-          </a:xfrm>
-          <a:prstGeom prst="rect">
-            <a:avLst/>
-          </a:prstGeom>
-        </p:spPr>
-      </p:pic>
-    </p:spTree>
-    <p:extLst>
-      <p:ext uri="{BB962C8B-B14F-4D97-AF65-F5344CB8AC3E}">
-        <p14:creationId xmlns:p14="http://schemas.microsoft.com/office/powerpoint/2010/main" val="146873254"/>
-      </p:ext>
-    </p:extLst>
-  </p:cSld>
-  <p:clrMapOvr>
-    <a:masterClrMapping/>
-  </p:clrMapOvr>
-</p:sld>
-</file>
-
-<file path=ppt/slides/slide18.xml><?xml version="1.0" encoding="utf-8"?>
-<p:sld xmlns:a="http://schemas.openxmlformats.org/drawingml/2006/main" xmlns:r="http://schemas.openxmlformats.org/officeDocument/2006/relationships" xmlns:p="http://schemas.openxmlformats.org/presentationml/2006/main">
-  <p:cSld>
-    <p:spTree>
-      <p:nvGrpSpPr>
-        <p:cNvPr id="1" name=""/>
-        <p:cNvGrpSpPr/>
-        <p:nvPr/>
-      </p:nvGrpSpPr>
-      <p:grpSpPr>
-        <a:xfrm>
-          <a:off x="0" y="0"/>
-          <a:ext cx="0" cy="0"/>
-          <a:chOff x="0" y="0"/>
-          <a:chExt cx="0" cy="0"/>
-        </a:xfrm>
-      </p:grpSpPr>
-      <p:sp>
-        <p:nvSpPr>
-          <p:cNvPr id="2" name="Titolo 1">
-            <a:extLst>
-              <a:ext uri="{FF2B5EF4-FFF2-40B4-BE49-F238E27FC236}">
-                <a16:creationId xmlns:a16="http://schemas.microsoft.com/office/drawing/2014/main" id="{EFBCAA30-B522-5F4C-9309-123228244BD2}"/>
-              </a:ext>
-            </a:extLst>
-          </p:cNvPr>
-          <p:cNvSpPr>
-            <a:spLocks noGrp="1"/>
-          </p:cNvSpPr>
-          <p:nvPr>
-            <p:ph type="title"/>
-          </p:nvPr>
-        </p:nvSpPr>
-        <p:spPr/>
-        <p:txBody>
-          <a:bodyPr/>
-          <a:lstStyle/>
-          <a:p>
-            <a:r>
-              <a:rPr lang="it-IT"/>
-              <a:t>Identificazione degli articoli che creano il maggiore scostamento</a:t>
-            </a:r>
-          </a:p>
-        </p:txBody>
-      </p:sp>
-      <p:pic>
-        <p:nvPicPr>
-          <p:cNvPr id="5" name="Segnaposto contenuto 4" descr="Immagine che contiene testo&#10;&#10;Descrizione generata automaticamente">
-            <a:extLst>
-              <a:ext uri="{FF2B5EF4-FFF2-40B4-BE49-F238E27FC236}">
-                <a16:creationId xmlns:a16="http://schemas.microsoft.com/office/drawing/2014/main" id="{3B2B2F1D-37F7-8A4A-B373-740A68A8066D}"/>
-              </a:ext>
-            </a:extLst>
-          </p:cNvPr>
-          <p:cNvPicPr>
-            <a:picLocks noGrp="1" noChangeAspect="1"/>
-          </p:cNvPicPr>
-          <p:nvPr>
-            <p:ph idx="1"/>
-          </p:nvPr>
-        </p:nvPicPr>
-        <p:blipFill>
-          <a:blip r:embed="rId2"/>
-          <a:stretch>
-            <a:fillRect/>
-          </a:stretch>
-        </p:blipFill>
-        <p:spPr>
-          <a:xfrm>
-            <a:off x="2692400" y="4391596"/>
-            <a:ext cx="6756400" cy="1079500"/>
-          </a:xfrm>
-        </p:spPr>
-      </p:pic>
-      <p:pic>
-        <p:nvPicPr>
-          <p:cNvPr id="7" name="Immagine 6" descr="Immagine che contiene testo&#10;&#10;Descrizione generata automaticamente">
-            <a:extLst>
-              <a:ext uri="{FF2B5EF4-FFF2-40B4-BE49-F238E27FC236}">
-                <a16:creationId xmlns:a16="http://schemas.microsoft.com/office/drawing/2014/main" id="{309AACCE-36E6-AE4F-AEE3-DA46FEF4801C}"/>
-              </a:ext>
-            </a:extLst>
-          </p:cNvPr>
-          <p:cNvPicPr>
-            <a:picLocks noChangeAspect="1"/>
-          </p:cNvPicPr>
-          <p:nvPr/>
-        </p:nvPicPr>
-        <p:blipFill>
-          <a:blip r:embed="rId3"/>
-          <a:stretch>
-            <a:fillRect/>
-          </a:stretch>
-        </p:blipFill>
-        <p:spPr>
-          <a:xfrm>
-            <a:off x="2692400" y="2711164"/>
-            <a:ext cx="6807200" cy="1054100"/>
-          </a:xfrm>
-          <a:prstGeom prst="rect">
-            <a:avLst/>
-          </a:prstGeom>
-        </p:spPr>
-      </p:pic>
-    </p:spTree>
-    <p:extLst>
-      <p:ext uri="{BB962C8B-B14F-4D97-AF65-F5344CB8AC3E}">
-        <p14:creationId xmlns:p14="http://schemas.microsoft.com/office/powerpoint/2010/main" val="330643185"/>
-      </p:ext>
-    </p:extLst>
-  </p:cSld>
-  <p:clrMapOvr>
-    <a:masterClrMapping/>
-  </p:clrMapOvr>
-</p:sld>
-</file>
-
-<file path=ppt/slides/slide19.xml><?xml version="1.0" encoding="utf-8"?>
-<p:sld xmlns:a="http://schemas.openxmlformats.org/drawingml/2006/main" xmlns:r="http://schemas.openxmlformats.org/officeDocument/2006/relationships" xmlns:p="http://schemas.openxmlformats.org/presentationml/2006/main">
-  <p:cSld>
-    <p:spTree>
-      <p:nvGrpSpPr>
-        <p:cNvPr id="1" name=""/>
-        <p:cNvGrpSpPr/>
-        <p:nvPr/>
-      </p:nvGrpSpPr>
-      <p:grpSpPr>
-        <a:xfrm>
-          <a:off x="0" y="0"/>
-          <a:ext cx="0" cy="0"/>
-          <a:chOff x="0" y="0"/>
-          <a:chExt cx="0" cy="0"/>
-        </a:xfrm>
-      </p:grpSpPr>
-      <p:sp>
-        <p:nvSpPr>
-          <p:cNvPr id="2" name="Titolo 1">
-            <a:extLst>
-              <a:ext uri="{FF2B5EF4-FFF2-40B4-BE49-F238E27FC236}">
-                <a16:creationId xmlns:a16="http://schemas.microsoft.com/office/drawing/2014/main" id="{9BA6029E-B06A-FD45-BD04-08072B1F8DE8}"/>
-              </a:ext>
-            </a:extLst>
-          </p:cNvPr>
-          <p:cNvSpPr>
-            <a:spLocks noGrp="1"/>
-          </p:cNvSpPr>
-          <p:nvPr>
-            <p:ph type="title"/>
-          </p:nvPr>
-        </p:nvSpPr>
-        <p:spPr/>
-        <p:txBody>
-          <a:bodyPr/>
-          <a:lstStyle/>
-          <a:p>
-            <a:r>
-              <a:rPr lang="it-IT" dirty="0" err="1"/>
-              <a:t>screenshot</a:t>
-            </a:r>
-            <a:endParaRPr lang="it-IT" dirty="0"/>
-          </a:p>
-        </p:txBody>
-      </p:sp>
-      <p:pic>
-        <p:nvPicPr>
-          <p:cNvPr id="5" name="Segnaposto contenuto 4">
-            <a:extLst>
-              <a:ext uri="{FF2B5EF4-FFF2-40B4-BE49-F238E27FC236}">
-                <a16:creationId xmlns:a16="http://schemas.microsoft.com/office/drawing/2014/main" id="{98596F88-1E0A-2C43-BE00-1D716FD8B362}"/>
-              </a:ext>
-            </a:extLst>
-          </p:cNvPr>
-          <p:cNvPicPr>
-            <a:picLocks noGrp="1" noChangeAspect="1"/>
-          </p:cNvPicPr>
-          <p:nvPr>
-            <p:ph idx="1"/>
-          </p:nvPr>
-        </p:nvPicPr>
-        <p:blipFill>
-          <a:blip r:embed="rId2"/>
-          <a:stretch>
-            <a:fillRect/>
-          </a:stretch>
-        </p:blipFill>
-        <p:spPr>
-          <a:xfrm>
-            <a:off x="2792079" y="2250059"/>
-            <a:ext cx="6607841" cy="4022725"/>
-          </a:xfrm>
-        </p:spPr>
-      </p:pic>
-    </p:spTree>
-    <p:extLst>
-      <p:ext uri="{BB962C8B-B14F-4D97-AF65-F5344CB8AC3E}">
-        <p14:creationId xmlns:p14="http://schemas.microsoft.com/office/powerpoint/2010/main" val="2020287451"/>
       </p:ext>
     </p:extLst>
   </p:cSld>
@@ -22215,7 +24621,12 @@
             <p:ph idx="1"/>
           </p:nvPr>
         </p:nvSpPr>
-        <p:spPr/>
+        <p:spPr>
+          <a:xfrm>
+            <a:off x="1024128" y="2286000"/>
+            <a:ext cx="9720073" cy="3001992"/>
+          </a:xfrm>
+        </p:spPr>
         <p:txBody>
           <a:bodyPr/>
           <a:lstStyle/>
@@ -22230,13 +24641,19 @@
             </a:r>
             <a:r>
               <a:rPr lang="it-IT"/>
-              <a:t> relativi alla produzione dell’azienda 4Mengines è stato realizzata una piattaforma WEB per la gestione e il calcolo degli scostamenti tra budget e consuntivo. Messi a conoscenza della sequenza delle fasi di produzione interna sono state necessarie delle assunzioni per la gestione e la successiva manipolazione dei dati. </a:t>
+              <a:t> relativi alla produzione dell’azienda 4Mengines è stato realizzato un sito WEB per il calcolo degli scostamenti tra budget e consuntivo. </a:t>
             </a:r>
           </a:p>
           <a:p>
             <a:r>
               <a:rPr lang="it-IT"/>
-              <a:t>In un secondo momento sono stati interpretati i risultati ottenuti</a:t>
+              <a:t>Messi a conoscenza della sequenza delle fasi di produzione interna sono state necessarie delle assunzioni per la gestione e la successiva manipolazione dei dati. </a:t>
+            </a:r>
+          </a:p>
+          <a:p>
+            <a:r>
+              <a:rPr lang="it-IT"/>
+              <a:t>In un secondo momento sono stati interpretati i risultati ottenuti.</a:t>
             </a:r>
           </a:p>
         </p:txBody>
@@ -22276,7 +24693,7 @@
           <p:cNvPr id="2" name="Titolo 1">
             <a:extLst>
               <a:ext uri="{FF2B5EF4-FFF2-40B4-BE49-F238E27FC236}">
-                <a16:creationId xmlns:a16="http://schemas.microsoft.com/office/drawing/2014/main" id="{951C81EA-6CDA-F34F-A4B6-5FBBCDD4A164}"/>
+                <a16:creationId xmlns:a16="http://schemas.microsoft.com/office/drawing/2014/main" id="{AAA1F4F9-61F0-6647-8634-53C687E82ACF}"/>
               </a:ext>
             </a:extLst>
           </p:cNvPr>
@@ -22292,75 +24709,23 @@
           <a:bodyPr/>
           <a:lstStyle/>
           <a:p>
-            <a:endParaRPr lang="it-IT"/>
+            <a:r>
+              <a:rPr lang="it-IT" err="1"/>
+              <a:t>Range</a:t>
+            </a:r>
+            <a:r>
+              <a:rPr lang="it-IT"/>
+              <a:t> degli scostamenti sul MARGINE</a:t>
+            </a:r>
           </a:p>
         </p:txBody>
       </p:sp>
-      <p:pic>
-        <p:nvPicPr>
-          <p:cNvPr id="5" name="Segnaposto contenuto 4">
+      <p:sp>
+        <p:nvSpPr>
+          <p:cNvPr id="3" name="Segnaposto contenuto 2">
             <a:extLst>
               <a:ext uri="{FF2B5EF4-FFF2-40B4-BE49-F238E27FC236}">
-                <a16:creationId xmlns:a16="http://schemas.microsoft.com/office/drawing/2014/main" id="{E37C6EB8-1915-D546-BFD4-3D071EEECEBA}"/>
-              </a:ext>
-            </a:extLst>
-          </p:cNvPr>
-          <p:cNvPicPr>
-            <a:picLocks noGrp="1" noChangeAspect="1"/>
-          </p:cNvPicPr>
-          <p:nvPr>
-            <p:ph idx="1"/>
-          </p:nvPr>
-        </p:nvPicPr>
-        <p:blipFill>
-          <a:blip r:embed="rId2"/>
-          <a:stretch>
-            <a:fillRect/>
-          </a:stretch>
-        </p:blipFill>
-        <p:spPr>
-          <a:xfrm>
-            <a:off x="2580148" y="2286000"/>
-            <a:ext cx="6607841" cy="4022725"/>
-          </a:xfrm>
-        </p:spPr>
-      </p:pic>
-    </p:spTree>
-    <p:extLst>
-      <p:ext uri="{BB962C8B-B14F-4D97-AF65-F5344CB8AC3E}">
-        <p14:creationId xmlns:p14="http://schemas.microsoft.com/office/powerpoint/2010/main" val="3701360443"/>
-      </p:ext>
-    </p:extLst>
-  </p:cSld>
-  <p:clrMapOvr>
-    <a:masterClrMapping/>
-  </p:clrMapOvr>
-</p:sld>
-</file>
-
-<file path=ppt/slides/slide21.xml><?xml version="1.0" encoding="utf-8"?>
-<p:sld xmlns:a="http://schemas.openxmlformats.org/drawingml/2006/main" xmlns:r="http://schemas.openxmlformats.org/officeDocument/2006/relationships" xmlns:p="http://schemas.openxmlformats.org/presentationml/2006/main">
-  <p:cSld>
-    <p:spTree>
-      <p:nvGrpSpPr>
-        <p:cNvPr id="1" name=""/>
-        <p:cNvGrpSpPr/>
-        <p:nvPr/>
-      </p:nvGrpSpPr>
-      <p:grpSpPr>
-        <a:xfrm>
-          <a:off x="0" y="0"/>
-          <a:ext cx="0" cy="0"/>
-          <a:chOff x="0" y="0"/>
-          <a:chExt cx="0" cy="0"/>
-        </a:xfrm>
-      </p:grpSpPr>
-      <p:sp>
-        <p:nvSpPr>
-          <p:cNvPr id="2" name="Titolo 1">
-            <a:extLst>
-              <a:ext uri="{FF2B5EF4-FFF2-40B4-BE49-F238E27FC236}">
-                <a16:creationId xmlns:a16="http://schemas.microsoft.com/office/drawing/2014/main" id="{1A00D8BE-7451-7D45-A955-240CAF52EF71}"/>
+                <a16:creationId xmlns:a16="http://schemas.microsoft.com/office/drawing/2014/main" id="{CEEB6942-F7BB-6B4C-B9BF-26A93F2663E2}"/>
               </a:ext>
             </a:extLst>
           </p:cNvPr>
@@ -22368,13 +24733,51 @@
             <a:spLocks noGrp="1"/>
           </p:cNvSpPr>
           <p:nvPr>
-            <p:ph type="title"/>
+            <p:ph idx="1"/>
           </p:nvPr>
         </p:nvSpPr>
-        <p:spPr/>
+        <p:spPr>
+          <a:xfrm>
+            <a:off x="1024128" y="2084832"/>
+            <a:ext cx="9720072" cy="792839"/>
+          </a:xfrm>
+        </p:spPr>
         <p:txBody>
-          <a:bodyPr/>
+          <a:bodyPr>
+            <a:normAutofit/>
+          </a:bodyPr>
           <a:lstStyle/>
+          <a:p>
+            <a:r>
+              <a:rPr lang="it-IT" sz="1800"/>
+              <a:t>E’ stato fatto uno script in </a:t>
+            </a:r>
+            <a:r>
+              <a:rPr lang="it-IT" sz="1800" err="1"/>
+              <a:t>python</a:t>
+            </a:r>
+            <a:r>
+              <a:rPr lang="it-IT" sz="1800"/>
+              <a:t> che calcola per ogni articolo tutti gli scostamenti possibili e costruisce per ogni tipologia di scostamento il </a:t>
+            </a:r>
+            <a:r>
+              <a:rPr lang="it-IT" sz="1800" err="1"/>
+              <a:t>range</a:t>
+            </a:r>
+            <a:r>
+              <a:rPr lang="it-IT" sz="1800"/>
+              <a:t> di scostamento. I risultati sono i seguenti: </a:t>
+            </a:r>
+          </a:p>
+          <a:p>
+            <a:endParaRPr lang="it-IT"/>
+          </a:p>
+          <a:p>
+            <a:endParaRPr lang="it-IT"/>
+          </a:p>
+          <a:p>
+            <a:endParaRPr lang="it-IT"/>
+          </a:p>
           <a:p>
             <a:endParaRPr lang="it-IT"/>
           </a:p>
@@ -22382,37 +24785,98 @@
       </p:sp>
       <p:pic>
         <p:nvPicPr>
-          <p:cNvPr id="5" name="Segnaposto contenuto 4" descr="Immagine che contiene tavolo&#10;&#10;Descrizione generata automaticamente">
+          <p:cNvPr id="7" name="Immagine 6" descr="Immagine che contiene testo&#10;&#10;Descrizione generata automaticamente">
             <a:extLst>
               <a:ext uri="{FF2B5EF4-FFF2-40B4-BE49-F238E27FC236}">
-                <a16:creationId xmlns:a16="http://schemas.microsoft.com/office/drawing/2014/main" id="{ABB34CE8-5027-4248-B92C-BC1D3437C87A}"/>
+                <a16:creationId xmlns:a16="http://schemas.microsoft.com/office/drawing/2014/main" id="{45B402E3-6042-784E-A22F-92A2728BBAC5}"/>
               </a:ext>
             </a:extLst>
           </p:cNvPr>
           <p:cNvPicPr>
-            <a:picLocks noGrp="1" noChangeAspect="1"/>
+            <a:picLocks noChangeAspect="1"/>
           </p:cNvPicPr>
-          <p:nvPr>
-            <p:ph idx="1"/>
-          </p:nvPr>
+          <p:nvPr/>
         </p:nvPicPr>
         <p:blipFill>
-          <a:blip r:embed="rId2"/>
+          <a:blip r:embed="rId3"/>
           <a:stretch>
             <a:fillRect/>
           </a:stretch>
         </p:blipFill>
         <p:spPr>
           <a:xfrm>
-            <a:off x="2587491" y="2286000"/>
-            <a:ext cx="6593156" cy="4022725"/>
+            <a:off x="2679698" y="2956035"/>
+            <a:ext cx="6832600" cy="1117600"/>
           </a:xfrm>
+          <a:prstGeom prst="rect">
+            <a:avLst/>
+          </a:prstGeom>
+        </p:spPr>
+      </p:pic>
+      <p:pic>
+        <p:nvPicPr>
+          <p:cNvPr id="5" name="Immagine 6" descr="Immagine che contiene testo&#10;&#10;Descrizione generata automaticamente">
+            <a:extLst>
+              <a:ext uri="{FF2B5EF4-FFF2-40B4-BE49-F238E27FC236}">
+                <a16:creationId xmlns:a16="http://schemas.microsoft.com/office/drawing/2014/main" id="{20E7C2C2-53DF-9846-B8A4-61114282E37B}"/>
+              </a:ext>
+            </a:extLst>
+          </p:cNvPr>
+          <p:cNvPicPr>
+            <a:picLocks noChangeAspect="1"/>
+          </p:cNvPicPr>
+          <p:nvPr/>
+        </p:nvPicPr>
+        <p:blipFill>
+          <a:blip r:embed="rId4"/>
+          <a:stretch>
+            <a:fillRect/>
+          </a:stretch>
+        </p:blipFill>
+        <p:spPr>
+          <a:xfrm>
+            <a:off x="2679698" y="5347963"/>
+            <a:ext cx="6832601" cy="1058033"/>
+          </a:xfrm>
+          <a:prstGeom prst="rect">
+            <a:avLst/>
+          </a:prstGeom>
+        </p:spPr>
+      </p:pic>
+      <p:pic>
+        <p:nvPicPr>
+          <p:cNvPr id="6" name="Segnaposto contenuto 4" descr="Immagine che contiene testo&#10;&#10;Descrizione generata automaticamente">
+            <a:extLst>
+              <a:ext uri="{FF2B5EF4-FFF2-40B4-BE49-F238E27FC236}">
+                <a16:creationId xmlns:a16="http://schemas.microsoft.com/office/drawing/2014/main" id="{50B1564F-B890-BF4B-9DFC-9D491853F851}"/>
+              </a:ext>
+            </a:extLst>
+          </p:cNvPr>
+          <p:cNvPicPr>
+            <a:picLocks noChangeAspect="1"/>
+          </p:cNvPicPr>
+          <p:nvPr/>
+        </p:nvPicPr>
+        <p:blipFill>
+          <a:blip r:embed="rId5"/>
+          <a:stretch>
+            <a:fillRect/>
+          </a:stretch>
+        </p:blipFill>
+        <p:spPr>
+          <a:xfrm>
+            <a:off x="2679700" y="4151999"/>
+            <a:ext cx="6832599" cy="1091675"/>
+          </a:xfrm>
+          <a:prstGeom prst="rect">
+            <a:avLst/>
+          </a:prstGeom>
         </p:spPr>
       </p:pic>
     </p:spTree>
     <p:extLst>
       <p:ext uri="{BB962C8B-B14F-4D97-AF65-F5344CB8AC3E}">
-        <p14:creationId xmlns:p14="http://schemas.microsoft.com/office/powerpoint/2010/main" val="3946396687"/>
+        <p14:creationId xmlns:p14="http://schemas.microsoft.com/office/powerpoint/2010/main" val="146873254"/>
       </p:ext>
     </p:extLst>
   </p:cSld>
@@ -23136,7 +25600,7 @@
           <a:p>
             <a:r>
               <a:rPr lang="it-IT"/>
-              <a:t>Osservazioni sui </a:t>
+              <a:t>Interpretazione dei </a:t>
             </a:r>
             <a:r>
               <a:rPr lang="it-IT" err="1"/>
@@ -23167,7 +25631,7 @@
         </p:nvSpPr>
         <p:spPr>
           <a:xfrm>
-            <a:off x="1024127" y="1863768"/>
+            <a:off x="1024127" y="2084832"/>
             <a:ext cx="9720073" cy="4187952"/>
           </a:xfrm>
         </p:spPr>
@@ -23179,6 +25643,32 @@
           <a:p>
             <a:r>
               <a:rPr lang="it-IT" b="1"/>
+              <a:t>Consumi </a:t>
+            </a:r>
+            <a:r>
+              <a:rPr lang="it-IT"/>
+              <a:t>→ consumo di materia prima per un determinato articolo</a:t>
+            </a:r>
+          </a:p>
+          <a:p>
+            <a:pPr lvl="1"/>
+            <a:r>
+              <a:rPr lang="it-IT"/>
+              <a:t> </a:t>
+            </a:r>
+            <a:r>
+              <a:rPr lang="it-IT" err="1"/>
+              <a:t>Nr.documento</a:t>
+            </a:r>
+            <a:r>
+              <a:rPr lang="it-IT"/>
+              <a:t> → si riconduce all’ordine di produzione. </a:t>
+            </a:r>
+            <a:endParaRPr lang="it-IT" b="1"/>
+          </a:p>
+          <a:p>
+            <a:r>
+              <a:rPr lang="it-IT" b="1"/>
               <a:t>Impiego orario risorse </a:t>
             </a:r>
             <a:r>
@@ -23189,16 +25679,28 @@
               <a:rPr lang="it-IT" err="1"/>
               <a:t>unique</a:t>
             </a:r>
+            <a:endParaRPr lang="it-IT"/>
+          </a:p>
+          <a:p>
+            <a:pPr lvl="1"/>
             <a:r>
               <a:rPr lang="it-IT"/>
-              <a:t>. </a:t>
+              <a:t>A ogni fase di produzione corrisponde un record al interno del </a:t>
+            </a:r>
+            <a:r>
+              <a:rPr lang="it-IT" err="1"/>
+              <a:t>dataset</a:t>
+            </a:r>
+            <a:r>
+              <a:rPr lang="it-IT"/>
+              <a:t>;</a:t>
             </a:r>
           </a:p>
           <a:p>
             <a:pPr lvl="1"/>
             <a:r>
               <a:rPr lang="it-IT"/>
-              <a:t>Il controllo qualità ha sempre tempo di risorsa nullo. </a:t>
+              <a:t>Il controllo qualità ha sempre tempo di risorsa nullo;</a:t>
             </a:r>
           </a:p>
           <a:p>
@@ -23209,19 +25711,15 @@
             </a:r>
           </a:p>
           <a:p>
-            <a:pPr lvl="1"/>
+            <a:r>
+              <a:rPr lang="it-IT" b="1"/>
+              <a:t>Costo orario risorse </a:t>
+            </a:r>
             <a:r>
               <a:rPr lang="it-IT"/>
-              <a:t>Alcune fasi vengono registrate nel </a:t>
-            </a:r>
-            <a:r>
-              <a:rPr lang="it-IT" err="1"/>
-              <a:t>dataset</a:t>
-            </a:r>
-            <a:r>
-              <a:rPr lang="it-IT"/>
-              <a:t> in più righe a parità di articolo e ODP</a:t>
-            </a:r>
+              <a:t>→ contiene il codice della risorsa e il costo orario della risorsa </a:t>
+            </a:r>
+            <a:endParaRPr lang="it-IT" b="1"/>
           </a:p>
           <a:p>
             <a:r>
@@ -23238,7 +25736,7 @@
             </a:r>
             <a:r>
               <a:rPr lang="it-IT"/>
-              <a:t> corrisponde all’id del cliente. </a:t>
+              <a:t> corrisponde all’id del cliente</a:t>
             </a:r>
           </a:p>
           <a:p>
@@ -23248,42 +25746,7 @@
             </a:r>
             <a:r>
               <a:rPr lang="it-IT"/>
-              <a:t>→ contiene i tassi di cambio sia a BUDGET che a CONSUNTIVO per le vendite.</a:t>
-            </a:r>
-          </a:p>
-          <a:p>
-            <a:r>
-              <a:rPr lang="it-IT" b="1"/>
-              <a:t>Consumi </a:t>
-            </a:r>
-            <a:r>
-              <a:rPr lang="it-IT"/>
-              <a:t>→ consumo di materia prima per un determinato articolo.</a:t>
-            </a:r>
-          </a:p>
-          <a:p>
-            <a:pPr lvl="1"/>
-            <a:r>
-              <a:rPr lang="it-IT"/>
-              <a:t> </a:t>
-            </a:r>
-            <a:r>
-              <a:rPr lang="it-IT" err="1"/>
-              <a:t>Nr.documento</a:t>
-            </a:r>
-            <a:r>
-              <a:rPr lang="it-IT"/>
-              <a:t> → si riconduce all’ordine di produzione. </a:t>
-            </a:r>
-          </a:p>
-          <a:p>
-            <a:r>
-              <a:rPr lang="it-IT" b="1"/>
-              <a:t>Costo orario risorse </a:t>
-            </a:r>
-            <a:r>
-              <a:rPr lang="it-IT"/>
-              <a:t>→ contiene il codice della risorsa e il costo orario della risorsa. </a:t>
+              <a:t>→ contiene i tassi di cambio sia a BUDGET che a CONSUNTIVO per le vendite</a:t>
             </a:r>
           </a:p>
           <a:p>
@@ -23293,7 +25756,7 @@
             </a:r>
             <a:r>
               <a:rPr lang="it-IT"/>
-              <a:t>→ c’è il codice cliente e la valuta che utilizzano per pagare il prodotto. </a:t>
+              <a:t>→ c’è il codice cliente e la valuta che utilizzano per pagare il prodotto</a:t>
             </a:r>
           </a:p>
           <a:p>
@@ -23377,13 +25840,13 @@
         </p:nvSpPr>
         <p:spPr>
           <a:xfrm>
-            <a:off x="1024128" y="1803400"/>
+            <a:off x="1024127" y="2084832"/>
             <a:ext cx="9720073" cy="4023360"/>
           </a:xfrm>
         </p:spPr>
         <p:txBody>
           <a:bodyPr>
-            <a:normAutofit fontScale="92500" lnSpcReduction="20000"/>
+            <a:normAutofit lnSpcReduction="10000"/>
           </a:bodyPr>
           <a:lstStyle/>
           <a:p>
@@ -23402,12 +25865,6 @@
             <a:r>
               <a:rPr lang="it-IT"/>
               <a:t>Quando avviene questa condizione ed esiste un’altra fase con lo stessa area di produzione, stessa fase e lo stesso numero di articolo si prende come quantità di output il valore massimo. Invece  come costo orario si utilizza la media dei costi orari della stessa fase per lo stesso articolo in quanto la stessa fase può avere costi differenti. Come tempo risorsa si calcola la somma dei tempi risorsa. </a:t>
-            </a:r>
-          </a:p>
-          <a:p>
-            <a:r>
-              <a:rPr lang="it-IT"/>
-              <a:t>Altrimenti se non esistono queste condizioni non viene preso in considerazione il prodotto perché potrebbe esserci stato una difettosità del prodotto. In effetti dato che il calcolo del costo della fase di lavorazione tiene conto della quantità di output, questo costo sarà nullo.</a:t>
             </a:r>
           </a:p>
         </p:txBody>
@@ -23426,6 +25883,191 @@
 </file>
 
 <file path=ppt/slides/slide6.xml><?xml version="1.0" encoding="utf-8"?>
+<p:sld xmlns:a="http://schemas.openxmlformats.org/drawingml/2006/main" xmlns:r="http://schemas.openxmlformats.org/officeDocument/2006/relationships" xmlns:p="http://schemas.openxmlformats.org/presentationml/2006/main">
+  <p:cSld>
+    <p:spTree>
+      <p:nvGrpSpPr>
+        <p:cNvPr id="1" name=""/>
+        <p:cNvGrpSpPr/>
+        <p:nvPr/>
+      </p:nvGrpSpPr>
+      <p:grpSpPr>
+        <a:xfrm>
+          <a:off x="0" y="0"/>
+          <a:ext cx="0" cy="0"/>
+          <a:chOff x="0" y="0"/>
+          <a:chExt cx="0" cy="0"/>
+        </a:xfrm>
+      </p:grpSpPr>
+      <p:pic>
+        <p:nvPicPr>
+          <p:cNvPr id="5" name="Content Placeholder 4">
+            <a:extLst>
+              <a:ext uri="{FF2B5EF4-FFF2-40B4-BE49-F238E27FC236}">
+                <a16:creationId xmlns:a16="http://schemas.microsoft.com/office/drawing/2014/main" id="{40FC8361-0729-4F43-8200-20F5D315800B}"/>
+              </a:ext>
+            </a:extLst>
+          </p:cNvPr>
+          <p:cNvPicPr>
+            <a:picLocks noGrp="1" noChangeAspect="1"/>
+          </p:cNvPicPr>
+          <p:nvPr>
+            <p:ph idx="1"/>
+          </p:nvPr>
+        </p:nvPicPr>
+        <p:blipFill>
+          <a:blip r:embed="rId3"/>
+          <a:stretch>
+            <a:fillRect/>
+          </a:stretch>
+        </p:blipFill>
+        <p:spPr>
+          <a:xfrm>
+            <a:off x="5961527" y="2603160"/>
+            <a:ext cx="6096001" cy="1040780"/>
+          </a:xfrm>
+          <a:prstGeom prst="rect">
+            <a:avLst/>
+          </a:prstGeom>
+        </p:spPr>
+      </p:pic>
+      <p:pic>
+        <p:nvPicPr>
+          <p:cNvPr id="4" name="Picture 3">
+            <a:extLst>
+              <a:ext uri="{FF2B5EF4-FFF2-40B4-BE49-F238E27FC236}">
+                <a16:creationId xmlns:a16="http://schemas.microsoft.com/office/drawing/2014/main" id="{0C140ECF-3FCB-AC4C-B0AE-A7BB0829026E}"/>
+              </a:ext>
+            </a:extLst>
+          </p:cNvPr>
+          <p:cNvPicPr>
+            <a:picLocks noChangeAspect="1"/>
+          </p:cNvPicPr>
+          <p:nvPr/>
+        </p:nvPicPr>
+        <p:blipFill>
+          <a:blip r:embed="rId4"/>
+          <a:stretch>
+            <a:fillRect/>
+          </a:stretch>
+        </p:blipFill>
+        <p:spPr>
+          <a:xfrm>
+            <a:off x="165811" y="2784416"/>
+            <a:ext cx="5726163" cy="2652880"/>
+          </a:xfrm>
+          <a:prstGeom prst="rect">
+            <a:avLst/>
+          </a:prstGeom>
+        </p:spPr>
+      </p:pic>
+      <p:pic>
+        <p:nvPicPr>
+          <p:cNvPr id="6" name="Picture 5">
+            <a:extLst>
+              <a:ext uri="{FF2B5EF4-FFF2-40B4-BE49-F238E27FC236}">
+                <a16:creationId xmlns:a16="http://schemas.microsoft.com/office/drawing/2014/main" id="{6F83996E-F642-2744-811E-621F1BAD1F58}"/>
+              </a:ext>
+            </a:extLst>
+          </p:cNvPr>
+          <p:cNvPicPr>
+            <a:picLocks noChangeAspect="1"/>
+          </p:cNvPicPr>
+          <p:nvPr/>
+        </p:nvPicPr>
+        <p:blipFill>
+          <a:blip r:embed="rId5"/>
+          <a:stretch>
+            <a:fillRect/>
+          </a:stretch>
+        </p:blipFill>
+        <p:spPr>
+          <a:xfrm>
+            <a:off x="5961529" y="4722652"/>
+            <a:ext cx="6096000" cy="874202"/>
+          </a:xfrm>
+          <a:prstGeom prst="rect">
+            <a:avLst/>
+          </a:prstGeom>
+        </p:spPr>
+      </p:pic>
+      <p:pic>
+        <p:nvPicPr>
+          <p:cNvPr id="11" name="Picture 10">
+            <a:extLst>
+              <a:ext uri="{FF2B5EF4-FFF2-40B4-BE49-F238E27FC236}">
+                <a16:creationId xmlns:a16="http://schemas.microsoft.com/office/drawing/2014/main" id="{63DA5101-B41A-BC46-9E76-A82F45D9B615}"/>
+              </a:ext>
+            </a:extLst>
+          </p:cNvPr>
+          <p:cNvPicPr>
+            <a:picLocks noChangeAspect="1"/>
+          </p:cNvPicPr>
+          <p:nvPr/>
+        </p:nvPicPr>
+        <p:blipFill>
+          <a:blip r:embed="rId6"/>
+          <a:stretch>
+            <a:fillRect/>
+          </a:stretch>
+        </p:blipFill>
+        <p:spPr>
+          <a:xfrm>
+            <a:off x="5961528" y="3695610"/>
+            <a:ext cx="6096000" cy="978466"/>
+          </a:xfrm>
+          <a:prstGeom prst="rect">
+            <a:avLst/>
+          </a:prstGeom>
+        </p:spPr>
+      </p:pic>
+      <p:sp>
+        <p:nvSpPr>
+          <p:cNvPr id="12" name="Titolo 1">
+            <a:extLst>
+              <a:ext uri="{FF2B5EF4-FFF2-40B4-BE49-F238E27FC236}">
+                <a16:creationId xmlns:a16="http://schemas.microsoft.com/office/drawing/2014/main" id="{E1324A1E-43D5-D84F-9923-E79F394616FC}"/>
+              </a:ext>
+            </a:extLst>
+          </p:cNvPr>
+          <p:cNvSpPr>
+            <a:spLocks noGrp="1"/>
+          </p:cNvSpPr>
+          <p:nvPr>
+            <p:ph type="title"/>
+          </p:nvPr>
+        </p:nvSpPr>
+        <p:spPr>
+          <a:xfrm>
+            <a:off x="1024128" y="585216"/>
+            <a:ext cx="9720072" cy="1499616"/>
+          </a:xfrm>
+        </p:spPr>
+        <p:txBody>
+          <a:bodyPr/>
+          <a:lstStyle/>
+          <a:p>
+            <a:r>
+              <a:rPr lang="it-IT"/>
+              <a:t>Esempi per il criterio di scelta di quantità output per ogni articolo</a:t>
+            </a:r>
+          </a:p>
+        </p:txBody>
+      </p:sp>
+    </p:spTree>
+    <p:extLst>
+      <p:ext uri="{BB962C8B-B14F-4D97-AF65-F5344CB8AC3E}">
+        <p14:creationId xmlns:p14="http://schemas.microsoft.com/office/powerpoint/2010/main" val="3382699943"/>
+      </p:ext>
+    </p:extLst>
+  </p:cSld>
+  <p:clrMapOvr>
+    <a:masterClrMapping/>
+  </p:clrMapOvr>
+</p:sld>
+</file>
+
+<file path=ppt/slides/slide7.xml><?xml version="1.0" encoding="utf-8"?>
 <p:sld xmlns:a="http://schemas.openxmlformats.org/drawingml/2006/main" xmlns:r="http://schemas.openxmlformats.org/officeDocument/2006/relationships" xmlns:p="http://schemas.openxmlformats.org/presentationml/2006/main">
   <p:cSld>
     <p:spTree>
@@ -23486,7 +26128,12 @@
             <p:ph idx="1"/>
           </p:nvPr>
         </p:nvSpPr>
-        <p:spPr/>
+        <p:spPr>
+          <a:xfrm>
+            <a:off x="1024128" y="2084832"/>
+            <a:ext cx="9720073" cy="4023360"/>
+          </a:xfrm>
+        </p:spPr>
         <p:txBody>
           <a:bodyPr/>
           <a:lstStyle/>
@@ -23520,7 +26167,7 @@
 </p:sld>
 </file>
 
-<file path=ppt/slides/slide7.xml><?xml version="1.0" encoding="utf-8"?>
+<file path=ppt/slides/slide8.xml><?xml version="1.0" encoding="utf-8"?>
 <p:sld xmlns:a="http://schemas.openxmlformats.org/drawingml/2006/main" xmlns:r="http://schemas.openxmlformats.org/officeDocument/2006/relationships" xmlns:p="http://schemas.openxmlformats.org/presentationml/2006/main">
   <p:cSld>
     <p:spTree>
@@ -23583,8 +26230,8 @@
         </p:nvSpPr>
         <p:spPr>
           <a:xfrm>
-            <a:off x="1024128" y="1820333"/>
-            <a:ext cx="9720073" cy="4775200"/>
+            <a:off x="1024128" y="2082800"/>
+            <a:ext cx="9720073" cy="4189984"/>
           </a:xfrm>
         </p:spPr>
         <p:txBody>
@@ -23619,7 +26266,7 @@
           <a:p>
             <a:r>
               <a:rPr lang="it-IT"/>
-              <a:t>Si è notato inoltre che i prodotti intermedi richiesti dai cliente finale sono venduti in quantità molto limitate e quindi impattano poco nei calcoli.</a:t>
+              <a:t>Si è notato inoltre che i prodotti intermedi richiesti dal cliente finale sono venduti in quantità molto limitate e quindi impattano poco sui calcoli dei totali.</a:t>
             </a:r>
           </a:p>
           <a:p>
@@ -23635,9 +26282,6 @@
               <a:rPr lang="it-IT"/>
               <a:t> delle vendite.</a:t>
             </a:r>
-          </a:p>
-          <a:p>
-            <a:endParaRPr lang="it-IT"/>
           </a:p>
         </p:txBody>
       </p:sp>
@@ -23654,7 +26298,7 @@
 </p:sld>
 </file>
 
-<file path=ppt/slides/slide8.xml><?xml version="1.0" encoding="utf-8"?>
+<file path=ppt/slides/slide9.xml><?xml version="1.0" encoding="utf-8"?>
 <p:sld xmlns:a="http://schemas.openxmlformats.org/drawingml/2006/main" xmlns:r="http://schemas.openxmlformats.org/officeDocument/2006/relationships" xmlns:p="http://schemas.openxmlformats.org/presentationml/2006/main">
   <p:cSld>
     <p:spTree>
@@ -23715,7 +26359,12 @@
             <p:ph idx="1"/>
           </p:nvPr>
         </p:nvSpPr>
-        <p:spPr/>
+        <p:spPr>
+          <a:xfrm>
+            <a:off x="1024129" y="2084832"/>
+            <a:ext cx="9720072" cy="4023360"/>
+          </a:xfrm>
+        </p:spPr>
         <p:txBody>
           <a:bodyPr>
             <a:normAutofit fontScale="92500"/>
@@ -23758,7 +26407,7 @@
           <a:p>
             <a:r>
               <a:rPr lang="it-IT"/>
-              <a:t>In più, esiste una serie di articoli prodotti ma non venduti. In caso venisse usato il volume di vendita per calcolare i costi, non sarebbe possibile calcolare degli scostamenti per questi articoli. </a:t>
+              <a:t>In più, esiste una serie di articoli prodotti ma non venduti. In caso venisse usato il volume di vendita per calcolare i costi, non sarebbe possibile calcolare degli scostamenti sufficientemente accurati per questi articoli. </a:t>
             </a:r>
           </a:p>
           <a:p>
@@ -23770,93 +26419,6 @@
     <p:extLst>
       <p:ext uri="{BB962C8B-B14F-4D97-AF65-F5344CB8AC3E}">
         <p14:creationId xmlns:p14="http://schemas.microsoft.com/office/powerpoint/2010/main" val="356014030"/>
-      </p:ext>
-    </p:extLst>
-  </p:cSld>
-  <p:clrMapOvr>
-    <a:masterClrMapping/>
-  </p:clrMapOvr>
-</p:sld>
-</file>
-
-<file path=ppt/slides/slide9.xml><?xml version="1.0" encoding="utf-8"?>
-<p:sld xmlns:a="http://schemas.openxmlformats.org/drawingml/2006/main" xmlns:r="http://schemas.openxmlformats.org/officeDocument/2006/relationships" xmlns:p="http://schemas.openxmlformats.org/presentationml/2006/main">
-  <p:cSld>
-    <p:spTree>
-      <p:nvGrpSpPr>
-        <p:cNvPr id="1" name=""/>
-        <p:cNvGrpSpPr/>
-        <p:nvPr/>
-      </p:nvGrpSpPr>
-      <p:grpSpPr>
-        <a:xfrm>
-          <a:off x="0" y="0"/>
-          <a:ext cx="0" cy="0"/>
-          <a:chOff x="0" y="0"/>
-          <a:chExt cx="0" cy="0"/>
-        </a:xfrm>
-      </p:grpSpPr>
-      <p:sp>
-        <p:nvSpPr>
-          <p:cNvPr id="2" name="Titolo 1">
-            <a:extLst>
-              <a:ext uri="{FF2B5EF4-FFF2-40B4-BE49-F238E27FC236}">
-                <a16:creationId xmlns:a16="http://schemas.microsoft.com/office/drawing/2014/main" id="{395A32B9-3FAE-CD4A-9872-472246D28456}"/>
-              </a:ext>
-            </a:extLst>
-          </p:cNvPr>
-          <p:cNvSpPr>
-            <a:spLocks noGrp="1"/>
-          </p:cNvSpPr>
-          <p:nvPr>
-            <p:ph type="title"/>
-          </p:nvPr>
-        </p:nvSpPr>
-        <p:spPr/>
-        <p:txBody>
-          <a:bodyPr/>
-          <a:lstStyle/>
-          <a:p>
-            <a:r>
-              <a:rPr lang="it-IT"/>
-              <a:t>Formule per calcolare gli scostamenti</a:t>
-            </a:r>
-          </a:p>
-        </p:txBody>
-      </p:sp>
-      <p:pic>
-        <p:nvPicPr>
-          <p:cNvPr id="7" name="Segnaposto contenuto 6" descr="Immagine che contiene testo&#10;&#10;Descrizione generata automaticamente">
-            <a:extLst>
-              <a:ext uri="{FF2B5EF4-FFF2-40B4-BE49-F238E27FC236}">
-                <a16:creationId xmlns:a16="http://schemas.microsoft.com/office/drawing/2014/main" id="{D97684F3-BA3A-344F-A340-1761BFE95D8D}"/>
-              </a:ext>
-            </a:extLst>
-          </p:cNvPr>
-          <p:cNvPicPr>
-            <a:picLocks noGrp="1" noChangeAspect="1"/>
-          </p:cNvPicPr>
-          <p:nvPr>
-            <p:ph idx="1"/>
-          </p:nvPr>
-        </p:nvPicPr>
-        <p:blipFill>
-          <a:blip r:embed="rId2"/>
-          <a:stretch>
-            <a:fillRect/>
-          </a:stretch>
-        </p:blipFill>
-        <p:spPr>
-          <a:xfrm>
-            <a:off x="2146300" y="2084832"/>
-            <a:ext cx="7899400" cy="3695700"/>
-          </a:xfrm>
-        </p:spPr>
-      </p:pic>
-    </p:spTree>
-    <p:extLst>
-      <p:ext uri="{BB962C8B-B14F-4D97-AF65-F5344CB8AC3E}">
-        <p14:creationId xmlns:p14="http://schemas.microsoft.com/office/powerpoint/2010/main" val="1838992452"/>
       </p:ext>
     </p:extLst>
   </p:cSld>
@@ -24132,4 +26694,299 @@
     </a:ext>
   </a:extLst>
 </a:theme>
+</file>
+
+<file path=ppt/theme/theme2.xml><?xml version="1.0" encoding="utf-8"?>
+<a:theme xmlns:a="http://schemas.openxmlformats.org/drawingml/2006/main" name="Office Theme">
+  <a:themeElements>
+    <a:clrScheme name="Office">
+      <a:dk1>
+        <a:sysClr val="windowText" lastClr="000000"/>
+      </a:dk1>
+      <a:lt1>
+        <a:sysClr val="window" lastClr="FFFFFF"/>
+      </a:lt1>
+      <a:dk2>
+        <a:srgbClr val="44546A"/>
+      </a:dk2>
+      <a:lt2>
+        <a:srgbClr val="E7E6E6"/>
+      </a:lt2>
+      <a:accent1>
+        <a:srgbClr val="4472C4"/>
+      </a:accent1>
+      <a:accent2>
+        <a:srgbClr val="ED7D31"/>
+      </a:accent2>
+      <a:accent3>
+        <a:srgbClr val="A5A5A5"/>
+      </a:accent3>
+      <a:accent4>
+        <a:srgbClr val="FFC000"/>
+      </a:accent4>
+      <a:accent5>
+        <a:srgbClr val="5B9BD5"/>
+      </a:accent5>
+      <a:accent6>
+        <a:srgbClr val="70AD47"/>
+      </a:accent6>
+      <a:hlink>
+        <a:srgbClr val="0563C1"/>
+      </a:hlink>
+      <a:folHlink>
+        <a:srgbClr val="954F72"/>
+      </a:folHlink>
+    </a:clrScheme>
+    <a:fontScheme name="Office">
+      <a:majorFont>
+        <a:latin typeface="Calibri Light" panose="020F0302020204030204"/>
+        <a:ea typeface=""/>
+        <a:cs typeface=""/>
+        <a:font script="Jpan" typeface="游ゴシック Light"/>
+        <a:font script="Hang" typeface="맑은 고딕"/>
+        <a:font script="Hans" typeface="等线 Light"/>
+        <a:font script="Hant" typeface="新細明體"/>
+        <a:font script="Arab" typeface="Times New Roman"/>
+        <a:font script="Hebr" typeface="Times New Roman"/>
+        <a:font script="Thai" typeface="Angsana New"/>
+        <a:font script="Ethi" typeface="Nyala"/>
+        <a:font script="Beng" typeface="Vrinda"/>
+        <a:font script="Gujr" typeface="Shruti"/>
+        <a:font script="Khmr" typeface="MoolBoran"/>
+        <a:font script="Knda" typeface="Tunga"/>
+        <a:font script="Guru" typeface="Raavi"/>
+        <a:font script="Cans" typeface="Euphemia"/>
+        <a:font script="Cher" typeface="Plantagenet Cherokee"/>
+        <a:font script="Yiii" typeface="Microsoft Yi Baiti"/>
+        <a:font script="Tibt" typeface="Microsoft Himalaya"/>
+        <a:font script="Thaa" typeface="MV Boli"/>
+        <a:font script="Deva" typeface="Mangal"/>
+        <a:font script="Telu" typeface="Gautami"/>
+        <a:font script="Taml" typeface="Latha"/>
+        <a:font script="Syrc" typeface="Estrangelo Edessa"/>
+        <a:font script="Orya" typeface="Kalinga"/>
+        <a:font script="Mlym" typeface="Kartika"/>
+        <a:font script="Laoo" typeface="DokChampa"/>
+        <a:font script="Sinh" typeface="Iskoola Pota"/>
+        <a:font script="Mong" typeface="Mongolian Baiti"/>
+        <a:font script="Viet" typeface="Times New Roman"/>
+        <a:font script="Uigh" typeface="Microsoft Uighur"/>
+        <a:font script="Geor" typeface="Sylfaen"/>
+        <a:font script="Armn" typeface="Arial"/>
+        <a:font script="Bugi" typeface="Leelawadee UI"/>
+        <a:font script="Bopo" typeface="Microsoft JhengHei"/>
+        <a:font script="Java" typeface="Javanese Text"/>
+        <a:font script="Lisu" typeface="Segoe UI"/>
+        <a:font script="Mymr" typeface="Myanmar Text"/>
+        <a:font script="Nkoo" typeface="Ebrima"/>
+        <a:font script="Olck" typeface="Nirmala UI"/>
+        <a:font script="Osma" typeface="Ebrima"/>
+        <a:font script="Phag" typeface="Phagspa"/>
+        <a:font script="Syrn" typeface="Estrangelo Edessa"/>
+        <a:font script="Syrj" typeface="Estrangelo Edessa"/>
+        <a:font script="Syre" typeface="Estrangelo Edessa"/>
+        <a:font script="Sora" typeface="Nirmala UI"/>
+        <a:font script="Tale" typeface="Microsoft Tai Le"/>
+        <a:font script="Talu" typeface="Microsoft New Tai Lue"/>
+        <a:font script="Tfng" typeface="Ebrima"/>
+      </a:majorFont>
+      <a:minorFont>
+        <a:latin typeface="Calibri" panose="020F0502020204030204"/>
+        <a:ea typeface=""/>
+        <a:cs typeface=""/>
+        <a:font script="Jpan" typeface="游ゴシック"/>
+        <a:font script="Hang" typeface="맑은 고딕"/>
+        <a:font script="Hans" typeface="等线"/>
+        <a:font script="Hant" typeface="新細明體"/>
+        <a:font script="Arab" typeface="Arial"/>
+        <a:font script="Hebr" typeface="Arial"/>
+        <a:font script="Thai" typeface="Cordia New"/>
+        <a:font script="Ethi" typeface="Nyala"/>
+        <a:font script="Beng" typeface="Vrinda"/>
+        <a:font script="Gujr" typeface="Shruti"/>
+        <a:font script="Khmr" typeface="DaunPenh"/>
+        <a:font script="Knda" typeface="Tunga"/>
+        <a:font script="Guru" typeface="Raavi"/>
+        <a:font script="Cans" typeface="Euphemia"/>
+        <a:font script="Cher" typeface="Plantagenet Cherokee"/>
+        <a:font script="Yiii" typeface="Microsoft Yi Baiti"/>
+        <a:font script="Tibt" typeface="Microsoft Himalaya"/>
+        <a:font script="Thaa" typeface="MV Boli"/>
+        <a:font script="Deva" typeface="Mangal"/>
+        <a:font script="Telu" typeface="Gautami"/>
+        <a:font script="Taml" typeface="Latha"/>
+        <a:font script="Syrc" typeface="Estrangelo Edessa"/>
+        <a:font script="Orya" typeface="Kalinga"/>
+        <a:font script="Mlym" typeface="Kartika"/>
+        <a:font script="Laoo" typeface="DokChampa"/>
+        <a:font script="Sinh" typeface="Iskoola Pota"/>
+        <a:font script="Mong" typeface="Mongolian Baiti"/>
+        <a:font script="Viet" typeface="Arial"/>
+        <a:font script="Uigh" typeface="Microsoft Uighur"/>
+        <a:font script="Geor" typeface="Sylfaen"/>
+        <a:font script="Armn" typeface="Arial"/>
+        <a:font script="Bugi" typeface="Leelawadee UI"/>
+        <a:font script="Bopo" typeface="Microsoft JhengHei"/>
+        <a:font script="Java" typeface="Javanese Text"/>
+        <a:font script="Lisu" typeface="Segoe UI"/>
+        <a:font script="Mymr" typeface="Myanmar Text"/>
+        <a:font script="Nkoo" typeface="Ebrima"/>
+        <a:font script="Olck" typeface="Nirmala UI"/>
+        <a:font script="Osma" typeface="Ebrima"/>
+        <a:font script="Phag" typeface="Phagspa"/>
+        <a:font script="Syrn" typeface="Estrangelo Edessa"/>
+        <a:font script="Syrj" typeface="Estrangelo Edessa"/>
+        <a:font script="Syre" typeface="Estrangelo Edessa"/>
+        <a:font script="Sora" typeface="Nirmala UI"/>
+        <a:font script="Tale" typeface="Microsoft Tai Le"/>
+        <a:font script="Talu" typeface="Microsoft New Tai Lue"/>
+        <a:font script="Tfng" typeface="Ebrima"/>
+      </a:minorFont>
+    </a:fontScheme>
+    <a:fmtScheme name="Office">
+      <a:fillStyleLst>
+        <a:solidFill>
+          <a:schemeClr val="phClr"/>
+        </a:solidFill>
+        <a:gradFill rotWithShape="1">
+          <a:gsLst>
+            <a:gs pos="0">
+              <a:schemeClr val="phClr">
+                <a:lumMod val="110000"/>
+                <a:satMod val="105000"/>
+                <a:tint val="67000"/>
+              </a:schemeClr>
+            </a:gs>
+            <a:gs pos="50000">
+              <a:schemeClr val="phClr">
+                <a:lumMod val="105000"/>
+                <a:satMod val="103000"/>
+                <a:tint val="73000"/>
+              </a:schemeClr>
+            </a:gs>
+            <a:gs pos="100000">
+              <a:schemeClr val="phClr">
+                <a:lumMod val="105000"/>
+                <a:satMod val="109000"/>
+                <a:tint val="81000"/>
+              </a:schemeClr>
+            </a:gs>
+          </a:gsLst>
+          <a:lin ang="5400000" scaled="0"/>
+        </a:gradFill>
+        <a:gradFill rotWithShape="1">
+          <a:gsLst>
+            <a:gs pos="0">
+              <a:schemeClr val="phClr">
+                <a:satMod val="103000"/>
+                <a:lumMod val="102000"/>
+                <a:tint val="94000"/>
+              </a:schemeClr>
+            </a:gs>
+            <a:gs pos="50000">
+              <a:schemeClr val="phClr">
+                <a:satMod val="110000"/>
+                <a:lumMod val="100000"/>
+                <a:shade val="100000"/>
+              </a:schemeClr>
+            </a:gs>
+            <a:gs pos="100000">
+              <a:schemeClr val="phClr">
+                <a:lumMod val="99000"/>
+                <a:satMod val="120000"/>
+                <a:shade val="78000"/>
+              </a:schemeClr>
+            </a:gs>
+          </a:gsLst>
+          <a:lin ang="5400000" scaled="0"/>
+        </a:gradFill>
+      </a:fillStyleLst>
+      <a:lnStyleLst>
+        <a:ln w="6350" cap="flat" cmpd="sng" algn="ctr">
+          <a:solidFill>
+            <a:schemeClr val="phClr"/>
+          </a:solidFill>
+          <a:prstDash val="solid"/>
+          <a:miter lim="800000"/>
+        </a:ln>
+        <a:ln w="12700" cap="flat" cmpd="sng" algn="ctr">
+          <a:solidFill>
+            <a:schemeClr val="phClr"/>
+          </a:solidFill>
+          <a:prstDash val="solid"/>
+          <a:miter lim="800000"/>
+        </a:ln>
+        <a:ln w="19050" cap="flat" cmpd="sng" algn="ctr">
+          <a:solidFill>
+            <a:schemeClr val="phClr"/>
+          </a:solidFill>
+          <a:prstDash val="solid"/>
+          <a:miter lim="800000"/>
+        </a:ln>
+      </a:lnStyleLst>
+      <a:effectStyleLst>
+        <a:effectStyle>
+          <a:effectLst/>
+        </a:effectStyle>
+        <a:effectStyle>
+          <a:effectLst/>
+        </a:effectStyle>
+        <a:effectStyle>
+          <a:effectLst>
+            <a:outerShdw blurRad="57150" dist="19050" dir="5400000" algn="ctr" rotWithShape="0">
+              <a:srgbClr val="000000">
+                <a:alpha val="63000"/>
+              </a:srgbClr>
+            </a:outerShdw>
+          </a:effectLst>
+        </a:effectStyle>
+      </a:effectStyleLst>
+      <a:bgFillStyleLst>
+        <a:solidFill>
+          <a:schemeClr val="phClr"/>
+        </a:solidFill>
+        <a:solidFill>
+          <a:schemeClr val="phClr">
+            <a:tint val="95000"/>
+            <a:satMod val="170000"/>
+          </a:schemeClr>
+        </a:solidFill>
+        <a:gradFill rotWithShape="1">
+          <a:gsLst>
+            <a:gs pos="0">
+              <a:schemeClr val="phClr">
+                <a:tint val="93000"/>
+                <a:satMod val="150000"/>
+                <a:shade val="98000"/>
+                <a:lumMod val="102000"/>
+              </a:schemeClr>
+            </a:gs>
+            <a:gs pos="50000">
+              <a:schemeClr val="phClr">
+                <a:tint val="98000"/>
+                <a:satMod val="130000"/>
+                <a:shade val="90000"/>
+                <a:lumMod val="103000"/>
+              </a:schemeClr>
+            </a:gs>
+            <a:gs pos="100000">
+              <a:schemeClr val="phClr">
+                <a:shade val="63000"/>
+                <a:satMod val="120000"/>
+              </a:schemeClr>
+            </a:gs>
+          </a:gsLst>
+          <a:lin ang="5400000" scaled="0"/>
+        </a:gradFill>
+      </a:bgFillStyleLst>
+    </a:fmtScheme>
+  </a:themeElements>
+  <a:objectDefaults/>
+  <a:extraClrSchemeLst/>
+  <a:extLst>
+    <a:ext uri="{05A4C25C-085E-4340-85A3-A5531E510DB2}">
+      <thm15:themeFamily xmlns:thm15="http://schemas.microsoft.com/office/thememl/2012/main" name="Office Theme" id="{62F939B6-93AF-4DB8-9C6B-D6C7DFDC589F}" vid="{4A3C46E8-61CC-4603-A589-7422A47A8E4A}"/>
+    </a:ext>
+  </a:extLst>
+</a:theme>
 </file>